--- a/HandsOn/Group03/Presentacion.pptx
+++ b/HandsOn/Group03/Presentacion.pptx
@@ -7,29 +7,30 @@
   <p:sldIdLst>
     <p:sldId id="256" r:id="rId5"/>
     <p:sldId id="258" r:id="rId6"/>
-    <p:sldId id="260" r:id="rId7"/>
-    <p:sldId id="261" r:id="rId8"/>
-    <p:sldId id="262" r:id="rId9"/>
-    <p:sldId id="263" r:id="rId10"/>
-    <p:sldId id="264" r:id="rId11"/>
-    <p:sldId id="265" r:id="rId12"/>
-    <p:sldId id="266" r:id="rId13"/>
-    <p:sldId id="267" r:id="rId14"/>
-    <p:sldId id="268" r:id="rId15"/>
-    <p:sldId id="269" r:id="rId16"/>
-    <p:sldId id="270" r:id="rId17"/>
-    <p:sldId id="275" r:id="rId18"/>
-    <p:sldId id="276" r:id="rId19"/>
-    <p:sldId id="277" r:id="rId20"/>
-    <p:sldId id="278" r:id="rId21"/>
-    <p:sldId id="271" r:id="rId22"/>
-    <p:sldId id="273" r:id="rId23"/>
-    <p:sldId id="274" r:id="rId24"/>
-    <p:sldId id="272" r:id="rId25"/>
-    <p:sldId id="279" r:id="rId26"/>
-    <p:sldId id="280" r:id="rId27"/>
-    <p:sldId id="281" r:id="rId28"/>
-    <p:sldId id="282" r:id="rId29"/>
+    <p:sldId id="283" r:id="rId7"/>
+    <p:sldId id="260" r:id="rId8"/>
+    <p:sldId id="261" r:id="rId9"/>
+    <p:sldId id="262" r:id="rId10"/>
+    <p:sldId id="263" r:id="rId11"/>
+    <p:sldId id="264" r:id="rId12"/>
+    <p:sldId id="265" r:id="rId13"/>
+    <p:sldId id="266" r:id="rId14"/>
+    <p:sldId id="267" r:id="rId15"/>
+    <p:sldId id="268" r:id="rId16"/>
+    <p:sldId id="269" r:id="rId17"/>
+    <p:sldId id="270" r:id="rId18"/>
+    <p:sldId id="275" r:id="rId19"/>
+    <p:sldId id="276" r:id="rId20"/>
+    <p:sldId id="277" r:id="rId21"/>
+    <p:sldId id="278" r:id="rId22"/>
+    <p:sldId id="271" r:id="rId23"/>
+    <p:sldId id="273" r:id="rId24"/>
+    <p:sldId id="274" r:id="rId25"/>
+    <p:sldId id="272" r:id="rId26"/>
+    <p:sldId id="279" r:id="rId27"/>
+    <p:sldId id="280" r:id="rId28"/>
+    <p:sldId id="281" r:id="rId29"/>
+    <p:sldId id="282" r:id="rId30"/>
   </p:sldIdLst>
   <p:sldSz cx="12192000" cy="6858000"/>
   <p:notesSz cx="6858000" cy="9144000"/>
@@ -141,6 +142,7 @@
   <p1510:revLst>
     <p1510:client id="{01F64346-84EA-2F88-830E-9C71141496E7}" v="73" vWet="74" dt="2023-11-10T09:58:24.520"/>
     <p1510:client id="{17C97C69-17C0-4341-83E0-151432A9759D}" v="403" dt="2023-11-10T13:09:12.785"/>
+    <p1510:client id="{A859837F-7983-36F8-B953-D17561018244}" v="31" dt="2023-11-12T12:00:12.700"/>
     <p1510:client id="{C4668F3A-6895-1FB2-40A2-D1788A63F24B}" v="2" dt="2023-11-11T15:54:31.539"/>
   </p1510:revLst>
 </p1510:revInfo>
@@ -308,7 +310,7 @@
           <a:p>
             <a:fld id="{E6171E64-FE02-4DE5-B72F-53C3706641C3}" type="datetimeFigureOut">
               <a:rPr lang="en-US" smtClean="0"/>
-              <a:t>11/11/2023</a:t>
+              <a:t>11/12/2023</a:t>
             </a:fld>
             <a:endParaRPr lang="en-US"/>
           </a:p>
@@ -695,7 +697,7 @@
           <a:p>
             <a:fld id="{E6171E64-FE02-4DE5-B72F-53C3706641C3}" type="datetimeFigureOut">
               <a:rPr lang="en-US" smtClean="0"/>
-              <a:t>11/11/2023</a:t>
+              <a:t>11/12/2023</a:t>
             </a:fld>
             <a:endParaRPr lang="en-US"/>
           </a:p>
@@ -1088,7 +1090,7 @@
           <a:p>
             <a:fld id="{E6171E64-FE02-4DE5-B72F-53C3706641C3}" type="datetimeFigureOut">
               <a:rPr lang="en-US" smtClean="0"/>
-              <a:t>11/11/2023</a:t>
+              <a:t>11/12/2023</a:t>
             </a:fld>
             <a:endParaRPr lang="en-US"/>
           </a:p>
@@ -1503,7 +1505,7 @@
           <a:p>
             <a:fld id="{E6171E64-FE02-4DE5-B72F-53C3706641C3}" type="datetimeFigureOut">
               <a:rPr lang="en-US" smtClean="0"/>
-              <a:t>11/11/2023</a:t>
+              <a:t>11/12/2023</a:t>
             </a:fld>
             <a:endParaRPr lang="en-US"/>
           </a:p>
@@ -1845,7 +1847,7 @@
           <a:p>
             <a:fld id="{E6171E64-FE02-4DE5-B72F-53C3706641C3}" type="datetimeFigureOut">
               <a:rPr lang="en-US" smtClean="0"/>
-              <a:t>11/11/2023</a:t>
+              <a:t>11/12/2023</a:t>
             </a:fld>
             <a:endParaRPr lang="en-US"/>
           </a:p>
@@ -2169,7 +2171,7 @@
           <a:p>
             <a:fld id="{E6171E64-FE02-4DE5-B72F-53C3706641C3}" type="datetimeFigureOut">
               <a:rPr lang="en-US" smtClean="0"/>
-              <a:t>11/11/2023</a:t>
+              <a:t>11/12/2023</a:t>
             </a:fld>
             <a:endParaRPr lang="en-US"/>
           </a:p>
@@ -2650,7 +2652,7 @@
           <a:p>
             <a:fld id="{E6171E64-FE02-4DE5-B72F-53C3706641C3}" type="datetimeFigureOut">
               <a:rPr lang="en-US" smtClean="0"/>
-              <a:t>11/11/2023</a:t>
+              <a:t>11/12/2023</a:t>
             </a:fld>
             <a:endParaRPr lang="en-US"/>
           </a:p>
@@ -2812,7 +2814,7 @@
           <a:p>
             <a:fld id="{E6171E64-FE02-4DE5-B72F-53C3706641C3}" type="datetimeFigureOut">
               <a:rPr lang="en-US" smtClean="0"/>
-              <a:t>11/11/2023</a:t>
+              <a:t>11/12/2023</a:t>
             </a:fld>
             <a:endParaRPr lang="en-US"/>
           </a:p>
@@ -2925,7 +2927,7 @@
           <a:p>
             <a:fld id="{E6171E64-FE02-4DE5-B72F-53C3706641C3}" type="datetimeFigureOut">
               <a:rPr lang="en-US" smtClean="0"/>
-              <a:t>11/11/2023</a:t>
+              <a:t>11/12/2023</a:t>
             </a:fld>
             <a:endParaRPr lang="en-US"/>
           </a:p>
@@ -3247,7 +3249,7 @@
           <a:p>
             <a:fld id="{E6171E64-FE02-4DE5-B72F-53C3706641C3}" type="datetimeFigureOut">
               <a:rPr lang="en-US" smtClean="0"/>
-              <a:t>11/11/2023</a:t>
+              <a:t>11/12/2023</a:t>
             </a:fld>
             <a:endParaRPr lang="en-US"/>
           </a:p>
@@ -3549,7 +3551,7 @@
           <a:p>
             <a:fld id="{E6171E64-FE02-4DE5-B72F-53C3706641C3}" type="datetimeFigureOut">
               <a:rPr lang="en-US" smtClean="0"/>
-              <a:t>11/11/2023</a:t>
+              <a:t>11/12/2023</a:t>
             </a:fld>
             <a:endParaRPr lang="en-US"/>
           </a:p>
@@ -3790,7 +3792,7 @@
           <a:p>
             <a:fld id="{E6171E64-FE02-4DE5-B72F-53C3706641C3}" type="datetimeFigureOut">
               <a:rPr lang="en-US" smtClean="0"/>
-              <a:t>11/11/2023</a:t>
+              <a:t>11/12/2023</a:t>
             </a:fld>
             <a:endParaRPr lang="en-US"/>
           </a:p>
@@ -4656,7 +4658,7 @@
           <p:cNvPr id="3" name="Picture 3">
             <a:extLst>
               <a:ext uri="{FF2B5EF4-FFF2-40B4-BE49-F238E27FC236}">
-                <a16:creationId xmlns:a16="http://schemas.microsoft.com/office/drawing/2014/main" id="{71B03B0D-A19F-8E29-3FE8-A776007F6C50}"/>
+                <a16:creationId xmlns:a16="http://schemas.microsoft.com/office/drawing/2014/main" id="{FBCC56E4-4EE3-DF8C-21AC-B277EDFABFFB}"/>
               </a:ext>
             </a:extLst>
           </p:cNvPr>
@@ -4688,7 +4690,7 @@
           <p:cNvPr id="2" name="Imagen 1">
             <a:extLst>
               <a:ext uri="{FF2B5EF4-FFF2-40B4-BE49-F238E27FC236}">
-                <a16:creationId xmlns:a16="http://schemas.microsoft.com/office/drawing/2014/main" id="{16743892-8FBC-B715-D4A7-9EF17958D3CC}"/>
+                <a16:creationId xmlns:a16="http://schemas.microsoft.com/office/drawing/2014/main" id="{5E4F5F6C-A4A9-E385-77D2-894D6A918CF6}"/>
               </a:ext>
             </a:extLst>
           </p:cNvPr>
@@ -4705,8 +4707,8 @@
         </p:blipFill>
         <p:spPr>
           <a:xfrm>
-            <a:off x="0" y="562084"/>
-            <a:ext cx="12192000" cy="5733822"/>
+            <a:off x="0" y="544467"/>
+            <a:ext cx="12191980" cy="5769076"/>
           </a:xfrm>
           <a:prstGeom prst="rect">
             <a:avLst/>
@@ -4716,7 +4718,7 @@
     </p:spTree>
     <p:extLst>
       <p:ext uri="{BB962C8B-B14F-4D97-AF65-F5344CB8AC3E}">
-        <p14:creationId xmlns:p14="http://schemas.microsoft.com/office/powerpoint/2010/main" val="4098601358"/>
+        <p14:creationId xmlns:p14="http://schemas.microsoft.com/office/powerpoint/2010/main" val="1682990297"/>
       </p:ext>
     </p:extLst>
   </p:cSld>
@@ -4748,7 +4750,7 @@
           <p:cNvPr id="3" name="Picture 3">
             <a:extLst>
               <a:ext uri="{FF2B5EF4-FFF2-40B4-BE49-F238E27FC236}">
-                <a16:creationId xmlns:a16="http://schemas.microsoft.com/office/drawing/2014/main" id="{2415D3B8-5530-2AE8-CADA-91C464C2278F}"/>
+                <a16:creationId xmlns:a16="http://schemas.microsoft.com/office/drawing/2014/main" id="{71B03B0D-A19F-8E29-3FE8-A776007F6C50}"/>
               </a:ext>
             </a:extLst>
           </p:cNvPr>
@@ -4780,7 +4782,7 @@
           <p:cNvPr id="2" name="Imagen 1">
             <a:extLst>
               <a:ext uri="{FF2B5EF4-FFF2-40B4-BE49-F238E27FC236}">
-                <a16:creationId xmlns:a16="http://schemas.microsoft.com/office/drawing/2014/main" id="{0DB66CDA-21E0-B75C-56D7-7C55CBCDE3B9}"/>
+                <a16:creationId xmlns:a16="http://schemas.microsoft.com/office/drawing/2014/main" id="{16743892-8FBC-B715-D4A7-9EF17958D3CC}"/>
               </a:ext>
             </a:extLst>
           </p:cNvPr>
@@ -4797,8 +4799,8 @@
         </p:blipFill>
         <p:spPr>
           <a:xfrm>
-            <a:off x="0" y="571509"/>
-            <a:ext cx="12191980" cy="5714992"/>
+            <a:off x="0" y="562084"/>
+            <a:ext cx="12192000" cy="5733822"/>
           </a:xfrm>
           <a:prstGeom prst="rect">
             <a:avLst/>
@@ -4808,7 +4810,7 @@
     </p:spTree>
     <p:extLst>
       <p:ext uri="{BB962C8B-B14F-4D97-AF65-F5344CB8AC3E}">
-        <p14:creationId xmlns:p14="http://schemas.microsoft.com/office/powerpoint/2010/main" val="101900742"/>
+        <p14:creationId xmlns:p14="http://schemas.microsoft.com/office/powerpoint/2010/main" val="4098601358"/>
       </p:ext>
     </p:extLst>
   </p:cSld>
@@ -4840,7 +4842,7 @@
           <p:cNvPr id="3" name="Picture 3">
             <a:extLst>
               <a:ext uri="{FF2B5EF4-FFF2-40B4-BE49-F238E27FC236}">
-                <a16:creationId xmlns:a16="http://schemas.microsoft.com/office/drawing/2014/main" id="{2706CBE4-1038-FDA1-DC43-65962633CFA7}"/>
+                <a16:creationId xmlns:a16="http://schemas.microsoft.com/office/drawing/2014/main" id="{2415D3B8-5530-2AE8-CADA-91C464C2278F}"/>
               </a:ext>
             </a:extLst>
           </p:cNvPr>
@@ -4872,7 +4874,7 @@
           <p:cNvPr id="2" name="Imagen 1">
             <a:extLst>
               <a:ext uri="{FF2B5EF4-FFF2-40B4-BE49-F238E27FC236}">
-                <a16:creationId xmlns:a16="http://schemas.microsoft.com/office/drawing/2014/main" id="{C2E78F48-EE62-E436-DB54-115960BAB45C}"/>
+                <a16:creationId xmlns:a16="http://schemas.microsoft.com/office/drawing/2014/main" id="{0DB66CDA-21E0-B75C-56D7-7C55CBCDE3B9}"/>
               </a:ext>
             </a:extLst>
           </p:cNvPr>
@@ -4889,8 +4891,8 @@
         </p:blipFill>
         <p:spPr>
           <a:xfrm>
-            <a:off x="0" y="567688"/>
-            <a:ext cx="12192000" cy="5722622"/>
+            <a:off x="0" y="571509"/>
+            <a:ext cx="12191980" cy="5714992"/>
           </a:xfrm>
           <a:prstGeom prst="rect">
             <a:avLst/>
@@ -4900,7 +4902,7 @@
     </p:spTree>
     <p:extLst>
       <p:ext uri="{BB962C8B-B14F-4D97-AF65-F5344CB8AC3E}">
-        <p14:creationId xmlns:p14="http://schemas.microsoft.com/office/powerpoint/2010/main" val="1417128545"/>
+        <p14:creationId xmlns:p14="http://schemas.microsoft.com/office/powerpoint/2010/main" val="101900742"/>
       </p:ext>
     </p:extLst>
   </p:cSld>
@@ -4929,10 +4931,10 @@
       </p:grpSpPr>
       <p:pic>
         <p:nvPicPr>
-          <p:cNvPr id="6" name="Picture 3">
-            <a:extLst>
-              <a:ext uri="{FF2B5EF4-FFF2-40B4-BE49-F238E27FC236}">
-                <a16:creationId xmlns:a16="http://schemas.microsoft.com/office/drawing/2014/main" id="{4122A97E-DB51-A268-5042-7442AC97EF79}"/>
+          <p:cNvPr id="3" name="Picture 3">
+            <a:extLst>
+              <a:ext uri="{FF2B5EF4-FFF2-40B4-BE49-F238E27FC236}">
+                <a16:creationId xmlns:a16="http://schemas.microsoft.com/office/drawing/2014/main" id="{2706CBE4-1038-FDA1-DC43-65962633CFA7}"/>
               </a:ext>
             </a:extLst>
           </p:cNvPr>
@@ -4961,10 +4963,10 @@
       </p:pic>
       <p:pic>
         <p:nvPicPr>
-          <p:cNvPr id="3" name="Imagen 2" descr="Interfaz de usuario gráfica, Texto, Aplicación, Correo electrónico&#10;&#10;Descripción generada automáticamente">
-            <a:extLst>
-              <a:ext uri="{FF2B5EF4-FFF2-40B4-BE49-F238E27FC236}">
-                <a16:creationId xmlns:a16="http://schemas.microsoft.com/office/drawing/2014/main" id="{DC626F57-B6D9-D519-2882-54CBFEA71BBD}"/>
+          <p:cNvPr id="2" name="Imagen 1">
+            <a:extLst>
+              <a:ext uri="{FF2B5EF4-FFF2-40B4-BE49-F238E27FC236}">
+                <a16:creationId xmlns:a16="http://schemas.microsoft.com/office/drawing/2014/main" id="{C2E78F48-EE62-E436-DB54-115960BAB45C}"/>
               </a:ext>
             </a:extLst>
           </p:cNvPr>
@@ -4981,86 +4983,18 @@
         </p:blipFill>
         <p:spPr>
           <a:xfrm>
-            <a:off x="0" y="132588"/>
-            <a:ext cx="11815312" cy="5545002"/>
+            <a:off x="0" y="567688"/>
+            <a:ext cx="12192000" cy="5722622"/>
           </a:xfrm>
           <a:prstGeom prst="rect">
             <a:avLst/>
           </a:prstGeom>
         </p:spPr>
       </p:pic>
-      <p:sp>
-        <p:nvSpPr>
-          <p:cNvPr id="5" name="CuadroTexto 4">
-            <a:extLst>
-              <a:ext uri="{FF2B5EF4-FFF2-40B4-BE49-F238E27FC236}">
-                <a16:creationId xmlns:a16="http://schemas.microsoft.com/office/drawing/2014/main" id="{57E668E5-23F4-8374-1067-32EFBC67F4A7}"/>
-              </a:ext>
-            </a:extLst>
-          </p:cNvPr>
-          <p:cNvSpPr txBox="1"/>
-          <p:nvPr/>
-        </p:nvSpPr>
-        <p:spPr>
-          <a:xfrm>
-            <a:off x="7213600" y="4332850"/>
-            <a:ext cx="4601712" cy="1477328"/>
-          </a:xfrm>
-          <a:prstGeom prst="rect">
-            <a:avLst/>
-          </a:prstGeom>
-          <a:noFill/>
-        </p:spPr>
-        <p:txBody>
-          <a:bodyPr wrap="square">
-            <a:spAutoFit/>
-          </a:bodyPr>
-          <a:lstStyle/>
-          <a:p>
-            <a:r>
-              <a:rPr lang="es-ES" dirty="0">
-                <a:hlinkClick r:id="rId4"/>
-              </a:rPr>
-              <a:t>https://wikidata.org/prop/direct/P31</a:t>
-            </a:r>
-            <a:endParaRPr lang="es-ES" dirty="0"/>
-          </a:p>
-          <a:p>
-            <a:r>
-              <a:rPr lang="es-ES" dirty="0">
-                <a:hlinkClick r:id="rId5"/>
-              </a:rPr>
-              <a:t>https://wikidata.org/prop/direct/P131</a:t>
-            </a:r>
-            <a:endParaRPr lang="es-ES" dirty="0"/>
-          </a:p>
-          <a:p>
-            <a:r>
-              <a:rPr lang="es-ES" dirty="0">
-                <a:hlinkClick r:id="rId6"/>
-              </a:rPr>
-              <a:t>https://wikidata.org/prop/direct/P17</a:t>
-            </a:r>
-            <a:endParaRPr lang="es-ES" dirty="0"/>
-          </a:p>
-          <a:p>
-            <a:r>
-              <a:rPr lang="es-ES" dirty="0">
-                <a:hlinkClick r:id="rId7"/>
-              </a:rPr>
-              <a:t>https://wikidata.org/prop/direct/P1343</a:t>
-            </a:r>
-            <a:endParaRPr lang="es-ES" dirty="0"/>
-          </a:p>
-          <a:p>
-            <a:endParaRPr lang="es-ES" dirty="0"/>
-          </a:p>
-        </p:txBody>
-      </p:sp>
     </p:spTree>
     <p:extLst>
       <p:ext uri="{BB962C8B-B14F-4D97-AF65-F5344CB8AC3E}">
-        <p14:creationId xmlns:p14="http://schemas.microsoft.com/office/powerpoint/2010/main" val="3386082475"/>
+        <p14:creationId xmlns:p14="http://schemas.microsoft.com/office/powerpoint/2010/main" val="1417128545"/>
       </p:ext>
     </p:extLst>
   </p:cSld>
@@ -5119,52 +5053,12 @@
           <a:noFill/>
         </p:spPr>
       </p:pic>
-      <p:sp>
-        <p:nvSpPr>
-          <p:cNvPr id="5" name="CuadroTexto 4">
-            <a:extLst>
-              <a:ext uri="{FF2B5EF4-FFF2-40B4-BE49-F238E27FC236}">
-                <a16:creationId xmlns:a16="http://schemas.microsoft.com/office/drawing/2014/main" id="{57E668E5-23F4-8374-1067-32EFBC67F4A7}"/>
-              </a:ext>
-            </a:extLst>
-          </p:cNvPr>
-          <p:cNvSpPr txBox="1"/>
-          <p:nvPr/>
-        </p:nvSpPr>
-        <p:spPr>
-          <a:xfrm>
-            <a:off x="88070" y="3130788"/>
-            <a:ext cx="4601712" cy="369332"/>
-          </a:xfrm>
-          <a:prstGeom prst="rect">
-            <a:avLst/>
-          </a:prstGeom>
-          <a:solidFill>
-            <a:schemeClr val="bg1"/>
-          </a:solidFill>
-        </p:spPr>
-        <p:txBody>
-          <a:bodyPr wrap="square">
-            <a:spAutoFit/>
-          </a:bodyPr>
-          <a:lstStyle/>
-          <a:p>
-            <a:r>
-              <a:rPr lang="es-ES" dirty="0">
-                <a:hlinkClick r:id="rId3"/>
-              </a:rPr>
-              <a:t>https://wikidata.org/prop/direct/P31</a:t>
-            </a:r>
-            <a:endParaRPr lang="es-ES" dirty="0"/>
-          </a:p>
-        </p:txBody>
-      </p:sp>
       <p:pic>
         <p:nvPicPr>
-          <p:cNvPr id="4" name="Imagen 3">
-            <a:extLst>
-              <a:ext uri="{FF2B5EF4-FFF2-40B4-BE49-F238E27FC236}">
-                <a16:creationId xmlns:a16="http://schemas.microsoft.com/office/drawing/2014/main" id="{9B8AF7DE-D2AD-2ED0-9797-A9F70A018B06}"/>
+          <p:cNvPr id="3" name="Imagen 2" descr="Interfaz de usuario gráfica, Texto, Aplicación, Correo electrónico&#10;&#10;Descripción generada automáticamente">
+            <a:extLst>
+              <a:ext uri="{FF2B5EF4-FFF2-40B4-BE49-F238E27FC236}">
+                <a16:creationId xmlns:a16="http://schemas.microsoft.com/office/drawing/2014/main" id="{DC626F57-B6D9-D519-2882-54CBFEA71BBD}"/>
               </a:ext>
             </a:extLst>
           </p:cNvPr>
@@ -5174,25 +5068,93 @@
           <p:nvPr/>
         </p:nvPicPr>
         <p:blipFill>
-          <a:blip r:embed="rId4"/>
+          <a:blip r:embed="rId3"/>
           <a:stretch>
             <a:fillRect/>
           </a:stretch>
         </p:blipFill>
         <p:spPr>
           <a:xfrm>
-            <a:off x="4418782" y="696451"/>
-            <a:ext cx="7360028" cy="5607338"/>
+            <a:off x="0" y="132588"/>
+            <a:ext cx="11815312" cy="5545002"/>
           </a:xfrm>
           <a:prstGeom prst="rect">
             <a:avLst/>
           </a:prstGeom>
         </p:spPr>
       </p:pic>
+      <p:sp>
+        <p:nvSpPr>
+          <p:cNvPr id="5" name="CuadroTexto 4">
+            <a:extLst>
+              <a:ext uri="{FF2B5EF4-FFF2-40B4-BE49-F238E27FC236}">
+                <a16:creationId xmlns:a16="http://schemas.microsoft.com/office/drawing/2014/main" id="{57E668E5-23F4-8374-1067-32EFBC67F4A7}"/>
+              </a:ext>
+            </a:extLst>
+          </p:cNvPr>
+          <p:cNvSpPr txBox="1"/>
+          <p:nvPr/>
+        </p:nvSpPr>
+        <p:spPr>
+          <a:xfrm>
+            <a:off x="7213600" y="4332850"/>
+            <a:ext cx="4601712" cy="1477328"/>
+          </a:xfrm>
+          <a:prstGeom prst="rect">
+            <a:avLst/>
+          </a:prstGeom>
+          <a:noFill/>
+        </p:spPr>
+        <p:txBody>
+          <a:bodyPr wrap="square">
+            <a:spAutoFit/>
+          </a:bodyPr>
+          <a:lstStyle/>
+          <a:p>
+            <a:r>
+              <a:rPr lang="es-ES" dirty="0">
+                <a:hlinkClick r:id="rId4"/>
+              </a:rPr>
+              <a:t>https://wikidata.org/prop/direct/P31</a:t>
+            </a:r>
+            <a:endParaRPr lang="es-ES" dirty="0"/>
+          </a:p>
+          <a:p>
+            <a:r>
+              <a:rPr lang="es-ES" dirty="0">
+                <a:hlinkClick r:id="rId5"/>
+              </a:rPr>
+              <a:t>https://wikidata.org/prop/direct/P131</a:t>
+            </a:r>
+            <a:endParaRPr lang="es-ES" dirty="0"/>
+          </a:p>
+          <a:p>
+            <a:r>
+              <a:rPr lang="es-ES" dirty="0">
+                <a:hlinkClick r:id="rId6"/>
+              </a:rPr>
+              <a:t>https://wikidata.org/prop/direct/P17</a:t>
+            </a:r>
+            <a:endParaRPr lang="es-ES" dirty="0"/>
+          </a:p>
+          <a:p>
+            <a:r>
+              <a:rPr lang="es-ES" dirty="0">
+                <a:hlinkClick r:id="rId7"/>
+              </a:rPr>
+              <a:t>https://wikidata.org/prop/direct/P1343</a:t>
+            </a:r>
+            <a:endParaRPr lang="es-ES" dirty="0"/>
+          </a:p>
+          <a:p>
+            <a:endParaRPr lang="es-ES" dirty="0"/>
+          </a:p>
+        </p:txBody>
+      </p:sp>
     </p:spTree>
     <p:extLst>
       <p:ext uri="{BB962C8B-B14F-4D97-AF65-F5344CB8AC3E}">
-        <p14:creationId xmlns:p14="http://schemas.microsoft.com/office/powerpoint/2010/main" val="2003724065"/>
+        <p14:creationId xmlns:p14="http://schemas.microsoft.com/office/powerpoint/2010/main" val="3386082475"/>
       </p:ext>
     </p:extLst>
   </p:cSld>
@@ -5285,7 +5247,7 @@
               <a:rPr lang="es-ES" dirty="0">
                 <a:hlinkClick r:id="rId3"/>
               </a:rPr>
-              <a:t>https://wikidata.org/prop/direct/P131</a:t>
+              <a:t>https://wikidata.org/prop/direct/P31</a:t>
             </a:r>
             <a:endParaRPr lang="es-ES" dirty="0"/>
           </a:p>
@@ -5293,10 +5255,10 @@
       </p:sp>
       <p:pic>
         <p:nvPicPr>
-          <p:cNvPr id="3" name="Imagen 2">
-            <a:extLst>
-              <a:ext uri="{FF2B5EF4-FFF2-40B4-BE49-F238E27FC236}">
-                <a16:creationId xmlns:a16="http://schemas.microsoft.com/office/drawing/2014/main" id="{1B7C0C6E-48A2-A827-50D2-EB904F39A79C}"/>
+          <p:cNvPr id="4" name="Imagen 3">
+            <a:extLst>
+              <a:ext uri="{FF2B5EF4-FFF2-40B4-BE49-F238E27FC236}">
+                <a16:creationId xmlns:a16="http://schemas.microsoft.com/office/drawing/2014/main" id="{9B8AF7DE-D2AD-2ED0-9797-A9F70A018B06}"/>
               </a:ext>
             </a:extLst>
           </p:cNvPr>
@@ -5313,8 +5275,8 @@
         </p:blipFill>
         <p:spPr>
           <a:xfrm>
-            <a:off x="4274623" y="639298"/>
-            <a:ext cx="7645793" cy="5721644"/>
+            <a:off x="4418782" y="696451"/>
+            <a:ext cx="7360028" cy="5607338"/>
           </a:xfrm>
           <a:prstGeom prst="rect">
             <a:avLst/>
@@ -5324,7 +5286,7 @@
     </p:spTree>
     <p:extLst>
       <p:ext uri="{BB962C8B-B14F-4D97-AF65-F5344CB8AC3E}">
-        <p14:creationId xmlns:p14="http://schemas.microsoft.com/office/powerpoint/2010/main" val="127913125"/>
+        <p14:creationId xmlns:p14="http://schemas.microsoft.com/office/powerpoint/2010/main" val="2003724065"/>
       </p:ext>
     </p:extLst>
   </p:cSld>
@@ -5397,7 +5359,7 @@
         </p:nvSpPr>
         <p:spPr>
           <a:xfrm>
-            <a:off x="77910" y="3130788"/>
+            <a:off x="88070" y="3130788"/>
             <a:ext cx="4601712" cy="369332"/>
           </a:xfrm>
           <a:prstGeom prst="rect">
@@ -5417,7 +5379,7 @@
               <a:rPr lang="es-ES" dirty="0">
                 <a:hlinkClick r:id="rId3"/>
               </a:rPr>
-              <a:t>https://wikidata.org/prop/direct/P17</a:t>
+              <a:t>https://wikidata.org/prop/direct/P131</a:t>
             </a:r>
             <a:endParaRPr lang="es-ES" dirty="0"/>
           </a:p>
@@ -5428,7 +5390,7 @@
           <p:cNvPr id="3" name="Imagen 2">
             <a:extLst>
               <a:ext uri="{FF2B5EF4-FFF2-40B4-BE49-F238E27FC236}">
-                <a16:creationId xmlns:a16="http://schemas.microsoft.com/office/drawing/2014/main" id="{040F17E9-418D-8E42-6377-3AC0573CC141}"/>
+                <a16:creationId xmlns:a16="http://schemas.microsoft.com/office/drawing/2014/main" id="{1B7C0C6E-48A2-A827-50D2-EB904F39A79C}"/>
               </a:ext>
             </a:extLst>
           </p:cNvPr>
@@ -5445,8 +5407,8 @@
         </p:blipFill>
         <p:spPr>
           <a:xfrm>
-            <a:off x="4114365" y="552297"/>
-            <a:ext cx="8077615" cy="5753396"/>
+            <a:off x="4274623" y="639298"/>
+            <a:ext cx="7645793" cy="5721644"/>
           </a:xfrm>
           <a:prstGeom prst="rect">
             <a:avLst/>
@@ -5456,7 +5418,7 @@
     </p:spTree>
     <p:extLst>
       <p:ext uri="{BB962C8B-B14F-4D97-AF65-F5344CB8AC3E}">
-        <p14:creationId xmlns:p14="http://schemas.microsoft.com/office/powerpoint/2010/main" val="2706610840"/>
+        <p14:creationId xmlns:p14="http://schemas.microsoft.com/office/powerpoint/2010/main" val="127913125"/>
       </p:ext>
     </p:extLst>
   </p:cSld>
@@ -5529,7 +5491,7 @@
         </p:nvSpPr>
         <p:spPr>
           <a:xfrm>
-            <a:off x="88070" y="3130788"/>
+            <a:off x="77910" y="3130788"/>
             <a:ext cx="4601712" cy="369332"/>
           </a:xfrm>
           <a:prstGeom prst="rect">
@@ -5549,7 +5511,7 @@
               <a:rPr lang="es-ES" dirty="0">
                 <a:hlinkClick r:id="rId3"/>
               </a:rPr>
-              <a:t>https://wikidata.org/prop/direct/P1343</a:t>
+              <a:t>https://wikidata.org/prop/direct/P17</a:t>
             </a:r>
             <a:endParaRPr lang="es-ES" dirty="0"/>
           </a:p>
@@ -5560,7 +5522,7 @@
           <p:cNvPr id="3" name="Imagen 2">
             <a:extLst>
               <a:ext uri="{FF2B5EF4-FFF2-40B4-BE49-F238E27FC236}">
-                <a16:creationId xmlns:a16="http://schemas.microsoft.com/office/drawing/2014/main" id="{961662CC-1D46-15B6-8916-04C64585F117}"/>
+                <a16:creationId xmlns:a16="http://schemas.microsoft.com/office/drawing/2014/main" id="{040F17E9-418D-8E42-6377-3AC0573CC141}"/>
               </a:ext>
             </a:extLst>
           </p:cNvPr>
@@ -5577,8 +5539,8 @@
         </p:blipFill>
         <p:spPr>
           <a:xfrm>
-            <a:off x="4463856" y="609450"/>
-            <a:ext cx="7531487" cy="5639090"/>
+            <a:off x="4114365" y="552297"/>
+            <a:ext cx="8077615" cy="5753396"/>
           </a:xfrm>
           <a:prstGeom prst="rect">
             <a:avLst/>
@@ -5588,7 +5550,7 @@
     </p:spTree>
     <p:extLst>
       <p:ext uri="{BB962C8B-B14F-4D97-AF65-F5344CB8AC3E}">
-        <p14:creationId xmlns:p14="http://schemas.microsoft.com/office/powerpoint/2010/main" val="3046631225"/>
+        <p14:creationId xmlns:p14="http://schemas.microsoft.com/office/powerpoint/2010/main" val="2706610840"/>
       </p:ext>
     </p:extLst>
   </p:cSld>
@@ -5617,10 +5579,10 @@
       </p:grpSpPr>
       <p:pic>
         <p:nvPicPr>
-          <p:cNvPr id="3" name="Picture 3">
-            <a:extLst>
-              <a:ext uri="{FF2B5EF4-FFF2-40B4-BE49-F238E27FC236}">
-                <a16:creationId xmlns:a16="http://schemas.microsoft.com/office/drawing/2014/main" id="{7626C21C-41FC-DD86-3564-21605378321C}"/>
+          <p:cNvPr id="6" name="Picture 3">
+            <a:extLst>
+              <a:ext uri="{FF2B5EF4-FFF2-40B4-BE49-F238E27FC236}">
+                <a16:creationId xmlns:a16="http://schemas.microsoft.com/office/drawing/2014/main" id="{4122A97E-DB51-A268-5042-7442AC97EF79}"/>
               </a:ext>
             </a:extLst>
           </p:cNvPr>
@@ -5647,12 +5609,52 @@
           <a:noFill/>
         </p:spPr>
       </p:pic>
+      <p:sp>
+        <p:nvSpPr>
+          <p:cNvPr id="5" name="CuadroTexto 4">
+            <a:extLst>
+              <a:ext uri="{FF2B5EF4-FFF2-40B4-BE49-F238E27FC236}">
+                <a16:creationId xmlns:a16="http://schemas.microsoft.com/office/drawing/2014/main" id="{57E668E5-23F4-8374-1067-32EFBC67F4A7}"/>
+              </a:ext>
+            </a:extLst>
+          </p:cNvPr>
+          <p:cNvSpPr txBox="1"/>
+          <p:nvPr/>
+        </p:nvSpPr>
+        <p:spPr>
+          <a:xfrm>
+            <a:off x="88070" y="3130788"/>
+            <a:ext cx="4601712" cy="369332"/>
+          </a:xfrm>
+          <a:prstGeom prst="rect">
+            <a:avLst/>
+          </a:prstGeom>
+          <a:solidFill>
+            <a:schemeClr val="bg1"/>
+          </a:solidFill>
+        </p:spPr>
+        <p:txBody>
+          <a:bodyPr wrap="square">
+            <a:spAutoFit/>
+          </a:bodyPr>
+          <a:lstStyle/>
+          <a:p>
+            <a:r>
+              <a:rPr lang="es-ES" dirty="0">
+                <a:hlinkClick r:id="rId3"/>
+              </a:rPr>
+              <a:t>https://wikidata.org/prop/direct/P1343</a:t>
+            </a:r>
+            <a:endParaRPr lang="es-ES" dirty="0"/>
+          </a:p>
+        </p:txBody>
+      </p:sp>
       <p:pic>
         <p:nvPicPr>
-          <p:cNvPr id="2" name="Imagen 1" descr="Interfaz de usuario gráfica, Texto, Aplicación, Correo electrónico&#10;&#10;Descripción generada automáticamente">
-            <a:extLst>
-              <a:ext uri="{FF2B5EF4-FFF2-40B4-BE49-F238E27FC236}">
-                <a16:creationId xmlns:a16="http://schemas.microsoft.com/office/drawing/2014/main" id="{0DB10173-5EF5-8C29-CEB4-4672EF96157B}"/>
+          <p:cNvPr id="3" name="Imagen 2">
+            <a:extLst>
+              <a:ext uri="{FF2B5EF4-FFF2-40B4-BE49-F238E27FC236}">
+                <a16:creationId xmlns:a16="http://schemas.microsoft.com/office/drawing/2014/main" id="{961662CC-1D46-15B6-8916-04C64585F117}"/>
               </a:ext>
             </a:extLst>
           </p:cNvPr>
@@ -5662,15 +5664,15 @@
           <p:nvPr/>
         </p:nvPicPr>
         <p:blipFill>
-          <a:blip r:embed="rId3"/>
+          <a:blip r:embed="rId4"/>
           <a:stretch>
             <a:fillRect/>
           </a:stretch>
         </p:blipFill>
         <p:spPr>
           <a:xfrm>
-            <a:off x="0" y="573459"/>
-            <a:ext cx="12276377" cy="5756221"/>
+            <a:off x="4463856" y="609450"/>
+            <a:ext cx="7531487" cy="5639090"/>
           </a:xfrm>
           <a:prstGeom prst="rect">
             <a:avLst/>
@@ -5680,7 +5682,7 @@
     </p:spTree>
     <p:extLst>
       <p:ext uri="{BB962C8B-B14F-4D97-AF65-F5344CB8AC3E}">
-        <p14:creationId xmlns:p14="http://schemas.microsoft.com/office/powerpoint/2010/main" val="3683001120"/>
+        <p14:creationId xmlns:p14="http://schemas.microsoft.com/office/powerpoint/2010/main" val="3046631225"/>
       </p:ext>
     </p:extLst>
   </p:cSld>
@@ -5712,7 +5714,7 @@
           <p:cNvPr id="3" name="Picture 3">
             <a:extLst>
               <a:ext uri="{FF2B5EF4-FFF2-40B4-BE49-F238E27FC236}">
-                <a16:creationId xmlns:a16="http://schemas.microsoft.com/office/drawing/2014/main" id="{C44A1DC0-0E5B-133D-7B24-11D52755543C}"/>
+                <a16:creationId xmlns:a16="http://schemas.microsoft.com/office/drawing/2014/main" id="{7626C21C-41FC-DD86-3564-21605378321C}"/>
               </a:ext>
             </a:extLst>
           </p:cNvPr>
@@ -5741,10 +5743,10 @@
       </p:pic>
       <p:pic>
         <p:nvPicPr>
-          <p:cNvPr id="2" name="Imagen 1">
-            <a:extLst>
-              <a:ext uri="{FF2B5EF4-FFF2-40B4-BE49-F238E27FC236}">
-                <a16:creationId xmlns:a16="http://schemas.microsoft.com/office/drawing/2014/main" id="{24BA3AF8-6B2A-129D-5DBF-57191ED63A8B}"/>
+          <p:cNvPr id="2" name="Imagen 1" descr="Interfaz de usuario gráfica, Texto, Aplicación, Correo electrónico&#10;&#10;Descripción generada automáticamente">
+            <a:extLst>
+              <a:ext uri="{FF2B5EF4-FFF2-40B4-BE49-F238E27FC236}">
+                <a16:creationId xmlns:a16="http://schemas.microsoft.com/office/drawing/2014/main" id="{0DB10173-5EF5-8C29-CEB4-4672EF96157B}"/>
               </a:ext>
             </a:extLst>
           </p:cNvPr>
@@ -5761,8 +5763,8 @@
         </p:blipFill>
         <p:spPr>
           <a:xfrm>
-            <a:off x="0" y="571746"/>
-            <a:ext cx="12191980" cy="5714515"/>
+            <a:off x="0" y="573459"/>
+            <a:ext cx="12276377" cy="5756221"/>
           </a:xfrm>
           <a:prstGeom prst="rect">
             <a:avLst/>
@@ -5772,7 +5774,7 @@
     </p:spTree>
     <p:extLst>
       <p:ext uri="{BB962C8B-B14F-4D97-AF65-F5344CB8AC3E}">
-        <p14:creationId xmlns:p14="http://schemas.microsoft.com/office/powerpoint/2010/main" val="3355215807"/>
+        <p14:creationId xmlns:p14="http://schemas.microsoft.com/office/powerpoint/2010/main" val="3683001120"/>
       </p:ext>
     </p:extLst>
   </p:cSld>
@@ -6038,7 +6040,7 @@
                   <a:spcPts val="600"/>
                 </a:spcAft>
               </a:pPr>
-              <a:t>11/11/2023</a:t>
+              <a:t>11/12/2023</a:t>
             </a:fld>
             <a:endParaRPr lang="en-US" dirty="0">
               <a:solidFill>
@@ -6209,7 +6211,7 @@
           <p:cNvPr id="3" name="Picture 3">
             <a:extLst>
               <a:ext uri="{FF2B5EF4-FFF2-40B4-BE49-F238E27FC236}">
-                <a16:creationId xmlns:a16="http://schemas.microsoft.com/office/drawing/2014/main" id="{1A1B9E5A-E205-92A0-5AE6-96C2EA9BA532}"/>
+                <a16:creationId xmlns:a16="http://schemas.microsoft.com/office/drawing/2014/main" id="{C44A1DC0-0E5B-133D-7B24-11D52755543C}"/>
               </a:ext>
             </a:extLst>
           </p:cNvPr>
@@ -6241,7 +6243,7 @@
           <p:cNvPr id="2" name="Imagen 1">
             <a:extLst>
               <a:ext uri="{FF2B5EF4-FFF2-40B4-BE49-F238E27FC236}">
-                <a16:creationId xmlns:a16="http://schemas.microsoft.com/office/drawing/2014/main" id="{E8DA32F7-8C16-3FA7-1841-5BDC58AF7332}"/>
+                <a16:creationId xmlns:a16="http://schemas.microsoft.com/office/drawing/2014/main" id="{24BA3AF8-6B2A-129D-5DBF-57191ED63A8B}"/>
               </a:ext>
             </a:extLst>
           </p:cNvPr>
@@ -6258,8 +6260,8 @@
         </p:blipFill>
         <p:spPr>
           <a:xfrm>
-            <a:off x="0" y="597316"/>
-            <a:ext cx="12191980" cy="5730230"/>
+            <a:off x="0" y="571746"/>
+            <a:ext cx="12191980" cy="5714515"/>
           </a:xfrm>
           <a:prstGeom prst="rect">
             <a:avLst/>
@@ -6269,7 +6271,7 @@
     </p:spTree>
     <p:extLst>
       <p:ext uri="{BB962C8B-B14F-4D97-AF65-F5344CB8AC3E}">
-        <p14:creationId xmlns:p14="http://schemas.microsoft.com/office/powerpoint/2010/main" val="2695811649"/>
+        <p14:creationId xmlns:p14="http://schemas.microsoft.com/office/powerpoint/2010/main" val="3355215807"/>
       </p:ext>
     </p:extLst>
   </p:cSld>
@@ -6301,7 +6303,7 @@
           <p:cNvPr id="3" name="Picture 3">
             <a:extLst>
               <a:ext uri="{FF2B5EF4-FFF2-40B4-BE49-F238E27FC236}">
-                <a16:creationId xmlns:a16="http://schemas.microsoft.com/office/drawing/2014/main" id="{15B94115-97ED-B1A3-A8F8-550889C39EAE}"/>
+                <a16:creationId xmlns:a16="http://schemas.microsoft.com/office/drawing/2014/main" id="{1A1B9E5A-E205-92A0-5AE6-96C2EA9BA532}"/>
               </a:ext>
             </a:extLst>
           </p:cNvPr>
@@ -6330,10 +6332,10 @@
       </p:pic>
       <p:pic>
         <p:nvPicPr>
-          <p:cNvPr id="2" name="Imagen 1" descr="Interfaz de usuario gráfica, Texto, Aplicación, Correo electrónico&#10;&#10;Descripción generada automáticamente">
-            <a:extLst>
-              <a:ext uri="{FF2B5EF4-FFF2-40B4-BE49-F238E27FC236}">
-                <a16:creationId xmlns:a16="http://schemas.microsoft.com/office/drawing/2014/main" id="{FB35950D-C1A5-CDBA-E65E-09C5B1A943C2}"/>
+          <p:cNvPr id="2" name="Imagen 1">
+            <a:extLst>
+              <a:ext uri="{FF2B5EF4-FFF2-40B4-BE49-F238E27FC236}">
+                <a16:creationId xmlns:a16="http://schemas.microsoft.com/office/drawing/2014/main" id="{E8DA32F7-8C16-3FA7-1841-5BDC58AF7332}"/>
               </a:ext>
             </a:extLst>
           </p:cNvPr>
@@ -6350,8 +6352,8 @@
         </p:blipFill>
         <p:spPr>
           <a:xfrm>
-            <a:off x="0" y="580341"/>
-            <a:ext cx="12191980" cy="5702614"/>
+            <a:off x="0" y="597316"/>
+            <a:ext cx="12191980" cy="5730230"/>
           </a:xfrm>
           <a:prstGeom prst="rect">
             <a:avLst/>
@@ -6361,7 +6363,7 @@
     </p:spTree>
     <p:extLst>
       <p:ext uri="{BB962C8B-B14F-4D97-AF65-F5344CB8AC3E}">
-        <p14:creationId xmlns:p14="http://schemas.microsoft.com/office/powerpoint/2010/main" val="3107567654"/>
+        <p14:creationId xmlns:p14="http://schemas.microsoft.com/office/powerpoint/2010/main" val="2695811649"/>
       </p:ext>
     </p:extLst>
   </p:cSld>
@@ -6390,10 +6392,10 @@
       </p:grpSpPr>
       <p:pic>
         <p:nvPicPr>
-          <p:cNvPr id="6" name="Picture 3">
-            <a:extLst>
-              <a:ext uri="{FF2B5EF4-FFF2-40B4-BE49-F238E27FC236}">
-                <a16:creationId xmlns:a16="http://schemas.microsoft.com/office/drawing/2014/main" id="{4122A97E-DB51-A268-5042-7442AC97EF79}"/>
+          <p:cNvPr id="3" name="Picture 3">
+            <a:extLst>
+              <a:ext uri="{FF2B5EF4-FFF2-40B4-BE49-F238E27FC236}">
+                <a16:creationId xmlns:a16="http://schemas.microsoft.com/office/drawing/2014/main" id="{15B94115-97ED-B1A3-A8F8-550889C39EAE}"/>
               </a:ext>
             </a:extLst>
           </p:cNvPr>
@@ -6420,52 +6422,12 @@
           <a:noFill/>
         </p:spPr>
       </p:pic>
-      <p:sp>
-        <p:nvSpPr>
-          <p:cNvPr id="5" name="CuadroTexto 4">
-            <a:extLst>
-              <a:ext uri="{FF2B5EF4-FFF2-40B4-BE49-F238E27FC236}">
-                <a16:creationId xmlns:a16="http://schemas.microsoft.com/office/drawing/2014/main" id="{57E668E5-23F4-8374-1067-32EFBC67F4A7}"/>
-              </a:ext>
-            </a:extLst>
-          </p:cNvPr>
-          <p:cNvSpPr txBox="1"/>
-          <p:nvPr/>
-        </p:nvSpPr>
-        <p:spPr>
-          <a:xfrm>
-            <a:off x="88070" y="3130788"/>
-            <a:ext cx="4601712" cy="369332"/>
-          </a:xfrm>
-          <a:prstGeom prst="rect">
-            <a:avLst/>
-          </a:prstGeom>
-          <a:solidFill>
-            <a:schemeClr val="bg1"/>
-          </a:solidFill>
-        </p:spPr>
-        <p:txBody>
-          <a:bodyPr wrap="square">
-            <a:spAutoFit/>
-          </a:bodyPr>
-          <a:lstStyle/>
-          <a:p>
-            <a:r>
-              <a:rPr lang="es-ES" dirty="0">
-                <a:hlinkClick r:id="rId3"/>
-              </a:rPr>
-              <a:t>https://wikidata.org/prop/direct/P31</a:t>
-            </a:r>
-            <a:endParaRPr lang="es-ES" dirty="0"/>
-          </a:p>
-        </p:txBody>
-      </p:sp>
       <p:pic>
         <p:nvPicPr>
-          <p:cNvPr id="4" name="Imagen 3">
-            <a:extLst>
-              <a:ext uri="{FF2B5EF4-FFF2-40B4-BE49-F238E27FC236}">
-                <a16:creationId xmlns:a16="http://schemas.microsoft.com/office/drawing/2014/main" id="{9B8AF7DE-D2AD-2ED0-9797-A9F70A018B06}"/>
+          <p:cNvPr id="2" name="Imagen 1" descr="Interfaz de usuario gráfica, Texto, Aplicación, Correo electrónico&#10;&#10;Descripción generada automáticamente">
+            <a:extLst>
+              <a:ext uri="{FF2B5EF4-FFF2-40B4-BE49-F238E27FC236}">
+                <a16:creationId xmlns:a16="http://schemas.microsoft.com/office/drawing/2014/main" id="{FB35950D-C1A5-CDBA-E65E-09C5B1A943C2}"/>
               </a:ext>
             </a:extLst>
           </p:cNvPr>
@@ -6475,15 +6437,15 @@
           <p:nvPr/>
         </p:nvPicPr>
         <p:blipFill>
-          <a:blip r:embed="rId4"/>
+          <a:blip r:embed="rId3"/>
           <a:stretch>
             <a:fillRect/>
           </a:stretch>
         </p:blipFill>
         <p:spPr>
           <a:xfrm>
-            <a:off x="4418782" y="696451"/>
-            <a:ext cx="7360028" cy="5607338"/>
+            <a:off x="0" y="580341"/>
+            <a:ext cx="12191980" cy="5702614"/>
           </a:xfrm>
           <a:prstGeom prst="rect">
             <a:avLst/>
@@ -6493,7 +6455,7 @@
     </p:spTree>
     <p:extLst>
       <p:ext uri="{BB962C8B-B14F-4D97-AF65-F5344CB8AC3E}">
-        <p14:creationId xmlns:p14="http://schemas.microsoft.com/office/powerpoint/2010/main" val="1474798320"/>
+        <p14:creationId xmlns:p14="http://schemas.microsoft.com/office/powerpoint/2010/main" val="3107567654"/>
       </p:ext>
     </p:extLst>
   </p:cSld>
@@ -6586,7 +6548,7 @@
               <a:rPr lang="es-ES" dirty="0">
                 <a:hlinkClick r:id="rId3"/>
               </a:rPr>
-              <a:t>https://wikidata.org/prop/direct/P131</a:t>
+              <a:t>https://wikidata.org/prop/direct/P31</a:t>
             </a:r>
             <a:endParaRPr lang="es-ES" dirty="0"/>
           </a:p>
@@ -6594,10 +6556,10 @@
       </p:sp>
       <p:pic>
         <p:nvPicPr>
-          <p:cNvPr id="3" name="Imagen 2">
-            <a:extLst>
-              <a:ext uri="{FF2B5EF4-FFF2-40B4-BE49-F238E27FC236}">
-                <a16:creationId xmlns:a16="http://schemas.microsoft.com/office/drawing/2014/main" id="{1B7C0C6E-48A2-A827-50D2-EB904F39A79C}"/>
+          <p:cNvPr id="4" name="Imagen 3">
+            <a:extLst>
+              <a:ext uri="{FF2B5EF4-FFF2-40B4-BE49-F238E27FC236}">
+                <a16:creationId xmlns:a16="http://schemas.microsoft.com/office/drawing/2014/main" id="{9B8AF7DE-D2AD-2ED0-9797-A9F70A018B06}"/>
               </a:ext>
             </a:extLst>
           </p:cNvPr>
@@ -6614,8 +6576,8 @@
         </p:blipFill>
         <p:spPr>
           <a:xfrm>
-            <a:off x="4274623" y="639298"/>
-            <a:ext cx="7645793" cy="5721644"/>
+            <a:off x="4418782" y="696451"/>
+            <a:ext cx="7360028" cy="5607338"/>
           </a:xfrm>
           <a:prstGeom prst="rect">
             <a:avLst/>
@@ -6625,7 +6587,7 @@
     </p:spTree>
     <p:extLst>
       <p:ext uri="{BB962C8B-B14F-4D97-AF65-F5344CB8AC3E}">
-        <p14:creationId xmlns:p14="http://schemas.microsoft.com/office/powerpoint/2010/main" val="3763137961"/>
+        <p14:creationId xmlns:p14="http://schemas.microsoft.com/office/powerpoint/2010/main" val="1474798320"/>
       </p:ext>
     </p:extLst>
   </p:cSld>
@@ -6698,6 +6660,138 @@
         </p:nvSpPr>
         <p:spPr>
           <a:xfrm>
+            <a:off x="88070" y="3130788"/>
+            <a:ext cx="4601712" cy="369332"/>
+          </a:xfrm>
+          <a:prstGeom prst="rect">
+            <a:avLst/>
+          </a:prstGeom>
+          <a:solidFill>
+            <a:schemeClr val="bg1"/>
+          </a:solidFill>
+        </p:spPr>
+        <p:txBody>
+          <a:bodyPr wrap="square">
+            <a:spAutoFit/>
+          </a:bodyPr>
+          <a:lstStyle/>
+          <a:p>
+            <a:r>
+              <a:rPr lang="es-ES" dirty="0">
+                <a:hlinkClick r:id="rId3"/>
+              </a:rPr>
+              <a:t>https://wikidata.org/prop/direct/P131</a:t>
+            </a:r>
+            <a:endParaRPr lang="es-ES" dirty="0"/>
+          </a:p>
+        </p:txBody>
+      </p:sp>
+      <p:pic>
+        <p:nvPicPr>
+          <p:cNvPr id="3" name="Imagen 2">
+            <a:extLst>
+              <a:ext uri="{FF2B5EF4-FFF2-40B4-BE49-F238E27FC236}">
+                <a16:creationId xmlns:a16="http://schemas.microsoft.com/office/drawing/2014/main" id="{1B7C0C6E-48A2-A827-50D2-EB904F39A79C}"/>
+              </a:ext>
+            </a:extLst>
+          </p:cNvPr>
+          <p:cNvPicPr>
+            <a:picLocks noChangeAspect="1"/>
+          </p:cNvPicPr>
+          <p:nvPr/>
+        </p:nvPicPr>
+        <p:blipFill>
+          <a:blip r:embed="rId4"/>
+          <a:stretch>
+            <a:fillRect/>
+          </a:stretch>
+        </p:blipFill>
+        <p:spPr>
+          <a:xfrm>
+            <a:off x="4274623" y="639298"/>
+            <a:ext cx="7645793" cy="5721644"/>
+          </a:xfrm>
+          <a:prstGeom prst="rect">
+            <a:avLst/>
+          </a:prstGeom>
+        </p:spPr>
+      </p:pic>
+    </p:spTree>
+    <p:extLst>
+      <p:ext uri="{BB962C8B-B14F-4D97-AF65-F5344CB8AC3E}">
+        <p14:creationId xmlns:p14="http://schemas.microsoft.com/office/powerpoint/2010/main" val="3763137961"/>
+      </p:ext>
+    </p:extLst>
+  </p:cSld>
+  <p:clrMapOvr>
+    <a:masterClrMapping/>
+  </p:clrMapOvr>
+</p:sld>
+</file>
+
+<file path=ppt/slides/slide25.xml><?xml version="1.0" encoding="utf-8"?>
+<p:sld xmlns:a="http://schemas.openxmlformats.org/drawingml/2006/main" xmlns:r="http://schemas.openxmlformats.org/officeDocument/2006/relationships" xmlns:p="http://schemas.openxmlformats.org/presentationml/2006/main">
+  <p:cSld>
+    <p:spTree>
+      <p:nvGrpSpPr>
+        <p:cNvPr id="1" name=""/>
+        <p:cNvGrpSpPr/>
+        <p:nvPr/>
+      </p:nvGrpSpPr>
+      <p:grpSpPr>
+        <a:xfrm>
+          <a:off x="0" y="0"/>
+          <a:ext cx="0" cy="0"/>
+          <a:chOff x="0" y="0"/>
+          <a:chExt cx="0" cy="0"/>
+        </a:xfrm>
+      </p:grpSpPr>
+      <p:pic>
+        <p:nvPicPr>
+          <p:cNvPr id="6" name="Picture 3">
+            <a:extLst>
+              <a:ext uri="{FF2B5EF4-FFF2-40B4-BE49-F238E27FC236}">
+                <a16:creationId xmlns:a16="http://schemas.microsoft.com/office/drawing/2014/main" id="{4122A97E-DB51-A268-5042-7442AC97EF79}"/>
+              </a:ext>
+            </a:extLst>
+          </p:cNvPr>
+          <p:cNvPicPr>
+            <a:picLocks noChangeAspect="1"/>
+          </p:cNvPicPr>
+          <p:nvPr/>
+        </p:nvPicPr>
+        <p:blipFill rotWithShape="1">
+          <a:blip r:embed="rId2">
+            <a:alphaModFix amt="50000"/>
+          </a:blip>
+          <a:srcRect t="25000"/>
+          <a:stretch/>
+        </p:blipFill>
+        <p:spPr>
+          <a:xfrm>
+            <a:off x="20" y="0"/>
+            <a:ext cx="12191980" cy="6857990"/>
+          </a:xfrm>
+          <a:prstGeom prst="rect">
+            <a:avLst/>
+          </a:prstGeom>
+          <a:noFill/>
+        </p:spPr>
+      </p:pic>
+      <p:sp>
+        <p:nvSpPr>
+          <p:cNvPr id="5" name="CuadroTexto 4">
+            <a:extLst>
+              <a:ext uri="{FF2B5EF4-FFF2-40B4-BE49-F238E27FC236}">
+                <a16:creationId xmlns:a16="http://schemas.microsoft.com/office/drawing/2014/main" id="{57E668E5-23F4-8374-1067-32EFBC67F4A7}"/>
+              </a:ext>
+            </a:extLst>
+          </p:cNvPr>
+          <p:cNvSpPr txBox="1"/>
+          <p:nvPr/>
+        </p:nvSpPr>
+        <p:spPr>
+          <a:xfrm>
             <a:off x="77910" y="3130788"/>
             <a:ext cx="4601712" cy="369332"/>
           </a:xfrm>
@@ -6767,7 +6861,7 @@
 </p:sld>
 </file>
 
-<file path=ppt/slides/slide25.xml><?xml version="1.0" encoding="utf-8"?>
+<file path=ppt/slides/slide26.xml><?xml version="1.0" encoding="utf-8"?>
 <p:sld xmlns:a="http://schemas.openxmlformats.org/drawingml/2006/main" xmlns:r="http://schemas.openxmlformats.org/officeDocument/2006/relationships" xmlns:p="http://schemas.openxmlformats.org/presentationml/2006/main">
   <p:cSld>
     <p:spTree>
@@ -6924,12 +7018,219 @@
           <a:chExt cx="0" cy="0"/>
         </a:xfrm>
       </p:grpSpPr>
+      <p:grpSp>
+        <p:nvGrpSpPr>
+          <p:cNvPr id="24" name="Group 8">
+            <a:extLst>
+              <a:ext uri="{FF2B5EF4-FFF2-40B4-BE49-F238E27FC236}">
+                <a16:creationId xmlns:a16="http://schemas.microsoft.com/office/drawing/2014/main" id="{F0C817C9-850F-4FB6-B93B-CF3076C4A5C1}"/>
+              </a:ext>
+              <a:ext uri="{C183D7F6-B498-43B3-948B-1728B52AA6E4}">
+                <adec:decorative xmlns:adec="http://schemas.microsoft.com/office/drawing/2017/decorative" val="1"/>
+              </a:ext>
+            </a:extLst>
+          </p:cNvPr>
+          <p:cNvGrpSpPr>
+            <a:grpSpLocks noGrp="1" noUngrp="1" noRot="1" noChangeAspect="1" noMove="1" noResize="1"/>
+          </p:cNvGrpSpPr>
+          <p:nvPr>
+            <p:extLst>
+              <p:ext uri="{386F3935-93C4-4BCD-93E2-E3B085C9AB24}">
+                <p16:designElem xmlns:p16="http://schemas.microsoft.com/office/powerpoint/2015/main" val="1"/>
+              </p:ext>
+            </p:extLst>
+          </p:nvPr>
+        </p:nvGrpSpPr>
+        <p:grpSpPr>
+          <a:xfrm flipH="1">
+            <a:off x="0" y="0"/>
+            <a:ext cx="567782" cy="3306479"/>
+            <a:chOff x="11619770" y="-2005"/>
+            <a:chExt cx="567782" cy="3306479"/>
+          </a:xfrm>
+        </p:grpSpPr>
+        <p:sp>
+          <p:nvSpPr>
+            <p:cNvPr id="10" name="Freeform: Shape 9">
+              <a:extLst>
+                <a:ext uri="{FF2B5EF4-FFF2-40B4-BE49-F238E27FC236}">
+                  <a16:creationId xmlns:a16="http://schemas.microsoft.com/office/drawing/2014/main" id="{159433A8-B67D-4675-AFDE-131069A709FC}"/>
+                </a:ext>
+                <a:ext uri="{C183D7F6-B498-43B3-948B-1728B52AA6E4}">
+                  <adec:decorative xmlns:adec="http://schemas.microsoft.com/office/drawing/2017/decorative" val="1"/>
+                </a:ext>
+              </a:extLst>
+            </p:cNvPr>
+            <p:cNvSpPr/>
+            <p:nvPr>
+              <p:extLst>
+                <p:ext uri="{386F3935-93C4-4BCD-93E2-E3B085C9AB24}">
+                  <p16:designElem xmlns:p16="http://schemas.microsoft.com/office/powerpoint/2015/main" val="1"/>
+                </p:ext>
+              </p:extLst>
+            </p:nvPr>
+          </p:nvSpPr>
+          <p:spPr>
+            <a:xfrm flipV="1">
+              <a:off x="11619770" y="373807"/>
+              <a:ext cx="526228" cy="2930667"/>
+            </a:xfrm>
+            <a:custGeom>
+              <a:avLst/>
+              <a:gdLst>
+                <a:gd name="connsiteX0" fmla="*/ 757287 w 757287"/>
+                <a:gd name="connsiteY0" fmla="*/ 3694096 h 3694096"/>
+                <a:gd name="connsiteX1" fmla="*/ 757287 w 757287"/>
+                <a:gd name="connsiteY1" fmla="*/ 0 h 3694096"/>
+                <a:gd name="connsiteX2" fmla="*/ 0 w 757287"/>
+                <a:gd name="connsiteY2" fmla="*/ 0 h 3694096"/>
+                <a:gd name="connsiteX3" fmla="*/ 0 w 757287"/>
+                <a:gd name="connsiteY3" fmla="*/ 3686094 h 3694096"/>
+              </a:gdLst>
+              <a:ahLst/>
+              <a:cxnLst>
+                <a:cxn ang="0">
+                  <a:pos x="connsiteX0" y="connsiteY0"/>
+                </a:cxn>
+                <a:cxn ang="0">
+                  <a:pos x="connsiteX1" y="connsiteY1"/>
+                </a:cxn>
+                <a:cxn ang="0">
+                  <a:pos x="connsiteX2" y="connsiteY2"/>
+                </a:cxn>
+                <a:cxn ang="0">
+                  <a:pos x="connsiteX3" y="connsiteY3"/>
+                </a:cxn>
+              </a:cxnLst>
+              <a:rect l="l" t="t" r="r" b="b"/>
+              <a:pathLst>
+                <a:path w="757287" h="3694096">
+                  <a:moveTo>
+                    <a:pt x="757287" y="3694096"/>
+                  </a:moveTo>
+                  <a:lnTo>
+                    <a:pt x="757287" y="0"/>
+                  </a:lnTo>
+                  <a:lnTo>
+                    <a:pt x="0" y="0"/>
+                  </a:lnTo>
+                  <a:lnTo>
+                    <a:pt x="0" y="3686094"/>
+                  </a:lnTo>
+                  <a:close/>
+                </a:path>
+              </a:pathLst>
+            </a:custGeom>
+            <a:blipFill dpi="0" rotWithShape="1">
+              <a:blip r:embed="rId2">
+                <a:extLst>
+                  <a:ext uri="{96DAC541-7B7A-43D3-8B79-37D633B846F1}">
+                    <asvg:svgBlip xmlns:asvg="http://schemas.microsoft.com/office/drawing/2016/SVG/main" r:embed="rId3"/>
+                  </a:ext>
+                </a:extLst>
+              </a:blip>
+              <a:srcRect/>
+              <a:tile tx="0" ty="0" sx="6000" sy="6000" flip="none" algn="tl"/>
+            </a:blipFill>
+            <a:ln>
+              <a:noFill/>
+            </a:ln>
+          </p:spPr>
+          <p:style>
+            <a:lnRef idx="2">
+              <a:schemeClr val="accent1">
+                <a:shade val="50000"/>
+              </a:schemeClr>
+            </a:lnRef>
+            <a:fillRef idx="1">
+              <a:schemeClr val="accent1"/>
+            </a:fillRef>
+            <a:effectRef idx="0">
+              <a:schemeClr val="accent1"/>
+            </a:effectRef>
+            <a:fontRef idx="minor">
+              <a:schemeClr val="lt1"/>
+            </a:fontRef>
+          </p:style>
+          <p:txBody>
+            <a:bodyPr wrap="square" rtlCol="0" anchor="ctr">
+              <a:noAutofit/>
+            </a:bodyPr>
+            <a:lstStyle/>
+            <a:p>
+              <a:pPr algn="ctr"/>
+              <a:endParaRPr lang="en-US"/>
+            </a:p>
+          </p:txBody>
+        </p:sp>
+        <p:sp>
+          <p:nvSpPr>
+            <p:cNvPr id="25" name="Rectangle 10">
+              <a:extLst>
+                <a:ext uri="{FF2B5EF4-FFF2-40B4-BE49-F238E27FC236}">
+                  <a16:creationId xmlns:a16="http://schemas.microsoft.com/office/drawing/2014/main" id="{E1CD1C45-6A4D-4237-B39C-2D58F401A8C5}"/>
+                </a:ext>
+                <a:ext uri="{C183D7F6-B498-43B3-948B-1728B52AA6E4}">
+                  <adec:decorative xmlns:adec="http://schemas.microsoft.com/office/drawing/2017/decorative" val="1"/>
+                </a:ext>
+              </a:extLst>
+            </p:cNvPr>
+            <p:cNvSpPr/>
+            <p:nvPr>
+              <p:extLst>
+                <p:ext uri="{386F3935-93C4-4BCD-93E2-E3B085C9AB24}">
+                  <p16:designElem xmlns:p16="http://schemas.microsoft.com/office/powerpoint/2015/main" val="1"/>
+                </p:ext>
+              </p:extLst>
+            </p:nvPr>
+          </p:nvSpPr>
+          <p:spPr>
+            <a:xfrm flipH="1" flipV="1">
+              <a:off x="11980943" y="-2005"/>
+              <a:ext cx="206609" cy="2021305"/>
+            </a:xfrm>
+            <a:prstGeom prst="rect">
+              <a:avLst/>
+            </a:prstGeom>
+            <a:solidFill>
+              <a:schemeClr val="accent2"/>
+            </a:solidFill>
+            <a:ln>
+              <a:noFill/>
+            </a:ln>
+          </p:spPr>
+          <p:style>
+            <a:lnRef idx="2">
+              <a:schemeClr val="accent1">
+                <a:shade val="50000"/>
+              </a:schemeClr>
+            </a:lnRef>
+            <a:fillRef idx="1">
+              <a:schemeClr val="accent1"/>
+            </a:fillRef>
+            <a:effectRef idx="0">
+              <a:schemeClr val="accent1"/>
+            </a:effectRef>
+            <a:fontRef idx="minor">
+              <a:schemeClr val="lt1"/>
+            </a:fontRef>
+          </p:style>
+          <p:txBody>
+            <a:bodyPr rtlCol="0" anchor="ctr"/>
+            <a:lstStyle/>
+            <a:p>
+              <a:pPr algn="ctr"/>
+              <a:endParaRPr lang="en-US"/>
+            </a:p>
+          </p:txBody>
+        </p:sp>
+      </p:grpSp>
       <p:sp useBgFill="1">
         <p:nvSpPr>
-          <p:cNvPr id="7" name="Rectangle 6">
-            <a:extLst>
-              <a:ext uri="{FF2B5EF4-FFF2-40B4-BE49-F238E27FC236}">
-                <a16:creationId xmlns:a16="http://schemas.microsoft.com/office/drawing/2014/main" id="{ECC11440-8FCC-46C6-A3E0-D0649600F55F}"/>
+          <p:cNvPr id="26" name="Rectangle 12">
+            <a:extLst>
+              <a:ext uri="{FF2B5EF4-FFF2-40B4-BE49-F238E27FC236}">
+                <a16:creationId xmlns:a16="http://schemas.microsoft.com/office/drawing/2014/main" id="{277BCF1F-1E1C-40E7-A7B1-3F567EA7BFBE}"/>
               </a:ext>
               <a:ext uri="{C183D7F6-B498-43B3-948B-1728B52AA6E4}">
                 <adec:decorative xmlns:adec="http://schemas.microsoft.com/office/drawing/2017/decorative" val="1"/>
@@ -7000,39 +7301,374 @@
           </a:p>
         </p:txBody>
       </p:sp>
+      <p:sp>
+        <p:nvSpPr>
+          <p:cNvPr id="2" name="Título 1">
+            <a:extLst>
+              <a:ext uri="{FF2B5EF4-FFF2-40B4-BE49-F238E27FC236}">
+                <a16:creationId xmlns:a16="http://schemas.microsoft.com/office/drawing/2014/main" id="{D71865A0-8E53-FD60-E378-2A97356F0C40}"/>
+              </a:ext>
+            </a:extLst>
+          </p:cNvPr>
+          <p:cNvSpPr>
+            <a:spLocks noGrp="1"/>
+          </p:cNvSpPr>
+          <p:nvPr>
+            <p:ph type="title"/>
+          </p:nvPr>
+        </p:nvSpPr>
+        <p:spPr>
+          <a:xfrm>
+            <a:off x="6850333" y="362620"/>
+            <a:ext cx="4466616" cy="840521"/>
+          </a:xfrm>
+        </p:spPr>
+        <p:txBody>
+          <a:bodyPr vert="horz" lIns="91440" tIns="45720" rIns="91440" bIns="45720" rtlCol="0" anchor="t">
+            <a:normAutofit/>
+          </a:bodyPr>
+          <a:lstStyle/>
+          <a:p>
+            <a:pPr algn="r">
+              <a:lnSpc>
+                <a:spcPct val="130000"/>
+              </a:lnSpc>
+            </a:pPr>
+            <a:r>
+              <a:rPr lang="en-US" sz="3600" spc="1300"/>
+              <a:t>ONTOLOGIA</a:t>
+            </a:r>
+          </a:p>
+        </p:txBody>
+      </p:sp>
+      <p:sp>
+        <p:nvSpPr>
+          <p:cNvPr id="27" name="Rectangle 6">
+            <a:extLst>
+              <a:ext uri="{FF2B5EF4-FFF2-40B4-BE49-F238E27FC236}">
+                <a16:creationId xmlns:a16="http://schemas.microsoft.com/office/drawing/2014/main" id="{44ECD5E8-3FCB-41DC-8B77-590D5265A99C}"/>
+              </a:ext>
+              <a:ext uri="{C183D7F6-B498-43B3-948B-1728B52AA6E4}">
+                <adec:decorative xmlns:adec="http://schemas.microsoft.com/office/drawing/2017/decorative" val="1"/>
+              </a:ext>
+            </a:extLst>
+          </p:cNvPr>
+          <p:cNvSpPr>
+            <a:spLocks noGrp="1" noRot="1" noChangeAspect="1" noMove="1" noResize="1" noEditPoints="1" noAdjustHandles="1" noChangeArrowheads="1" noChangeShapeType="1" noTextEdit="1"/>
+          </p:cNvSpPr>
+          <p:nvPr>
+            <p:extLst>
+              <p:ext uri="{386F3935-93C4-4BCD-93E2-E3B085C9AB24}">
+                <p16:designElem xmlns:p16="http://schemas.microsoft.com/office/powerpoint/2015/main" val="1"/>
+              </p:ext>
+            </p:extLst>
+          </p:nvPr>
+        </p:nvSpPr>
+        <p:spPr>
+          <a:xfrm rot="16200000">
+            <a:off x="79529" y="3026358"/>
+            <a:ext cx="3745582" cy="3917703"/>
+          </a:xfrm>
+          <a:custGeom>
+            <a:avLst/>
+            <a:gdLst>
+              <a:gd name="connsiteX0" fmla="*/ 0 w 1369143"/>
+              <a:gd name="connsiteY0" fmla="*/ 0 h 1229160"/>
+              <a:gd name="connsiteX1" fmla="*/ 1369143 w 1369143"/>
+              <a:gd name="connsiteY1" fmla="*/ 0 h 1229160"/>
+              <a:gd name="connsiteX2" fmla="*/ 1369143 w 1369143"/>
+              <a:gd name="connsiteY2" fmla="*/ 1229160 h 1229160"/>
+              <a:gd name="connsiteX3" fmla="*/ 0 w 1369143"/>
+              <a:gd name="connsiteY3" fmla="*/ 1229160 h 1229160"/>
+              <a:gd name="connsiteX4" fmla="*/ 0 w 1369143"/>
+              <a:gd name="connsiteY4" fmla="*/ 0 h 1229160"/>
+              <a:gd name="connsiteX0" fmla="*/ 0 w 1369143"/>
+              <a:gd name="connsiteY0" fmla="*/ 0 h 1229160"/>
+              <a:gd name="connsiteX1" fmla="*/ 1369143 w 1369143"/>
+              <a:gd name="connsiteY1" fmla="*/ 0 h 1229160"/>
+              <a:gd name="connsiteX2" fmla="*/ 0 w 1369143"/>
+              <a:gd name="connsiteY2" fmla="*/ 1229160 h 1229160"/>
+              <a:gd name="connsiteX3" fmla="*/ 0 w 1369143"/>
+              <a:gd name="connsiteY3" fmla="*/ 0 h 1229160"/>
+            </a:gdLst>
+            <a:ahLst/>
+            <a:cxnLst>
+              <a:cxn ang="0">
+                <a:pos x="connsiteX0" y="connsiteY0"/>
+              </a:cxn>
+              <a:cxn ang="0">
+                <a:pos x="connsiteX1" y="connsiteY1"/>
+              </a:cxn>
+              <a:cxn ang="0">
+                <a:pos x="connsiteX2" y="connsiteY2"/>
+              </a:cxn>
+              <a:cxn ang="0">
+                <a:pos x="connsiteX3" y="connsiteY3"/>
+              </a:cxn>
+            </a:cxnLst>
+            <a:rect l="l" t="t" r="r" b="b"/>
+            <a:pathLst>
+              <a:path w="1369143" h="1229160">
+                <a:moveTo>
+                  <a:pt x="0" y="0"/>
+                </a:moveTo>
+                <a:lnTo>
+                  <a:pt x="1369143" y="0"/>
+                </a:lnTo>
+                <a:lnTo>
+                  <a:pt x="0" y="1229160"/>
+                </a:lnTo>
+                <a:lnTo>
+                  <a:pt x="0" y="0"/>
+                </a:lnTo>
+                <a:close/>
+              </a:path>
+            </a:pathLst>
+          </a:custGeom>
+          <a:solidFill>
+            <a:schemeClr val="accent1">
+              <a:lumMod val="20000"/>
+              <a:lumOff val="80000"/>
+            </a:schemeClr>
+          </a:solidFill>
+          <a:ln w="12700">
+            <a:noFill/>
+          </a:ln>
+          <a:effectLst/>
+        </p:spPr>
+        <p:style>
+          <a:lnRef idx="2">
+            <a:schemeClr val="accent1">
+              <a:shade val="50000"/>
+            </a:schemeClr>
+          </a:lnRef>
+          <a:fillRef idx="1">
+            <a:schemeClr val="accent1"/>
+          </a:fillRef>
+          <a:effectRef idx="0">
+            <a:schemeClr val="accent1"/>
+          </a:effectRef>
+          <a:fontRef idx="minor">
+            <a:schemeClr val="lt1"/>
+          </a:fontRef>
+        </p:style>
+        <p:txBody>
+          <a:bodyPr rtlCol="0" anchor="ctr"/>
+          <a:lstStyle/>
+          <a:p>
+            <a:pPr algn="ctr"/>
+            <a:endParaRPr lang="en-US"/>
+          </a:p>
+        </p:txBody>
+      </p:sp>
+      <p:sp>
+        <p:nvSpPr>
+          <p:cNvPr id="28" name="Freeform: Shape 16">
+            <a:extLst>
+              <a:ext uri="{FF2B5EF4-FFF2-40B4-BE49-F238E27FC236}">
+                <a16:creationId xmlns:a16="http://schemas.microsoft.com/office/drawing/2014/main" id="{ECE001FA-02B8-4073-B3B1-6BB414E19D97}"/>
+              </a:ext>
+              <a:ext uri="{C183D7F6-B498-43B3-948B-1728B52AA6E4}">
+                <adec:decorative xmlns:adec="http://schemas.microsoft.com/office/drawing/2017/decorative" val="1"/>
+              </a:ext>
+            </a:extLst>
+          </p:cNvPr>
+          <p:cNvSpPr>
+            <a:spLocks noGrp="1" noRot="1" noChangeAspect="1" noMove="1" noResize="1" noEditPoints="1" noAdjustHandles="1" noChangeArrowheads="1" noChangeShapeType="1" noTextEdit="1"/>
+          </p:cNvSpPr>
+          <p:nvPr>
+            <p:extLst>
+              <p:ext uri="{386F3935-93C4-4BCD-93E2-E3B085C9AB24}">
+                <p16:designElem xmlns:p16="http://schemas.microsoft.com/office/powerpoint/2015/main" val="1"/>
+              </p:ext>
+            </p:extLst>
+          </p:nvPr>
+        </p:nvSpPr>
+        <p:spPr>
+          <a:xfrm rot="5400000">
+            <a:off x="79529" y="3026358"/>
+            <a:ext cx="3745582" cy="3917703"/>
+          </a:xfrm>
+          <a:custGeom>
+            <a:avLst/>
+            <a:gdLst>
+              <a:gd name="connsiteX0" fmla="*/ 3745582 w 3745582"/>
+              <a:gd name="connsiteY0" fmla="*/ 0 h 3917703"/>
+              <a:gd name="connsiteX1" fmla="*/ 3745582 w 3745582"/>
+              <a:gd name="connsiteY1" fmla="*/ 3917703 h 3917703"/>
+              <a:gd name="connsiteX2" fmla="*/ 0 w 3745582"/>
+              <a:gd name="connsiteY2" fmla="*/ 3917703 h 3917703"/>
+            </a:gdLst>
+            <a:ahLst/>
+            <a:cxnLst>
+              <a:cxn ang="0">
+                <a:pos x="connsiteX0" y="connsiteY0"/>
+              </a:cxn>
+              <a:cxn ang="0">
+                <a:pos x="connsiteX1" y="connsiteY1"/>
+              </a:cxn>
+              <a:cxn ang="0">
+                <a:pos x="connsiteX2" y="connsiteY2"/>
+              </a:cxn>
+            </a:cxnLst>
+            <a:rect l="l" t="t" r="r" b="b"/>
+            <a:pathLst>
+              <a:path w="3745582" h="3917703">
+                <a:moveTo>
+                  <a:pt x="3745582" y="0"/>
+                </a:moveTo>
+                <a:lnTo>
+                  <a:pt x="3745582" y="3917703"/>
+                </a:lnTo>
+                <a:lnTo>
+                  <a:pt x="0" y="3917703"/>
+                </a:lnTo>
+                <a:close/>
+              </a:path>
+            </a:pathLst>
+          </a:custGeom>
+          <a:blipFill dpi="0" rotWithShape="0">
+            <a:blip r:embed="rId4">
+              <a:alphaModFix amt="99000"/>
+              <a:extLst>
+                <a:ext uri="{96DAC541-7B7A-43D3-8B79-37D633B846F1}">
+                  <asvg:svgBlip xmlns:asvg="http://schemas.microsoft.com/office/drawing/2016/SVG/main" r:embed="rId5"/>
+                </a:ext>
+              </a:extLst>
+            </a:blip>
+            <a:srcRect/>
+            <a:tile tx="0" ty="0" sx="40000" sy="40000" flip="none" algn="ctr"/>
+          </a:blipFill>
+          <a:ln>
+            <a:noFill/>
+          </a:ln>
+        </p:spPr>
+        <p:style>
+          <a:lnRef idx="2">
+            <a:schemeClr val="accent1">
+              <a:shade val="50000"/>
+            </a:schemeClr>
+          </a:lnRef>
+          <a:fillRef idx="1">
+            <a:schemeClr val="accent1"/>
+          </a:fillRef>
+          <a:effectRef idx="0">
+            <a:schemeClr val="accent1"/>
+          </a:effectRef>
+          <a:fontRef idx="minor">
+            <a:schemeClr val="lt1"/>
+          </a:fontRef>
+        </p:style>
+        <p:txBody>
+          <a:bodyPr wrap="square" rtlCol="0" anchor="ctr">
+            <a:noAutofit/>
+          </a:bodyPr>
+          <a:lstStyle/>
+          <a:p>
+            <a:pPr algn="ctr"/>
+            <a:endParaRPr lang="en-US"/>
+          </a:p>
+        </p:txBody>
+      </p:sp>
       <p:pic>
         <p:nvPicPr>
-          <p:cNvPr id="2" name="Imagen 1" descr="Interfaz de usuario gráfica, Texto, Aplicación, Correo electrónico&#10;&#10;Descripción generada automáticamente">
-            <a:extLst>
-              <a:ext uri="{FF2B5EF4-FFF2-40B4-BE49-F238E27FC236}">
-                <a16:creationId xmlns:a16="http://schemas.microsoft.com/office/drawing/2014/main" id="{F0646DE3-1FB0-4CC6-BAEB-1D6C158C3DC0}"/>
+          <p:cNvPr id="4" name="Marcador de contenido 3" descr="Imagen que contiene Diagrama&#10;&#10;Descripción generada automáticamente">
+            <a:extLst>
+              <a:ext uri="{FF2B5EF4-FFF2-40B4-BE49-F238E27FC236}">
+                <a16:creationId xmlns:a16="http://schemas.microsoft.com/office/drawing/2014/main" id="{E5DBEA2E-9C5A-0EC0-AB05-4E7AB5A1AF49}"/>
               </a:ext>
             </a:extLst>
           </p:cNvPr>
           <p:cNvPicPr>
-            <a:picLocks noChangeAspect="1"/>
+            <a:picLocks noGrp="1" noChangeAspect="1"/>
           </p:cNvPicPr>
-          <p:nvPr/>
+          <p:nvPr>
+            <p:ph idx="1"/>
+          </p:nvPr>
         </p:nvPicPr>
-        <p:blipFill rotWithShape="1">
-          <a:blip r:embed="rId2"/>
-          <a:srcRect r="19111" b="-1"/>
-          <a:stretch/>
+        <p:blipFill>
+          <a:blip r:embed="rId6"/>
+          <a:stretch>
+            <a:fillRect/>
+          </a:stretch>
         </p:blipFill>
         <p:spPr>
           <a:xfrm>
-            <a:off x="20" y="10"/>
-            <a:ext cx="12191980" cy="6857990"/>
+            <a:off x="800101" y="1165853"/>
+            <a:ext cx="7236327" cy="4962566"/>
           </a:xfrm>
           <a:prstGeom prst="rect">
             <a:avLst/>
           </a:prstGeom>
         </p:spPr>
       </p:pic>
+      <p:sp>
+        <p:nvSpPr>
+          <p:cNvPr id="29" name="Rectangle 18">
+            <a:extLst>
+              <a:ext uri="{FF2B5EF4-FFF2-40B4-BE49-F238E27FC236}">
+                <a16:creationId xmlns:a16="http://schemas.microsoft.com/office/drawing/2014/main" id="{4DDD66E1-3885-409E-A90C-365AFEC05DB7}"/>
+              </a:ext>
+              <a:ext uri="{C183D7F6-B498-43B3-948B-1728B52AA6E4}">
+                <adec:decorative xmlns:adec="http://schemas.microsoft.com/office/drawing/2017/decorative" val="1"/>
+              </a:ext>
+            </a:extLst>
+          </p:cNvPr>
+          <p:cNvSpPr>
+            <a:spLocks noGrp="1" noRot="1" noChangeAspect="1" noMove="1" noResize="1" noEditPoints="1" noAdjustHandles="1" noChangeArrowheads="1" noChangeShapeType="1" noTextEdit="1"/>
+          </p:cNvSpPr>
+          <p:nvPr>
+            <p:extLst>
+              <p:ext uri="{386F3935-93C4-4BCD-93E2-E3B085C9AB24}">
+                <p16:designElem xmlns:p16="http://schemas.microsoft.com/office/powerpoint/2015/main" val="1"/>
+              </p:ext>
+            </p:extLst>
+          </p:nvPr>
+        </p:nvSpPr>
+        <p:spPr>
+          <a:xfrm flipV="1">
+            <a:off x="11986775" y="0"/>
+            <a:ext cx="206609" cy="2021305"/>
+          </a:xfrm>
+          <a:prstGeom prst="rect">
+            <a:avLst/>
+          </a:prstGeom>
+          <a:solidFill>
+            <a:schemeClr val="accent2"/>
+          </a:solidFill>
+          <a:ln>
+            <a:noFill/>
+          </a:ln>
+        </p:spPr>
+        <p:style>
+          <a:lnRef idx="2">
+            <a:schemeClr val="accent1">
+              <a:shade val="50000"/>
+            </a:schemeClr>
+          </a:lnRef>
+          <a:fillRef idx="1">
+            <a:schemeClr val="accent1"/>
+          </a:fillRef>
+          <a:effectRef idx="0">
+            <a:schemeClr val="accent1"/>
+          </a:effectRef>
+          <a:fontRef idx="minor">
+            <a:schemeClr val="lt1"/>
+          </a:fontRef>
+        </p:style>
+        <p:txBody>
+          <a:bodyPr rtlCol="0" anchor="ctr"/>
+          <a:lstStyle/>
+          <a:p>
+            <a:pPr algn="ctr"/>
+            <a:endParaRPr lang="en-US"/>
+          </a:p>
+        </p:txBody>
+      </p:sp>
     </p:spTree>
     <p:extLst>
       <p:ext uri="{BB962C8B-B14F-4D97-AF65-F5344CB8AC3E}">
-        <p14:creationId xmlns:p14="http://schemas.microsoft.com/office/powerpoint/2010/main" val="2922464807"/>
+        <p14:creationId xmlns:p14="http://schemas.microsoft.com/office/powerpoint/2010/main" val="2817952850"/>
       </p:ext>
     </p:extLst>
   </p:cSld>
@@ -7045,6 +7681,14 @@
 <file path=ppt/slides/slide4.xml><?xml version="1.0" encoding="utf-8"?>
 <p:sld xmlns:a="http://schemas.openxmlformats.org/drawingml/2006/main" xmlns:r="http://schemas.openxmlformats.org/officeDocument/2006/relationships" xmlns:p="http://schemas.openxmlformats.org/presentationml/2006/main">
   <p:cSld>
+    <p:bg>
+      <p:bgPr>
+        <a:solidFill>
+          <a:schemeClr val="bg1"/>
+        </a:solidFill>
+        <a:effectLst/>
+      </p:bgPr>
+    </p:bg>
     <p:spTree>
       <p:nvGrpSpPr>
         <p:cNvPr id="1" name=""/>
@@ -7059,12 +7703,88 @@
           <a:chExt cx="0" cy="0"/>
         </a:xfrm>
       </p:grpSpPr>
+      <p:sp useBgFill="1">
+        <p:nvSpPr>
+          <p:cNvPr id="7" name="Rectangle 6">
+            <a:extLst>
+              <a:ext uri="{FF2B5EF4-FFF2-40B4-BE49-F238E27FC236}">
+                <a16:creationId xmlns:a16="http://schemas.microsoft.com/office/drawing/2014/main" id="{ECC11440-8FCC-46C6-A3E0-D0649600F55F}"/>
+              </a:ext>
+              <a:ext uri="{C183D7F6-B498-43B3-948B-1728B52AA6E4}">
+                <adec:decorative xmlns:adec="http://schemas.microsoft.com/office/drawing/2017/decorative" val="1"/>
+              </a:ext>
+            </a:extLst>
+          </p:cNvPr>
+          <p:cNvSpPr>
+            <a:spLocks noGrp="1" noRot="1" noChangeAspect="1" noMove="1" noResize="1" noEditPoints="1" noAdjustHandles="1" noChangeArrowheads="1" noChangeShapeType="1" noTextEdit="1"/>
+          </p:cNvSpPr>
+          <p:nvPr>
+            <p:extLst>
+              <p:ext uri="{386F3935-93C4-4BCD-93E2-E3B085C9AB24}">
+                <p16:designElem xmlns:p16="http://schemas.microsoft.com/office/powerpoint/2015/main" val="1"/>
+              </p:ext>
+            </p:extLst>
+          </p:nvPr>
+        </p:nvSpPr>
+        <p:spPr>
+          <a:xfrm>
+            <a:off x="0" y="0"/>
+            <a:ext cx="12192000" cy="6858000"/>
+          </a:xfrm>
+          <a:prstGeom prst="rect">
+            <a:avLst/>
+          </a:prstGeom>
+          <a:ln w="12700" cap="flat" cmpd="sng" algn="ctr">
+            <a:noFill/>
+            <a:prstDash val="solid"/>
+            <a:miter lim="800000"/>
+          </a:ln>
+          <a:effectLst/>
+          <a:extLst>
+            <a:ext uri="{91240B29-F687-4F45-9708-019B960494DF}">
+              <a14:hiddenLine xmlns:a14="http://schemas.microsoft.com/office/drawing/2010/main" w="12700" cap="flat" cmpd="sng" algn="ctr">
+                <a:solidFill>
+                  <a:schemeClr val="accent1">
+                    <a:shade val="50000"/>
+                  </a:schemeClr>
+                </a:solidFill>
+                <a:prstDash val="solid"/>
+                <a:miter lim="800000"/>
+              </a14:hiddenLine>
+            </a:ext>
+          </a:extLst>
+        </p:spPr>
+        <p:style>
+          <a:lnRef idx="2">
+            <a:schemeClr val="accent1">
+              <a:shade val="50000"/>
+            </a:schemeClr>
+          </a:lnRef>
+          <a:fillRef idx="1">
+            <a:schemeClr val="accent1"/>
+          </a:fillRef>
+          <a:effectRef idx="0">
+            <a:schemeClr val="accent1"/>
+          </a:effectRef>
+          <a:fontRef idx="minor">
+            <a:schemeClr val="lt1"/>
+          </a:fontRef>
+        </p:style>
+        <p:txBody>
+          <a:bodyPr rtlCol="0" anchor="ctr"/>
+          <a:lstStyle/>
+          <a:p>
+            <a:pPr algn="ctr"/>
+            <a:endParaRPr lang="en-US"/>
+          </a:p>
+        </p:txBody>
+      </p:sp>
       <p:pic>
         <p:nvPicPr>
-          <p:cNvPr id="4" name="Picture 3">
-            <a:extLst>
-              <a:ext uri="{FF2B5EF4-FFF2-40B4-BE49-F238E27FC236}">
-                <a16:creationId xmlns:a16="http://schemas.microsoft.com/office/drawing/2014/main" id="{877CB36C-9EE4-ABDA-6FE5-F4A883023766}"/>
+          <p:cNvPr id="2" name="Imagen 1" descr="Interfaz de usuario gráfica, Texto, Aplicación, Correo electrónico&#10;&#10;Descripción generada automáticamente">
+            <a:extLst>
+              <a:ext uri="{FF2B5EF4-FFF2-40B4-BE49-F238E27FC236}">
+                <a16:creationId xmlns:a16="http://schemas.microsoft.com/office/drawing/2014/main" id="{F0646DE3-1FB0-4CC6-BAEB-1D6C158C3DC0}"/>
               </a:ext>
             </a:extLst>
           </p:cNvPr>
@@ -7074,47 +7794,14 @@
           <p:nvPr/>
         </p:nvPicPr>
         <p:blipFill rotWithShape="1">
-          <a:blip r:embed="rId2">
-            <a:alphaModFix amt="50000"/>
-          </a:blip>
-          <a:srcRect t="25000"/>
+          <a:blip r:embed="rId2"/>
+          <a:srcRect r="19111" b="-1"/>
           <a:stretch/>
         </p:blipFill>
         <p:spPr>
           <a:xfrm>
-            <a:off x="20" y="0"/>
+            <a:off x="20" y="10"/>
             <a:ext cx="12191980" cy="6857990"/>
-          </a:xfrm>
-          <a:prstGeom prst="rect">
-            <a:avLst/>
-          </a:prstGeom>
-          <a:noFill/>
-        </p:spPr>
-      </p:pic>
-      <p:pic>
-        <p:nvPicPr>
-          <p:cNvPr id="2" name="Imagen 1" descr="Interfaz de usuario gráfica, Texto, Aplicación, Correo electrónico&#10;&#10;Descripción generada automáticamente">
-            <a:extLst>
-              <a:ext uri="{FF2B5EF4-FFF2-40B4-BE49-F238E27FC236}">
-                <a16:creationId xmlns:a16="http://schemas.microsoft.com/office/drawing/2014/main" id="{91F5EA1D-1EE5-152A-6326-76E0AB4B1BE7}"/>
-              </a:ext>
-            </a:extLst>
-          </p:cNvPr>
-          <p:cNvPicPr>
-            <a:picLocks noChangeAspect="1"/>
-          </p:cNvPicPr>
-          <p:nvPr/>
-        </p:nvPicPr>
-        <p:blipFill>
-          <a:blip r:embed="rId3"/>
-          <a:stretch>
-            <a:fillRect/>
-          </a:stretch>
-        </p:blipFill>
-        <p:spPr>
-          <a:xfrm>
-            <a:off x="0" y="228467"/>
-            <a:ext cx="12192000" cy="6375528"/>
           </a:xfrm>
           <a:prstGeom prst="rect">
             <a:avLst/>
@@ -7124,7 +7811,7 @@
     </p:spTree>
     <p:extLst>
       <p:ext uri="{BB962C8B-B14F-4D97-AF65-F5344CB8AC3E}">
-        <p14:creationId xmlns:p14="http://schemas.microsoft.com/office/powerpoint/2010/main" val="1269338804"/>
+        <p14:creationId xmlns:p14="http://schemas.microsoft.com/office/powerpoint/2010/main" val="2922464807"/>
       </p:ext>
     </p:extLst>
   </p:cSld>
@@ -7153,10 +7840,10 @@
       </p:grpSpPr>
       <p:pic>
         <p:nvPicPr>
-          <p:cNvPr id="3" name="Picture 3">
-            <a:extLst>
-              <a:ext uri="{FF2B5EF4-FFF2-40B4-BE49-F238E27FC236}">
-                <a16:creationId xmlns:a16="http://schemas.microsoft.com/office/drawing/2014/main" id="{1976907E-D0BB-C305-C372-E069B490DA1D}"/>
+          <p:cNvPr id="4" name="Picture 3">
+            <a:extLst>
+              <a:ext uri="{FF2B5EF4-FFF2-40B4-BE49-F238E27FC236}">
+                <a16:creationId xmlns:a16="http://schemas.microsoft.com/office/drawing/2014/main" id="{877CB36C-9EE4-ABDA-6FE5-F4A883023766}"/>
               </a:ext>
             </a:extLst>
           </p:cNvPr>
@@ -7188,7 +7875,7 @@
           <p:cNvPr id="2" name="Imagen 1" descr="Interfaz de usuario gráfica, Texto, Aplicación, Correo electrónico&#10;&#10;Descripción generada automáticamente">
             <a:extLst>
               <a:ext uri="{FF2B5EF4-FFF2-40B4-BE49-F238E27FC236}">
-                <a16:creationId xmlns:a16="http://schemas.microsoft.com/office/drawing/2014/main" id="{EA65E996-150E-9E1D-2EDC-5E6C6EFE5A3F}"/>
+                <a16:creationId xmlns:a16="http://schemas.microsoft.com/office/drawing/2014/main" id="{91F5EA1D-1EE5-152A-6326-76E0AB4B1BE7}"/>
               </a:ext>
             </a:extLst>
           </p:cNvPr>
@@ -7205,8 +7892,8 @@
         </p:blipFill>
         <p:spPr>
           <a:xfrm>
-            <a:off x="0" y="635010"/>
-            <a:ext cx="12191980" cy="5745470"/>
+            <a:off x="0" y="228467"/>
+            <a:ext cx="12192000" cy="6375528"/>
           </a:xfrm>
           <a:prstGeom prst="rect">
             <a:avLst/>
@@ -7216,7 +7903,7 @@
     </p:spTree>
     <p:extLst>
       <p:ext uri="{BB962C8B-B14F-4D97-AF65-F5344CB8AC3E}">
-        <p14:creationId xmlns:p14="http://schemas.microsoft.com/office/powerpoint/2010/main" val="4175403590"/>
+        <p14:creationId xmlns:p14="http://schemas.microsoft.com/office/powerpoint/2010/main" val="1269338804"/>
       </p:ext>
     </p:extLst>
   </p:cSld>
@@ -7248,7 +7935,7 @@
           <p:cNvPr id="3" name="Picture 3">
             <a:extLst>
               <a:ext uri="{FF2B5EF4-FFF2-40B4-BE49-F238E27FC236}">
-                <a16:creationId xmlns:a16="http://schemas.microsoft.com/office/drawing/2014/main" id="{B9F59CFD-179C-8566-4AE9-097254EBC0F8}"/>
+                <a16:creationId xmlns:a16="http://schemas.microsoft.com/office/drawing/2014/main" id="{1976907E-D0BB-C305-C372-E069B490DA1D}"/>
               </a:ext>
             </a:extLst>
           </p:cNvPr>
@@ -7277,10 +7964,10 @@
       </p:pic>
       <p:pic>
         <p:nvPicPr>
-          <p:cNvPr id="4" name="Imagen 3">
-            <a:extLst>
-              <a:ext uri="{FF2B5EF4-FFF2-40B4-BE49-F238E27FC236}">
-                <a16:creationId xmlns:a16="http://schemas.microsoft.com/office/drawing/2014/main" id="{149CA177-BA71-F75F-5504-DBBEB94A093E}"/>
+          <p:cNvPr id="2" name="Imagen 1" descr="Interfaz de usuario gráfica, Texto, Aplicación, Correo electrónico&#10;&#10;Descripción generada automáticamente">
+            <a:extLst>
+              <a:ext uri="{FF2B5EF4-FFF2-40B4-BE49-F238E27FC236}">
+                <a16:creationId xmlns:a16="http://schemas.microsoft.com/office/drawing/2014/main" id="{EA65E996-150E-9E1D-2EDC-5E6C6EFE5A3F}"/>
               </a:ext>
             </a:extLst>
           </p:cNvPr>
@@ -7297,8 +7984,8 @@
         </p:blipFill>
         <p:spPr>
           <a:xfrm>
-            <a:off x="0" y="563884"/>
-            <a:ext cx="12191980" cy="5730231"/>
+            <a:off x="0" y="635010"/>
+            <a:ext cx="12191980" cy="5745470"/>
           </a:xfrm>
           <a:prstGeom prst="rect">
             <a:avLst/>
@@ -7308,7 +7995,7 @@
     </p:spTree>
     <p:extLst>
       <p:ext uri="{BB962C8B-B14F-4D97-AF65-F5344CB8AC3E}">
-        <p14:creationId xmlns:p14="http://schemas.microsoft.com/office/powerpoint/2010/main" val="1668333144"/>
+        <p14:creationId xmlns:p14="http://schemas.microsoft.com/office/powerpoint/2010/main" val="4175403590"/>
       </p:ext>
     </p:extLst>
   </p:cSld>
@@ -7340,7 +8027,7 @@
           <p:cNvPr id="3" name="Picture 3">
             <a:extLst>
               <a:ext uri="{FF2B5EF4-FFF2-40B4-BE49-F238E27FC236}">
-                <a16:creationId xmlns:a16="http://schemas.microsoft.com/office/drawing/2014/main" id="{7A4BABB4-12D4-4914-E9E0-E3AD5166D1CA}"/>
+                <a16:creationId xmlns:a16="http://schemas.microsoft.com/office/drawing/2014/main" id="{B9F59CFD-179C-8566-4AE9-097254EBC0F8}"/>
               </a:ext>
             </a:extLst>
           </p:cNvPr>
@@ -7372,7 +8059,7 @@
           <p:cNvPr id="4" name="Imagen 3">
             <a:extLst>
               <a:ext uri="{FF2B5EF4-FFF2-40B4-BE49-F238E27FC236}">
-                <a16:creationId xmlns:a16="http://schemas.microsoft.com/office/drawing/2014/main" id="{C2AD4D1C-9876-0854-C838-73A390214FFC}"/>
+                <a16:creationId xmlns:a16="http://schemas.microsoft.com/office/drawing/2014/main" id="{149CA177-BA71-F75F-5504-DBBEB94A093E}"/>
               </a:ext>
             </a:extLst>
           </p:cNvPr>
@@ -7389,8 +8076,8 @@
         </p:blipFill>
         <p:spPr>
           <a:xfrm>
-            <a:off x="0" y="558062"/>
-            <a:ext cx="12191980" cy="5741883"/>
+            <a:off x="0" y="563884"/>
+            <a:ext cx="12191980" cy="5730231"/>
           </a:xfrm>
           <a:prstGeom prst="rect">
             <a:avLst/>
@@ -7400,7 +8087,7 @@
     </p:spTree>
     <p:extLst>
       <p:ext uri="{BB962C8B-B14F-4D97-AF65-F5344CB8AC3E}">
-        <p14:creationId xmlns:p14="http://schemas.microsoft.com/office/powerpoint/2010/main" val="3844755233"/>
+        <p14:creationId xmlns:p14="http://schemas.microsoft.com/office/powerpoint/2010/main" val="1668333144"/>
       </p:ext>
     </p:extLst>
   </p:cSld>
@@ -7432,7 +8119,7 @@
           <p:cNvPr id="3" name="Picture 3">
             <a:extLst>
               <a:ext uri="{FF2B5EF4-FFF2-40B4-BE49-F238E27FC236}">
-                <a16:creationId xmlns:a16="http://schemas.microsoft.com/office/drawing/2014/main" id="{CAA91386-B6C4-C0E7-494F-852F4E941914}"/>
+                <a16:creationId xmlns:a16="http://schemas.microsoft.com/office/drawing/2014/main" id="{7A4BABB4-12D4-4914-E9E0-E3AD5166D1CA}"/>
               </a:ext>
             </a:extLst>
           </p:cNvPr>
@@ -7461,10 +8148,10 @@
       </p:pic>
       <p:pic>
         <p:nvPicPr>
-          <p:cNvPr id="2" name="Imagen 1" descr="Interfaz de usuario gráfica, Texto, Aplicación, Correo electrónico&#10;&#10;Descripción generada automáticamente">
-            <a:extLst>
-              <a:ext uri="{FF2B5EF4-FFF2-40B4-BE49-F238E27FC236}">
-                <a16:creationId xmlns:a16="http://schemas.microsoft.com/office/drawing/2014/main" id="{3972704A-4768-F47E-2D52-6164E26173CE}"/>
+          <p:cNvPr id="4" name="Imagen 3">
+            <a:extLst>
+              <a:ext uri="{FF2B5EF4-FFF2-40B4-BE49-F238E27FC236}">
+                <a16:creationId xmlns:a16="http://schemas.microsoft.com/office/drawing/2014/main" id="{C2AD4D1C-9876-0854-C838-73A390214FFC}"/>
               </a:ext>
             </a:extLst>
           </p:cNvPr>
@@ -7481,8 +8168,8 @@
         </p:blipFill>
         <p:spPr>
           <a:xfrm>
-            <a:off x="4263" y="567791"/>
-            <a:ext cx="12187737" cy="5722418"/>
+            <a:off x="0" y="558062"/>
+            <a:ext cx="12191980" cy="5741883"/>
           </a:xfrm>
           <a:prstGeom prst="rect">
             <a:avLst/>
@@ -7492,7 +8179,7 @@
     </p:spTree>
     <p:extLst>
       <p:ext uri="{BB962C8B-B14F-4D97-AF65-F5344CB8AC3E}">
-        <p14:creationId xmlns:p14="http://schemas.microsoft.com/office/powerpoint/2010/main" val="3999069044"/>
+        <p14:creationId xmlns:p14="http://schemas.microsoft.com/office/powerpoint/2010/main" val="3844755233"/>
       </p:ext>
     </p:extLst>
   </p:cSld>
@@ -7524,7 +8211,7 @@
           <p:cNvPr id="3" name="Picture 3">
             <a:extLst>
               <a:ext uri="{FF2B5EF4-FFF2-40B4-BE49-F238E27FC236}">
-                <a16:creationId xmlns:a16="http://schemas.microsoft.com/office/drawing/2014/main" id="{FBCC56E4-4EE3-DF8C-21AC-B277EDFABFFB}"/>
+                <a16:creationId xmlns:a16="http://schemas.microsoft.com/office/drawing/2014/main" id="{CAA91386-B6C4-C0E7-494F-852F4E941914}"/>
               </a:ext>
             </a:extLst>
           </p:cNvPr>
@@ -7553,10 +8240,10 @@
       </p:pic>
       <p:pic>
         <p:nvPicPr>
-          <p:cNvPr id="2" name="Imagen 1">
-            <a:extLst>
-              <a:ext uri="{FF2B5EF4-FFF2-40B4-BE49-F238E27FC236}">
-                <a16:creationId xmlns:a16="http://schemas.microsoft.com/office/drawing/2014/main" id="{5E4F5F6C-A4A9-E385-77D2-894D6A918CF6}"/>
+          <p:cNvPr id="2" name="Imagen 1" descr="Interfaz de usuario gráfica, Texto, Aplicación, Correo electrónico&#10;&#10;Descripción generada automáticamente">
+            <a:extLst>
+              <a:ext uri="{FF2B5EF4-FFF2-40B4-BE49-F238E27FC236}">
+                <a16:creationId xmlns:a16="http://schemas.microsoft.com/office/drawing/2014/main" id="{3972704A-4768-F47E-2D52-6164E26173CE}"/>
               </a:ext>
             </a:extLst>
           </p:cNvPr>
@@ -7573,8 +8260,8 @@
         </p:blipFill>
         <p:spPr>
           <a:xfrm>
-            <a:off x="0" y="544467"/>
-            <a:ext cx="12191980" cy="5769076"/>
+            <a:off x="4263" y="567791"/>
+            <a:ext cx="12187737" cy="5722418"/>
           </a:xfrm>
           <a:prstGeom prst="rect">
             <a:avLst/>
@@ -7584,7 +8271,7 @@
     </p:spTree>
     <p:extLst>
       <p:ext uri="{BB962C8B-B14F-4D97-AF65-F5344CB8AC3E}">
-        <p14:creationId xmlns:p14="http://schemas.microsoft.com/office/powerpoint/2010/main" val="1682990297"/>
+        <p14:creationId xmlns:p14="http://schemas.microsoft.com/office/powerpoint/2010/main" val="3999069044"/>
       </p:ext>
     </p:extLst>
   </p:cSld>

--- a/HandsOn/Group03/Presentacion.pptx
+++ b/HandsOn/Group03/Presentacion.pptx
@@ -7,30 +7,38 @@
   <p:sldIdLst>
     <p:sldId id="256" r:id="rId5"/>
     <p:sldId id="258" r:id="rId6"/>
-    <p:sldId id="283" r:id="rId7"/>
-    <p:sldId id="260" r:id="rId8"/>
-    <p:sldId id="261" r:id="rId9"/>
-    <p:sldId id="262" r:id="rId10"/>
-    <p:sldId id="263" r:id="rId11"/>
-    <p:sldId id="264" r:id="rId12"/>
-    <p:sldId id="265" r:id="rId13"/>
-    <p:sldId id="266" r:id="rId14"/>
-    <p:sldId id="267" r:id="rId15"/>
-    <p:sldId id="268" r:id="rId16"/>
-    <p:sldId id="269" r:id="rId17"/>
-    <p:sldId id="270" r:id="rId18"/>
-    <p:sldId id="275" r:id="rId19"/>
-    <p:sldId id="276" r:id="rId20"/>
-    <p:sldId id="277" r:id="rId21"/>
-    <p:sldId id="278" r:id="rId22"/>
-    <p:sldId id="271" r:id="rId23"/>
-    <p:sldId id="273" r:id="rId24"/>
-    <p:sldId id="274" r:id="rId25"/>
-    <p:sldId id="272" r:id="rId26"/>
-    <p:sldId id="279" r:id="rId27"/>
-    <p:sldId id="280" r:id="rId28"/>
-    <p:sldId id="281" r:id="rId29"/>
-    <p:sldId id="282" r:id="rId30"/>
+    <p:sldId id="284" r:id="rId7"/>
+    <p:sldId id="285" r:id="rId8"/>
+    <p:sldId id="286" r:id="rId9"/>
+    <p:sldId id="287" r:id="rId10"/>
+    <p:sldId id="283" r:id="rId11"/>
+    <p:sldId id="288" r:id="rId12"/>
+    <p:sldId id="289" r:id="rId13"/>
+    <p:sldId id="290" r:id="rId14"/>
+    <p:sldId id="291" r:id="rId15"/>
+    <p:sldId id="260" r:id="rId16"/>
+    <p:sldId id="261" r:id="rId17"/>
+    <p:sldId id="262" r:id="rId18"/>
+    <p:sldId id="263" r:id="rId19"/>
+    <p:sldId id="264" r:id="rId20"/>
+    <p:sldId id="265" r:id="rId21"/>
+    <p:sldId id="266" r:id="rId22"/>
+    <p:sldId id="267" r:id="rId23"/>
+    <p:sldId id="268" r:id="rId24"/>
+    <p:sldId id="269" r:id="rId25"/>
+    <p:sldId id="270" r:id="rId26"/>
+    <p:sldId id="275" r:id="rId27"/>
+    <p:sldId id="276" r:id="rId28"/>
+    <p:sldId id="277" r:id="rId29"/>
+    <p:sldId id="278" r:id="rId30"/>
+    <p:sldId id="271" r:id="rId31"/>
+    <p:sldId id="273" r:id="rId32"/>
+    <p:sldId id="274" r:id="rId33"/>
+    <p:sldId id="272" r:id="rId34"/>
+    <p:sldId id="279" r:id="rId35"/>
+    <p:sldId id="280" r:id="rId36"/>
+    <p:sldId id="281" r:id="rId37"/>
+    <p:sldId id="282" r:id="rId38"/>
   </p:sldIdLst>
   <p:sldSz cx="12192000" cy="6858000"/>
   <p:notesSz cx="6858000" cy="9144000"/>
@@ -142,10 +150,3121 @@
   <p1510:revLst>
     <p1510:client id="{01F64346-84EA-2F88-830E-9C71141496E7}" v="73" vWet="74" dt="2023-11-10T09:58:24.520"/>
     <p1510:client id="{17C97C69-17C0-4341-83E0-151432A9759D}" v="403" dt="2023-11-10T13:09:12.785"/>
+    <p1510:client id="{66CD9818-666C-88F7-55F2-1C4894B87AD0}" v="328" dt="2023-11-13T01:17:02.918"/>
     <p1510:client id="{A859837F-7983-36F8-B953-D17561018244}" v="31" dt="2023-11-12T12:00:12.700"/>
     <p1510:client id="{C4668F3A-6895-1FB2-40A2-D1788A63F24B}" v="2" dt="2023-11-11T15:54:31.539"/>
   </p1510:revLst>
 </p1510:revInfo>
+</file>
+
+<file path=ppt/diagrams/colors1.xml><?xml version="1.0" encoding="utf-8"?>
+<dgm:colorsDef xmlns:dgm="http://schemas.openxmlformats.org/drawingml/2006/diagram" xmlns:a="http://schemas.openxmlformats.org/drawingml/2006/main" uniqueId="urn:microsoft.com/office/officeart/2018/5/colors/Iconchunking_neutralbg_colorful1">
+  <dgm:title val=""/>
+  <dgm:desc val=""/>
+  <dgm:catLst>
+    <dgm:cat type="colorful" pri="10100"/>
+  </dgm:catLst>
+  <dgm:styleLbl name="node0">
+    <dgm:fillClrLst meth="repeat">
+      <a:schemeClr val="accent1"/>
+    </dgm:fillClrLst>
+    <dgm:linClrLst meth="repeat">
+      <a:schemeClr val="lt1"/>
+    </dgm:linClrLst>
+    <dgm:effectClrLst/>
+    <dgm:txLinClrLst/>
+    <dgm:txFillClrLst/>
+    <dgm:txEffectClrLst/>
+  </dgm:styleLbl>
+  <dgm:styleLbl name="node1">
+    <dgm:fillClrLst meth="repeat">
+      <a:schemeClr val="accent2"/>
+      <a:schemeClr val="accent3"/>
+      <a:schemeClr val="accent4"/>
+      <a:schemeClr val="accent5"/>
+      <a:schemeClr val="accent6"/>
+    </dgm:fillClrLst>
+    <dgm:linClrLst meth="repeat">
+      <a:schemeClr val="lt1">
+        <a:alpha val="0"/>
+      </a:schemeClr>
+    </dgm:linClrLst>
+    <dgm:effectClrLst/>
+    <dgm:txLinClrLst/>
+    <dgm:txFillClrLst/>
+    <dgm:txEffectClrLst/>
+  </dgm:styleLbl>
+  <dgm:styleLbl name="alignNode1">
+    <dgm:fillClrLst meth="repeat">
+      <a:schemeClr val="accent2"/>
+      <a:schemeClr val="accent3"/>
+      <a:schemeClr val="accent4"/>
+      <a:schemeClr val="accent5"/>
+      <a:schemeClr val="accent6"/>
+    </dgm:fillClrLst>
+    <dgm:linClrLst meth="repeat">
+      <a:schemeClr val="accent2"/>
+      <a:schemeClr val="accent3"/>
+      <a:schemeClr val="accent4"/>
+      <a:schemeClr val="accent5"/>
+      <a:schemeClr val="accent6"/>
+    </dgm:linClrLst>
+    <dgm:effectClrLst/>
+    <dgm:txLinClrLst/>
+    <dgm:txFillClrLst/>
+    <dgm:txEffectClrLst/>
+  </dgm:styleLbl>
+  <dgm:styleLbl name="lnNode1">
+    <dgm:fillClrLst meth="repeat">
+      <a:schemeClr val="accent2"/>
+      <a:schemeClr val="accent3"/>
+      <a:schemeClr val="accent4"/>
+      <a:schemeClr val="accent5"/>
+      <a:schemeClr val="accent6"/>
+    </dgm:fillClrLst>
+    <dgm:linClrLst meth="repeat">
+      <a:schemeClr val="lt1"/>
+    </dgm:linClrLst>
+    <dgm:effectClrLst/>
+    <dgm:txLinClrLst/>
+    <dgm:txFillClrLst/>
+    <dgm:txEffectClrLst/>
+  </dgm:styleLbl>
+  <dgm:styleLbl name="vennNode1">
+    <dgm:fillClrLst meth="repeat">
+      <a:schemeClr val="accent2">
+        <a:alpha val="50000"/>
+      </a:schemeClr>
+      <a:schemeClr val="accent3">
+        <a:alpha val="50000"/>
+      </a:schemeClr>
+      <a:schemeClr val="accent4">
+        <a:alpha val="50000"/>
+      </a:schemeClr>
+      <a:schemeClr val="accent5">
+        <a:alpha val="50000"/>
+      </a:schemeClr>
+      <a:schemeClr val="accent6">
+        <a:alpha val="50000"/>
+      </a:schemeClr>
+    </dgm:fillClrLst>
+    <dgm:linClrLst meth="repeat">
+      <a:schemeClr val="lt1"/>
+    </dgm:linClrLst>
+    <dgm:effectClrLst/>
+    <dgm:txLinClrLst/>
+    <dgm:txFillClrLst/>
+    <dgm:txEffectClrLst/>
+  </dgm:styleLbl>
+  <dgm:styleLbl name="node2">
+    <dgm:fillClrLst>
+      <a:schemeClr val="accent2"/>
+    </dgm:fillClrLst>
+    <dgm:linClrLst meth="repeat">
+      <a:schemeClr val="lt1"/>
+    </dgm:linClrLst>
+    <dgm:effectClrLst/>
+    <dgm:txLinClrLst/>
+    <dgm:txFillClrLst/>
+    <dgm:txEffectClrLst/>
+  </dgm:styleLbl>
+  <dgm:styleLbl name="node3">
+    <dgm:fillClrLst>
+      <a:schemeClr val="accent3"/>
+    </dgm:fillClrLst>
+    <dgm:linClrLst meth="repeat">
+      <a:schemeClr val="lt1"/>
+    </dgm:linClrLst>
+    <dgm:effectClrLst/>
+    <dgm:txLinClrLst/>
+    <dgm:txFillClrLst/>
+    <dgm:txEffectClrLst/>
+  </dgm:styleLbl>
+  <dgm:styleLbl name="node4">
+    <dgm:fillClrLst>
+      <a:schemeClr val="accent4"/>
+    </dgm:fillClrLst>
+    <dgm:linClrLst meth="repeat">
+      <a:schemeClr val="lt1"/>
+    </dgm:linClrLst>
+    <dgm:effectClrLst/>
+    <dgm:txLinClrLst/>
+    <dgm:txFillClrLst/>
+    <dgm:txEffectClrLst/>
+  </dgm:styleLbl>
+  <dgm:styleLbl name="fgImgPlace1">
+    <dgm:fillClrLst meth="repeat">
+      <a:schemeClr val="accent2">
+        <a:tint val="50000"/>
+      </a:schemeClr>
+      <a:schemeClr val="accent3">
+        <a:tint val="50000"/>
+      </a:schemeClr>
+      <a:schemeClr val="accent4">
+        <a:tint val="50000"/>
+      </a:schemeClr>
+      <a:schemeClr val="accent5">
+        <a:tint val="50000"/>
+      </a:schemeClr>
+      <a:schemeClr val="accent6">
+        <a:tint val="50000"/>
+      </a:schemeClr>
+    </dgm:fillClrLst>
+    <dgm:linClrLst meth="repeat">
+      <a:schemeClr val="lt1"/>
+    </dgm:linClrLst>
+    <dgm:effectClrLst/>
+    <dgm:txLinClrLst/>
+    <dgm:txFillClrLst meth="repeat">
+      <a:schemeClr val="lt1"/>
+    </dgm:txFillClrLst>
+    <dgm:txEffectClrLst/>
+  </dgm:styleLbl>
+  <dgm:styleLbl name="alignImgPlace1">
+    <dgm:fillClrLst>
+      <a:schemeClr val="accent1">
+        <a:tint val="50000"/>
+      </a:schemeClr>
+      <a:schemeClr val="accent2">
+        <a:tint val="20000"/>
+      </a:schemeClr>
+    </dgm:fillClrLst>
+    <dgm:linClrLst meth="repeat">
+      <a:schemeClr val="lt1"/>
+    </dgm:linClrLst>
+    <dgm:effectClrLst/>
+    <dgm:txLinClrLst/>
+    <dgm:txFillClrLst meth="repeat">
+      <a:schemeClr val="lt1"/>
+    </dgm:txFillClrLst>
+    <dgm:txEffectClrLst/>
+  </dgm:styleLbl>
+  <dgm:styleLbl name="bgImgPlace1">
+    <dgm:fillClrLst>
+      <a:schemeClr val="accent1">
+        <a:tint val="50000"/>
+      </a:schemeClr>
+      <a:schemeClr val="accent2">
+        <a:tint val="20000"/>
+      </a:schemeClr>
+    </dgm:fillClrLst>
+    <dgm:linClrLst meth="repeat">
+      <a:schemeClr val="lt1"/>
+    </dgm:linClrLst>
+    <dgm:effectClrLst/>
+    <dgm:txLinClrLst/>
+    <dgm:txFillClrLst meth="repeat">
+      <a:schemeClr val="lt1"/>
+    </dgm:txFillClrLst>
+    <dgm:txEffectClrLst/>
+  </dgm:styleLbl>
+  <dgm:styleLbl name="sibTrans2D1">
+    <dgm:fillClrLst meth="repeat">
+      <a:schemeClr val="accent2"/>
+      <a:schemeClr val="accent3"/>
+      <a:schemeClr val="accent4"/>
+      <a:schemeClr val="accent5"/>
+      <a:schemeClr val="accent6"/>
+    </dgm:fillClrLst>
+    <dgm:linClrLst meth="cycle">
+      <a:schemeClr val="lt1"/>
+    </dgm:linClrLst>
+    <dgm:effectClrLst/>
+    <dgm:txLinClrLst/>
+    <dgm:txFillClrLst/>
+    <dgm:txEffectClrLst/>
+  </dgm:styleLbl>
+  <dgm:styleLbl name="fgSibTrans2D1">
+    <dgm:fillClrLst meth="repeat">
+      <a:schemeClr val="accent2"/>
+      <a:schemeClr val="accent3"/>
+      <a:schemeClr val="accent4"/>
+      <a:schemeClr val="accent5"/>
+      <a:schemeClr val="accent6"/>
+    </dgm:fillClrLst>
+    <dgm:linClrLst meth="cycle">
+      <a:schemeClr val="lt1"/>
+    </dgm:linClrLst>
+    <dgm:effectClrLst/>
+    <dgm:txLinClrLst/>
+    <dgm:txFillClrLst meth="repeat">
+      <a:schemeClr val="lt1"/>
+    </dgm:txFillClrLst>
+    <dgm:txEffectClrLst/>
+  </dgm:styleLbl>
+  <dgm:styleLbl name="bgSibTrans2D1">
+    <dgm:fillClrLst meth="repeat">
+      <a:schemeClr val="accent2"/>
+      <a:schemeClr val="accent3"/>
+      <a:schemeClr val="accent4"/>
+      <a:schemeClr val="accent5"/>
+      <a:schemeClr val="accent6"/>
+    </dgm:fillClrLst>
+    <dgm:linClrLst meth="cycle">
+      <a:schemeClr val="lt1"/>
+    </dgm:linClrLst>
+    <dgm:effectClrLst/>
+    <dgm:txLinClrLst/>
+    <dgm:txFillClrLst meth="repeat">
+      <a:schemeClr val="lt1"/>
+    </dgm:txFillClrLst>
+    <dgm:txEffectClrLst/>
+  </dgm:styleLbl>
+  <dgm:styleLbl name="sibTrans1D1">
+    <dgm:fillClrLst meth="repeat">
+      <a:schemeClr val="accent2"/>
+      <a:schemeClr val="accent3"/>
+      <a:schemeClr val="accent4"/>
+      <a:schemeClr val="accent5"/>
+      <a:schemeClr val="accent6"/>
+    </dgm:fillClrLst>
+    <dgm:linClrLst meth="repeat">
+      <a:schemeClr val="accent2"/>
+      <a:schemeClr val="accent3"/>
+      <a:schemeClr val="accent4"/>
+      <a:schemeClr val="accent5"/>
+      <a:schemeClr val="accent6"/>
+    </dgm:linClrLst>
+    <dgm:effectClrLst/>
+    <dgm:txLinClrLst/>
+    <dgm:txFillClrLst meth="repeat">
+      <a:schemeClr val="tx1"/>
+    </dgm:txFillClrLst>
+    <dgm:txEffectClrLst/>
+  </dgm:styleLbl>
+  <dgm:styleLbl name="callout">
+    <dgm:fillClrLst meth="repeat">
+      <a:schemeClr val="accent2"/>
+    </dgm:fillClrLst>
+    <dgm:linClrLst meth="repeat">
+      <a:schemeClr val="accent2">
+        <a:tint val="50000"/>
+      </a:schemeClr>
+    </dgm:linClrLst>
+    <dgm:effectClrLst/>
+    <dgm:txLinClrLst/>
+    <dgm:txFillClrLst meth="repeat">
+      <a:schemeClr val="tx1"/>
+    </dgm:txFillClrLst>
+    <dgm:txEffectClrLst/>
+  </dgm:styleLbl>
+  <dgm:styleLbl name="asst0">
+    <dgm:fillClrLst meth="repeat">
+      <a:schemeClr val="accent1"/>
+    </dgm:fillClrLst>
+    <dgm:linClrLst meth="repeat">
+      <a:schemeClr val="lt1"/>
+    </dgm:linClrLst>
+    <dgm:effectClrLst/>
+    <dgm:txLinClrLst/>
+    <dgm:txFillClrLst/>
+    <dgm:txEffectClrLst/>
+  </dgm:styleLbl>
+  <dgm:styleLbl name="asst1">
+    <dgm:fillClrLst meth="repeat">
+      <a:schemeClr val="accent2"/>
+    </dgm:fillClrLst>
+    <dgm:linClrLst meth="repeat">
+      <a:schemeClr val="lt1"/>
+    </dgm:linClrLst>
+    <dgm:effectClrLst/>
+    <dgm:txLinClrLst/>
+    <dgm:txFillClrLst/>
+    <dgm:txEffectClrLst/>
+  </dgm:styleLbl>
+  <dgm:styleLbl name="asst2">
+    <dgm:fillClrLst>
+      <a:schemeClr val="accent3"/>
+    </dgm:fillClrLst>
+    <dgm:linClrLst meth="repeat">
+      <a:schemeClr val="lt1"/>
+    </dgm:linClrLst>
+    <dgm:effectClrLst/>
+    <dgm:txLinClrLst/>
+    <dgm:txFillClrLst/>
+    <dgm:txEffectClrLst/>
+  </dgm:styleLbl>
+  <dgm:styleLbl name="asst3">
+    <dgm:fillClrLst>
+      <a:schemeClr val="accent4"/>
+    </dgm:fillClrLst>
+    <dgm:linClrLst meth="repeat">
+      <a:schemeClr val="lt1"/>
+    </dgm:linClrLst>
+    <dgm:effectClrLst/>
+    <dgm:txLinClrLst/>
+    <dgm:txFillClrLst/>
+    <dgm:txEffectClrLst/>
+  </dgm:styleLbl>
+  <dgm:styleLbl name="asst4">
+    <dgm:fillClrLst>
+      <a:schemeClr val="accent5"/>
+    </dgm:fillClrLst>
+    <dgm:linClrLst meth="repeat">
+      <a:schemeClr val="lt1"/>
+    </dgm:linClrLst>
+    <dgm:effectClrLst/>
+    <dgm:txLinClrLst/>
+    <dgm:txFillClrLst/>
+    <dgm:txEffectClrLst/>
+  </dgm:styleLbl>
+  <dgm:styleLbl name="parChTrans2D1">
+    <dgm:fillClrLst meth="repeat">
+      <a:schemeClr val="accent2"/>
+    </dgm:fillClrLst>
+    <dgm:linClrLst meth="repeat">
+      <a:schemeClr val="lt1"/>
+    </dgm:linClrLst>
+    <dgm:effectClrLst/>
+    <dgm:txLinClrLst/>
+    <dgm:txFillClrLst meth="repeat">
+      <a:schemeClr val="lt1"/>
+    </dgm:txFillClrLst>
+    <dgm:txEffectClrLst/>
+  </dgm:styleLbl>
+  <dgm:styleLbl name="parChTrans2D2">
+    <dgm:fillClrLst meth="repeat">
+      <a:schemeClr val="accent3"/>
+    </dgm:fillClrLst>
+    <dgm:linClrLst meth="repeat">
+      <a:schemeClr val="lt1"/>
+    </dgm:linClrLst>
+    <dgm:effectClrLst/>
+    <dgm:txLinClrLst/>
+    <dgm:txFillClrLst/>
+    <dgm:txEffectClrLst/>
+  </dgm:styleLbl>
+  <dgm:styleLbl name="parChTrans2D3">
+    <dgm:fillClrLst meth="repeat">
+      <a:schemeClr val="accent4"/>
+    </dgm:fillClrLst>
+    <dgm:linClrLst meth="repeat">
+      <a:schemeClr val="lt1"/>
+    </dgm:linClrLst>
+    <dgm:effectClrLst/>
+    <dgm:txLinClrLst/>
+    <dgm:txFillClrLst/>
+    <dgm:txEffectClrLst/>
+  </dgm:styleLbl>
+  <dgm:styleLbl name="parChTrans2D4">
+    <dgm:fillClrLst meth="repeat">
+      <a:schemeClr val="accent5"/>
+    </dgm:fillClrLst>
+    <dgm:linClrLst meth="repeat">
+      <a:schemeClr val="lt1"/>
+    </dgm:linClrLst>
+    <dgm:effectClrLst/>
+    <dgm:txLinClrLst/>
+    <dgm:txFillClrLst meth="repeat">
+      <a:schemeClr val="lt1"/>
+    </dgm:txFillClrLst>
+    <dgm:txEffectClrLst/>
+  </dgm:styleLbl>
+  <dgm:styleLbl name="parChTrans1D1">
+    <dgm:fillClrLst meth="repeat">
+      <a:schemeClr val="accent2"/>
+    </dgm:fillClrLst>
+    <dgm:linClrLst meth="repeat">
+      <a:schemeClr val="accent1"/>
+    </dgm:linClrLst>
+    <dgm:effectClrLst/>
+    <dgm:txLinClrLst/>
+    <dgm:txFillClrLst meth="repeat">
+      <a:schemeClr val="tx1"/>
+    </dgm:txFillClrLst>
+    <dgm:txEffectClrLst/>
+  </dgm:styleLbl>
+  <dgm:styleLbl name="parChTrans1D2">
+    <dgm:fillClrLst meth="repeat">
+      <a:schemeClr val="accent3">
+        <a:tint val="90000"/>
+      </a:schemeClr>
+    </dgm:fillClrLst>
+    <dgm:linClrLst meth="repeat">
+      <a:schemeClr val="accent2"/>
+    </dgm:linClrLst>
+    <dgm:effectClrLst/>
+    <dgm:txLinClrLst/>
+    <dgm:txFillClrLst meth="repeat">
+      <a:schemeClr val="tx1"/>
+    </dgm:txFillClrLst>
+    <dgm:txEffectClrLst/>
+  </dgm:styleLbl>
+  <dgm:styleLbl name="parChTrans1D3">
+    <dgm:fillClrLst meth="repeat">
+      <a:schemeClr val="accent4">
+        <a:tint val="70000"/>
+      </a:schemeClr>
+    </dgm:fillClrLst>
+    <dgm:linClrLst meth="repeat">
+      <a:schemeClr val="accent3"/>
+    </dgm:linClrLst>
+    <dgm:effectClrLst/>
+    <dgm:txLinClrLst/>
+    <dgm:txFillClrLst meth="repeat">
+      <a:schemeClr val="tx1"/>
+    </dgm:txFillClrLst>
+    <dgm:txEffectClrLst/>
+  </dgm:styleLbl>
+  <dgm:styleLbl name="parChTrans1D4">
+    <dgm:fillClrLst meth="repeat">
+      <a:schemeClr val="accent5">
+        <a:tint val="50000"/>
+      </a:schemeClr>
+    </dgm:fillClrLst>
+    <dgm:linClrLst meth="repeat">
+      <a:schemeClr val="accent4"/>
+    </dgm:linClrLst>
+    <dgm:effectClrLst/>
+    <dgm:txLinClrLst/>
+    <dgm:txFillClrLst meth="repeat">
+      <a:schemeClr val="tx1"/>
+    </dgm:txFillClrLst>
+    <dgm:txEffectClrLst/>
+  </dgm:styleLbl>
+  <dgm:styleLbl name="fgAcc1">
+    <dgm:fillClrLst meth="repeat">
+      <a:schemeClr val="lt1">
+        <a:alpha val="90000"/>
+      </a:schemeClr>
+    </dgm:fillClrLst>
+    <dgm:linClrLst meth="repeat">
+      <a:schemeClr val="accent2"/>
+      <a:schemeClr val="accent3"/>
+      <a:schemeClr val="accent4"/>
+      <a:schemeClr val="accent5"/>
+      <a:schemeClr val="accent6"/>
+    </dgm:linClrLst>
+    <dgm:effectClrLst/>
+    <dgm:txLinClrLst/>
+    <dgm:txFillClrLst meth="repeat">
+      <a:schemeClr val="dk1"/>
+    </dgm:txFillClrLst>
+    <dgm:txEffectClrLst/>
+  </dgm:styleLbl>
+  <dgm:styleLbl name="conFgAcc1">
+    <dgm:fillClrLst meth="repeat">
+      <a:schemeClr val="lt1">
+        <a:alpha val="90000"/>
+      </a:schemeClr>
+    </dgm:fillClrLst>
+    <dgm:linClrLst meth="repeat">
+      <a:schemeClr val="accent2"/>
+      <a:schemeClr val="accent3"/>
+      <a:schemeClr val="accent4"/>
+      <a:schemeClr val="accent5"/>
+      <a:schemeClr val="accent6"/>
+    </dgm:linClrLst>
+    <dgm:effectClrLst/>
+    <dgm:txLinClrLst/>
+    <dgm:txFillClrLst meth="repeat">
+      <a:schemeClr val="dk1"/>
+    </dgm:txFillClrLst>
+    <dgm:txEffectClrLst/>
+  </dgm:styleLbl>
+  <dgm:styleLbl name="alignAcc1">
+    <dgm:fillClrLst meth="repeat">
+      <a:schemeClr val="lt1">
+        <a:alpha val="90000"/>
+      </a:schemeClr>
+    </dgm:fillClrLst>
+    <dgm:linClrLst meth="repeat">
+      <a:schemeClr val="accent2"/>
+      <a:schemeClr val="accent3"/>
+      <a:schemeClr val="accent4"/>
+      <a:schemeClr val="accent5"/>
+      <a:schemeClr val="accent6"/>
+    </dgm:linClrLst>
+    <dgm:effectClrLst/>
+    <dgm:txLinClrLst/>
+    <dgm:txFillClrLst meth="repeat">
+      <a:schemeClr val="dk1"/>
+    </dgm:txFillClrLst>
+    <dgm:txEffectClrLst/>
+  </dgm:styleLbl>
+  <dgm:styleLbl name="trAlignAcc1">
+    <dgm:fillClrLst meth="repeat">
+      <a:schemeClr val="lt1">
+        <a:alpha val="40000"/>
+      </a:schemeClr>
+    </dgm:fillClrLst>
+    <dgm:linClrLst meth="repeat">
+      <a:schemeClr val="accent1"/>
+    </dgm:linClrLst>
+    <dgm:effectClrLst/>
+    <dgm:txLinClrLst/>
+    <dgm:txFillClrLst meth="repeat">
+      <a:schemeClr val="dk1"/>
+    </dgm:txFillClrLst>
+    <dgm:txEffectClrLst/>
+  </dgm:styleLbl>
+  <dgm:styleLbl name="bgAcc1">
+    <dgm:fillClrLst meth="repeat">
+      <a:schemeClr val="lt1">
+        <a:alpha val="90000"/>
+      </a:schemeClr>
+    </dgm:fillClrLst>
+    <dgm:linClrLst meth="repeat">
+      <a:schemeClr val="accent2"/>
+      <a:schemeClr val="accent3"/>
+      <a:schemeClr val="accent4"/>
+      <a:schemeClr val="accent5"/>
+      <a:schemeClr val="accent6"/>
+    </dgm:linClrLst>
+    <dgm:effectClrLst/>
+    <dgm:txLinClrLst/>
+    <dgm:txFillClrLst meth="repeat">
+      <a:schemeClr val="dk1"/>
+    </dgm:txFillClrLst>
+    <dgm:txEffectClrLst/>
+  </dgm:styleLbl>
+  <dgm:styleLbl name="solidFgAcc1">
+    <dgm:fillClrLst meth="repeat">
+      <a:schemeClr val="lt1"/>
+    </dgm:fillClrLst>
+    <dgm:linClrLst meth="repeat">
+      <a:schemeClr val="accent2"/>
+      <a:schemeClr val="accent3"/>
+      <a:schemeClr val="accent4"/>
+      <a:schemeClr val="accent5"/>
+      <a:schemeClr val="accent6"/>
+    </dgm:linClrLst>
+    <dgm:effectClrLst/>
+    <dgm:txLinClrLst/>
+    <dgm:txFillClrLst meth="repeat">
+      <a:schemeClr val="dk1"/>
+    </dgm:txFillClrLst>
+    <dgm:txEffectClrLst/>
+  </dgm:styleLbl>
+  <dgm:styleLbl name="solidAlignAcc1">
+    <dgm:fillClrLst meth="repeat">
+      <a:schemeClr val="lt1"/>
+    </dgm:fillClrLst>
+    <dgm:linClrLst meth="repeat">
+      <a:schemeClr val="accent2"/>
+      <a:schemeClr val="accent3"/>
+      <a:schemeClr val="accent4"/>
+      <a:schemeClr val="accent5"/>
+      <a:schemeClr val="accent6"/>
+    </dgm:linClrLst>
+    <dgm:effectClrLst/>
+    <dgm:txLinClrLst/>
+    <dgm:txFillClrLst meth="repeat">
+      <a:schemeClr val="dk1"/>
+    </dgm:txFillClrLst>
+    <dgm:txEffectClrLst/>
+  </dgm:styleLbl>
+  <dgm:styleLbl name="solidBgAcc1">
+    <dgm:fillClrLst meth="repeat">
+      <a:schemeClr val="lt1"/>
+    </dgm:fillClrLst>
+    <dgm:linClrLst meth="repeat">
+      <a:schemeClr val="accent2"/>
+      <a:schemeClr val="accent3"/>
+      <a:schemeClr val="accent4"/>
+      <a:schemeClr val="accent5"/>
+      <a:schemeClr val="accent6"/>
+    </dgm:linClrLst>
+    <dgm:effectClrLst/>
+    <dgm:txLinClrLst/>
+    <dgm:txFillClrLst meth="repeat">
+      <a:schemeClr val="dk1"/>
+    </dgm:txFillClrLst>
+    <dgm:txEffectClrLst/>
+  </dgm:styleLbl>
+  <dgm:styleLbl name="fgAccFollowNode1">
+    <dgm:fillClrLst meth="repeat">
+      <a:schemeClr val="accent2">
+        <a:tint val="40000"/>
+        <a:alpha val="90000"/>
+      </a:schemeClr>
+      <a:schemeClr val="accent3">
+        <a:tint val="40000"/>
+        <a:alpha val="90000"/>
+      </a:schemeClr>
+      <a:schemeClr val="accent4">
+        <a:tint val="40000"/>
+        <a:alpha val="90000"/>
+      </a:schemeClr>
+      <a:schemeClr val="accent5">
+        <a:tint val="40000"/>
+        <a:alpha val="90000"/>
+      </a:schemeClr>
+      <a:schemeClr val="accent6">
+        <a:tint val="40000"/>
+        <a:alpha val="90000"/>
+      </a:schemeClr>
+    </dgm:fillClrLst>
+    <dgm:linClrLst meth="repeat">
+      <a:schemeClr val="accent2">
+        <a:tint val="40000"/>
+        <a:alpha val="90000"/>
+      </a:schemeClr>
+      <a:schemeClr val="accent3">
+        <a:tint val="40000"/>
+        <a:alpha val="90000"/>
+      </a:schemeClr>
+      <a:schemeClr val="accent4">
+        <a:tint val="40000"/>
+        <a:alpha val="90000"/>
+      </a:schemeClr>
+      <a:schemeClr val="accent5">
+        <a:tint val="40000"/>
+        <a:alpha val="90000"/>
+      </a:schemeClr>
+      <a:schemeClr val="accent6">
+        <a:tint val="40000"/>
+        <a:alpha val="90000"/>
+      </a:schemeClr>
+    </dgm:linClrLst>
+    <dgm:effectClrLst/>
+    <dgm:txLinClrLst/>
+    <dgm:txFillClrLst meth="repeat">
+      <a:schemeClr val="dk1"/>
+    </dgm:txFillClrLst>
+    <dgm:txEffectClrLst/>
+  </dgm:styleLbl>
+  <dgm:styleLbl name="alignAccFollowNode1">
+    <dgm:fillClrLst meth="repeat">
+      <a:schemeClr val="accent2">
+        <a:tint val="40000"/>
+        <a:alpha val="90000"/>
+      </a:schemeClr>
+      <a:schemeClr val="accent3">
+        <a:tint val="40000"/>
+        <a:alpha val="90000"/>
+      </a:schemeClr>
+      <a:schemeClr val="accent4">
+        <a:tint val="40000"/>
+        <a:alpha val="90000"/>
+      </a:schemeClr>
+      <a:schemeClr val="accent5">
+        <a:tint val="40000"/>
+        <a:alpha val="90000"/>
+      </a:schemeClr>
+      <a:schemeClr val="accent6">
+        <a:tint val="40000"/>
+        <a:alpha val="90000"/>
+      </a:schemeClr>
+    </dgm:fillClrLst>
+    <dgm:linClrLst meth="repeat">
+      <a:schemeClr val="accent2">
+        <a:tint val="40000"/>
+        <a:alpha val="90000"/>
+      </a:schemeClr>
+      <a:schemeClr val="accent3">
+        <a:tint val="40000"/>
+        <a:alpha val="90000"/>
+      </a:schemeClr>
+      <a:schemeClr val="accent4">
+        <a:tint val="40000"/>
+        <a:alpha val="90000"/>
+      </a:schemeClr>
+      <a:schemeClr val="accent5">
+        <a:tint val="40000"/>
+        <a:alpha val="90000"/>
+      </a:schemeClr>
+      <a:schemeClr val="accent6">
+        <a:tint val="40000"/>
+        <a:alpha val="90000"/>
+      </a:schemeClr>
+    </dgm:linClrLst>
+    <dgm:effectClrLst/>
+    <dgm:txLinClrLst/>
+    <dgm:txFillClrLst meth="repeat">
+      <a:schemeClr val="dk1"/>
+    </dgm:txFillClrLst>
+    <dgm:txEffectClrLst/>
+  </dgm:styleLbl>
+  <dgm:styleLbl name="bgAccFollowNode1">
+    <dgm:fillClrLst meth="repeat">
+      <a:schemeClr val="accent2">
+        <a:tint val="40000"/>
+        <a:alpha val="90000"/>
+      </a:schemeClr>
+      <a:schemeClr val="accent3">
+        <a:tint val="40000"/>
+        <a:alpha val="90000"/>
+      </a:schemeClr>
+      <a:schemeClr val="accent4">
+        <a:tint val="40000"/>
+        <a:alpha val="90000"/>
+      </a:schemeClr>
+      <a:schemeClr val="accent5">
+        <a:tint val="40000"/>
+        <a:alpha val="90000"/>
+      </a:schemeClr>
+      <a:schemeClr val="accent6">
+        <a:tint val="40000"/>
+        <a:alpha val="90000"/>
+      </a:schemeClr>
+    </dgm:fillClrLst>
+    <dgm:linClrLst meth="repeat">
+      <a:schemeClr val="accent2">
+        <a:tint val="40000"/>
+        <a:alpha val="90000"/>
+      </a:schemeClr>
+      <a:schemeClr val="accent3">
+        <a:tint val="40000"/>
+        <a:alpha val="90000"/>
+      </a:schemeClr>
+      <a:schemeClr val="accent4">
+        <a:tint val="40000"/>
+        <a:alpha val="90000"/>
+      </a:schemeClr>
+      <a:schemeClr val="accent5">
+        <a:tint val="40000"/>
+        <a:alpha val="90000"/>
+      </a:schemeClr>
+      <a:schemeClr val="accent6">
+        <a:tint val="40000"/>
+        <a:alpha val="90000"/>
+      </a:schemeClr>
+    </dgm:linClrLst>
+    <dgm:effectClrLst/>
+    <dgm:txLinClrLst/>
+    <dgm:txFillClrLst meth="repeat">
+      <a:schemeClr val="dk1"/>
+    </dgm:txFillClrLst>
+    <dgm:txEffectClrLst/>
+  </dgm:styleLbl>
+  <dgm:styleLbl name="fgAcc0">
+    <dgm:fillClrLst meth="repeat">
+      <a:schemeClr val="lt1">
+        <a:alpha val="90000"/>
+      </a:schemeClr>
+    </dgm:fillClrLst>
+    <dgm:linClrLst>
+      <a:schemeClr val="accent1"/>
+    </dgm:linClrLst>
+    <dgm:effectClrLst/>
+    <dgm:txLinClrLst/>
+    <dgm:txFillClrLst meth="repeat">
+      <a:schemeClr val="dk1"/>
+    </dgm:txFillClrLst>
+    <dgm:txEffectClrLst/>
+  </dgm:styleLbl>
+  <dgm:styleLbl name="fgAcc2">
+    <dgm:fillClrLst meth="repeat">
+      <a:schemeClr val="lt1">
+        <a:alpha val="90000"/>
+      </a:schemeClr>
+    </dgm:fillClrLst>
+    <dgm:linClrLst>
+      <a:schemeClr val="accent2"/>
+    </dgm:linClrLst>
+    <dgm:effectClrLst/>
+    <dgm:txLinClrLst/>
+    <dgm:txFillClrLst meth="repeat">
+      <a:schemeClr val="dk1"/>
+    </dgm:txFillClrLst>
+    <dgm:txEffectClrLst/>
+  </dgm:styleLbl>
+  <dgm:styleLbl name="fgAcc3">
+    <dgm:fillClrLst meth="repeat">
+      <a:schemeClr val="lt1">
+        <a:alpha val="90000"/>
+      </a:schemeClr>
+    </dgm:fillClrLst>
+    <dgm:linClrLst>
+      <a:schemeClr val="accent3"/>
+    </dgm:linClrLst>
+    <dgm:effectClrLst/>
+    <dgm:txLinClrLst/>
+    <dgm:txFillClrLst meth="repeat">
+      <a:schemeClr val="dk1"/>
+    </dgm:txFillClrLst>
+    <dgm:txEffectClrLst/>
+  </dgm:styleLbl>
+  <dgm:styleLbl name="fgAcc4">
+    <dgm:fillClrLst meth="repeat">
+      <a:schemeClr val="lt1">
+        <a:alpha val="90000"/>
+      </a:schemeClr>
+    </dgm:fillClrLst>
+    <dgm:linClrLst>
+      <a:schemeClr val="accent4"/>
+    </dgm:linClrLst>
+    <dgm:effectClrLst/>
+    <dgm:txLinClrLst/>
+    <dgm:txFillClrLst meth="repeat">
+      <a:schemeClr val="dk1"/>
+    </dgm:txFillClrLst>
+    <dgm:txEffectClrLst/>
+  </dgm:styleLbl>
+  <dgm:styleLbl name="bgShp">
+    <dgm:fillClrLst meth="repeat">
+      <a:schemeClr val="bg1">
+        <a:lumMod val="95000"/>
+      </a:schemeClr>
+    </dgm:fillClrLst>
+    <dgm:linClrLst meth="repeat">
+      <a:schemeClr val="dk1"/>
+    </dgm:linClrLst>
+    <dgm:effectClrLst/>
+    <dgm:txLinClrLst/>
+    <dgm:txFillClrLst meth="repeat">
+      <a:schemeClr val="dk1"/>
+    </dgm:txFillClrLst>
+    <dgm:txEffectClrLst/>
+  </dgm:styleLbl>
+  <dgm:styleLbl name="dkBgShp">
+    <dgm:fillClrLst meth="repeat">
+      <a:schemeClr val="accent2">
+        <a:shade val="90000"/>
+      </a:schemeClr>
+    </dgm:fillClrLst>
+    <dgm:linClrLst meth="repeat">
+      <a:schemeClr val="dk1"/>
+    </dgm:linClrLst>
+    <dgm:effectClrLst/>
+    <dgm:txLinClrLst/>
+    <dgm:txFillClrLst meth="repeat">
+      <a:schemeClr val="lt1"/>
+    </dgm:txFillClrLst>
+    <dgm:txEffectClrLst/>
+  </dgm:styleLbl>
+  <dgm:styleLbl name="trBgShp">
+    <dgm:fillClrLst meth="repeat">
+      <a:schemeClr val="accent1">
+        <a:tint val="50000"/>
+        <a:alpha val="40000"/>
+      </a:schemeClr>
+    </dgm:fillClrLst>
+    <dgm:linClrLst meth="repeat">
+      <a:schemeClr val="accent2"/>
+    </dgm:linClrLst>
+    <dgm:effectClrLst/>
+    <dgm:txLinClrLst/>
+    <dgm:txFillClrLst meth="repeat">
+      <a:schemeClr val="lt1"/>
+    </dgm:txFillClrLst>
+    <dgm:txEffectClrLst/>
+  </dgm:styleLbl>
+  <dgm:styleLbl name="fgShp">
+    <dgm:fillClrLst meth="repeat">
+      <a:schemeClr val="accent2">
+        <a:tint val="40000"/>
+      </a:schemeClr>
+    </dgm:fillClrLst>
+    <dgm:linClrLst meth="repeat">
+      <a:schemeClr val="lt1"/>
+    </dgm:linClrLst>
+    <dgm:effectClrLst/>
+    <dgm:txLinClrLst/>
+    <dgm:txFillClrLst meth="repeat">
+      <a:schemeClr val="dk1"/>
+    </dgm:txFillClrLst>
+    <dgm:txEffectClrLst/>
+  </dgm:styleLbl>
+  <dgm:styleLbl name="revTx">
+    <dgm:fillClrLst meth="repeat">
+      <a:schemeClr val="lt1">
+        <a:alpha val="0"/>
+      </a:schemeClr>
+    </dgm:fillClrLst>
+    <dgm:linClrLst meth="repeat">
+      <a:schemeClr val="dk1">
+        <a:alpha val="0"/>
+      </a:schemeClr>
+    </dgm:linClrLst>
+    <dgm:effectClrLst/>
+    <dgm:txLinClrLst/>
+    <dgm:txFillClrLst meth="repeat">
+      <a:schemeClr val="tx1"/>
+    </dgm:txFillClrLst>
+    <dgm:txEffectClrLst/>
+  </dgm:styleLbl>
+</dgm:colorsDef>
+</file>
+
+<file path=ppt/diagrams/data1.xml><?xml version="1.0" encoding="utf-8"?>
+<dgm:dataModel xmlns:dgm="http://schemas.openxmlformats.org/drawingml/2006/diagram" xmlns:a="http://schemas.openxmlformats.org/drawingml/2006/main">
+  <dgm:ptLst>
+    <dgm:pt modelId="{62E7B23A-6FC5-4D30-8BE3-530E5B879A0C}" type="doc">
+      <dgm:prSet loTypeId="urn:microsoft.com/office/officeart/2018/2/layout/IconVerticalSolidList" loCatId="icon" qsTypeId="urn:microsoft.com/office/officeart/2005/8/quickstyle/simple1" qsCatId="simple" csTypeId="urn:microsoft.com/office/officeart/2018/5/colors/Iconchunking_neutralbg_colorful1" csCatId="colorful" phldr="1"/>
+      <dgm:spPr/>
+      <dgm:t>
+        <a:bodyPr/>
+        <a:lstStyle/>
+        <a:p>
+          <a:endParaRPr lang="en-US"/>
+        </a:p>
+      </dgm:t>
+    </dgm:pt>
+    <dgm:pt modelId="{AF47C1E2-ECFB-4C7E-8BFA-74143B289D71}">
+      <dgm:prSet/>
+      <dgm:spPr/>
+      <dgm:t>
+        <a:bodyPr/>
+        <a:lstStyle/>
+        <a:p>
+          <a:pPr>
+            <a:lnSpc>
+              <a:spcPct val="100000"/>
+            </a:lnSpc>
+          </a:pPr>
+          <a:r>
+            <a:rPr lang="es-ES" dirty="0"/>
+            <a:t>PROCESO DE DESARROLLO DEL </a:t>
+          </a:r>
+          <a:r>
+            <a:rPr lang="es-ES" dirty="0">
+              <a:latin typeface="Avenir Next LT Pro Light"/>
+            </a:rPr>
+            <a:t>PROYECTO</a:t>
+          </a:r>
+          <a:endParaRPr lang="en-US" dirty="0"/>
+        </a:p>
+      </dgm:t>
+    </dgm:pt>
+    <dgm:pt modelId="{A3D58D48-FF48-44EE-9E87-BABECF572F25}" type="parTrans" cxnId="{8050B2BE-6799-4F24-8D9F-B2F1C3BD797B}">
+      <dgm:prSet/>
+      <dgm:spPr/>
+      <dgm:t>
+        <a:bodyPr/>
+        <a:lstStyle/>
+        <a:p>
+          <a:endParaRPr lang="en-US"/>
+        </a:p>
+      </dgm:t>
+    </dgm:pt>
+    <dgm:pt modelId="{A8663BE1-D4F4-4E92-AD61-4ABBFB42958A}" type="sibTrans" cxnId="{8050B2BE-6799-4F24-8D9F-B2F1C3BD797B}">
+      <dgm:prSet/>
+      <dgm:spPr/>
+      <dgm:t>
+        <a:bodyPr/>
+        <a:lstStyle/>
+        <a:p>
+          <a:endParaRPr lang="en-US"/>
+        </a:p>
+      </dgm:t>
+    </dgm:pt>
+    <dgm:pt modelId="{55AF5F41-95EA-44BF-A3FF-D6DCA8872112}">
+      <dgm:prSet/>
+      <dgm:spPr/>
+      <dgm:t>
+        <a:bodyPr/>
+        <a:lstStyle/>
+        <a:p>
+          <a:pPr>
+            <a:lnSpc>
+              <a:spcPct val="100000"/>
+            </a:lnSpc>
+          </a:pPr>
+          <a:r>
+            <a:rPr lang="es-ES" dirty="0"/>
+            <a:t>RML Y MAPPING.</a:t>
+          </a:r>
+        </a:p>
+      </dgm:t>
+    </dgm:pt>
+    <dgm:pt modelId="{48752681-FD99-4CF6-B2F8-AC7B57354C2D}" type="parTrans" cxnId="{F4A94FCF-D999-48D5-AB65-4D3DAA45A559}">
+      <dgm:prSet/>
+      <dgm:spPr/>
+      <dgm:t>
+        <a:bodyPr/>
+        <a:lstStyle/>
+        <a:p>
+          <a:endParaRPr lang="en-US"/>
+        </a:p>
+      </dgm:t>
+    </dgm:pt>
+    <dgm:pt modelId="{20037F36-BCB3-4381-9628-F9E0A3B4C18B}" type="sibTrans" cxnId="{F4A94FCF-D999-48D5-AB65-4D3DAA45A559}">
+      <dgm:prSet/>
+      <dgm:spPr/>
+      <dgm:t>
+        <a:bodyPr/>
+        <a:lstStyle/>
+        <a:p>
+          <a:endParaRPr lang="en-US"/>
+        </a:p>
+      </dgm:t>
+    </dgm:pt>
+    <dgm:pt modelId="{3A02A92F-46DE-49FA-9A36-526C286C1F87}">
+      <dgm:prSet/>
+      <dgm:spPr/>
+      <dgm:t>
+        <a:bodyPr/>
+        <a:lstStyle/>
+        <a:p>
+          <a:pPr>
+            <a:lnSpc>
+              <a:spcPct val="100000"/>
+            </a:lnSpc>
+          </a:pPr>
+          <a:r>
+            <a:rPr lang="es-ES" dirty="0">
+              <a:latin typeface="Avenir Next LT Pro Light"/>
+            </a:rPr>
+            <a:t>APLICACIÓN</a:t>
+          </a:r>
+          <a:endParaRPr lang="en-US" dirty="0"/>
+        </a:p>
+      </dgm:t>
+    </dgm:pt>
+    <dgm:pt modelId="{12F38EC1-0084-453D-89CB-831EA50F60B2}" type="parTrans" cxnId="{D2B5FD72-7572-4F45-9E5F-154BD198F78A}">
+      <dgm:prSet/>
+      <dgm:spPr/>
+      <dgm:t>
+        <a:bodyPr/>
+        <a:lstStyle/>
+        <a:p>
+          <a:endParaRPr lang="en-US"/>
+        </a:p>
+      </dgm:t>
+    </dgm:pt>
+    <dgm:pt modelId="{1E3F5A81-6C20-4328-84BE-701C9416D101}" type="sibTrans" cxnId="{D2B5FD72-7572-4F45-9E5F-154BD198F78A}">
+      <dgm:prSet/>
+      <dgm:spPr/>
+      <dgm:t>
+        <a:bodyPr/>
+        <a:lstStyle/>
+        <a:p>
+          <a:endParaRPr lang="en-US"/>
+        </a:p>
+      </dgm:t>
+    </dgm:pt>
+    <dgm:pt modelId="{BB1BFD32-B20F-4DFC-9655-996D1C6597B7}">
+      <dgm:prSet phldr="0"/>
+      <dgm:spPr/>
+      <dgm:t>
+        <a:bodyPr/>
+        <a:lstStyle/>
+        <a:p>
+          <a:pPr>
+            <a:lnSpc>
+              <a:spcPct val="100000"/>
+            </a:lnSpc>
+          </a:pPr>
+          <a:r>
+            <a:rPr lang="es-ES" dirty="0">
+              <a:latin typeface="Avenir Next LT Pro Light"/>
+            </a:rPr>
+            <a:t>ONTOLOGÍA.</a:t>
+          </a:r>
+        </a:p>
+      </dgm:t>
+    </dgm:pt>
+    <dgm:pt modelId="{307305F0-DBFB-4FDD-A534-CCA50504799B}" type="parTrans" cxnId="{BBE9BE7B-3272-4275-8B4B-5C26EE5C064A}">
+      <dgm:prSet/>
+      <dgm:spPr/>
+    </dgm:pt>
+    <dgm:pt modelId="{FFD8DC5A-ADC0-43A1-A18B-5A58FD5880E5}" type="sibTrans" cxnId="{BBE9BE7B-3272-4275-8B4B-5C26EE5C064A}">
+      <dgm:prSet/>
+      <dgm:spPr/>
+    </dgm:pt>
+    <dgm:pt modelId="{95D3F19E-21A2-4A46-99B1-0FF0FDBFD41C}">
+      <dgm:prSet phldr="0"/>
+      <dgm:spPr/>
+      <dgm:t>
+        <a:bodyPr/>
+        <a:lstStyle/>
+        <a:p>
+          <a:pPr>
+            <a:lnSpc>
+              <a:spcPct val="100000"/>
+            </a:lnSpc>
+          </a:pPr>
+          <a:r>
+            <a:rPr lang="es-ES" dirty="0">
+              <a:solidFill>
+                <a:srgbClr val="444444"/>
+              </a:solidFill>
+              <a:latin typeface="Calibri"/>
+              <a:ea typeface="Calibri"/>
+              <a:cs typeface="Calibri"/>
+            </a:rPr>
+            <a:t>CSV (DATASOURCE).</a:t>
+          </a:r>
+          <a:endParaRPr lang="en-US" dirty="0">
+            <a:solidFill>
+              <a:srgbClr val="444444"/>
+            </a:solidFill>
+            <a:latin typeface="Calibri"/>
+            <a:ea typeface="Calibri"/>
+            <a:cs typeface="Calibri"/>
+          </a:endParaRPr>
+        </a:p>
+      </dgm:t>
+    </dgm:pt>
+    <dgm:pt modelId="{89E9D34E-F39D-416D-8158-8CF5BA693000}" type="parTrans" cxnId="{607DA5F8-D692-4CFF-8B66-E35770CFF96D}">
+      <dgm:prSet/>
+      <dgm:spPr/>
+    </dgm:pt>
+    <dgm:pt modelId="{C788D4C3-852C-46C7-9D90-E8CCC654E899}" type="sibTrans" cxnId="{607DA5F8-D692-4CFF-8B66-E35770CFF96D}">
+      <dgm:prSet/>
+      <dgm:spPr/>
+    </dgm:pt>
+    <dgm:pt modelId="{BC313E6C-162C-4CFA-A57A-E0A1614ABDBF}">
+      <dgm:prSet phldr="0"/>
+      <dgm:spPr/>
+      <dgm:t>
+        <a:bodyPr/>
+        <a:lstStyle/>
+        <a:p>
+          <a:pPr rtl="0">
+            <a:lnSpc>
+              <a:spcPct val="100000"/>
+            </a:lnSpc>
+          </a:pPr>
+          <a:r>
+            <a:rPr lang="es-ES" dirty="0">
+              <a:latin typeface="Avenir Next LT Pro Light"/>
+            </a:rPr>
+            <a:t>SHACL (VALIDADOR)</a:t>
+          </a:r>
+        </a:p>
+      </dgm:t>
+    </dgm:pt>
+    <dgm:pt modelId="{22A24364-CB7B-49F6-BEE5-EFF022F11CA5}" type="parTrans" cxnId="{0CC76697-E8F2-411E-B7F8-883048B8FE77}">
+      <dgm:prSet/>
+      <dgm:spPr/>
+    </dgm:pt>
+    <dgm:pt modelId="{604E4C84-3FFC-43D4-BDFA-C1557EB58EBF}" type="sibTrans" cxnId="{0CC76697-E8F2-411E-B7F8-883048B8FE77}">
+      <dgm:prSet/>
+      <dgm:spPr/>
+    </dgm:pt>
+    <dgm:pt modelId="{2A9157C9-D007-4D66-8A70-841A5780254F}" type="pres">
+      <dgm:prSet presAssocID="{62E7B23A-6FC5-4D30-8BE3-530E5B879A0C}" presName="root" presStyleCnt="0">
+        <dgm:presLayoutVars>
+          <dgm:dir/>
+          <dgm:resizeHandles val="exact"/>
+        </dgm:presLayoutVars>
+      </dgm:prSet>
+      <dgm:spPr/>
+    </dgm:pt>
+    <dgm:pt modelId="{FC6FF0C5-6200-43BA-9181-C126503DD5CF}" type="pres">
+      <dgm:prSet presAssocID="{AF47C1E2-ECFB-4C7E-8BFA-74143B289D71}" presName="compNode" presStyleCnt="0"/>
+      <dgm:spPr/>
+    </dgm:pt>
+    <dgm:pt modelId="{8AAF84AF-274C-43E6-9081-93040FE9D28F}" type="pres">
+      <dgm:prSet presAssocID="{AF47C1E2-ECFB-4C7E-8BFA-74143B289D71}" presName="bgRect" presStyleLbl="bgShp" presStyleIdx="0" presStyleCnt="2"/>
+      <dgm:spPr/>
+    </dgm:pt>
+    <dgm:pt modelId="{662966ED-EA29-4685-8779-496A2C8D84E6}" type="pres">
+      <dgm:prSet presAssocID="{AF47C1E2-ECFB-4C7E-8BFA-74143B289D71}" presName="iconRect" presStyleLbl="node1" presStyleIdx="0" presStyleCnt="2"/>
+      <dgm:spPr>
+        <a:blipFill>
+          <a:blip xmlns:r="http://schemas.openxmlformats.org/officeDocument/2006/relationships" r:embed="rId1">
+            <a:extLst>
+              <a:ext uri="{28A0092B-C50C-407E-A947-70E740481C1C}">
+                <a14:useLocalDpi xmlns:a14="http://schemas.microsoft.com/office/drawing/2010/main" val="0"/>
+              </a:ext>
+              <a:ext uri="{96DAC541-7B7A-43D3-8B79-37D633B846F1}">
+                <asvg:svgBlip xmlns:asvg="http://schemas.microsoft.com/office/drawing/2016/SVG/main" r:embed="rId2"/>
+              </a:ext>
+            </a:extLst>
+          </a:blip>
+          <a:stretch>
+            <a:fillRect/>
+          </a:stretch>
+        </a:blipFill>
+        <a:ln>
+          <a:noFill/>
+        </a:ln>
+      </dgm:spPr>
+      <dgm:extLst>
+        <a:ext uri="{E40237B7-FDA0-4F09-8148-C483321AD2D9}">
+          <dgm14:cNvPr xmlns:dgm14="http://schemas.microsoft.com/office/drawing/2010/diagram" id="0" name="" descr="Diagrama de flujo"/>
+        </a:ext>
+      </dgm:extLst>
+    </dgm:pt>
+    <dgm:pt modelId="{C2DD681E-0223-4775-ADFF-4417EE176987}" type="pres">
+      <dgm:prSet presAssocID="{AF47C1E2-ECFB-4C7E-8BFA-74143B289D71}" presName="spaceRect" presStyleCnt="0"/>
+      <dgm:spPr/>
+    </dgm:pt>
+    <dgm:pt modelId="{3D748F0B-B59E-4E65-8439-D0CC3E1761C8}" type="pres">
+      <dgm:prSet presAssocID="{AF47C1E2-ECFB-4C7E-8BFA-74143B289D71}" presName="parTx" presStyleLbl="revTx" presStyleIdx="0" presStyleCnt="3">
+        <dgm:presLayoutVars>
+          <dgm:chMax val="0"/>
+          <dgm:chPref val="0"/>
+        </dgm:presLayoutVars>
+      </dgm:prSet>
+      <dgm:spPr/>
+    </dgm:pt>
+    <dgm:pt modelId="{01FF8B97-8B39-4498-A0EB-EEBD77836CB0}" type="pres">
+      <dgm:prSet presAssocID="{AF47C1E2-ECFB-4C7E-8BFA-74143B289D71}" presName="desTx" presStyleLbl="revTx" presStyleIdx="1" presStyleCnt="3">
+        <dgm:presLayoutVars/>
+      </dgm:prSet>
+      <dgm:spPr/>
+    </dgm:pt>
+    <dgm:pt modelId="{8F0783EF-E2DC-4DA7-A1B2-6ACC00AC3BD0}" type="pres">
+      <dgm:prSet presAssocID="{A8663BE1-D4F4-4E92-AD61-4ABBFB42958A}" presName="sibTrans" presStyleCnt="0"/>
+      <dgm:spPr/>
+    </dgm:pt>
+    <dgm:pt modelId="{3E2755F2-0AE1-4B84-B81E-4C35D7E48FE7}" type="pres">
+      <dgm:prSet presAssocID="{3A02A92F-46DE-49FA-9A36-526C286C1F87}" presName="compNode" presStyleCnt="0"/>
+      <dgm:spPr/>
+    </dgm:pt>
+    <dgm:pt modelId="{91E91427-BF57-41E7-9D87-8C6FFE0EAA3C}" type="pres">
+      <dgm:prSet presAssocID="{3A02A92F-46DE-49FA-9A36-526C286C1F87}" presName="bgRect" presStyleLbl="bgShp" presStyleIdx="1" presStyleCnt="2"/>
+      <dgm:spPr/>
+    </dgm:pt>
+    <dgm:pt modelId="{E3C23E7B-274D-4818-BD6F-D085B5B7342C}" type="pres">
+      <dgm:prSet presAssocID="{3A02A92F-46DE-49FA-9A36-526C286C1F87}" presName="iconRect" presStyleLbl="node1" presStyleIdx="1" presStyleCnt="2"/>
+      <dgm:spPr>
+        <a:blipFill>
+          <a:blip xmlns:r="http://schemas.openxmlformats.org/officeDocument/2006/relationships" r:embed="rId3">
+            <a:extLst>
+              <a:ext uri="{28A0092B-C50C-407E-A947-70E740481C1C}">
+                <a14:useLocalDpi xmlns:a14="http://schemas.microsoft.com/office/drawing/2010/main" val="0"/>
+              </a:ext>
+              <a:ext uri="{96DAC541-7B7A-43D3-8B79-37D633B846F1}">
+                <asvg:svgBlip xmlns:asvg="http://schemas.microsoft.com/office/drawing/2016/SVG/main" r:embed="rId4"/>
+              </a:ext>
+            </a:extLst>
+          </a:blip>
+          <a:stretch>
+            <a:fillRect/>
+          </a:stretch>
+        </a:blipFill>
+        <a:ln>
+          <a:noFill/>
+        </a:ln>
+      </dgm:spPr>
+      <dgm:extLst>
+        <a:ext uri="{E40237B7-FDA0-4F09-8148-C483321AD2D9}">
+          <dgm14:cNvPr xmlns:dgm14="http://schemas.microsoft.com/office/drawing/2010/diagram" id="0" name="" descr="Smart Phone"/>
+        </a:ext>
+      </dgm:extLst>
+    </dgm:pt>
+    <dgm:pt modelId="{6A09783A-9805-4811-8186-2D842B55B6FD}" type="pres">
+      <dgm:prSet presAssocID="{3A02A92F-46DE-49FA-9A36-526C286C1F87}" presName="spaceRect" presStyleCnt="0"/>
+      <dgm:spPr/>
+    </dgm:pt>
+    <dgm:pt modelId="{DBEC9E02-0838-4321-8652-12178D59088C}" type="pres">
+      <dgm:prSet presAssocID="{3A02A92F-46DE-49FA-9A36-526C286C1F87}" presName="parTx" presStyleLbl="revTx" presStyleIdx="2" presStyleCnt="3">
+        <dgm:presLayoutVars>
+          <dgm:chMax val="0"/>
+          <dgm:chPref val="0"/>
+        </dgm:presLayoutVars>
+      </dgm:prSet>
+      <dgm:spPr/>
+    </dgm:pt>
+  </dgm:ptLst>
+  <dgm:cxnLst>
+    <dgm:cxn modelId="{83029706-E658-4607-AE9A-944687F6E013}" type="presOf" srcId="{95D3F19E-21A2-4A46-99B1-0FF0FDBFD41C}" destId="{01FF8B97-8B39-4498-A0EB-EEBD77836CB0}" srcOrd="0" destOrd="0" presId="urn:microsoft.com/office/officeart/2018/2/layout/IconVerticalSolidList"/>
+    <dgm:cxn modelId="{6BB45E35-FDE4-4F72-AACB-3E8DF5BD45EE}" type="presOf" srcId="{BB1BFD32-B20F-4DFC-9655-996D1C6597B7}" destId="{01FF8B97-8B39-4498-A0EB-EEBD77836CB0}" srcOrd="0" destOrd="1" presId="urn:microsoft.com/office/officeart/2018/2/layout/IconVerticalSolidList"/>
+    <dgm:cxn modelId="{29627C49-B4F7-46AC-9CFE-B4C4D03DC3DE}" type="presOf" srcId="{62E7B23A-6FC5-4D30-8BE3-530E5B879A0C}" destId="{2A9157C9-D007-4D66-8A70-841A5780254F}" srcOrd="0" destOrd="0" presId="urn:microsoft.com/office/officeart/2018/2/layout/IconVerticalSolidList"/>
+    <dgm:cxn modelId="{D2B5FD72-7572-4F45-9E5F-154BD198F78A}" srcId="{62E7B23A-6FC5-4D30-8BE3-530E5B879A0C}" destId="{3A02A92F-46DE-49FA-9A36-526C286C1F87}" srcOrd="1" destOrd="0" parTransId="{12F38EC1-0084-453D-89CB-831EA50F60B2}" sibTransId="{1E3F5A81-6C20-4328-84BE-701C9416D101}"/>
+    <dgm:cxn modelId="{5F587658-5A5C-4690-84AB-A5BB7E0CF5B0}" type="presOf" srcId="{3A02A92F-46DE-49FA-9A36-526C286C1F87}" destId="{DBEC9E02-0838-4321-8652-12178D59088C}" srcOrd="0" destOrd="0" presId="urn:microsoft.com/office/officeart/2018/2/layout/IconVerticalSolidList"/>
+    <dgm:cxn modelId="{BBE9BE7B-3272-4275-8B4B-5C26EE5C064A}" srcId="{AF47C1E2-ECFB-4C7E-8BFA-74143B289D71}" destId="{BB1BFD32-B20F-4DFC-9655-996D1C6597B7}" srcOrd="1" destOrd="0" parTransId="{307305F0-DBFB-4FDD-A534-CCA50504799B}" sibTransId="{FFD8DC5A-ADC0-43A1-A18B-5A58FD5880E5}"/>
+    <dgm:cxn modelId="{0CC76697-E8F2-411E-B7F8-883048B8FE77}" srcId="{AF47C1E2-ECFB-4C7E-8BFA-74143B289D71}" destId="{BC313E6C-162C-4CFA-A57A-E0A1614ABDBF}" srcOrd="3" destOrd="0" parTransId="{22A24364-CB7B-49F6-BEE5-EFF022F11CA5}" sibTransId="{604E4C84-3FFC-43D4-BDFA-C1557EB58EBF}"/>
+    <dgm:cxn modelId="{6F2F07A0-50A0-4831-8E81-20AFBE864B1D}" type="presOf" srcId="{AF47C1E2-ECFB-4C7E-8BFA-74143B289D71}" destId="{3D748F0B-B59E-4E65-8439-D0CC3E1761C8}" srcOrd="0" destOrd="0" presId="urn:microsoft.com/office/officeart/2018/2/layout/IconVerticalSolidList"/>
+    <dgm:cxn modelId="{9AF760A9-8C81-4E7A-A6AF-E2422A7CEFEE}" type="presOf" srcId="{BC313E6C-162C-4CFA-A57A-E0A1614ABDBF}" destId="{01FF8B97-8B39-4498-A0EB-EEBD77836CB0}" srcOrd="0" destOrd="3" presId="urn:microsoft.com/office/officeart/2018/2/layout/IconVerticalSolidList"/>
+    <dgm:cxn modelId="{8050B2BE-6799-4F24-8D9F-B2F1C3BD797B}" srcId="{62E7B23A-6FC5-4D30-8BE3-530E5B879A0C}" destId="{AF47C1E2-ECFB-4C7E-8BFA-74143B289D71}" srcOrd="0" destOrd="0" parTransId="{A3D58D48-FF48-44EE-9E87-BABECF572F25}" sibTransId="{A8663BE1-D4F4-4E92-AD61-4ABBFB42958A}"/>
+    <dgm:cxn modelId="{F4A94FCF-D999-48D5-AB65-4D3DAA45A559}" srcId="{AF47C1E2-ECFB-4C7E-8BFA-74143B289D71}" destId="{55AF5F41-95EA-44BF-A3FF-D6DCA8872112}" srcOrd="2" destOrd="0" parTransId="{48752681-FD99-4CF6-B2F8-AC7B57354C2D}" sibTransId="{20037F36-BCB3-4381-9628-F9E0A3B4C18B}"/>
+    <dgm:cxn modelId="{74CBEFD9-4803-4328-B544-7C0B6EDD4C94}" type="presOf" srcId="{55AF5F41-95EA-44BF-A3FF-D6DCA8872112}" destId="{01FF8B97-8B39-4498-A0EB-EEBD77836CB0}" srcOrd="0" destOrd="2" presId="urn:microsoft.com/office/officeart/2018/2/layout/IconVerticalSolidList"/>
+    <dgm:cxn modelId="{607DA5F8-D692-4CFF-8B66-E35770CFF96D}" srcId="{AF47C1E2-ECFB-4C7E-8BFA-74143B289D71}" destId="{95D3F19E-21A2-4A46-99B1-0FF0FDBFD41C}" srcOrd="0" destOrd="0" parTransId="{89E9D34E-F39D-416D-8158-8CF5BA693000}" sibTransId="{C788D4C3-852C-46C7-9D90-E8CCC654E899}"/>
+    <dgm:cxn modelId="{F949A0CB-DAD8-4E8B-9054-3DF347F33AB6}" type="presParOf" srcId="{2A9157C9-D007-4D66-8A70-841A5780254F}" destId="{FC6FF0C5-6200-43BA-9181-C126503DD5CF}" srcOrd="0" destOrd="0" presId="urn:microsoft.com/office/officeart/2018/2/layout/IconVerticalSolidList"/>
+    <dgm:cxn modelId="{7DC3621C-4F72-4093-98D6-CDF54E9BD004}" type="presParOf" srcId="{FC6FF0C5-6200-43BA-9181-C126503DD5CF}" destId="{8AAF84AF-274C-43E6-9081-93040FE9D28F}" srcOrd="0" destOrd="0" presId="urn:microsoft.com/office/officeart/2018/2/layout/IconVerticalSolidList"/>
+    <dgm:cxn modelId="{62C5FCE9-B358-4183-BA0B-BD072F0247DF}" type="presParOf" srcId="{FC6FF0C5-6200-43BA-9181-C126503DD5CF}" destId="{662966ED-EA29-4685-8779-496A2C8D84E6}" srcOrd="1" destOrd="0" presId="urn:microsoft.com/office/officeart/2018/2/layout/IconVerticalSolidList"/>
+    <dgm:cxn modelId="{2DA682A1-B79A-4D87-B62A-321D69F8B984}" type="presParOf" srcId="{FC6FF0C5-6200-43BA-9181-C126503DD5CF}" destId="{C2DD681E-0223-4775-ADFF-4417EE176987}" srcOrd="2" destOrd="0" presId="urn:microsoft.com/office/officeart/2018/2/layout/IconVerticalSolidList"/>
+    <dgm:cxn modelId="{C72DB5D6-374B-46A1-949A-75E9E6C7C885}" type="presParOf" srcId="{FC6FF0C5-6200-43BA-9181-C126503DD5CF}" destId="{3D748F0B-B59E-4E65-8439-D0CC3E1761C8}" srcOrd="3" destOrd="0" presId="urn:microsoft.com/office/officeart/2018/2/layout/IconVerticalSolidList"/>
+    <dgm:cxn modelId="{E5BFBDD0-141C-46F6-B776-7393605272C3}" type="presParOf" srcId="{FC6FF0C5-6200-43BA-9181-C126503DD5CF}" destId="{01FF8B97-8B39-4498-A0EB-EEBD77836CB0}" srcOrd="4" destOrd="0" presId="urn:microsoft.com/office/officeart/2018/2/layout/IconVerticalSolidList"/>
+    <dgm:cxn modelId="{CE3DA2A1-841A-43CB-BD14-9AA243433DA6}" type="presParOf" srcId="{2A9157C9-D007-4D66-8A70-841A5780254F}" destId="{8F0783EF-E2DC-4DA7-A1B2-6ACC00AC3BD0}" srcOrd="1" destOrd="0" presId="urn:microsoft.com/office/officeart/2018/2/layout/IconVerticalSolidList"/>
+    <dgm:cxn modelId="{753AED49-561F-410F-A0F8-54BC64FC95AA}" type="presParOf" srcId="{2A9157C9-D007-4D66-8A70-841A5780254F}" destId="{3E2755F2-0AE1-4B84-B81E-4C35D7E48FE7}" srcOrd="2" destOrd="0" presId="urn:microsoft.com/office/officeart/2018/2/layout/IconVerticalSolidList"/>
+    <dgm:cxn modelId="{F163C9AA-2191-4A90-90EC-6D314F4B796E}" type="presParOf" srcId="{3E2755F2-0AE1-4B84-B81E-4C35D7E48FE7}" destId="{91E91427-BF57-41E7-9D87-8C6FFE0EAA3C}" srcOrd="0" destOrd="0" presId="urn:microsoft.com/office/officeart/2018/2/layout/IconVerticalSolidList"/>
+    <dgm:cxn modelId="{1989101E-55B7-4005-8401-83B6F3581121}" type="presParOf" srcId="{3E2755F2-0AE1-4B84-B81E-4C35D7E48FE7}" destId="{E3C23E7B-274D-4818-BD6F-D085B5B7342C}" srcOrd="1" destOrd="0" presId="urn:microsoft.com/office/officeart/2018/2/layout/IconVerticalSolidList"/>
+    <dgm:cxn modelId="{AB2C8EBC-3D45-489D-BE17-353976468E97}" type="presParOf" srcId="{3E2755F2-0AE1-4B84-B81E-4C35D7E48FE7}" destId="{6A09783A-9805-4811-8186-2D842B55B6FD}" srcOrd="2" destOrd="0" presId="urn:microsoft.com/office/officeart/2018/2/layout/IconVerticalSolidList"/>
+    <dgm:cxn modelId="{25383AB4-248A-494E-8936-E9966EA8B9BC}" type="presParOf" srcId="{3E2755F2-0AE1-4B84-B81E-4C35D7E48FE7}" destId="{DBEC9E02-0838-4321-8652-12178D59088C}" srcOrd="3" destOrd="0" presId="urn:microsoft.com/office/officeart/2018/2/layout/IconVerticalSolidList"/>
+  </dgm:cxnLst>
+  <dgm:bg/>
+  <dgm:whole/>
+  <dgm:extLst>
+    <a:ext uri="http://schemas.microsoft.com/office/drawing/2008/diagram">
+      <dsp:dataModelExt xmlns:dsp="http://schemas.microsoft.com/office/drawing/2008/diagram" relId="rId8" minVer="http://schemas.openxmlformats.org/drawingml/2006/diagram"/>
+    </a:ext>
+  </dgm:extLst>
+</dgm:dataModel>
+</file>
+
+<file path=ppt/diagrams/drawing1.xml><?xml version="1.0" encoding="utf-8"?>
+<dsp:drawing xmlns:dgm="http://schemas.openxmlformats.org/drawingml/2006/diagram" xmlns:dsp="http://schemas.microsoft.com/office/drawing/2008/diagram" xmlns:a="http://schemas.openxmlformats.org/drawingml/2006/main">
+  <dsp:spTree>
+    <dsp:nvGrpSpPr>
+      <dsp:cNvPr id="0" name=""/>
+      <dsp:cNvGrpSpPr/>
+    </dsp:nvGrpSpPr>
+    <dsp:grpSpPr/>
+    <dsp:sp modelId="{8AAF84AF-274C-43E6-9081-93040FE9D28F}">
+      <dsp:nvSpPr>
+        <dsp:cNvPr id="0" name=""/>
+        <dsp:cNvSpPr/>
+      </dsp:nvSpPr>
+      <dsp:spPr>
+        <a:xfrm>
+          <a:off x="0" y="645303"/>
+          <a:ext cx="10598150" cy="1191330"/>
+        </a:xfrm>
+        <a:prstGeom prst="roundRect">
+          <a:avLst>
+            <a:gd name="adj" fmla="val 10000"/>
+          </a:avLst>
+        </a:prstGeom>
+        <a:solidFill>
+          <a:schemeClr val="bg1">
+            <a:lumMod val="95000"/>
+            <a:hueOff val="0"/>
+            <a:satOff val="0"/>
+            <a:lumOff val="0"/>
+            <a:alphaOff val="0"/>
+          </a:schemeClr>
+        </a:solidFill>
+        <a:ln>
+          <a:noFill/>
+        </a:ln>
+        <a:effectLst/>
+      </dsp:spPr>
+      <dsp:style>
+        <a:lnRef idx="0">
+          <a:scrgbClr r="0" g="0" b="0"/>
+        </a:lnRef>
+        <a:fillRef idx="1">
+          <a:scrgbClr r="0" g="0" b="0"/>
+        </a:fillRef>
+        <a:effectRef idx="0">
+          <a:scrgbClr r="0" g="0" b="0"/>
+        </a:effectRef>
+        <a:fontRef idx="minor"/>
+      </dsp:style>
+    </dsp:sp>
+    <dsp:sp modelId="{662966ED-EA29-4685-8779-496A2C8D84E6}">
+      <dsp:nvSpPr>
+        <dsp:cNvPr id="0" name=""/>
+        <dsp:cNvSpPr/>
+      </dsp:nvSpPr>
+      <dsp:spPr>
+        <a:xfrm>
+          <a:off x="360377" y="913353"/>
+          <a:ext cx="655231" cy="655231"/>
+        </a:xfrm>
+        <a:prstGeom prst="rect">
+          <a:avLst/>
+        </a:prstGeom>
+        <a:blipFill>
+          <a:blip xmlns:r="http://schemas.openxmlformats.org/officeDocument/2006/relationships" r:embed="rId1">
+            <a:extLst>
+              <a:ext uri="{28A0092B-C50C-407E-A947-70E740481C1C}">
+                <a14:useLocalDpi xmlns:a14="http://schemas.microsoft.com/office/drawing/2010/main" val="0"/>
+              </a:ext>
+              <a:ext uri="{96DAC541-7B7A-43D3-8B79-37D633B846F1}">
+                <asvg:svgBlip xmlns:asvg="http://schemas.microsoft.com/office/drawing/2016/SVG/main" r:embed="rId2"/>
+              </a:ext>
+            </a:extLst>
+          </a:blip>
+          <a:stretch>
+            <a:fillRect/>
+          </a:stretch>
+        </a:blipFill>
+        <a:ln w="12700" cap="flat" cmpd="sng" algn="ctr">
+          <a:noFill/>
+          <a:prstDash val="solid"/>
+          <a:miter lim="800000"/>
+        </a:ln>
+        <a:effectLst/>
+      </dsp:spPr>
+      <dsp:style>
+        <a:lnRef idx="2">
+          <a:scrgbClr r="0" g="0" b="0"/>
+        </a:lnRef>
+        <a:fillRef idx="1">
+          <a:scrgbClr r="0" g="0" b="0"/>
+        </a:fillRef>
+        <a:effectRef idx="0">
+          <a:scrgbClr r="0" g="0" b="0"/>
+        </a:effectRef>
+        <a:fontRef idx="minor">
+          <a:schemeClr val="lt1"/>
+        </a:fontRef>
+      </dsp:style>
+    </dsp:sp>
+    <dsp:sp modelId="{3D748F0B-B59E-4E65-8439-D0CC3E1761C8}">
+      <dsp:nvSpPr>
+        <dsp:cNvPr id="0" name=""/>
+        <dsp:cNvSpPr/>
+      </dsp:nvSpPr>
+      <dsp:spPr>
+        <a:xfrm>
+          <a:off x="1375986" y="645303"/>
+          <a:ext cx="4769167" cy="1191330"/>
+        </a:xfrm>
+        <a:prstGeom prst="rect">
+          <a:avLst/>
+        </a:prstGeom>
+        <a:noFill/>
+        <a:ln>
+          <a:noFill/>
+        </a:ln>
+        <a:effectLst/>
+      </dsp:spPr>
+      <dsp:style>
+        <a:lnRef idx="0">
+          <a:scrgbClr r="0" g="0" b="0"/>
+        </a:lnRef>
+        <a:fillRef idx="0">
+          <a:scrgbClr r="0" g="0" b="0"/>
+        </a:fillRef>
+        <a:effectRef idx="0">
+          <a:scrgbClr r="0" g="0" b="0"/>
+        </a:effectRef>
+        <a:fontRef idx="minor"/>
+      </dsp:style>
+      <dsp:txBody>
+        <a:bodyPr spcFirstLastPara="0" vert="horz" wrap="square" lIns="126082" tIns="126082" rIns="126082" bIns="126082" numCol="1" spcCol="1270" anchor="ctr" anchorCtr="0">
+          <a:noAutofit/>
+        </a:bodyPr>
+        <a:lstStyle/>
+        <a:p>
+          <a:pPr marL="0" lvl="0" indent="0" algn="l" defTabSz="1111250">
+            <a:lnSpc>
+              <a:spcPct val="100000"/>
+            </a:lnSpc>
+            <a:spcBef>
+              <a:spcPct val="0"/>
+            </a:spcBef>
+            <a:spcAft>
+              <a:spcPct val="35000"/>
+            </a:spcAft>
+            <a:buNone/>
+          </a:pPr>
+          <a:r>
+            <a:rPr lang="es-ES" sz="2500" kern="1200" dirty="0"/>
+            <a:t>PROCESO DE DESARROLLO DEL </a:t>
+          </a:r>
+          <a:r>
+            <a:rPr lang="es-ES" sz="2500" kern="1200" dirty="0">
+              <a:latin typeface="Avenir Next LT Pro Light"/>
+            </a:rPr>
+            <a:t>PROYECTO</a:t>
+          </a:r>
+          <a:endParaRPr lang="en-US" sz="2500" kern="1200" dirty="0"/>
+        </a:p>
+      </dsp:txBody>
+      <dsp:txXfrm>
+        <a:off x="1375986" y="645303"/>
+        <a:ext cx="4769167" cy="1191330"/>
+      </dsp:txXfrm>
+    </dsp:sp>
+    <dsp:sp modelId="{01FF8B97-8B39-4498-A0EB-EEBD77836CB0}">
+      <dsp:nvSpPr>
+        <dsp:cNvPr id="0" name=""/>
+        <dsp:cNvSpPr/>
+      </dsp:nvSpPr>
+      <dsp:spPr>
+        <a:xfrm>
+          <a:off x="6145153" y="645303"/>
+          <a:ext cx="4452996" cy="1191330"/>
+        </a:xfrm>
+        <a:prstGeom prst="rect">
+          <a:avLst/>
+        </a:prstGeom>
+        <a:noFill/>
+        <a:ln>
+          <a:noFill/>
+        </a:ln>
+        <a:effectLst/>
+      </dsp:spPr>
+      <dsp:style>
+        <a:lnRef idx="0">
+          <a:scrgbClr r="0" g="0" b="0"/>
+        </a:lnRef>
+        <a:fillRef idx="0">
+          <a:scrgbClr r="0" g="0" b="0"/>
+        </a:fillRef>
+        <a:effectRef idx="0">
+          <a:scrgbClr r="0" g="0" b="0"/>
+        </a:effectRef>
+        <a:fontRef idx="minor"/>
+      </dsp:style>
+      <dsp:txBody>
+        <a:bodyPr spcFirstLastPara="0" vert="horz" wrap="square" lIns="126082" tIns="126082" rIns="126082" bIns="126082" numCol="1" spcCol="1270" anchor="ctr" anchorCtr="0">
+          <a:noAutofit/>
+        </a:bodyPr>
+        <a:lstStyle/>
+        <a:p>
+          <a:pPr marL="0" lvl="0" indent="0" algn="l" defTabSz="533400">
+            <a:lnSpc>
+              <a:spcPct val="100000"/>
+            </a:lnSpc>
+            <a:spcBef>
+              <a:spcPct val="0"/>
+            </a:spcBef>
+            <a:spcAft>
+              <a:spcPct val="35000"/>
+            </a:spcAft>
+            <a:buNone/>
+          </a:pPr>
+          <a:r>
+            <a:rPr lang="es-ES" sz="1200" kern="1200" dirty="0">
+              <a:solidFill>
+                <a:srgbClr val="444444"/>
+              </a:solidFill>
+              <a:latin typeface="Calibri"/>
+              <a:ea typeface="Calibri"/>
+              <a:cs typeface="Calibri"/>
+            </a:rPr>
+            <a:t>CSV (DATASOURCE).</a:t>
+          </a:r>
+          <a:endParaRPr lang="en-US" sz="1200" kern="1200" dirty="0">
+            <a:solidFill>
+              <a:srgbClr val="444444"/>
+            </a:solidFill>
+            <a:latin typeface="Calibri"/>
+            <a:ea typeface="Calibri"/>
+            <a:cs typeface="Calibri"/>
+          </a:endParaRPr>
+        </a:p>
+        <a:p>
+          <a:pPr marL="0" lvl="0" indent="0" algn="l" defTabSz="533400">
+            <a:lnSpc>
+              <a:spcPct val="100000"/>
+            </a:lnSpc>
+            <a:spcBef>
+              <a:spcPct val="0"/>
+            </a:spcBef>
+            <a:spcAft>
+              <a:spcPct val="35000"/>
+            </a:spcAft>
+            <a:buNone/>
+          </a:pPr>
+          <a:r>
+            <a:rPr lang="es-ES" sz="1200" kern="1200" dirty="0">
+              <a:latin typeface="Avenir Next LT Pro Light"/>
+            </a:rPr>
+            <a:t>ONTOLOGÍA.</a:t>
+          </a:r>
+        </a:p>
+        <a:p>
+          <a:pPr marL="0" lvl="0" indent="0" algn="l" defTabSz="533400">
+            <a:lnSpc>
+              <a:spcPct val="100000"/>
+            </a:lnSpc>
+            <a:spcBef>
+              <a:spcPct val="0"/>
+            </a:spcBef>
+            <a:spcAft>
+              <a:spcPct val="35000"/>
+            </a:spcAft>
+            <a:buNone/>
+          </a:pPr>
+          <a:r>
+            <a:rPr lang="es-ES" sz="1200" kern="1200" dirty="0"/>
+            <a:t>RML Y MAPPING.</a:t>
+          </a:r>
+        </a:p>
+        <a:p>
+          <a:pPr marL="0" lvl="0" indent="0" algn="l" defTabSz="533400" rtl="0">
+            <a:lnSpc>
+              <a:spcPct val="100000"/>
+            </a:lnSpc>
+            <a:spcBef>
+              <a:spcPct val="0"/>
+            </a:spcBef>
+            <a:spcAft>
+              <a:spcPct val="35000"/>
+            </a:spcAft>
+            <a:buNone/>
+          </a:pPr>
+          <a:r>
+            <a:rPr lang="es-ES" sz="1200" kern="1200" dirty="0">
+              <a:latin typeface="Avenir Next LT Pro Light"/>
+            </a:rPr>
+            <a:t>SHACL (VALIDADOR)</a:t>
+          </a:r>
+        </a:p>
+      </dsp:txBody>
+      <dsp:txXfrm>
+        <a:off x="6145153" y="645303"/>
+        <a:ext cx="4452996" cy="1191330"/>
+      </dsp:txXfrm>
+    </dsp:sp>
+    <dsp:sp modelId="{91E91427-BF57-41E7-9D87-8C6FFE0EAA3C}">
+      <dsp:nvSpPr>
+        <dsp:cNvPr id="0" name=""/>
+        <dsp:cNvSpPr/>
+      </dsp:nvSpPr>
+      <dsp:spPr>
+        <a:xfrm>
+          <a:off x="0" y="2134466"/>
+          <a:ext cx="10598150" cy="1191330"/>
+        </a:xfrm>
+        <a:prstGeom prst="roundRect">
+          <a:avLst>
+            <a:gd name="adj" fmla="val 10000"/>
+          </a:avLst>
+        </a:prstGeom>
+        <a:solidFill>
+          <a:schemeClr val="bg1">
+            <a:lumMod val="95000"/>
+            <a:hueOff val="0"/>
+            <a:satOff val="0"/>
+            <a:lumOff val="0"/>
+            <a:alphaOff val="0"/>
+          </a:schemeClr>
+        </a:solidFill>
+        <a:ln>
+          <a:noFill/>
+        </a:ln>
+        <a:effectLst/>
+      </dsp:spPr>
+      <dsp:style>
+        <a:lnRef idx="0">
+          <a:scrgbClr r="0" g="0" b="0"/>
+        </a:lnRef>
+        <a:fillRef idx="1">
+          <a:scrgbClr r="0" g="0" b="0"/>
+        </a:fillRef>
+        <a:effectRef idx="0">
+          <a:scrgbClr r="0" g="0" b="0"/>
+        </a:effectRef>
+        <a:fontRef idx="minor"/>
+      </dsp:style>
+    </dsp:sp>
+    <dsp:sp modelId="{E3C23E7B-274D-4818-BD6F-D085B5B7342C}">
+      <dsp:nvSpPr>
+        <dsp:cNvPr id="0" name=""/>
+        <dsp:cNvSpPr/>
+      </dsp:nvSpPr>
+      <dsp:spPr>
+        <a:xfrm>
+          <a:off x="360377" y="2402516"/>
+          <a:ext cx="655231" cy="655231"/>
+        </a:xfrm>
+        <a:prstGeom prst="rect">
+          <a:avLst/>
+        </a:prstGeom>
+        <a:blipFill>
+          <a:blip xmlns:r="http://schemas.openxmlformats.org/officeDocument/2006/relationships" r:embed="rId3">
+            <a:extLst>
+              <a:ext uri="{28A0092B-C50C-407E-A947-70E740481C1C}">
+                <a14:useLocalDpi xmlns:a14="http://schemas.microsoft.com/office/drawing/2010/main" val="0"/>
+              </a:ext>
+              <a:ext uri="{96DAC541-7B7A-43D3-8B79-37D633B846F1}">
+                <asvg:svgBlip xmlns:asvg="http://schemas.microsoft.com/office/drawing/2016/SVG/main" r:embed="rId4"/>
+              </a:ext>
+            </a:extLst>
+          </a:blip>
+          <a:stretch>
+            <a:fillRect/>
+          </a:stretch>
+        </a:blipFill>
+        <a:ln w="12700" cap="flat" cmpd="sng" algn="ctr">
+          <a:noFill/>
+          <a:prstDash val="solid"/>
+          <a:miter lim="800000"/>
+        </a:ln>
+        <a:effectLst/>
+      </dsp:spPr>
+      <dsp:style>
+        <a:lnRef idx="2">
+          <a:scrgbClr r="0" g="0" b="0"/>
+        </a:lnRef>
+        <a:fillRef idx="1">
+          <a:scrgbClr r="0" g="0" b="0"/>
+        </a:fillRef>
+        <a:effectRef idx="0">
+          <a:scrgbClr r="0" g="0" b="0"/>
+        </a:effectRef>
+        <a:fontRef idx="minor">
+          <a:schemeClr val="lt1"/>
+        </a:fontRef>
+      </dsp:style>
+    </dsp:sp>
+    <dsp:sp modelId="{DBEC9E02-0838-4321-8652-12178D59088C}">
+      <dsp:nvSpPr>
+        <dsp:cNvPr id="0" name=""/>
+        <dsp:cNvSpPr/>
+      </dsp:nvSpPr>
+      <dsp:spPr>
+        <a:xfrm>
+          <a:off x="1375986" y="2134466"/>
+          <a:ext cx="9222163" cy="1191330"/>
+        </a:xfrm>
+        <a:prstGeom prst="rect">
+          <a:avLst/>
+        </a:prstGeom>
+        <a:noFill/>
+        <a:ln>
+          <a:noFill/>
+        </a:ln>
+        <a:effectLst/>
+      </dsp:spPr>
+      <dsp:style>
+        <a:lnRef idx="0">
+          <a:scrgbClr r="0" g="0" b="0"/>
+        </a:lnRef>
+        <a:fillRef idx="0">
+          <a:scrgbClr r="0" g="0" b="0"/>
+        </a:fillRef>
+        <a:effectRef idx="0">
+          <a:scrgbClr r="0" g="0" b="0"/>
+        </a:effectRef>
+        <a:fontRef idx="minor"/>
+      </dsp:style>
+      <dsp:txBody>
+        <a:bodyPr spcFirstLastPara="0" vert="horz" wrap="square" lIns="126082" tIns="126082" rIns="126082" bIns="126082" numCol="1" spcCol="1270" anchor="ctr" anchorCtr="0">
+          <a:noAutofit/>
+        </a:bodyPr>
+        <a:lstStyle/>
+        <a:p>
+          <a:pPr marL="0" lvl="0" indent="0" algn="l" defTabSz="1111250">
+            <a:lnSpc>
+              <a:spcPct val="100000"/>
+            </a:lnSpc>
+            <a:spcBef>
+              <a:spcPct val="0"/>
+            </a:spcBef>
+            <a:spcAft>
+              <a:spcPct val="35000"/>
+            </a:spcAft>
+            <a:buNone/>
+          </a:pPr>
+          <a:r>
+            <a:rPr lang="es-ES" sz="2500" kern="1200" dirty="0">
+              <a:latin typeface="Avenir Next LT Pro Light"/>
+            </a:rPr>
+            <a:t>APLICACIÓN</a:t>
+          </a:r>
+          <a:endParaRPr lang="en-US" sz="2500" kern="1200" dirty="0"/>
+        </a:p>
+      </dsp:txBody>
+      <dsp:txXfrm>
+        <a:off x="1375986" y="2134466"/>
+        <a:ext cx="9222163" cy="1191330"/>
+      </dsp:txXfrm>
+    </dsp:sp>
+  </dsp:spTree>
+</dsp:drawing>
+</file>
+
+<file path=ppt/diagrams/layout1.xml><?xml version="1.0" encoding="utf-8"?>
+<dgm:layoutDef xmlns:dgm="http://schemas.openxmlformats.org/drawingml/2006/diagram" xmlns:a="http://schemas.openxmlformats.org/drawingml/2006/main" uniqueId="urn:microsoft.com/office/officeart/2018/2/layout/IconVerticalSolidList">
+  <dgm:title val="Icon Vertical Solid List"/>
+  <dgm:desc val="Use to show a series of visuals from top to bottom with Level 1 or Level 1 and Level 2 text grouped in a shape. Works best with icons or small pictures with lengthier descriptions."/>
+  <dgm:catLst>
+    <dgm:cat type="icon" pri="500"/>
+  </dgm:catLst>
+  <dgm:sampData useDef="1">
+    <dgm:dataModel>
+      <dgm:ptLst/>
+      <dgm:bg/>
+      <dgm:whole/>
+    </dgm:dataModel>
+  </dgm:sampData>
+  <dgm:styleData useDef="1">
+    <dgm:dataModel>
+      <dgm:ptLst/>
+      <dgm:bg/>
+      <dgm:whole/>
+    </dgm:dataModel>
+  </dgm:styleData>
+  <dgm:clrData useDef="1">
+    <dgm:dataModel>
+      <dgm:ptLst/>
+      <dgm:bg/>
+      <dgm:whole/>
+    </dgm:dataModel>
+  </dgm:clrData>
+  <dgm:layoutNode name="root">
+    <dgm:varLst>
+      <dgm:dir/>
+      <dgm:resizeHandles val="exact"/>
+    </dgm:varLst>
+    <dgm:choose name="Name0">
+      <dgm:if name="Name1" axis="self" func="var" arg="dir" op="equ" val="norm">
+        <dgm:alg type="lin">
+          <dgm:param type="linDir" val="fromT"/>
+          <dgm:param type="nodeHorzAlign" val="l"/>
+        </dgm:alg>
+      </dgm:if>
+      <dgm:else name="Name2">
+        <dgm:alg type="lin">
+          <dgm:param type="linDir" val="fromT"/>
+          <dgm:param type="nodeHorzAlign" val="r"/>
+        </dgm:alg>
+      </dgm:else>
+    </dgm:choose>
+    <dgm:shape xmlns:r="http://schemas.openxmlformats.org/officeDocument/2006/relationships" r:blip="">
+      <dgm:adjLst/>
+    </dgm:shape>
+    <dgm:presOf/>
+    <dgm:choose name="Name3">
+      <dgm:if name="Name4" axis="ch" ptType="node" func="cnt" op="lte" val="3">
+        <dgm:constrLst>
+          <dgm:constr type="h" for="ch" forName="compNode" refType="h" fact="0.3"/>
+          <dgm:constr type="w" for="ch" forName="compNode" refType="w"/>
+          <dgm:constr type="h" for="ch" forName="sibTrans" refType="h" refFor="ch" refForName="compNode" fact="0.25"/>
+          <dgm:constr type="primFontSz" for="des" forName="parTx" val="25"/>
+          <dgm:constr type="primFontSz" for="des" forName="desTx" refType="primFontSz" refFor="des" refForName="parTx" op="lte" fact="0.75"/>
+          <dgm:constr type="h" for="des" forName="compNode" op="equ"/>
+          <dgm:constr type="h" for="des" forName="bgRect" op="equ"/>
+          <dgm:constr type="h" for="des" forName="iconRect" op="equ"/>
+          <dgm:constr type="w" for="des" forName="iconRect" op="equ"/>
+          <dgm:constr type="h" for="des" forName="spaceRect" op="equ"/>
+          <dgm:constr type="h" for="des" forName="parTx" op="equ"/>
+          <dgm:constr type="h" for="des" forName="desTx" op="equ"/>
+        </dgm:constrLst>
+      </dgm:if>
+      <dgm:if name="Name5" axis="ch" ptType="node" func="cnt" op="lte" val="4">
+        <dgm:constrLst>
+          <dgm:constr type="h" for="ch" forName="compNode" refType="h" fact="0.3"/>
+          <dgm:constr type="w" for="ch" forName="compNode" refType="w"/>
+          <dgm:constr type="h" for="ch" forName="sibTrans" refType="h" refFor="ch" refForName="compNode" fact="0.25"/>
+          <dgm:constr type="primFontSz" for="des" forName="parTx" val="22"/>
+          <dgm:constr type="primFontSz" for="des" forName="desTx" refType="primFontSz" refFor="des" refForName="parTx" op="lte" fact="0.75"/>
+          <dgm:constr type="h" for="des" forName="compNode" op="equ"/>
+          <dgm:constr type="h" for="des" forName="bgRect" op="equ"/>
+          <dgm:constr type="h" for="des" forName="iconRect" op="equ"/>
+          <dgm:constr type="w" for="des" forName="iconRect" op="equ"/>
+          <dgm:constr type="h" for="des" forName="spaceRect" op="equ"/>
+          <dgm:constr type="h" for="des" forName="parTx" op="equ"/>
+          <dgm:constr type="h" for="des" forName="desTx" op="equ"/>
+        </dgm:constrLst>
+      </dgm:if>
+      <dgm:if name="Name6" axis="ch" ptType="node" func="cnt" op="lte" val="6">
+        <dgm:constrLst>
+          <dgm:constr type="h" for="ch" forName="compNode" refType="h" fact="0.3"/>
+          <dgm:constr type="w" for="ch" forName="compNode" refType="w"/>
+          <dgm:constr type="h" for="ch" forName="sibTrans" refType="h" refFor="ch" refForName="compNode" fact="0.25"/>
+          <dgm:constr type="primFontSz" for="des" forName="parTx" val="19"/>
+          <dgm:constr type="primFontSz" for="des" forName="desTx" refType="primFontSz" refFor="des" refForName="parTx" op="lte" fact="0.75"/>
+          <dgm:constr type="h" for="des" forName="compNode" op="equ"/>
+          <dgm:constr type="h" for="des" forName="bgRect" op="equ"/>
+          <dgm:constr type="h" for="des" forName="iconRect" op="equ"/>
+          <dgm:constr type="w" for="des" forName="iconRect" op="equ"/>
+          <dgm:constr type="h" for="des" forName="spaceRect" op="equ"/>
+          <dgm:constr type="h" for="des" forName="parTx" op="equ"/>
+          <dgm:constr type="h" for="des" forName="desTx" op="equ"/>
+        </dgm:constrLst>
+      </dgm:if>
+      <dgm:else name="Name7">
+        <dgm:constrLst>
+          <dgm:constr type="h" for="ch" forName="compNode" refType="h" fact="0.3"/>
+          <dgm:constr type="w" for="ch" forName="compNode" refType="w"/>
+          <dgm:constr type="h" for="ch" forName="sibTrans" refType="h" refFor="ch" refForName="compNode" fact="0.25"/>
+          <dgm:constr type="primFontSz" for="des" forName="parTx" val="16"/>
+          <dgm:constr type="primFontSz" for="des" forName="desTx" refType="primFontSz" refFor="des" refForName="parTx" op="lte" fact="0.75"/>
+          <dgm:constr type="h" for="des" forName="compNode" op="equ"/>
+          <dgm:constr type="h" for="des" forName="bgRect" op="equ"/>
+          <dgm:constr type="h" for="des" forName="iconRect" op="equ"/>
+          <dgm:constr type="w" for="des" forName="iconRect" op="equ"/>
+          <dgm:constr type="h" for="des" forName="spaceRect" op="equ"/>
+          <dgm:constr type="h" for="des" forName="parTx" op="equ"/>
+          <dgm:constr type="h" for="des" forName="desTx" op="equ"/>
+        </dgm:constrLst>
+      </dgm:else>
+    </dgm:choose>
+    <dgm:ruleLst>
+      <dgm:rule type="h" for="ch" forName="compNode" val="0" fact="NaN" max="NaN"/>
+    </dgm:ruleLst>
+    <dgm:forEach name="Name8" axis="ch" ptType="node">
+      <dgm:layoutNode name="compNode">
+        <dgm:alg type="composite"/>
+        <dgm:shape xmlns:r="http://schemas.openxmlformats.org/officeDocument/2006/relationships" r:blip="">
+          <dgm:adjLst/>
+        </dgm:shape>
+        <dgm:presOf axis="self"/>
+        <dgm:choose name="Name9">
+          <dgm:if name="Name10" axis="ch" ptType="node" func="cnt" op="gte" val="1">
+            <dgm:constrLst>
+              <dgm:constr type="w" for="ch" forName="bgRect" refType="w"/>
+              <dgm:constr type="h" for="ch" forName="bgRect" refType="h"/>
+              <dgm:constr type="l" for="ch" forName="bgRect"/>
+              <dgm:constr type="t" for="ch" forName="bgRect"/>
+              <dgm:constr type="h" for="ch" forName="iconRect" refType="h" fact="0.55"/>
+              <dgm:constr type="w" for="ch" forName="iconRect" refType="h" refFor="ch" refForName="iconRect"/>
+              <dgm:constr type="l" for="ch" forName="iconRect" refType="h" refFor="ch" refForName="iconRect" fact="0.55"/>
+              <dgm:constr type="ctrY" for="ch" forName="iconRect" refType="ctrY" refFor="ch" refForName="bgRect"/>
+              <dgm:constr type="w" for="ch" forName="spaceRect" refType="l" refFor="ch" refForName="iconRect"/>
+              <dgm:constr type="h" for="ch" forName="spaceRect" refType="h"/>
+              <dgm:constr type="l" for="ch" forName="spaceRect" refType="r" refFor="ch" refForName="iconRect"/>
+              <dgm:constr type="t" for="ch" forName="spaceRect"/>
+              <dgm:constr type="w" for="ch" forName="parTx" refType="w" fact="0.45"/>
+              <dgm:constr type="h" for="ch" forName="parTx" refType="h"/>
+              <dgm:constr type="l" for="ch" forName="parTx" refType="r" refFor="ch" refForName="spaceRect"/>
+              <dgm:constr type="t" for="ch" forName="parTx"/>
+              <dgm:constr type="h" for="ch" forName="desTx" refType="h"/>
+              <dgm:constr type="l" for="ch" forName="desTx" refType="r" refFor="ch" refForName="parTx"/>
+              <dgm:constr type="t" for="ch" forName="desTx"/>
+            </dgm:constrLst>
+          </dgm:if>
+          <dgm:else name="Name11">
+            <dgm:constrLst>
+              <dgm:constr type="w" for="ch" forName="bgRect" refType="w"/>
+              <dgm:constr type="h" for="ch" forName="bgRect" refType="h"/>
+              <dgm:constr type="l" for="ch" forName="bgRect"/>
+              <dgm:constr type="t" for="ch" forName="bgRect"/>
+              <dgm:constr type="h" for="ch" forName="iconRect" refType="h" fact="0.55"/>
+              <dgm:constr type="w" for="ch" forName="iconRect" refType="h" refFor="ch" refForName="iconRect"/>
+              <dgm:constr type="l" for="ch" forName="iconRect" refType="h" refFor="ch" refForName="iconRect" fact="0.55"/>
+              <dgm:constr type="ctrY" for="ch" forName="iconRect" refType="ctrY" refFor="ch" refForName="bgRect"/>
+              <dgm:constr type="w" for="ch" forName="spaceRect" refType="l" refFor="ch" refForName="iconRect"/>
+              <dgm:constr type="h" for="ch" forName="spaceRect" refType="h"/>
+              <dgm:constr type="l" for="ch" forName="spaceRect" refType="r" refFor="ch" refForName="iconRect"/>
+              <dgm:constr type="t" for="ch" forName="spaceRect"/>
+              <dgm:constr type="h" for="ch" forName="parTx" refType="h"/>
+              <dgm:constr type="l" for="ch" forName="parTx" refType="r" refFor="ch" refForName="spaceRect"/>
+              <dgm:constr type="t" for="ch" forName="parTx"/>
+            </dgm:constrLst>
+          </dgm:else>
+        </dgm:choose>
+        <dgm:ruleLst>
+          <dgm:rule type="h" val="INF" fact="NaN" max="NaN"/>
+        </dgm:ruleLst>
+        <dgm:layoutNode name="bgRect" styleLbl="bgShp">
+          <dgm:alg type="sp"/>
+          <dgm:shape xmlns:r="http://schemas.openxmlformats.org/officeDocument/2006/relationships" type="roundRect" r:blip="">
+            <dgm:adjLst>
+              <dgm:adj idx="1" val="0.1"/>
+            </dgm:adjLst>
+          </dgm:shape>
+          <dgm:presOf/>
+          <dgm:constrLst/>
+          <dgm:ruleLst/>
+        </dgm:layoutNode>
+        <dgm:layoutNode name="iconRect" styleLbl="node1">
+          <dgm:alg type="sp"/>
+          <dgm:shape xmlns:r="http://schemas.openxmlformats.org/officeDocument/2006/relationships" type="rect" r:blip="" blipPhldr="1">
+            <dgm:adjLst/>
+          </dgm:shape>
+          <dgm:presOf/>
+          <dgm:constrLst/>
+          <dgm:ruleLst/>
+        </dgm:layoutNode>
+        <dgm:layoutNode name="spaceRect">
+          <dgm:alg type="sp"/>
+          <dgm:shape xmlns:r="http://schemas.openxmlformats.org/officeDocument/2006/relationships" r:blip="">
+            <dgm:adjLst/>
+          </dgm:shape>
+          <dgm:presOf/>
+          <dgm:constrLst/>
+          <dgm:ruleLst/>
+        </dgm:layoutNode>
+        <dgm:layoutNode name="parTx" styleLbl="revTx">
+          <dgm:varLst>
+            <dgm:chMax val="0"/>
+            <dgm:chPref val="0"/>
+          </dgm:varLst>
+          <dgm:alg type="tx">
+            <dgm:param type="txAnchorVert" val="mid"/>
+            <dgm:param type="parTxLTRAlign" val="l"/>
+            <dgm:param type="shpTxLTRAlignCh" val="l"/>
+            <dgm:param type="parTxRTLAlign" val="r"/>
+            <dgm:param type="shpTxRTLAlignCh" val="r"/>
+          </dgm:alg>
+          <dgm:shape xmlns:r="http://schemas.openxmlformats.org/officeDocument/2006/relationships" type="rect" r:blip="">
+            <dgm:adjLst/>
+          </dgm:shape>
+          <dgm:presOf axis="self" ptType="node"/>
+          <dgm:constrLst>
+            <dgm:constr type="lMarg" refType="h" fact="0.3"/>
+            <dgm:constr type="rMarg" refType="h" fact="0.3"/>
+            <dgm:constr type="tMarg" refType="h" fact="0.3"/>
+            <dgm:constr type="bMarg" refType="h" fact="0.3"/>
+          </dgm:constrLst>
+          <dgm:ruleLst>
+            <dgm:rule type="primFontSz" val="14" fact="NaN" max="NaN"/>
+            <dgm:rule type="h" val="INF" fact="NaN" max="NaN"/>
+          </dgm:ruleLst>
+        </dgm:layoutNode>
+        <dgm:choose name="Name12">
+          <dgm:if name="Name13" axis="ch" ptType="node" func="cnt" op="gte" val="1">
+            <dgm:layoutNode name="desTx" styleLbl="revTx">
+              <dgm:varLst/>
+              <dgm:alg type="tx">
+                <dgm:param type="txAnchorVertCh" val="mid"/>
+                <dgm:param type="parTxLTRAlign" val="l"/>
+                <dgm:param type="shpTxLTRAlignCh" val="l"/>
+                <dgm:param type="parTxRTLAlign" val="r"/>
+                <dgm:param type="shpTxRTLAlignCh" val="r"/>
+                <dgm:param type="stBulletLvl" val="0"/>
+              </dgm:alg>
+              <dgm:shape xmlns:r="http://schemas.openxmlformats.org/officeDocument/2006/relationships" type="rect" r:blip="">
+                <dgm:adjLst/>
+              </dgm:shape>
+              <dgm:presOf axis="des" ptType="node"/>
+              <dgm:constrLst>
+                <dgm:constr type="primFontSz" val="18"/>
+                <dgm:constr type="secFontSz" refType="primFontSz"/>
+                <dgm:constr type="lMarg" refType="h" fact="0.3"/>
+                <dgm:constr type="rMarg" refType="h" fact="0.3"/>
+                <dgm:constr type="tMarg" refType="h" fact="0.3"/>
+                <dgm:constr type="bMarg" refType="h" fact="0.3"/>
+              </dgm:constrLst>
+              <dgm:ruleLst>
+                <dgm:rule type="primFontSz" val="11" fact="NaN" max="NaN"/>
+              </dgm:ruleLst>
+            </dgm:layoutNode>
+          </dgm:if>
+          <dgm:else name="Name14"/>
+        </dgm:choose>
+      </dgm:layoutNode>
+      <dgm:forEach name="Name15" axis="followSib" ptType="sibTrans" cnt="1">
+        <dgm:layoutNode name="sibTrans">
+          <dgm:alg type="sp"/>
+          <dgm:shape xmlns:r="http://schemas.openxmlformats.org/officeDocument/2006/relationships" r:blip="">
+            <dgm:adjLst/>
+          </dgm:shape>
+          <dgm:presOf axis="self"/>
+          <dgm:constrLst/>
+          <dgm:ruleLst/>
+        </dgm:layoutNode>
+      </dgm:forEach>
+    </dgm:forEach>
+  </dgm:layoutNode>
+  <dgm:extLst>
+    <a:ext uri="{68A01E43-0DF5-4B5B-8FA6-DAF915123BFB}">
+      <dgm1612:lstStyle xmlns:dgm1612="http://schemas.microsoft.com/office/drawing/2016/12/diagram">
+        <a:lvl1pPr>
+          <a:lnSpc>
+            <a:spcPct val="100000"/>
+          </a:lnSpc>
+        </a:lvl1pPr>
+        <a:lvl2pPr>
+          <a:lnSpc>
+            <a:spcPct val="100000"/>
+          </a:lnSpc>
+        </a:lvl2pPr>
+      </dgm1612:lstStyle>
+    </a:ext>
+  </dgm:extLst>
+</dgm:layoutDef>
+</file>
+
+<file path=ppt/diagrams/quickStyle1.xml><?xml version="1.0" encoding="utf-8"?>
+<dgm:styleDef xmlns:dgm="http://schemas.openxmlformats.org/drawingml/2006/diagram" xmlns:a="http://schemas.openxmlformats.org/drawingml/2006/main" uniqueId="urn:microsoft.com/office/officeart/2005/8/quickstyle/simple1">
+  <dgm:title val=""/>
+  <dgm:desc val=""/>
+  <dgm:catLst>
+    <dgm:cat type="simple" pri="10100"/>
+  </dgm:catLst>
+  <dgm:scene3d>
+    <a:camera prst="orthographicFront"/>
+    <a:lightRig rig="threePt" dir="t"/>
+  </dgm:scene3d>
+  <dgm:styleLbl name="node0">
+    <dgm:scene3d>
+      <a:camera prst="orthographicFront"/>
+      <a:lightRig rig="threePt" dir="t"/>
+    </dgm:scene3d>
+    <dgm:sp3d/>
+    <dgm:txPr/>
+    <dgm:style>
+      <a:lnRef idx="2">
+        <a:scrgbClr r="0" g="0" b="0"/>
+      </a:lnRef>
+      <a:fillRef idx="1">
+        <a:scrgbClr r="0" g="0" b="0"/>
+      </a:fillRef>
+      <a:effectRef idx="0">
+        <a:scrgbClr r="0" g="0" b="0"/>
+      </a:effectRef>
+      <a:fontRef idx="minor">
+        <a:schemeClr val="lt1"/>
+      </a:fontRef>
+    </dgm:style>
+  </dgm:styleLbl>
+  <dgm:styleLbl name="lnNode1">
+    <dgm:scene3d>
+      <a:camera prst="orthographicFront"/>
+      <a:lightRig rig="threePt" dir="t"/>
+    </dgm:scene3d>
+    <dgm:sp3d/>
+    <dgm:txPr/>
+    <dgm:style>
+      <a:lnRef idx="2">
+        <a:scrgbClr r="0" g="0" b="0"/>
+      </a:lnRef>
+      <a:fillRef idx="1">
+        <a:scrgbClr r="0" g="0" b="0"/>
+      </a:fillRef>
+      <a:effectRef idx="0">
+        <a:scrgbClr r="0" g="0" b="0"/>
+      </a:effectRef>
+      <a:fontRef idx="minor">
+        <a:schemeClr val="lt1"/>
+      </a:fontRef>
+    </dgm:style>
+  </dgm:styleLbl>
+  <dgm:styleLbl name="vennNode1">
+    <dgm:scene3d>
+      <a:camera prst="orthographicFront"/>
+      <a:lightRig rig="threePt" dir="t"/>
+    </dgm:scene3d>
+    <dgm:sp3d/>
+    <dgm:txPr/>
+    <dgm:style>
+      <a:lnRef idx="2">
+        <a:scrgbClr r="0" g="0" b="0"/>
+      </a:lnRef>
+      <a:fillRef idx="1">
+        <a:scrgbClr r="0" g="0" b="0"/>
+      </a:fillRef>
+      <a:effectRef idx="0">
+        <a:scrgbClr r="0" g="0" b="0"/>
+      </a:effectRef>
+      <a:fontRef idx="minor">
+        <a:schemeClr val="tx1"/>
+      </a:fontRef>
+    </dgm:style>
+  </dgm:styleLbl>
+  <dgm:styleLbl name="alignNode1">
+    <dgm:scene3d>
+      <a:camera prst="orthographicFront"/>
+      <a:lightRig rig="threePt" dir="t"/>
+    </dgm:scene3d>
+    <dgm:sp3d/>
+    <dgm:txPr/>
+    <dgm:style>
+      <a:lnRef idx="2">
+        <a:scrgbClr r="0" g="0" b="0"/>
+      </a:lnRef>
+      <a:fillRef idx="1">
+        <a:scrgbClr r="0" g="0" b="0"/>
+      </a:fillRef>
+      <a:effectRef idx="0">
+        <a:scrgbClr r="0" g="0" b="0"/>
+      </a:effectRef>
+      <a:fontRef idx="minor">
+        <a:schemeClr val="lt1"/>
+      </a:fontRef>
+    </dgm:style>
+  </dgm:styleLbl>
+  <dgm:styleLbl name="node1">
+    <dgm:scene3d>
+      <a:camera prst="orthographicFront"/>
+      <a:lightRig rig="threePt" dir="t"/>
+    </dgm:scene3d>
+    <dgm:sp3d/>
+    <dgm:txPr/>
+    <dgm:style>
+      <a:lnRef idx="2">
+        <a:scrgbClr r="0" g="0" b="0"/>
+      </a:lnRef>
+      <a:fillRef idx="1">
+        <a:scrgbClr r="0" g="0" b="0"/>
+      </a:fillRef>
+      <a:effectRef idx="0">
+        <a:scrgbClr r="0" g="0" b="0"/>
+      </a:effectRef>
+      <a:fontRef idx="minor">
+        <a:schemeClr val="lt1"/>
+      </a:fontRef>
+    </dgm:style>
+  </dgm:styleLbl>
+  <dgm:styleLbl name="node2">
+    <dgm:scene3d>
+      <a:camera prst="orthographicFront"/>
+      <a:lightRig rig="threePt" dir="t"/>
+    </dgm:scene3d>
+    <dgm:sp3d/>
+    <dgm:txPr/>
+    <dgm:style>
+      <a:lnRef idx="2">
+        <a:scrgbClr r="0" g="0" b="0"/>
+      </a:lnRef>
+      <a:fillRef idx="1">
+        <a:scrgbClr r="0" g="0" b="0"/>
+      </a:fillRef>
+      <a:effectRef idx="0">
+        <a:scrgbClr r="0" g="0" b="0"/>
+      </a:effectRef>
+      <a:fontRef idx="minor">
+        <a:schemeClr val="lt1"/>
+      </a:fontRef>
+    </dgm:style>
+  </dgm:styleLbl>
+  <dgm:styleLbl name="node3">
+    <dgm:scene3d>
+      <a:camera prst="orthographicFront"/>
+      <a:lightRig rig="threePt" dir="t"/>
+    </dgm:scene3d>
+    <dgm:sp3d/>
+    <dgm:txPr/>
+    <dgm:style>
+      <a:lnRef idx="2">
+        <a:scrgbClr r="0" g="0" b="0"/>
+      </a:lnRef>
+      <a:fillRef idx="1">
+        <a:scrgbClr r="0" g="0" b="0"/>
+      </a:fillRef>
+      <a:effectRef idx="0">
+        <a:scrgbClr r="0" g="0" b="0"/>
+      </a:effectRef>
+      <a:fontRef idx="minor">
+        <a:schemeClr val="lt1"/>
+      </a:fontRef>
+    </dgm:style>
+  </dgm:styleLbl>
+  <dgm:styleLbl name="node4">
+    <dgm:scene3d>
+      <a:camera prst="orthographicFront"/>
+      <a:lightRig rig="threePt" dir="t"/>
+    </dgm:scene3d>
+    <dgm:sp3d/>
+    <dgm:txPr/>
+    <dgm:style>
+      <a:lnRef idx="2">
+        <a:scrgbClr r="0" g="0" b="0"/>
+      </a:lnRef>
+      <a:fillRef idx="1">
+        <a:scrgbClr r="0" g="0" b="0"/>
+      </a:fillRef>
+      <a:effectRef idx="0">
+        <a:scrgbClr r="0" g="0" b="0"/>
+      </a:effectRef>
+      <a:fontRef idx="minor">
+        <a:schemeClr val="lt1"/>
+      </a:fontRef>
+    </dgm:style>
+  </dgm:styleLbl>
+  <dgm:styleLbl name="fgImgPlace1">
+    <dgm:scene3d>
+      <a:camera prst="orthographicFront"/>
+      <a:lightRig rig="threePt" dir="t"/>
+    </dgm:scene3d>
+    <dgm:sp3d/>
+    <dgm:txPr/>
+    <dgm:style>
+      <a:lnRef idx="2">
+        <a:scrgbClr r="0" g="0" b="0"/>
+      </a:lnRef>
+      <a:fillRef idx="1">
+        <a:scrgbClr r="0" g="0" b="0"/>
+      </a:fillRef>
+      <a:effectRef idx="0">
+        <a:scrgbClr r="0" g="0" b="0"/>
+      </a:effectRef>
+      <a:fontRef idx="minor"/>
+    </dgm:style>
+  </dgm:styleLbl>
+  <dgm:styleLbl name="alignImgPlace1">
+    <dgm:scene3d>
+      <a:camera prst="orthographicFront"/>
+      <a:lightRig rig="threePt" dir="t"/>
+    </dgm:scene3d>
+    <dgm:sp3d/>
+    <dgm:txPr/>
+    <dgm:style>
+      <a:lnRef idx="2">
+        <a:scrgbClr r="0" g="0" b="0"/>
+      </a:lnRef>
+      <a:fillRef idx="1">
+        <a:scrgbClr r="0" g="0" b="0"/>
+      </a:fillRef>
+      <a:effectRef idx="0">
+        <a:scrgbClr r="0" g="0" b="0"/>
+      </a:effectRef>
+      <a:fontRef idx="minor"/>
+    </dgm:style>
+  </dgm:styleLbl>
+  <dgm:styleLbl name="bgImgPlace1">
+    <dgm:scene3d>
+      <a:camera prst="orthographicFront"/>
+      <a:lightRig rig="threePt" dir="t"/>
+    </dgm:scene3d>
+    <dgm:sp3d/>
+    <dgm:txPr/>
+    <dgm:style>
+      <a:lnRef idx="2">
+        <a:scrgbClr r="0" g="0" b="0"/>
+      </a:lnRef>
+      <a:fillRef idx="1">
+        <a:scrgbClr r="0" g="0" b="0"/>
+      </a:fillRef>
+      <a:effectRef idx="0">
+        <a:scrgbClr r="0" g="0" b="0"/>
+      </a:effectRef>
+      <a:fontRef idx="minor"/>
+    </dgm:style>
+  </dgm:styleLbl>
+  <dgm:styleLbl name="sibTrans2D1">
+    <dgm:scene3d>
+      <a:camera prst="orthographicFront"/>
+      <a:lightRig rig="threePt" dir="t"/>
+    </dgm:scene3d>
+    <dgm:sp3d/>
+    <dgm:txPr/>
+    <dgm:style>
+      <a:lnRef idx="0">
+        <a:scrgbClr r="0" g="0" b="0"/>
+      </a:lnRef>
+      <a:fillRef idx="1">
+        <a:scrgbClr r="0" g="0" b="0"/>
+      </a:fillRef>
+      <a:effectRef idx="0">
+        <a:scrgbClr r="0" g="0" b="0"/>
+      </a:effectRef>
+      <a:fontRef idx="minor">
+        <a:schemeClr val="lt1"/>
+      </a:fontRef>
+    </dgm:style>
+  </dgm:styleLbl>
+  <dgm:styleLbl name="fgSibTrans2D1">
+    <dgm:scene3d>
+      <a:camera prst="orthographicFront"/>
+      <a:lightRig rig="threePt" dir="t"/>
+    </dgm:scene3d>
+    <dgm:sp3d/>
+    <dgm:txPr/>
+    <dgm:style>
+      <a:lnRef idx="0">
+        <a:scrgbClr r="0" g="0" b="0"/>
+      </a:lnRef>
+      <a:fillRef idx="1">
+        <a:scrgbClr r="0" g="0" b="0"/>
+      </a:fillRef>
+      <a:effectRef idx="0">
+        <a:scrgbClr r="0" g="0" b="0"/>
+      </a:effectRef>
+      <a:fontRef idx="minor">
+        <a:schemeClr val="lt1"/>
+      </a:fontRef>
+    </dgm:style>
+  </dgm:styleLbl>
+  <dgm:styleLbl name="bgSibTrans2D1">
+    <dgm:scene3d>
+      <a:camera prst="orthographicFront"/>
+      <a:lightRig rig="threePt" dir="t"/>
+    </dgm:scene3d>
+    <dgm:sp3d/>
+    <dgm:txPr/>
+    <dgm:style>
+      <a:lnRef idx="0">
+        <a:scrgbClr r="0" g="0" b="0"/>
+      </a:lnRef>
+      <a:fillRef idx="1">
+        <a:scrgbClr r="0" g="0" b="0"/>
+      </a:fillRef>
+      <a:effectRef idx="0">
+        <a:scrgbClr r="0" g="0" b="0"/>
+      </a:effectRef>
+      <a:fontRef idx="minor">
+        <a:schemeClr val="lt1"/>
+      </a:fontRef>
+    </dgm:style>
+  </dgm:styleLbl>
+  <dgm:styleLbl name="sibTrans1D1">
+    <dgm:scene3d>
+      <a:camera prst="orthographicFront"/>
+      <a:lightRig rig="threePt" dir="t"/>
+    </dgm:scene3d>
+    <dgm:sp3d/>
+    <dgm:txPr/>
+    <dgm:style>
+      <a:lnRef idx="1">
+        <a:scrgbClr r="0" g="0" b="0"/>
+      </a:lnRef>
+      <a:fillRef idx="0">
+        <a:scrgbClr r="0" g="0" b="0"/>
+      </a:fillRef>
+      <a:effectRef idx="0">
+        <a:scrgbClr r="0" g="0" b="0"/>
+      </a:effectRef>
+      <a:fontRef idx="minor"/>
+    </dgm:style>
+  </dgm:styleLbl>
+  <dgm:styleLbl name="callout">
+    <dgm:scene3d>
+      <a:camera prst="orthographicFront"/>
+      <a:lightRig rig="threePt" dir="t"/>
+    </dgm:scene3d>
+    <dgm:sp3d/>
+    <dgm:txPr/>
+    <dgm:style>
+      <a:lnRef idx="2">
+        <a:scrgbClr r="0" g="0" b="0"/>
+      </a:lnRef>
+      <a:fillRef idx="1">
+        <a:scrgbClr r="0" g="0" b="0"/>
+      </a:fillRef>
+      <a:effectRef idx="0">
+        <a:scrgbClr r="0" g="0" b="0"/>
+      </a:effectRef>
+      <a:fontRef idx="minor"/>
+    </dgm:style>
+  </dgm:styleLbl>
+  <dgm:styleLbl name="asst0">
+    <dgm:scene3d>
+      <a:camera prst="orthographicFront"/>
+      <a:lightRig rig="threePt" dir="t"/>
+    </dgm:scene3d>
+    <dgm:sp3d/>
+    <dgm:txPr/>
+    <dgm:style>
+      <a:lnRef idx="2">
+        <a:scrgbClr r="0" g="0" b="0"/>
+      </a:lnRef>
+      <a:fillRef idx="1">
+        <a:scrgbClr r="0" g="0" b="0"/>
+      </a:fillRef>
+      <a:effectRef idx="0">
+        <a:scrgbClr r="0" g="0" b="0"/>
+      </a:effectRef>
+      <a:fontRef idx="minor">
+        <a:schemeClr val="lt1"/>
+      </a:fontRef>
+    </dgm:style>
+  </dgm:styleLbl>
+  <dgm:styleLbl name="asst1">
+    <dgm:scene3d>
+      <a:camera prst="orthographicFront"/>
+      <a:lightRig rig="threePt" dir="t"/>
+    </dgm:scene3d>
+    <dgm:sp3d/>
+    <dgm:txPr/>
+    <dgm:style>
+      <a:lnRef idx="2">
+        <a:scrgbClr r="0" g="0" b="0"/>
+      </a:lnRef>
+      <a:fillRef idx="1">
+        <a:scrgbClr r="0" g="0" b="0"/>
+      </a:fillRef>
+      <a:effectRef idx="0">
+        <a:scrgbClr r="0" g="0" b="0"/>
+      </a:effectRef>
+      <a:fontRef idx="minor">
+        <a:schemeClr val="lt1"/>
+      </a:fontRef>
+    </dgm:style>
+  </dgm:styleLbl>
+  <dgm:styleLbl name="asst2">
+    <dgm:scene3d>
+      <a:camera prst="orthographicFront"/>
+      <a:lightRig rig="threePt" dir="t"/>
+    </dgm:scene3d>
+    <dgm:sp3d/>
+    <dgm:txPr/>
+    <dgm:style>
+      <a:lnRef idx="2">
+        <a:scrgbClr r="0" g="0" b="0"/>
+      </a:lnRef>
+      <a:fillRef idx="1">
+        <a:scrgbClr r="0" g="0" b="0"/>
+      </a:fillRef>
+      <a:effectRef idx="0">
+        <a:scrgbClr r="0" g="0" b="0"/>
+      </a:effectRef>
+      <a:fontRef idx="minor">
+        <a:schemeClr val="lt1"/>
+      </a:fontRef>
+    </dgm:style>
+  </dgm:styleLbl>
+  <dgm:styleLbl name="asst3">
+    <dgm:scene3d>
+      <a:camera prst="orthographicFront"/>
+      <a:lightRig rig="threePt" dir="t"/>
+    </dgm:scene3d>
+    <dgm:sp3d/>
+    <dgm:txPr/>
+    <dgm:style>
+      <a:lnRef idx="2">
+        <a:scrgbClr r="0" g="0" b="0"/>
+      </a:lnRef>
+      <a:fillRef idx="1">
+        <a:scrgbClr r="0" g="0" b="0"/>
+      </a:fillRef>
+      <a:effectRef idx="0">
+        <a:scrgbClr r="0" g="0" b="0"/>
+      </a:effectRef>
+      <a:fontRef idx="minor">
+        <a:schemeClr val="lt1"/>
+      </a:fontRef>
+    </dgm:style>
+  </dgm:styleLbl>
+  <dgm:styleLbl name="asst4">
+    <dgm:scene3d>
+      <a:camera prst="orthographicFront"/>
+      <a:lightRig rig="threePt" dir="t"/>
+    </dgm:scene3d>
+    <dgm:sp3d/>
+    <dgm:txPr/>
+    <dgm:style>
+      <a:lnRef idx="2">
+        <a:scrgbClr r="0" g="0" b="0"/>
+      </a:lnRef>
+      <a:fillRef idx="1">
+        <a:scrgbClr r="0" g="0" b="0"/>
+      </a:fillRef>
+      <a:effectRef idx="0">
+        <a:scrgbClr r="0" g="0" b="0"/>
+      </a:effectRef>
+      <a:fontRef idx="minor">
+        <a:schemeClr val="lt1"/>
+      </a:fontRef>
+    </dgm:style>
+  </dgm:styleLbl>
+  <dgm:styleLbl name="parChTrans2D1">
+    <dgm:scene3d>
+      <a:camera prst="orthographicFront"/>
+      <a:lightRig rig="threePt" dir="t"/>
+    </dgm:scene3d>
+    <dgm:sp3d/>
+    <dgm:txPr/>
+    <dgm:style>
+      <a:lnRef idx="2">
+        <a:scrgbClr r="0" g="0" b="0"/>
+      </a:lnRef>
+      <a:fillRef idx="1">
+        <a:scrgbClr r="0" g="0" b="0"/>
+      </a:fillRef>
+      <a:effectRef idx="0">
+        <a:scrgbClr r="0" g="0" b="0"/>
+      </a:effectRef>
+      <a:fontRef idx="minor">
+        <a:schemeClr val="lt1"/>
+      </a:fontRef>
+    </dgm:style>
+  </dgm:styleLbl>
+  <dgm:styleLbl name="parChTrans2D2">
+    <dgm:scene3d>
+      <a:camera prst="orthographicFront"/>
+      <a:lightRig rig="threePt" dir="t"/>
+    </dgm:scene3d>
+    <dgm:sp3d/>
+    <dgm:txPr/>
+    <dgm:style>
+      <a:lnRef idx="2">
+        <a:scrgbClr r="0" g="0" b="0"/>
+      </a:lnRef>
+      <a:fillRef idx="1">
+        <a:scrgbClr r="0" g="0" b="0"/>
+      </a:fillRef>
+      <a:effectRef idx="0">
+        <a:scrgbClr r="0" g="0" b="0"/>
+      </a:effectRef>
+      <a:fontRef idx="minor">
+        <a:schemeClr val="lt1"/>
+      </a:fontRef>
+    </dgm:style>
+  </dgm:styleLbl>
+  <dgm:styleLbl name="parChTrans2D3">
+    <dgm:scene3d>
+      <a:camera prst="orthographicFront"/>
+      <a:lightRig rig="threePt" dir="t"/>
+    </dgm:scene3d>
+    <dgm:sp3d/>
+    <dgm:txPr/>
+    <dgm:style>
+      <a:lnRef idx="2">
+        <a:scrgbClr r="0" g="0" b="0"/>
+      </a:lnRef>
+      <a:fillRef idx="1">
+        <a:scrgbClr r="0" g="0" b="0"/>
+      </a:fillRef>
+      <a:effectRef idx="0">
+        <a:scrgbClr r="0" g="0" b="0"/>
+      </a:effectRef>
+      <a:fontRef idx="minor">
+        <a:schemeClr val="lt1"/>
+      </a:fontRef>
+    </dgm:style>
+  </dgm:styleLbl>
+  <dgm:styleLbl name="parChTrans2D4">
+    <dgm:scene3d>
+      <a:camera prst="orthographicFront"/>
+      <a:lightRig rig="threePt" dir="t"/>
+    </dgm:scene3d>
+    <dgm:sp3d/>
+    <dgm:txPr/>
+    <dgm:style>
+      <a:lnRef idx="2">
+        <a:scrgbClr r="0" g="0" b="0"/>
+      </a:lnRef>
+      <a:fillRef idx="1">
+        <a:scrgbClr r="0" g="0" b="0"/>
+      </a:fillRef>
+      <a:effectRef idx="0">
+        <a:scrgbClr r="0" g="0" b="0"/>
+      </a:effectRef>
+      <a:fontRef idx="minor">
+        <a:schemeClr val="lt1"/>
+      </a:fontRef>
+    </dgm:style>
+  </dgm:styleLbl>
+  <dgm:styleLbl name="parChTrans1D1">
+    <dgm:scene3d>
+      <a:camera prst="orthographicFront"/>
+      <a:lightRig rig="threePt" dir="t"/>
+    </dgm:scene3d>
+    <dgm:sp3d/>
+    <dgm:txPr/>
+    <dgm:style>
+      <a:lnRef idx="2">
+        <a:scrgbClr r="0" g="0" b="0"/>
+      </a:lnRef>
+      <a:fillRef idx="0">
+        <a:scrgbClr r="0" g="0" b="0"/>
+      </a:fillRef>
+      <a:effectRef idx="0">
+        <a:scrgbClr r="0" g="0" b="0"/>
+      </a:effectRef>
+      <a:fontRef idx="minor"/>
+    </dgm:style>
+  </dgm:styleLbl>
+  <dgm:styleLbl name="parChTrans1D2">
+    <dgm:scene3d>
+      <a:camera prst="orthographicFront"/>
+      <a:lightRig rig="threePt" dir="t"/>
+    </dgm:scene3d>
+    <dgm:sp3d/>
+    <dgm:txPr/>
+    <dgm:style>
+      <a:lnRef idx="2">
+        <a:scrgbClr r="0" g="0" b="0"/>
+      </a:lnRef>
+      <a:fillRef idx="0">
+        <a:scrgbClr r="0" g="0" b="0"/>
+      </a:fillRef>
+      <a:effectRef idx="0">
+        <a:scrgbClr r="0" g="0" b="0"/>
+      </a:effectRef>
+      <a:fontRef idx="minor"/>
+    </dgm:style>
+  </dgm:styleLbl>
+  <dgm:styleLbl name="parChTrans1D3">
+    <dgm:scene3d>
+      <a:camera prst="orthographicFront"/>
+      <a:lightRig rig="threePt" dir="t"/>
+    </dgm:scene3d>
+    <dgm:sp3d/>
+    <dgm:txPr/>
+    <dgm:style>
+      <a:lnRef idx="2">
+        <a:scrgbClr r="0" g="0" b="0"/>
+      </a:lnRef>
+      <a:fillRef idx="0">
+        <a:scrgbClr r="0" g="0" b="0"/>
+      </a:fillRef>
+      <a:effectRef idx="0">
+        <a:scrgbClr r="0" g="0" b="0"/>
+      </a:effectRef>
+      <a:fontRef idx="minor"/>
+    </dgm:style>
+  </dgm:styleLbl>
+  <dgm:styleLbl name="parChTrans1D4">
+    <dgm:scene3d>
+      <a:camera prst="orthographicFront"/>
+      <a:lightRig rig="threePt" dir="t"/>
+    </dgm:scene3d>
+    <dgm:sp3d/>
+    <dgm:txPr/>
+    <dgm:style>
+      <a:lnRef idx="2">
+        <a:scrgbClr r="0" g="0" b="0"/>
+      </a:lnRef>
+      <a:fillRef idx="0">
+        <a:scrgbClr r="0" g="0" b="0"/>
+      </a:fillRef>
+      <a:effectRef idx="0">
+        <a:scrgbClr r="0" g="0" b="0"/>
+      </a:effectRef>
+      <a:fontRef idx="minor"/>
+    </dgm:style>
+  </dgm:styleLbl>
+  <dgm:styleLbl name="fgAcc1">
+    <dgm:scene3d>
+      <a:camera prst="orthographicFront"/>
+      <a:lightRig rig="threePt" dir="t"/>
+    </dgm:scene3d>
+    <dgm:sp3d/>
+    <dgm:txPr/>
+    <dgm:style>
+      <a:lnRef idx="2">
+        <a:scrgbClr r="0" g="0" b="0"/>
+      </a:lnRef>
+      <a:fillRef idx="1">
+        <a:scrgbClr r="0" g="0" b="0"/>
+      </a:fillRef>
+      <a:effectRef idx="0">
+        <a:scrgbClr r="0" g="0" b="0"/>
+      </a:effectRef>
+      <a:fontRef idx="minor"/>
+    </dgm:style>
+  </dgm:styleLbl>
+  <dgm:styleLbl name="conFgAcc1">
+    <dgm:scene3d>
+      <a:camera prst="orthographicFront"/>
+      <a:lightRig rig="threePt" dir="t"/>
+    </dgm:scene3d>
+    <dgm:sp3d/>
+    <dgm:txPr/>
+    <dgm:style>
+      <a:lnRef idx="2">
+        <a:scrgbClr r="0" g="0" b="0"/>
+      </a:lnRef>
+      <a:fillRef idx="1">
+        <a:scrgbClr r="0" g="0" b="0"/>
+      </a:fillRef>
+      <a:effectRef idx="0">
+        <a:scrgbClr r="0" g="0" b="0"/>
+      </a:effectRef>
+      <a:fontRef idx="minor"/>
+    </dgm:style>
+  </dgm:styleLbl>
+  <dgm:styleLbl name="alignAcc1">
+    <dgm:scene3d>
+      <a:camera prst="orthographicFront"/>
+      <a:lightRig rig="threePt" dir="t"/>
+    </dgm:scene3d>
+    <dgm:sp3d/>
+    <dgm:txPr/>
+    <dgm:style>
+      <a:lnRef idx="2">
+        <a:scrgbClr r="0" g="0" b="0"/>
+      </a:lnRef>
+      <a:fillRef idx="1">
+        <a:scrgbClr r="0" g="0" b="0"/>
+      </a:fillRef>
+      <a:effectRef idx="0">
+        <a:scrgbClr r="0" g="0" b="0"/>
+      </a:effectRef>
+      <a:fontRef idx="minor"/>
+    </dgm:style>
+  </dgm:styleLbl>
+  <dgm:styleLbl name="trAlignAcc1">
+    <dgm:scene3d>
+      <a:camera prst="orthographicFront"/>
+      <a:lightRig rig="threePt" dir="t"/>
+    </dgm:scene3d>
+    <dgm:sp3d/>
+    <dgm:txPr/>
+    <dgm:style>
+      <a:lnRef idx="1">
+        <a:scrgbClr r="0" g="0" b="0"/>
+      </a:lnRef>
+      <a:fillRef idx="1">
+        <a:scrgbClr r="0" g="0" b="0"/>
+      </a:fillRef>
+      <a:effectRef idx="0">
+        <a:scrgbClr r="0" g="0" b="0"/>
+      </a:effectRef>
+      <a:fontRef idx="minor"/>
+    </dgm:style>
+  </dgm:styleLbl>
+  <dgm:styleLbl name="bgAcc1">
+    <dgm:scene3d>
+      <a:camera prst="orthographicFront"/>
+      <a:lightRig rig="threePt" dir="t"/>
+    </dgm:scene3d>
+    <dgm:sp3d/>
+    <dgm:txPr/>
+    <dgm:style>
+      <a:lnRef idx="2">
+        <a:scrgbClr r="0" g="0" b="0"/>
+      </a:lnRef>
+      <a:fillRef idx="1">
+        <a:scrgbClr r="0" g="0" b="0"/>
+      </a:fillRef>
+      <a:effectRef idx="0">
+        <a:scrgbClr r="0" g="0" b="0"/>
+      </a:effectRef>
+      <a:fontRef idx="minor"/>
+    </dgm:style>
+  </dgm:styleLbl>
+  <dgm:styleLbl name="solidFgAcc1">
+    <dgm:scene3d>
+      <a:camera prst="orthographicFront"/>
+      <a:lightRig rig="threePt" dir="t"/>
+    </dgm:scene3d>
+    <dgm:sp3d/>
+    <dgm:txPr/>
+    <dgm:style>
+      <a:lnRef idx="2">
+        <a:scrgbClr r="0" g="0" b="0"/>
+      </a:lnRef>
+      <a:fillRef idx="1">
+        <a:scrgbClr r="0" g="0" b="0"/>
+      </a:fillRef>
+      <a:effectRef idx="0">
+        <a:scrgbClr r="0" g="0" b="0"/>
+      </a:effectRef>
+      <a:fontRef idx="minor"/>
+    </dgm:style>
+  </dgm:styleLbl>
+  <dgm:styleLbl name="solidAlignAcc1">
+    <dgm:scene3d>
+      <a:camera prst="orthographicFront"/>
+      <a:lightRig rig="threePt" dir="t"/>
+    </dgm:scene3d>
+    <dgm:sp3d/>
+    <dgm:txPr/>
+    <dgm:style>
+      <a:lnRef idx="2">
+        <a:scrgbClr r="0" g="0" b="0"/>
+      </a:lnRef>
+      <a:fillRef idx="1">
+        <a:scrgbClr r="0" g="0" b="0"/>
+      </a:fillRef>
+      <a:effectRef idx="0">
+        <a:scrgbClr r="0" g="0" b="0"/>
+      </a:effectRef>
+      <a:fontRef idx="minor"/>
+    </dgm:style>
+  </dgm:styleLbl>
+  <dgm:styleLbl name="solidBgAcc1">
+    <dgm:scene3d>
+      <a:camera prst="orthographicFront"/>
+      <a:lightRig rig="threePt" dir="t"/>
+    </dgm:scene3d>
+    <dgm:sp3d/>
+    <dgm:txPr/>
+    <dgm:style>
+      <a:lnRef idx="2">
+        <a:scrgbClr r="0" g="0" b="0"/>
+      </a:lnRef>
+      <a:fillRef idx="1">
+        <a:scrgbClr r="0" g="0" b="0"/>
+      </a:fillRef>
+      <a:effectRef idx="0">
+        <a:scrgbClr r="0" g="0" b="0"/>
+      </a:effectRef>
+      <a:fontRef idx="minor"/>
+    </dgm:style>
+  </dgm:styleLbl>
+  <dgm:styleLbl name="fgAccFollowNode1">
+    <dgm:scene3d>
+      <a:camera prst="orthographicFront"/>
+      <a:lightRig rig="threePt" dir="t"/>
+    </dgm:scene3d>
+    <dgm:sp3d/>
+    <dgm:txPr/>
+    <dgm:style>
+      <a:lnRef idx="2">
+        <a:scrgbClr r="0" g="0" b="0"/>
+      </a:lnRef>
+      <a:fillRef idx="1">
+        <a:scrgbClr r="0" g="0" b="0"/>
+      </a:fillRef>
+      <a:effectRef idx="0">
+        <a:scrgbClr r="0" g="0" b="0"/>
+      </a:effectRef>
+      <a:fontRef idx="minor"/>
+    </dgm:style>
+  </dgm:styleLbl>
+  <dgm:styleLbl name="alignAccFollowNode1">
+    <dgm:scene3d>
+      <a:camera prst="orthographicFront"/>
+      <a:lightRig rig="threePt" dir="t"/>
+    </dgm:scene3d>
+    <dgm:sp3d/>
+    <dgm:txPr/>
+    <dgm:style>
+      <a:lnRef idx="2">
+        <a:scrgbClr r="0" g="0" b="0"/>
+      </a:lnRef>
+      <a:fillRef idx="1">
+        <a:scrgbClr r="0" g="0" b="0"/>
+      </a:fillRef>
+      <a:effectRef idx="0">
+        <a:scrgbClr r="0" g="0" b="0"/>
+      </a:effectRef>
+      <a:fontRef idx="minor"/>
+    </dgm:style>
+  </dgm:styleLbl>
+  <dgm:styleLbl name="bgAccFollowNode1">
+    <dgm:scene3d>
+      <a:camera prst="orthographicFront"/>
+      <a:lightRig rig="threePt" dir="t"/>
+    </dgm:scene3d>
+    <dgm:sp3d/>
+    <dgm:txPr/>
+    <dgm:style>
+      <a:lnRef idx="2">
+        <a:scrgbClr r="0" g="0" b="0"/>
+      </a:lnRef>
+      <a:fillRef idx="1">
+        <a:scrgbClr r="0" g="0" b="0"/>
+      </a:fillRef>
+      <a:effectRef idx="0">
+        <a:scrgbClr r="0" g="0" b="0"/>
+      </a:effectRef>
+      <a:fontRef idx="minor"/>
+    </dgm:style>
+  </dgm:styleLbl>
+  <dgm:styleLbl name="fgAcc0">
+    <dgm:scene3d>
+      <a:camera prst="orthographicFront"/>
+      <a:lightRig rig="threePt" dir="t"/>
+    </dgm:scene3d>
+    <dgm:sp3d/>
+    <dgm:txPr/>
+    <dgm:style>
+      <a:lnRef idx="2">
+        <a:scrgbClr r="0" g="0" b="0"/>
+      </a:lnRef>
+      <a:fillRef idx="1">
+        <a:scrgbClr r="0" g="0" b="0"/>
+      </a:fillRef>
+      <a:effectRef idx="0">
+        <a:scrgbClr r="0" g="0" b="0"/>
+      </a:effectRef>
+      <a:fontRef idx="minor"/>
+    </dgm:style>
+  </dgm:styleLbl>
+  <dgm:styleLbl name="fgAcc2">
+    <dgm:scene3d>
+      <a:camera prst="orthographicFront"/>
+      <a:lightRig rig="threePt" dir="t"/>
+    </dgm:scene3d>
+    <dgm:sp3d/>
+    <dgm:txPr/>
+    <dgm:style>
+      <a:lnRef idx="2">
+        <a:scrgbClr r="0" g="0" b="0"/>
+      </a:lnRef>
+      <a:fillRef idx="1">
+        <a:scrgbClr r="0" g="0" b="0"/>
+      </a:fillRef>
+      <a:effectRef idx="0">
+        <a:scrgbClr r="0" g="0" b="0"/>
+      </a:effectRef>
+      <a:fontRef idx="minor"/>
+    </dgm:style>
+  </dgm:styleLbl>
+  <dgm:styleLbl name="fgAcc3">
+    <dgm:scene3d>
+      <a:camera prst="orthographicFront"/>
+      <a:lightRig rig="threePt" dir="t"/>
+    </dgm:scene3d>
+    <dgm:sp3d/>
+    <dgm:txPr/>
+    <dgm:style>
+      <a:lnRef idx="2">
+        <a:scrgbClr r="0" g="0" b="0"/>
+      </a:lnRef>
+      <a:fillRef idx="1">
+        <a:scrgbClr r="0" g="0" b="0"/>
+      </a:fillRef>
+      <a:effectRef idx="0">
+        <a:scrgbClr r="0" g="0" b="0"/>
+      </a:effectRef>
+      <a:fontRef idx="minor"/>
+    </dgm:style>
+  </dgm:styleLbl>
+  <dgm:styleLbl name="fgAcc4">
+    <dgm:scene3d>
+      <a:camera prst="orthographicFront"/>
+      <a:lightRig rig="threePt" dir="t"/>
+    </dgm:scene3d>
+    <dgm:sp3d/>
+    <dgm:txPr/>
+    <dgm:style>
+      <a:lnRef idx="2">
+        <a:scrgbClr r="0" g="0" b="0"/>
+      </a:lnRef>
+      <a:fillRef idx="1">
+        <a:scrgbClr r="0" g="0" b="0"/>
+      </a:fillRef>
+      <a:effectRef idx="0">
+        <a:scrgbClr r="0" g="0" b="0"/>
+      </a:effectRef>
+      <a:fontRef idx="minor"/>
+    </dgm:style>
+  </dgm:styleLbl>
+  <dgm:styleLbl name="bgShp">
+    <dgm:scene3d>
+      <a:camera prst="orthographicFront"/>
+      <a:lightRig rig="threePt" dir="t"/>
+    </dgm:scene3d>
+    <dgm:sp3d/>
+    <dgm:txPr/>
+    <dgm:style>
+      <a:lnRef idx="0">
+        <a:scrgbClr r="0" g="0" b="0"/>
+      </a:lnRef>
+      <a:fillRef idx="1">
+        <a:scrgbClr r="0" g="0" b="0"/>
+      </a:fillRef>
+      <a:effectRef idx="0">
+        <a:scrgbClr r="0" g="0" b="0"/>
+      </a:effectRef>
+      <a:fontRef idx="minor"/>
+    </dgm:style>
+  </dgm:styleLbl>
+  <dgm:styleLbl name="dkBgShp">
+    <dgm:scene3d>
+      <a:camera prst="orthographicFront"/>
+      <a:lightRig rig="threePt" dir="t"/>
+    </dgm:scene3d>
+    <dgm:sp3d/>
+    <dgm:txPr/>
+    <dgm:style>
+      <a:lnRef idx="0">
+        <a:scrgbClr r="0" g="0" b="0"/>
+      </a:lnRef>
+      <a:fillRef idx="1">
+        <a:scrgbClr r="0" g="0" b="0"/>
+      </a:fillRef>
+      <a:effectRef idx="0">
+        <a:scrgbClr r="0" g="0" b="0"/>
+      </a:effectRef>
+      <a:fontRef idx="minor"/>
+    </dgm:style>
+  </dgm:styleLbl>
+  <dgm:styleLbl name="trBgShp">
+    <dgm:scene3d>
+      <a:camera prst="orthographicFront"/>
+      <a:lightRig rig="threePt" dir="t"/>
+    </dgm:scene3d>
+    <dgm:sp3d/>
+    <dgm:txPr/>
+    <dgm:style>
+      <a:lnRef idx="0">
+        <a:scrgbClr r="0" g="0" b="0"/>
+      </a:lnRef>
+      <a:fillRef idx="1">
+        <a:scrgbClr r="0" g="0" b="0"/>
+      </a:fillRef>
+      <a:effectRef idx="0">
+        <a:scrgbClr r="0" g="0" b="0"/>
+      </a:effectRef>
+      <a:fontRef idx="minor"/>
+    </dgm:style>
+  </dgm:styleLbl>
+  <dgm:styleLbl name="fgShp">
+    <dgm:scene3d>
+      <a:camera prst="orthographicFront"/>
+      <a:lightRig rig="threePt" dir="t"/>
+    </dgm:scene3d>
+    <dgm:sp3d/>
+    <dgm:txPr/>
+    <dgm:style>
+      <a:lnRef idx="2">
+        <a:scrgbClr r="0" g="0" b="0"/>
+      </a:lnRef>
+      <a:fillRef idx="1">
+        <a:scrgbClr r="0" g="0" b="0"/>
+      </a:fillRef>
+      <a:effectRef idx="0">
+        <a:scrgbClr r="0" g="0" b="0"/>
+      </a:effectRef>
+      <a:fontRef idx="minor"/>
+    </dgm:style>
+  </dgm:styleLbl>
+  <dgm:styleLbl name="revTx">
+    <dgm:scene3d>
+      <a:camera prst="orthographicFront"/>
+      <a:lightRig rig="threePt" dir="t"/>
+    </dgm:scene3d>
+    <dgm:sp3d/>
+    <dgm:txPr/>
+    <dgm:style>
+      <a:lnRef idx="0">
+        <a:scrgbClr r="0" g="0" b="0"/>
+      </a:lnRef>
+      <a:fillRef idx="0">
+        <a:scrgbClr r="0" g="0" b="0"/>
+      </a:fillRef>
+      <a:effectRef idx="0">
+        <a:scrgbClr r="0" g="0" b="0"/>
+      </a:effectRef>
+      <a:fontRef idx="minor"/>
+    </dgm:style>
+  </dgm:styleLbl>
+</dgm:styleDef>
 </file>
 
 <file path=ppt/slideLayouts/slideLayout1.xml><?xml version="1.0" encoding="utf-8"?>
@@ -204,7 +3323,6 @@
               <a:rPr lang="en-US"/>
               <a:t>Click to edit Master title style</a:t>
             </a:r>
-            <a:endParaRPr lang="en-US" dirty="0"/>
           </a:p>
         </p:txBody>
       </p:sp>
@@ -283,7 +3401,6 @@
               <a:rPr lang="en-US"/>
               <a:t>Click to edit Master subtitle style</a:t>
             </a:r>
-            <a:endParaRPr lang="en-US" dirty="0"/>
           </a:p>
         </p:txBody>
       </p:sp>
@@ -998,7 +4115,6 @@
               <a:rPr lang="en-US"/>
               <a:t>Click to edit Master title style</a:t>
             </a:r>
-            <a:endParaRPr lang="en-US" dirty="0"/>
           </a:p>
         </p:txBody>
       </p:sp>
@@ -1386,7 +4502,6 @@
               <a:rPr lang="en-US"/>
               <a:t>Click to edit Master title style</a:t>
             </a:r>
-            <a:endParaRPr lang="en-US" dirty="0"/>
           </a:p>
         </p:txBody>
       </p:sp>
@@ -1478,7 +4593,6 @@
               <a:rPr lang="en-US"/>
               <a:t>Fifth level</a:t>
             </a:r>
-            <a:endParaRPr lang="en-US" dirty="0"/>
           </a:p>
         </p:txBody>
       </p:sp>
@@ -1691,7 +4805,6 @@
               <a:rPr lang="en-US"/>
               <a:t>Click to edit Master title style</a:t>
             </a:r>
-            <a:endParaRPr lang="en-US" dirty="0"/>
           </a:p>
         </p:txBody>
       </p:sp>
@@ -2053,7 +5166,6 @@
               <a:rPr lang="en-US"/>
               <a:t>Fifth level</a:t>
             </a:r>
-            <a:endParaRPr lang="en-US" dirty="0"/>
           </a:p>
         </p:txBody>
       </p:sp>
@@ -2114,35 +5226,35 @@
           <a:p>
             <a:pPr lvl="0"/>
             <a:r>
-              <a:rPr lang="en-US" dirty="0"/>
+              <a:rPr lang="en-US"/>
               <a:t>Click to edit Master text styles</a:t>
             </a:r>
           </a:p>
           <a:p>
             <a:pPr lvl="1"/>
             <a:r>
-              <a:rPr lang="en-US" dirty="0"/>
+              <a:rPr lang="en-US"/>
               <a:t>Second level</a:t>
             </a:r>
           </a:p>
           <a:p>
             <a:pPr lvl="2"/>
             <a:r>
-              <a:rPr lang="en-US" dirty="0"/>
+              <a:rPr lang="en-US"/>
               <a:t>Third level</a:t>
             </a:r>
           </a:p>
           <a:p>
             <a:pPr lvl="3"/>
             <a:r>
-              <a:rPr lang="en-US" dirty="0"/>
+              <a:rPr lang="en-US"/>
               <a:t>Fourth level</a:t>
             </a:r>
           </a:p>
           <a:p>
             <a:pPr lvl="4"/>
             <a:r>
-              <a:rPr lang="en-US" dirty="0"/>
+              <a:rPr lang="en-US"/>
               <a:t>Fifth level</a:t>
             </a:r>
           </a:p>
@@ -2288,7 +5400,7 @@
           <a:lstStyle/>
           <a:p>
             <a:r>
-              <a:rPr lang="en-US" dirty="0"/>
+              <a:rPr lang="en-US"/>
               <a:t>Click to edit Master title style</a:t>
             </a:r>
           </a:p>
@@ -2458,7 +5570,6 @@
               <a:rPr lang="en-US"/>
               <a:t>Fifth level</a:t>
             </a:r>
-            <a:endParaRPr lang="en-US" dirty="0"/>
           </a:p>
         </p:txBody>
       </p:sp>
@@ -2532,7 +5643,7 @@
           <a:p>
             <a:pPr lvl="0"/>
             <a:r>
-              <a:rPr lang="en-US" dirty="0"/>
+              <a:rPr lang="en-US"/>
               <a:t>Click to edit Master text styles</a:t>
             </a:r>
           </a:p>
@@ -2787,7 +5898,6 @@
               <a:rPr lang="en-US"/>
               <a:t>Click to edit Master title style</a:t>
             </a:r>
-            <a:endParaRPr lang="en-US" dirty="0"/>
           </a:p>
         </p:txBody>
       </p:sp>
@@ -3055,7 +6165,6 @@
               <a:rPr lang="en-US"/>
               <a:t>Click to edit Master title style</a:t>
             </a:r>
-            <a:endParaRPr lang="en-US" dirty="0"/>
           </a:p>
         </p:txBody>
       </p:sp>
@@ -3377,7 +6486,6 @@
               <a:rPr lang="en-US"/>
               <a:t>Click to edit Master title style</a:t>
             </a:r>
-            <a:endParaRPr lang="en-US" dirty="0"/>
           </a:p>
         </p:txBody>
       </p:sp>
@@ -3681,7 +6789,6 @@
               <a:rPr lang="en-US"/>
               <a:t>Click to edit Master title style</a:t>
             </a:r>
-            <a:endParaRPr lang="en-US" dirty="0"/>
           </a:p>
         </p:txBody>
       </p:sp>
@@ -3749,7 +6856,6 @@
               <a:rPr lang="en-US"/>
               <a:t>Fifth level</a:t>
             </a:r>
-            <a:endParaRPr lang="en-US" dirty="0"/>
           </a:p>
         </p:txBody>
       </p:sp>
@@ -4605,7 +7711,7 @@
           <a:p>
             <a:pPr algn="ctr"/>
             <a:r>
-              <a:rPr lang="es-ES" sz="3200" dirty="0" err="1">
+              <a:rPr lang="es-ES" sz="3200" err="1">
                 <a:solidFill>
                   <a:srgbClr val="000000"/>
                 </a:solidFill>
@@ -4613,7 +7719,7 @@
               <a:t>Semantic</a:t>
             </a:r>
             <a:r>
-              <a:rPr lang="es-ES" sz="3200" dirty="0">
+              <a:rPr lang="es-ES" sz="3200">
                 <a:solidFill>
                   <a:srgbClr val="000000"/>
                 </a:solidFill>
@@ -4637,6 +7743,1416 @@
 </file>
 
 <file path=ppt/slides/slide10.xml><?xml version="1.0" encoding="utf-8"?>
+<p:sld xmlns:a="http://schemas.openxmlformats.org/drawingml/2006/main" xmlns:r="http://schemas.openxmlformats.org/officeDocument/2006/relationships" xmlns:p="http://schemas.openxmlformats.org/presentationml/2006/main">
+  <p:cSld>
+    <p:bg>
+      <p:bgPr>
+        <a:blipFill>
+          <a:blip r:embed="rId2"/>
+          <a:stretch>
+            <a:fillRect/>
+          </a:stretch>
+        </a:blipFill>
+        <a:effectLst/>
+      </p:bgPr>
+    </p:bg>
+    <p:spTree>
+      <p:nvGrpSpPr>
+        <p:cNvPr id="1" name=""/>
+        <p:cNvGrpSpPr/>
+        <p:nvPr/>
+      </p:nvGrpSpPr>
+      <p:grpSpPr>
+        <a:xfrm>
+          <a:off x="0" y="0"/>
+          <a:ext cx="0" cy="0"/>
+          <a:chOff x="0" y="0"/>
+          <a:chExt cx="0" cy="0"/>
+        </a:xfrm>
+      </p:grpSpPr>
+      <p:sp>
+        <p:nvSpPr>
+          <p:cNvPr id="2" name="Título 1">
+            <a:extLst>
+              <a:ext uri="{FF2B5EF4-FFF2-40B4-BE49-F238E27FC236}">
+                <a16:creationId xmlns:a16="http://schemas.microsoft.com/office/drawing/2014/main" id="{51FB63C7-07F2-50DE-EE27-9A9716283886}"/>
+              </a:ext>
+            </a:extLst>
+          </p:cNvPr>
+          <p:cNvSpPr>
+            <a:spLocks noGrp="1"/>
+          </p:cNvSpPr>
+          <p:nvPr>
+            <p:ph type="title"/>
+          </p:nvPr>
+        </p:nvSpPr>
+        <p:spPr>
+          <a:xfrm>
+            <a:off x="1008529" y="352633"/>
+            <a:ext cx="5860617" cy="726418"/>
+          </a:xfrm>
+        </p:spPr>
+        <p:txBody>
+          <a:bodyPr vert="horz" lIns="91440" tIns="45720" rIns="91440" bIns="45720" rtlCol="0" anchor="b">
+            <a:noAutofit/>
+          </a:bodyPr>
+          <a:lstStyle/>
+          <a:p>
+            <a:pPr lvl="1"/>
+            <a:endParaRPr lang="es-ES" sz="1100">
+              <a:solidFill>
+                <a:srgbClr val="444444"/>
+              </a:solidFill>
+              <a:latin typeface="Calibri"/>
+              <a:ea typeface="Calibri"/>
+              <a:cs typeface="Calibri"/>
+            </a:endParaRPr>
+          </a:p>
+          <a:p>
+            <a:r>
+              <a:rPr lang="es-ES" b="1" dirty="0">
+                <a:latin typeface="Avenir Next LT Pro Light"/>
+              </a:rPr>
+              <a:t>SHACL (VALIDADOR)</a:t>
+            </a:r>
+          </a:p>
+        </p:txBody>
+      </p:sp>
+      <p:pic>
+        <p:nvPicPr>
+          <p:cNvPr id="4" name="Marcador de contenido 3" descr="Interfaz de usuario gráfica, Texto, Aplicación&#10;&#10;Descripción generada automáticamente">
+            <a:extLst>
+              <a:ext uri="{FF2B5EF4-FFF2-40B4-BE49-F238E27FC236}">
+                <a16:creationId xmlns:a16="http://schemas.microsoft.com/office/drawing/2014/main" id="{5E3DBAE5-E8F8-DBC6-5D01-95967E1D82CD}"/>
+              </a:ext>
+            </a:extLst>
+          </p:cNvPr>
+          <p:cNvPicPr>
+            <a:picLocks noGrp="1" noChangeAspect="1"/>
+          </p:cNvPicPr>
+          <p:nvPr>
+            <p:ph idx="1"/>
+          </p:nvPr>
+        </p:nvPicPr>
+        <p:blipFill>
+          <a:blip r:embed="rId3"/>
+          <a:stretch>
+            <a:fillRect/>
+          </a:stretch>
+        </p:blipFill>
+        <p:spPr>
+          <a:xfrm>
+            <a:off x="858629" y="1162608"/>
+            <a:ext cx="10357666" cy="3517200"/>
+          </a:xfrm>
+        </p:spPr>
+      </p:pic>
+      <p:pic>
+        <p:nvPicPr>
+          <p:cNvPr id="5" name="Imagen 4" descr="Imagen que contiene Interfaz de usuario gráfica&#10;&#10;Descripción generada automáticamente">
+            <a:extLst>
+              <a:ext uri="{FF2B5EF4-FFF2-40B4-BE49-F238E27FC236}">
+                <a16:creationId xmlns:a16="http://schemas.microsoft.com/office/drawing/2014/main" id="{67C7B0DD-23FF-8071-6434-F2F4E1CC26BC}"/>
+              </a:ext>
+            </a:extLst>
+          </p:cNvPr>
+          <p:cNvPicPr>
+            <a:picLocks noChangeAspect="1"/>
+          </p:cNvPicPr>
+          <p:nvPr/>
+        </p:nvPicPr>
+        <p:blipFill>
+          <a:blip r:embed="rId4"/>
+          <a:stretch>
+            <a:fillRect/>
+          </a:stretch>
+        </p:blipFill>
+        <p:spPr>
+          <a:xfrm>
+            <a:off x="2588302" y="4941808"/>
+            <a:ext cx="6578183" cy="1658811"/>
+          </a:xfrm>
+          <a:prstGeom prst="rect">
+            <a:avLst/>
+          </a:prstGeom>
+        </p:spPr>
+      </p:pic>
+    </p:spTree>
+    <p:extLst>
+      <p:ext uri="{BB962C8B-B14F-4D97-AF65-F5344CB8AC3E}">
+        <p14:creationId xmlns:p14="http://schemas.microsoft.com/office/powerpoint/2010/main" val="1429658774"/>
+      </p:ext>
+    </p:extLst>
+  </p:cSld>
+  <p:clrMapOvr>
+    <a:masterClrMapping/>
+  </p:clrMapOvr>
+</p:sld>
+</file>
+
+<file path=ppt/slides/slide11.xml><?xml version="1.0" encoding="utf-8"?>
+<p:sld xmlns:a="http://schemas.openxmlformats.org/drawingml/2006/main" xmlns:r="http://schemas.openxmlformats.org/officeDocument/2006/relationships" xmlns:p="http://schemas.openxmlformats.org/presentationml/2006/main">
+  <p:cSld>
+    <p:bg>
+      <p:bgPr>
+        <a:solidFill>
+          <a:schemeClr val="bg1"/>
+        </a:solidFill>
+        <a:effectLst/>
+      </p:bgPr>
+    </p:bg>
+    <p:spTree>
+      <p:nvGrpSpPr>
+        <p:cNvPr id="1" name=""/>
+        <p:cNvGrpSpPr/>
+        <p:nvPr/>
+      </p:nvGrpSpPr>
+      <p:grpSpPr>
+        <a:xfrm>
+          <a:off x="0" y="0"/>
+          <a:ext cx="0" cy="0"/>
+          <a:chOff x="0" y="0"/>
+          <a:chExt cx="0" cy="0"/>
+        </a:xfrm>
+      </p:grpSpPr>
+      <p:grpSp>
+        <p:nvGrpSpPr>
+          <p:cNvPr id="11" name="Group 10">
+            <a:extLst>
+              <a:ext uri="{FF2B5EF4-FFF2-40B4-BE49-F238E27FC236}">
+                <a16:creationId xmlns:a16="http://schemas.microsoft.com/office/drawing/2014/main" id="{F0C817C9-850F-4FB6-B93B-CF3076C4A5C1}"/>
+              </a:ext>
+              <a:ext uri="{C183D7F6-B498-43B3-948B-1728B52AA6E4}">
+                <adec:decorative xmlns:adec="http://schemas.microsoft.com/office/drawing/2017/decorative" val="1"/>
+              </a:ext>
+            </a:extLst>
+          </p:cNvPr>
+          <p:cNvGrpSpPr>
+            <a:grpSpLocks noGrp="1" noUngrp="1" noRot="1" noChangeAspect="1" noMove="1" noResize="1"/>
+          </p:cNvGrpSpPr>
+          <p:nvPr>
+            <p:extLst>
+              <p:ext uri="{386F3935-93C4-4BCD-93E2-E3B085C9AB24}">
+                <p16:designElem xmlns:p16="http://schemas.microsoft.com/office/powerpoint/2015/main" val="1"/>
+              </p:ext>
+            </p:extLst>
+          </p:nvPr>
+        </p:nvGrpSpPr>
+        <p:grpSpPr>
+          <a:xfrm flipH="1">
+            <a:off x="0" y="0"/>
+            <a:ext cx="567782" cy="3306479"/>
+            <a:chOff x="11619770" y="-2005"/>
+            <a:chExt cx="567782" cy="3306479"/>
+          </a:xfrm>
+        </p:grpSpPr>
+        <p:sp>
+          <p:nvSpPr>
+            <p:cNvPr id="12" name="Freeform: Shape 11">
+              <a:extLst>
+                <a:ext uri="{FF2B5EF4-FFF2-40B4-BE49-F238E27FC236}">
+                  <a16:creationId xmlns:a16="http://schemas.microsoft.com/office/drawing/2014/main" id="{159433A8-B67D-4675-AFDE-131069A709FC}"/>
+                </a:ext>
+                <a:ext uri="{C183D7F6-B498-43B3-948B-1728B52AA6E4}">
+                  <adec:decorative xmlns:adec="http://schemas.microsoft.com/office/drawing/2017/decorative" val="1"/>
+                </a:ext>
+              </a:extLst>
+            </p:cNvPr>
+            <p:cNvSpPr/>
+            <p:nvPr>
+              <p:extLst>
+                <p:ext uri="{386F3935-93C4-4BCD-93E2-E3B085C9AB24}">
+                  <p16:designElem xmlns:p16="http://schemas.microsoft.com/office/powerpoint/2015/main" val="1"/>
+                </p:ext>
+              </p:extLst>
+            </p:nvPr>
+          </p:nvSpPr>
+          <p:spPr>
+            <a:xfrm flipV="1">
+              <a:off x="11619770" y="373807"/>
+              <a:ext cx="526228" cy="2930667"/>
+            </a:xfrm>
+            <a:custGeom>
+              <a:avLst/>
+              <a:gdLst>
+                <a:gd name="connsiteX0" fmla="*/ 757287 w 757287"/>
+                <a:gd name="connsiteY0" fmla="*/ 3694096 h 3694096"/>
+                <a:gd name="connsiteX1" fmla="*/ 757287 w 757287"/>
+                <a:gd name="connsiteY1" fmla="*/ 0 h 3694096"/>
+                <a:gd name="connsiteX2" fmla="*/ 0 w 757287"/>
+                <a:gd name="connsiteY2" fmla="*/ 0 h 3694096"/>
+                <a:gd name="connsiteX3" fmla="*/ 0 w 757287"/>
+                <a:gd name="connsiteY3" fmla="*/ 3686094 h 3694096"/>
+              </a:gdLst>
+              <a:ahLst/>
+              <a:cxnLst>
+                <a:cxn ang="0">
+                  <a:pos x="connsiteX0" y="connsiteY0"/>
+                </a:cxn>
+                <a:cxn ang="0">
+                  <a:pos x="connsiteX1" y="connsiteY1"/>
+                </a:cxn>
+                <a:cxn ang="0">
+                  <a:pos x="connsiteX2" y="connsiteY2"/>
+                </a:cxn>
+                <a:cxn ang="0">
+                  <a:pos x="connsiteX3" y="connsiteY3"/>
+                </a:cxn>
+              </a:cxnLst>
+              <a:rect l="l" t="t" r="r" b="b"/>
+              <a:pathLst>
+                <a:path w="757287" h="3694096">
+                  <a:moveTo>
+                    <a:pt x="757287" y="3694096"/>
+                  </a:moveTo>
+                  <a:lnTo>
+                    <a:pt x="757287" y="0"/>
+                  </a:lnTo>
+                  <a:lnTo>
+                    <a:pt x="0" y="0"/>
+                  </a:lnTo>
+                  <a:lnTo>
+                    <a:pt x="0" y="3686094"/>
+                  </a:lnTo>
+                  <a:close/>
+                </a:path>
+              </a:pathLst>
+            </a:custGeom>
+            <a:blipFill dpi="0" rotWithShape="1">
+              <a:blip r:embed="rId2">
+                <a:extLst>
+                  <a:ext uri="{96DAC541-7B7A-43D3-8B79-37D633B846F1}">
+                    <asvg:svgBlip xmlns:asvg="http://schemas.microsoft.com/office/drawing/2016/SVG/main" r:embed="rId3"/>
+                  </a:ext>
+                </a:extLst>
+              </a:blip>
+              <a:srcRect/>
+              <a:tile tx="0" ty="0" sx="6000" sy="6000" flip="none" algn="tl"/>
+            </a:blipFill>
+            <a:ln>
+              <a:noFill/>
+            </a:ln>
+          </p:spPr>
+          <p:style>
+            <a:lnRef idx="2">
+              <a:schemeClr val="accent1">
+                <a:shade val="50000"/>
+              </a:schemeClr>
+            </a:lnRef>
+            <a:fillRef idx="1">
+              <a:schemeClr val="accent1"/>
+            </a:fillRef>
+            <a:effectRef idx="0">
+              <a:schemeClr val="accent1"/>
+            </a:effectRef>
+            <a:fontRef idx="minor">
+              <a:schemeClr val="lt1"/>
+            </a:fontRef>
+          </p:style>
+          <p:txBody>
+            <a:bodyPr wrap="square" rtlCol="0" anchor="ctr">
+              <a:noAutofit/>
+            </a:bodyPr>
+            <a:lstStyle/>
+            <a:p>
+              <a:pPr algn="ctr"/>
+              <a:endParaRPr lang="en-US"/>
+            </a:p>
+          </p:txBody>
+        </p:sp>
+        <p:sp>
+          <p:nvSpPr>
+            <p:cNvPr id="13" name="Rectangle 12">
+              <a:extLst>
+                <a:ext uri="{FF2B5EF4-FFF2-40B4-BE49-F238E27FC236}">
+                  <a16:creationId xmlns:a16="http://schemas.microsoft.com/office/drawing/2014/main" id="{E1CD1C45-6A4D-4237-B39C-2D58F401A8C5}"/>
+                </a:ext>
+                <a:ext uri="{C183D7F6-B498-43B3-948B-1728B52AA6E4}">
+                  <adec:decorative xmlns:adec="http://schemas.microsoft.com/office/drawing/2017/decorative" val="1"/>
+                </a:ext>
+              </a:extLst>
+            </p:cNvPr>
+            <p:cNvSpPr/>
+            <p:nvPr>
+              <p:extLst>
+                <p:ext uri="{386F3935-93C4-4BCD-93E2-E3B085C9AB24}">
+                  <p16:designElem xmlns:p16="http://schemas.microsoft.com/office/powerpoint/2015/main" val="1"/>
+                </p:ext>
+              </p:extLst>
+            </p:nvPr>
+          </p:nvSpPr>
+          <p:spPr>
+            <a:xfrm flipH="1" flipV="1">
+              <a:off x="11980943" y="-2005"/>
+              <a:ext cx="206609" cy="2021305"/>
+            </a:xfrm>
+            <a:prstGeom prst="rect">
+              <a:avLst/>
+            </a:prstGeom>
+            <a:solidFill>
+              <a:schemeClr val="accent2"/>
+            </a:solidFill>
+            <a:ln>
+              <a:noFill/>
+            </a:ln>
+          </p:spPr>
+          <p:style>
+            <a:lnRef idx="2">
+              <a:schemeClr val="accent1">
+                <a:shade val="50000"/>
+              </a:schemeClr>
+            </a:lnRef>
+            <a:fillRef idx="1">
+              <a:schemeClr val="accent1"/>
+            </a:fillRef>
+            <a:effectRef idx="0">
+              <a:schemeClr val="accent1"/>
+            </a:effectRef>
+            <a:fontRef idx="minor">
+              <a:schemeClr val="lt1"/>
+            </a:fontRef>
+          </p:style>
+          <p:txBody>
+            <a:bodyPr rtlCol="0" anchor="ctr"/>
+            <a:lstStyle/>
+            <a:p>
+              <a:pPr algn="ctr"/>
+              <a:endParaRPr lang="en-US"/>
+            </a:p>
+          </p:txBody>
+        </p:sp>
+      </p:grpSp>
+      <p:sp useBgFill="1">
+        <p:nvSpPr>
+          <p:cNvPr id="15" name="Rectangle 14">
+            <a:extLst>
+              <a:ext uri="{FF2B5EF4-FFF2-40B4-BE49-F238E27FC236}">
+                <a16:creationId xmlns:a16="http://schemas.microsoft.com/office/drawing/2014/main" id="{A9727012-97DE-47A6-9F25-DBDC9FEE5697}"/>
+              </a:ext>
+              <a:ext uri="{C183D7F6-B498-43B3-948B-1728B52AA6E4}">
+                <adec:decorative xmlns:adec="http://schemas.microsoft.com/office/drawing/2017/decorative" val="1"/>
+              </a:ext>
+            </a:extLst>
+          </p:cNvPr>
+          <p:cNvSpPr>
+            <a:spLocks noGrp="1" noRot="1" noChangeAspect="1" noMove="1" noResize="1" noEditPoints="1" noAdjustHandles="1" noChangeArrowheads="1" noChangeShapeType="1" noTextEdit="1"/>
+          </p:cNvSpPr>
+          <p:nvPr>
+            <p:extLst>
+              <p:ext uri="{386F3935-93C4-4BCD-93E2-E3B085C9AB24}">
+                <p16:designElem xmlns:p16="http://schemas.microsoft.com/office/powerpoint/2015/main" val="1"/>
+              </p:ext>
+            </p:extLst>
+          </p:nvPr>
+        </p:nvSpPr>
+        <p:spPr>
+          <a:xfrm>
+            <a:off x="0" y="1666"/>
+            <a:ext cx="12192000" cy="6858000"/>
+          </a:xfrm>
+          <a:prstGeom prst="rect">
+            <a:avLst/>
+          </a:prstGeom>
+          <a:ln w="12700" cap="flat" cmpd="sng" algn="ctr">
+            <a:noFill/>
+            <a:prstDash val="solid"/>
+            <a:miter lim="800000"/>
+          </a:ln>
+          <a:effectLst/>
+          <a:extLst>
+            <a:ext uri="{91240B29-F687-4F45-9708-019B960494DF}">
+              <a14:hiddenLine xmlns:a14="http://schemas.microsoft.com/office/drawing/2010/main" w="12700" cap="flat" cmpd="sng" algn="ctr">
+                <a:solidFill>
+                  <a:schemeClr val="accent1">
+                    <a:shade val="50000"/>
+                  </a:schemeClr>
+                </a:solidFill>
+                <a:prstDash val="solid"/>
+                <a:miter lim="800000"/>
+              </a14:hiddenLine>
+            </a:ext>
+          </a:extLst>
+        </p:spPr>
+        <p:style>
+          <a:lnRef idx="2">
+            <a:schemeClr val="accent1">
+              <a:shade val="50000"/>
+            </a:schemeClr>
+          </a:lnRef>
+          <a:fillRef idx="1">
+            <a:schemeClr val="accent1"/>
+          </a:fillRef>
+          <a:effectRef idx="0">
+            <a:schemeClr val="accent1"/>
+          </a:effectRef>
+          <a:fontRef idx="minor">
+            <a:schemeClr val="lt1"/>
+          </a:fontRef>
+        </p:style>
+        <p:txBody>
+          <a:bodyPr rtlCol="0" anchor="ctr"/>
+          <a:lstStyle/>
+          <a:p>
+            <a:pPr algn="ctr"/>
+            <a:endParaRPr lang="en-US"/>
+          </a:p>
+        </p:txBody>
+      </p:sp>
+      <p:sp>
+        <p:nvSpPr>
+          <p:cNvPr id="2" name="Título 1">
+            <a:extLst>
+              <a:ext uri="{FF2B5EF4-FFF2-40B4-BE49-F238E27FC236}">
+                <a16:creationId xmlns:a16="http://schemas.microsoft.com/office/drawing/2014/main" id="{9A4B6916-A626-14C6-73E5-6A3D33A84181}"/>
+              </a:ext>
+            </a:extLst>
+          </p:cNvPr>
+          <p:cNvSpPr>
+            <a:spLocks noGrp="1"/>
+          </p:cNvSpPr>
+          <p:nvPr>
+            <p:ph type="title"/>
+          </p:nvPr>
+        </p:nvSpPr>
+        <p:spPr>
+          <a:xfrm>
+            <a:off x="803745" y="1454447"/>
+            <a:ext cx="4568096" cy="861534"/>
+          </a:xfrm>
+        </p:spPr>
+        <p:txBody>
+          <a:bodyPr vert="horz" lIns="91440" tIns="45720" rIns="91440" bIns="45720" rtlCol="0" anchor="t">
+            <a:normAutofit/>
+          </a:bodyPr>
+          <a:lstStyle/>
+          <a:p>
+            <a:pPr>
+              <a:lnSpc>
+                <a:spcPct val="130000"/>
+              </a:lnSpc>
+            </a:pPr>
+            <a:r>
+              <a:rPr lang="en-US" sz="3300" b="1" spc="1300" dirty="0"/>
+              <a:t>APLICACIÓN</a:t>
+            </a:r>
+          </a:p>
+        </p:txBody>
+      </p:sp>
+      <p:sp>
+        <p:nvSpPr>
+          <p:cNvPr id="17" name="Oval 16">
+            <a:extLst>
+              <a:ext uri="{FF2B5EF4-FFF2-40B4-BE49-F238E27FC236}">
+                <a16:creationId xmlns:a16="http://schemas.microsoft.com/office/drawing/2014/main" id="{FC95C3AC-DDDC-43FF-A70E-C2341DFC4FDA}"/>
+              </a:ext>
+              <a:ext uri="{C183D7F6-B498-43B3-948B-1728B52AA6E4}">
+                <adec:decorative xmlns:adec="http://schemas.microsoft.com/office/drawing/2017/decorative" val="1"/>
+              </a:ext>
+            </a:extLst>
+          </p:cNvPr>
+          <p:cNvSpPr>
+            <a:spLocks noGrp="1" noRot="1" noChangeAspect="1" noMove="1" noResize="1" noEditPoints="1" noAdjustHandles="1" noChangeArrowheads="1" noChangeShapeType="1" noTextEdit="1"/>
+          </p:cNvSpPr>
+          <p:nvPr>
+            <p:extLst>
+              <p:ext uri="{386F3935-93C4-4BCD-93E2-E3B085C9AB24}">
+                <p16:designElem xmlns:p16="http://schemas.microsoft.com/office/powerpoint/2015/main" val="1"/>
+              </p:ext>
+            </p:extLst>
+          </p:nvPr>
+        </p:nvSpPr>
+        <p:spPr>
+          <a:xfrm flipH="1">
+            <a:off x="6121320" y="2431128"/>
+            <a:ext cx="4146061" cy="4146061"/>
+          </a:xfrm>
+          <a:prstGeom prst="ellipse">
+            <a:avLst/>
+          </a:prstGeom>
+          <a:solidFill>
+            <a:schemeClr val="accent1">
+              <a:lumMod val="20000"/>
+              <a:lumOff val="80000"/>
+            </a:schemeClr>
+          </a:solidFill>
+          <a:ln>
+            <a:noFill/>
+          </a:ln>
+        </p:spPr>
+        <p:style>
+          <a:lnRef idx="2">
+            <a:schemeClr val="accent1">
+              <a:shade val="50000"/>
+            </a:schemeClr>
+          </a:lnRef>
+          <a:fillRef idx="1">
+            <a:schemeClr val="accent1"/>
+          </a:fillRef>
+          <a:effectRef idx="0">
+            <a:schemeClr val="accent1"/>
+          </a:effectRef>
+          <a:fontRef idx="minor">
+            <a:schemeClr val="lt1"/>
+          </a:fontRef>
+        </p:style>
+        <p:txBody>
+          <a:bodyPr rtlCol="0" anchor="ctr"/>
+          <a:lstStyle/>
+          <a:p>
+            <a:pPr algn="ctr"/>
+            <a:endParaRPr lang="en-US"/>
+          </a:p>
+        </p:txBody>
+      </p:sp>
+      <p:sp>
+        <p:nvSpPr>
+          <p:cNvPr id="19" name="Freeform: Shape 18">
+            <a:extLst>
+              <a:ext uri="{FF2B5EF4-FFF2-40B4-BE49-F238E27FC236}">
+                <a16:creationId xmlns:a16="http://schemas.microsoft.com/office/drawing/2014/main" id="{F02CFA7F-757C-4442-BB64-15BD3264AEB2}"/>
+              </a:ext>
+              <a:ext uri="{C183D7F6-B498-43B3-948B-1728B52AA6E4}">
+                <adec:decorative xmlns:adec="http://schemas.microsoft.com/office/drawing/2017/decorative" val="1"/>
+              </a:ext>
+            </a:extLst>
+          </p:cNvPr>
+          <p:cNvSpPr>
+            <a:spLocks noGrp="1" noRot="1" noChangeAspect="1" noMove="1" noResize="1" noEditPoints="1" noAdjustHandles="1" noChangeArrowheads="1" noChangeShapeType="1" noTextEdit="1"/>
+          </p:cNvSpPr>
+          <p:nvPr>
+            <p:extLst>
+              <p:ext uri="{386F3935-93C4-4BCD-93E2-E3B085C9AB24}">
+                <p16:designElem xmlns:p16="http://schemas.microsoft.com/office/powerpoint/2015/main" val="1"/>
+              </p:ext>
+            </p:extLst>
+          </p:nvPr>
+        </p:nvSpPr>
+        <p:spPr>
+          <a:xfrm rot="16200000" flipH="1" flipV="1">
+            <a:off x="7960177" y="98175"/>
+            <a:ext cx="4279081" cy="4146061"/>
+          </a:xfrm>
+          <a:custGeom>
+            <a:avLst/>
+            <a:gdLst>
+              <a:gd name="connsiteX0" fmla="*/ 757287 w 757287"/>
+              <a:gd name="connsiteY0" fmla="*/ 3694096 h 3694096"/>
+              <a:gd name="connsiteX1" fmla="*/ 757287 w 757287"/>
+              <a:gd name="connsiteY1" fmla="*/ 0 h 3694096"/>
+              <a:gd name="connsiteX2" fmla="*/ 0 w 757287"/>
+              <a:gd name="connsiteY2" fmla="*/ 0 h 3694096"/>
+              <a:gd name="connsiteX3" fmla="*/ 0 w 757287"/>
+              <a:gd name="connsiteY3" fmla="*/ 3686094 h 3694096"/>
+            </a:gdLst>
+            <a:ahLst/>
+            <a:cxnLst>
+              <a:cxn ang="0">
+                <a:pos x="connsiteX0" y="connsiteY0"/>
+              </a:cxn>
+              <a:cxn ang="0">
+                <a:pos x="connsiteX1" y="connsiteY1"/>
+              </a:cxn>
+              <a:cxn ang="0">
+                <a:pos x="connsiteX2" y="connsiteY2"/>
+              </a:cxn>
+              <a:cxn ang="0">
+                <a:pos x="connsiteX3" y="connsiteY3"/>
+              </a:cxn>
+            </a:cxnLst>
+            <a:rect l="l" t="t" r="r" b="b"/>
+            <a:pathLst>
+              <a:path w="757287" h="3694096">
+                <a:moveTo>
+                  <a:pt x="757287" y="3694096"/>
+                </a:moveTo>
+                <a:lnTo>
+                  <a:pt x="757287" y="0"/>
+                </a:lnTo>
+                <a:lnTo>
+                  <a:pt x="0" y="0"/>
+                </a:lnTo>
+                <a:lnTo>
+                  <a:pt x="0" y="3686094"/>
+                </a:lnTo>
+                <a:close/>
+              </a:path>
+            </a:pathLst>
+          </a:custGeom>
+          <a:blipFill dpi="0" rotWithShape="1">
+            <a:blip r:embed="rId2">
+              <a:extLst>
+                <a:ext uri="{96DAC541-7B7A-43D3-8B79-37D633B846F1}">
+                  <asvg:svgBlip xmlns:asvg="http://schemas.microsoft.com/office/drawing/2016/SVG/main" r:embed="rId3"/>
+                </a:ext>
+              </a:extLst>
+            </a:blip>
+            <a:srcRect/>
+            <a:tile tx="0" ty="0" sx="6000" sy="6000" flip="none" algn="tl"/>
+          </a:blipFill>
+          <a:ln>
+            <a:noFill/>
+          </a:ln>
+        </p:spPr>
+        <p:style>
+          <a:lnRef idx="2">
+            <a:schemeClr val="accent1">
+              <a:shade val="50000"/>
+            </a:schemeClr>
+          </a:lnRef>
+          <a:fillRef idx="1">
+            <a:schemeClr val="accent1"/>
+          </a:fillRef>
+          <a:effectRef idx="0">
+            <a:schemeClr val="accent1"/>
+          </a:effectRef>
+          <a:fontRef idx="minor">
+            <a:schemeClr val="lt1"/>
+          </a:fontRef>
+        </p:style>
+        <p:txBody>
+          <a:bodyPr wrap="square" rtlCol="0" anchor="ctr">
+            <a:noAutofit/>
+          </a:bodyPr>
+          <a:lstStyle/>
+          <a:p>
+            <a:pPr algn="ctr"/>
+            <a:endParaRPr lang="en-US"/>
+          </a:p>
+        </p:txBody>
+      </p:sp>
+      <p:pic>
+        <p:nvPicPr>
+          <p:cNvPr id="4" name="Marcador de contenido 3" descr="Flask&quot; Icon - Download for free – Iconduck">
+            <a:extLst>
+              <a:ext uri="{FF2B5EF4-FFF2-40B4-BE49-F238E27FC236}">
+                <a16:creationId xmlns:a16="http://schemas.microsoft.com/office/drawing/2014/main" id="{A3E05A07-3714-C794-47BE-B9A38B6A1A37}"/>
+              </a:ext>
+            </a:extLst>
+          </p:cNvPr>
+          <p:cNvPicPr>
+            <a:picLocks noGrp="1" noChangeAspect="1"/>
+          </p:cNvPicPr>
+          <p:nvPr>
+            <p:ph idx="1"/>
+          </p:nvPr>
+        </p:nvPicPr>
+        <p:blipFill>
+          <a:blip r:embed="rId4"/>
+          <a:stretch>
+            <a:fillRect/>
+          </a:stretch>
+        </p:blipFill>
+        <p:spPr>
+          <a:xfrm>
+            <a:off x="7067686" y="738292"/>
+            <a:ext cx="1923303" cy="2471095"/>
+          </a:xfrm>
+          <a:prstGeom prst="rect">
+            <a:avLst/>
+          </a:prstGeom>
+          <a:effectLst/>
+        </p:spPr>
+      </p:pic>
+      <p:pic>
+        <p:nvPicPr>
+          <p:cNvPr id="6" name="Imagen 5" descr="Logos for RDF Formats (RDF/XML, Turtle, RDFa, SPARQL, R2RML, SHACL)">
+            <a:extLst>
+              <a:ext uri="{FF2B5EF4-FFF2-40B4-BE49-F238E27FC236}">
+                <a16:creationId xmlns:a16="http://schemas.microsoft.com/office/drawing/2014/main" id="{97365072-3FD0-F413-FC93-78765DBDE63F}"/>
+              </a:ext>
+            </a:extLst>
+          </p:cNvPr>
+          <p:cNvPicPr>
+            <a:picLocks noChangeAspect="1"/>
+          </p:cNvPicPr>
+          <p:nvPr/>
+        </p:nvPicPr>
+        <p:blipFill>
+          <a:blip r:embed="rId5"/>
+          <a:stretch>
+            <a:fillRect/>
+          </a:stretch>
+        </p:blipFill>
+        <p:spPr>
+          <a:xfrm>
+            <a:off x="6676669" y="3617392"/>
+            <a:ext cx="2314319" cy="2314319"/>
+          </a:xfrm>
+          <a:prstGeom prst="rect">
+            <a:avLst/>
+          </a:prstGeom>
+          <a:effectLst/>
+        </p:spPr>
+      </p:pic>
+      <p:pic>
+        <p:nvPicPr>
+          <p:cNvPr id="5" name="Imagen 4" descr="Home | rdflib.github.io">
+            <a:extLst>
+              <a:ext uri="{FF2B5EF4-FFF2-40B4-BE49-F238E27FC236}">
+                <a16:creationId xmlns:a16="http://schemas.microsoft.com/office/drawing/2014/main" id="{DC4BF7B8-867B-7D9E-89E7-21A1A8AA1808}"/>
+              </a:ext>
+            </a:extLst>
+          </p:cNvPr>
+          <p:cNvPicPr>
+            <a:picLocks noChangeAspect="1"/>
+          </p:cNvPicPr>
+          <p:nvPr/>
+        </p:nvPicPr>
+        <p:blipFill>
+          <a:blip r:embed="rId6"/>
+          <a:stretch>
+            <a:fillRect/>
+          </a:stretch>
+        </p:blipFill>
+        <p:spPr>
+          <a:xfrm>
+            <a:off x="9303080" y="2466763"/>
+            <a:ext cx="2314319" cy="2314319"/>
+          </a:xfrm>
+          <a:custGeom>
+            <a:avLst/>
+            <a:gdLst/>
+            <a:ahLst/>
+            <a:cxnLst/>
+            <a:rect l="l" t="t" r="r" b="b"/>
+            <a:pathLst>
+              <a:path w="2518883" h="2860724">
+                <a:moveTo>
+                  <a:pt x="0" y="0"/>
+                </a:moveTo>
+                <a:lnTo>
+                  <a:pt x="2518883" y="0"/>
+                </a:lnTo>
+                <a:lnTo>
+                  <a:pt x="2518883" y="2860724"/>
+                </a:lnTo>
+                <a:lnTo>
+                  <a:pt x="0" y="2860724"/>
+                </a:lnTo>
+                <a:close/>
+              </a:path>
+            </a:pathLst>
+          </a:custGeom>
+          <a:effectLst/>
+        </p:spPr>
+      </p:pic>
+    </p:spTree>
+    <p:extLst>
+      <p:ext uri="{BB962C8B-B14F-4D97-AF65-F5344CB8AC3E}">
+        <p14:creationId xmlns:p14="http://schemas.microsoft.com/office/powerpoint/2010/main" val="231520808"/>
+      </p:ext>
+    </p:extLst>
+  </p:cSld>
+  <p:clrMapOvr>
+    <a:masterClrMapping/>
+  </p:clrMapOvr>
+</p:sld>
+</file>
+
+<file path=ppt/slides/slide12.xml><?xml version="1.0" encoding="utf-8"?>
+<p:sld xmlns:a="http://schemas.openxmlformats.org/drawingml/2006/main" xmlns:r="http://schemas.openxmlformats.org/officeDocument/2006/relationships" xmlns:p="http://schemas.openxmlformats.org/presentationml/2006/main">
+  <p:cSld>
+    <p:bg>
+      <p:bgPr>
+        <a:solidFill>
+          <a:schemeClr val="bg1"/>
+        </a:solidFill>
+        <a:effectLst/>
+      </p:bgPr>
+    </p:bg>
+    <p:spTree>
+      <p:nvGrpSpPr>
+        <p:cNvPr id="1" name=""/>
+        <p:cNvGrpSpPr/>
+        <p:nvPr/>
+      </p:nvGrpSpPr>
+      <p:grpSpPr>
+        <a:xfrm>
+          <a:off x="0" y="0"/>
+          <a:ext cx="0" cy="0"/>
+          <a:chOff x="0" y="0"/>
+          <a:chExt cx="0" cy="0"/>
+        </a:xfrm>
+      </p:grpSpPr>
+      <p:sp useBgFill="1">
+        <p:nvSpPr>
+          <p:cNvPr id="7" name="Rectangle 6">
+            <a:extLst>
+              <a:ext uri="{FF2B5EF4-FFF2-40B4-BE49-F238E27FC236}">
+                <a16:creationId xmlns:a16="http://schemas.microsoft.com/office/drawing/2014/main" id="{ECC11440-8FCC-46C6-A3E0-D0649600F55F}"/>
+              </a:ext>
+              <a:ext uri="{C183D7F6-B498-43B3-948B-1728B52AA6E4}">
+                <adec:decorative xmlns:adec="http://schemas.microsoft.com/office/drawing/2017/decorative" val="1"/>
+              </a:ext>
+            </a:extLst>
+          </p:cNvPr>
+          <p:cNvSpPr>
+            <a:spLocks noGrp="1" noRot="1" noChangeAspect="1" noMove="1" noResize="1" noEditPoints="1" noAdjustHandles="1" noChangeArrowheads="1" noChangeShapeType="1" noTextEdit="1"/>
+          </p:cNvSpPr>
+          <p:nvPr>
+            <p:extLst>
+              <p:ext uri="{386F3935-93C4-4BCD-93E2-E3B085C9AB24}">
+                <p16:designElem xmlns:p16="http://schemas.microsoft.com/office/powerpoint/2015/main" val="1"/>
+              </p:ext>
+            </p:extLst>
+          </p:nvPr>
+        </p:nvSpPr>
+        <p:spPr>
+          <a:xfrm>
+            <a:off x="0" y="0"/>
+            <a:ext cx="12192000" cy="6858000"/>
+          </a:xfrm>
+          <a:prstGeom prst="rect">
+            <a:avLst/>
+          </a:prstGeom>
+          <a:ln w="12700" cap="flat" cmpd="sng" algn="ctr">
+            <a:noFill/>
+            <a:prstDash val="solid"/>
+            <a:miter lim="800000"/>
+          </a:ln>
+          <a:effectLst/>
+          <a:extLst>
+            <a:ext uri="{91240B29-F687-4F45-9708-019B960494DF}">
+              <a14:hiddenLine xmlns:a14="http://schemas.microsoft.com/office/drawing/2010/main" w="12700" cap="flat" cmpd="sng" algn="ctr">
+                <a:solidFill>
+                  <a:schemeClr val="accent1">
+                    <a:shade val="50000"/>
+                  </a:schemeClr>
+                </a:solidFill>
+                <a:prstDash val="solid"/>
+                <a:miter lim="800000"/>
+              </a14:hiddenLine>
+            </a:ext>
+          </a:extLst>
+        </p:spPr>
+        <p:style>
+          <a:lnRef idx="2">
+            <a:schemeClr val="accent1">
+              <a:shade val="50000"/>
+            </a:schemeClr>
+          </a:lnRef>
+          <a:fillRef idx="1">
+            <a:schemeClr val="accent1"/>
+          </a:fillRef>
+          <a:effectRef idx="0">
+            <a:schemeClr val="accent1"/>
+          </a:effectRef>
+          <a:fontRef idx="minor">
+            <a:schemeClr val="lt1"/>
+          </a:fontRef>
+        </p:style>
+        <p:txBody>
+          <a:bodyPr rtlCol="0" anchor="ctr"/>
+          <a:lstStyle/>
+          <a:p>
+            <a:pPr algn="ctr"/>
+            <a:endParaRPr lang="en-US"/>
+          </a:p>
+        </p:txBody>
+      </p:sp>
+      <p:pic>
+        <p:nvPicPr>
+          <p:cNvPr id="2" name="Imagen 1" descr="Interfaz de usuario gráfica, Texto, Aplicación, Correo electrónico&#10;&#10;Descripción generada automáticamente">
+            <a:extLst>
+              <a:ext uri="{FF2B5EF4-FFF2-40B4-BE49-F238E27FC236}">
+                <a16:creationId xmlns:a16="http://schemas.microsoft.com/office/drawing/2014/main" id="{F0646DE3-1FB0-4CC6-BAEB-1D6C158C3DC0}"/>
+              </a:ext>
+            </a:extLst>
+          </p:cNvPr>
+          <p:cNvPicPr>
+            <a:picLocks noChangeAspect="1"/>
+          </p:cNvPicPr>
+          <p:nvPr/>
+        </p:nvPicPr>
+        <p:blipFill rotWithShape="1">
+          <a:blip r:embed="rId2"/>
+          <a:srcRect r="19111" b="-1"/>
+          <a:stretch/>
+        </p:blipFill>
+        <p:spPr>
+          <a:xfrm>
+            <a:off x="20" y="10"/>
+            <a:ext cx="12191980" cy="6857990"/>
+          </a:xfrm>
+          <a:prstGeom prst="rect">
+            <a:avLst/>
+          </a:prstGeom>
+        </p:spPr>
+      </p:pic>
+    </p:spTree>
+    <p:extLst>
+      <p:ext uri="{BB962C8B-B14F-4D97-AF65-F5344CB8AC3E}">
+        <p14:creationId xmlns:p14="http://schemas.microsoft.com/office/powerpoint/2010/main" val="2922464807"/>
+      </p:ext>
+    </p:extLst>
+  </p:cSld>
+  <p:clrMapOvr>
+    <a:masterClrMapping/>
+  </p:clrMapOvr>
+</p:sld>
+</file>
+
+<file path=ppt/slides/slide13.xml><?xml version="1.0" encoding="utf-8"?>
+<p:sld xmlns:a="http://schemas.openxmlformats.org/drawingml/2006/main" xmlns:r="http://schemas.openxmlformats.org/officeDocument/2006/relationships" xmlns:p="http://schemas.openxmlformats.org/presentationml/2006/main">
+  <p:cSld>
+    <p:spTree>
+      <p:nvGrpSpPr>
+        <p:cNvPr id="1" name=""/>
+        <p:cNvGrpSpPr/>
+        <p:nvPr/>
+      </p:nvGrpSpPr>
+      <p:grpSpPr>
+        <a:xfrm>
+          <a:off x="0" y="0"/>
+          <a:ext cx="0" cy="0"/>
+          <a:chOff x="0" y="0"/>
+          <a:chExt cx="0" cy="0"/>
+        </a:xfrm>
+      </p:grpSpPr>
+      <p:pic>
+        <p:nvPicPr>
+          <p:cNvPr id="4" name="Picture 3">
+            <a:extLst>
+              <a:ext uri="{FF2B5EF4-FFF2-40B4-BE49-F238E27FC236}">
+                <a16:creationId xmlns:a16="http://schemas.microsoft.com/office/drawing/2014/main" id="{877CB36C-9EE4-ABDA-6FE5-F4A883023766}"/>
+              </a:ext>
+            </a:extLst>
+          </p:cNvPr>
+          <p:cNvPicPr>
+            <a:picLocks noChangeAspect="1"/>
+          </p:cNvPicPr>
+          <p:nvPr/>
+        </p:nvPicPr>
+        <p:blipFill rotWithShape="1">
+          <a:blip r:embed="rId2">
+            <a:alphaModFix amt="50000"/>
+          </a:blip>
+          <a:srcRect t="25000"/>
+          <a:stretch/>
+        </p:blipFill>
+        <p:spPr>
+          <a:xfrm>
+            <a:off x="20" y="0"/>
+            <a:ext cx="12191980" cy="6857990"/>
+          </a:xfrm>
+          <a:prstGeom prst="rect">
+            <a:avLst/>
+          </a:prstGeom>
+          <a:noFill/>
+        </p:spPr>
+      </p:pic>
+      <p:pic>
+        <p:nvPicPr>
+          <p:cNvPr id="2" name="Imagen 1" descr="Interfaz de usuario gráfica, Texto, Aplicación, Correo electrónico&#10;&#10;Descripción generada automáticamente">
+            <a:extLst>
+              <a:ext uri="{FF2B5EF4-FFF2-40B4-BE49-F238E27FC236}">
+                <a16:creationId xmlns:a16="http://schemas.microsoft.com/office/drawing/2014/main" id="{91F5EA1D-1EE5-152A-6326-76E0AB4B1BE7}"/>
+              </a:ext>
+            </a:extLst>
+          </p:cNvPr>
+          <p:cNvPicPr>
+            <a:picLocks noChangeAspect="1"/>
+          </p:cNvPicPr>
+          <p:nvPr/>
+        </p:nvPicPr>
+        <p:blipFill>
+          <a:blip r:embed="rId3"/>
+          <a:stretch>
+            <a:fillRect/>
+          </a:stretch>
+        </p:blipFill>
+        <p:spPr>
+          <a:xfrm>
+            <a:off x="0" y="228467"/>
+            <a:ext cx="12192000" cy="6375528"/>
+          </a:xfrm>
+          <a:prstGeom prst="rect">
+            <a:avLst/>
+          </a:prstGeom>
+        </p:spPr>
+      </p:pic>
+    </p:spTree>
+    <p:extLst>
+      <p:ext uri="{BB962C8B-B14F-4D97-AF65-F5344CB8AC3E}">
+        <p14:creationId xmlns:p14="http://schemas.microsoft.com/office/powerpoint/2010/main" val="1269338804"/>
+      </p:ext>
+    </p:extLst>
+  </p:cSld>
+  <p:clrMapOvr>
+    <a:masterClrMapping/>
+  </p:clrMapOvr>
+</p:sld>
+</file>
+
+<file path=ppt/slides/slide14.xml><?xml version="1.0" encoding="utf-8"?>
+<p:sld xmlns:a="http://schemas.openxmlformats.org/drawingml/2006/main" xmlns:r="http://schemas.openxmlformats.org/officeDocument/2006/relationships" xmlns:p="http://schemas.openxmlformats.org/presentationml/2006/main">
+  <p:cSld>
+    <p:spTree>
+      <p:nvGrpSpPr>
+        <p:cNvPr id="1" name=""/>
+        <p:cNvGrpSpPr/>
+        <p:nvPr/>
+      </p:nvGrpSpPr>
+      <p:grpSpPr>
+        <a:xfrm>
+          <a:off x="0" y="0"/>
+          <a:ext cx="0" cy="0"/>
+          <a:chOff x="0" y="0"/>
+          <a:chExt cx="0" cy="0"/>
+        </a:xfrm>
+      </p:grpSpPr>
+      <p:pic>
+        <p:nvPicPr>
+          <p:cNvPr id="3" name="Picture 3">
+            <a:extLst>
+              <a:ext uri="{FF2B5EF4-FFF2-40B4-BE49-F238E27FC236}">
+                <a16:creationId xmlns:a16="http://schemas.microsoft.com/office/drawing/2014/main" id="{1976907E-D0BB-C305-C372-E069B490DA1D}"/>
+              </a:ext>
+            </a:extLst>
+          </p:cNvPr>
+          <p:cNvPicPr>
+            <a:picLocks noChangeAspect="1"/>
+          </p:cNvPicPr>
+          <p:nvPr/>
+        </p:nvPicPr>
+        <p:blipFill rotWithShape="1">
+          <a:blip r:embed="rId2">
+            <a:alphaModFix amt="50000"/>
+          </a:blip>
+          <a:srcRect t="25000"/>
+          <a:stretch/>
+        </p:blipFill>
+        <p:spPr>
+          <a:xfrm>
+            <a:off x="20" y="0"/>
+            <a:ext cx="12191980" cy="6857990"/>
+          </a:xfrm>
+          <a:prstGeom prst="rect">
+            <a:avLst/>
+          </a:prstGeom>
+          <a:noFill/>
+        </p:spPr>
+      </p:pic>
+      <p:pic>
+        <p:nvPicPr>
+          <p:cNvPr id="2" name="Imagen 1" descr="Interfaz de usuario gráfica, Texto, Aplicación, Correo electrónico&#10;&#10;Descripción generada automáticamente">
+            <a:extLst>
+              <a:ext uri="{FF2B5EF4-FFF2-40B4-BE49-F238E27FC236}">
+                <a16:creationId xmlns:a16="http://schemas.microsoft.com/office/drawing/2014/main" id="{EA65E996-150E-9E1D-2EDC-5E6C6EFE5A3F}"/>
+              </a:ext>
+            </a:extLst>
+          </p:cNvPr>
+          <p:cNvPicPr>
+            <a:picLocks noChangeAspect="1"/>
+          </p:cNvPicPr>
+          <p:nvPr/>
+        </p:nvPicPr>
+        <p:blipFill>
+          <a:blip r:embed="rId3"/>
+          <a:stretch>
+            <a:fillRect/>
+          </a:stretch>
+        </p:blipFill>
+        <p:spPr>
+          <a:xfrm>
+            <a:off x="0" y="635010"/>
+            <a:ext cx="12191980" cy="5745470"/>
+          </a:xfrm>
+          <a:prstGeom prst="rect">
+            <a:avLst/>
+          </a:prstGeom>
+        </p:spPr>
+      </p:pic>
+    </p:spTree>
+    <p:extLst>
+      <p:ext uri="{BB962C8B-B14F-4D97-AF65-F5344CB8AC3E}">
+        <p14:creationId xmlns:p14="http://schemas.microsoft.com/office/powerpoint/2010/main" val="4175403590"/>
+      </p:ext>
+    </p:extLst>
+  </p:cSld>
+  <p:clrMapOvr>
+    <a:masterClrMapping/>
+  </p:clrMapOvr>
+</p:sld>
+</file>
+
+<file path=ppt/slides/slide15.xml><?xml version="1.0" encoding="utf-8"?>
+<p:sld xmlns:a="http://schemas.openxmlformats.org/drawingml/2006/main" xmlns:r="http://schemas.openxmlformats.org/officeDocument/2006/relationships" xmlns:p="http://schemas.openxmlformats.org/presentationml/2006/main">
+  <p:cSld>
+    <p:spTree>
+      <p:nvGrpSpPr>
+        <p:cNvPr id="1" name=""/>
+        <p:cNvGrpSpPr/>
+        <p:nvPr/>
+      </p:nvGrpSpPr>
+      <p:grpSpPr>
+        <a:xfrm>
+          <a:off x="0" y="0"/>
+          <a:ext cx="0" cy="0"/>
+          <a:chOff x="0" y="0"/>
+          <a:chExt cx="0" cy="0"/>
+        </a:xfrm>
+      </p:grpSpPr>
+      <p:pic>
+        <p:nvPicPr>
+          <p:cNvPr id="3" name="Picture 3">
+            <a:extLst>
+              <a:ext uri="{FF2B5EF4-FFF2-40B4-BE49-F238E27FC236}">
+                <a16:creationId xmlns:a16="http://schemas.microsoft.com/office/drawing/2014/main" id="{B9F59CFD-179C-8566-4AE9-097254EBC0F8}"/>
+              </a:ext>
+            </a:extLst>
+          </p:cNvPr>
+          <p:cNvPicPr>
+            <a:picLocks noChangeAspect="1"/>
+          </p:cNvPicPr>
+          <p:nvPr/>
+        </p:nvPicPr>
+        <p:blipFill rotWithShape="1">
+          <a:blip r:embed="rId2">
+            <a:alphaModFix amt="50000"/>
+          </a:blip>
+          <a:srcRect t="25000"/>
+          <a:stretch/>
+        </p:blipFill>
+        <p:spPr>
+          <a:xfrm>
+            <a:off x="20" y="0"/>
+            <a:ext cx="12191980" cy="6857990"/>
+          </a:xfrm>
+          <a:prstGeom prst="rect">
+            <a:avLst/>
+          </a:prstGeom>
+          <a:noFill/>
+        </p:spPr>
+      </p:pic>
+      <p:pic>
+        <p:nvPicPr>
+          <p:cNvPr id="4" name="Imagen 3">
+            <a:extLst>
+              <a:ext uri="{FF2B5EF4-FFF2-40B4-BE49-F238E27FC236}">
+                <a16:creationId xmlns:a16="http://schemas.microsoft.com/office/drawing/2014/main" id="{149CA177-BA71-F75F-5504-DBBEB94A093E}"/>
+              </a:ext>
+            </a:extLst>
+          </p:cNvPr>
+          <p:cNvPicPr>
+            <a:picLocks noChangeAspect="1"/>
+          </p:cNvPicPr>
+          <p:nvPr/>
+        </p:nvPicPr>
+        <p:blipFill>
+          <a:blip r:embed="rId3"/>
+          <a:stretch>
+            <a:fillRect/>
+          </a:stretch>
+        </p:blipFill>
+        <p:spPr>
+          <a:xfrm>
+            <a:off x="0" y="563884"/>
+            <a:ext cx="12191980" cy="5730231"/>
+          </a:xfrm>
+          <a:prstGeom prst="rect">
+            <a:avLst/>
+          </a:prstGeom>
+        </p:spPr>
+      </p:pic>
+    </p:spTree>
+    <p:extLst>
+      <p:ext uri="{BB962C8B-B14F-4D97-AF65-F5344CB8AC3E}">
+        <p14:creationId xmlns:p14="http://schemas.microsoft.com/office/powerpoint/2010/main" val="1668333144"/>
+      </p:ext>
+    </p:extLst>
+  </p:cSld>
+  <p:clrMapOvr>
+    <a:masterClrMapping/>
+  </p:clrMapOvr>
+</p:sld>
+</file>
+
+<file path=ppt/slides/slide16.xml><?xml version="1.0" encoding="utf-8"?>
+<p:sld xmlns:a="http://schemas.openxmlformats.org/drawingml/2006/main" xmlns:r="http://schemas.openxmlformats.org/officeDocument/2006/relationships" xmlns:p="http://schemas.openxmlformats.org/presentationml/2006/main">
+  <p:cSld>
+    <p:spTree>
+      <p:nvGrpSpPr>
+        <p:cNvPr id="1" name=""/>
+        <p:cNvGrpSpPr/>
+        <p:nvPr/>
+      </p:nvGrpSpPr>
+      <p:grpSpPr>
+        <a:xfrm>
+          <a:off x="0" y="0"/>
+          <a:ext cx="0" cy="0"/>
+          <a:chOff x="0" y="0"/>
+          <a:chExt cx="0" cy="0"/>
+        </a:xfrm>
+      </p:grpSpPr>
+      <p:pic>
+        <p:nvPicPr>
+          <p:cNvPr id="3" name="Picture 3">
+            <a:extLst>
+              <a:ext uri="{FF2B5EF4-FFF2-40B4-BE49-F238E27FC236}">
+                <a16:creationId xmlns:a16="http://schemas.microsoft.com/office/drawing/2014/main" id="{7A4BABB4-12D4-4914-E9E0-E3AD5166D1CA}"/>
+              </a:ext>
+            </a:extLst>
+          </p:cNvPr>
+          <p:cNvPicPr>
+            <a:picLocks noChangeAspect="1"/>
+          </p:cNvPicPr>
+          <p:nvPr/>
+        </p:nvPicPr>
+        <p:blipFill rotWithShape="1">
+          <a:blip r:embed="rId2">
+            <a:alphaModFix amt="50000"/>
+          </a:blip>
+          <a:srcRect t="25000"/>
+          <a:stretch/>
+        </p:blipFill>
+        <p:spPr>
+          <a:xfrm>
+            <a:off x="20" y="0"/>
+            <a:ext cx="12191980" cy="6857990"/>
+          </a:xfrm>
+          <a:prstGeom prst="rect">
+            <a:avLst/>
+          </a:prstGeom>
+          <a:noFill/>
+        </p:spPr>
+      </p:pic>
+      <p:pic>
+        <p:nvPicPr>
+          <p:cNvPr id="4" name="Imagen 3">
+            <a:extLst>
+              <a:ext uri="{FF2B5EF4-FFF2-40B4-BE49-F238E27FC236}">
+                <a16:creationId xmlns:a16="http://schemas.microsoft.com/office/drawing/2014/main" id="{C2AD4D1C-9876-0854-C838-73A390214FFC}"/>
+              </a:ext>
+            </a:extLst>
+          </p:cNvPr>
+          <p:cNvPicPr>
+            <a:picLocks noChangeAspect="1"/>
+          </p:cNvPicPr>
+          <p:nvPr/>
+        </p:nvPicPr>
+        <p:blipFill>
+          <a:blip r:embed="rId3"/>
+          <a:stretch>
+            <a:fillRect/>
+          </a:stretch>
+        </p:blipFill>
+        <p:spPr>
+          <a:xfrm>
+            <a:off x="0" y="558062"/>
+            <a:ext cx="12191980" cy="5741883"/>
+          </a:xfrm>
+          <a:prstGeom prst="rect">
+            <a:avLst/>
+          </a:prstGeom>
+        </p:spPr>
+      </p:pic>
+    </p:spTree>
+    <p:extLst>
+      <p:ext uri="{BB962C8B-B14F-4D97-AF65-F5344CB8AC3E}">
+        <p14:creationId xmlns:p14="http://schemas.microsoft.com/office/powerpoint/2010/main" val="3844755233"/>
+      </p:ext>
+    </p:extLst>
+  </p:cSld>
+  <p:clrMapOvr>
+    <a:masterClrMapping/>
+  </p:clrMapOvr>
+</p:sld>
+</file>
+
+<file path=ppt/slides/slide17.xml><?xml version="1.0" encoding="utf-8"?>
+<p:sld xmlns:a="http://schemas.openxmlformats.org/drawingml/2006/main" xmlns:r="http://schemas.openxmlformats.org/officeDocument/2006/relationships" xmlns:p="http://schemas.openxmlformats.org/presentationml/2006/main">
+  <p:cSld>
+    <p:spTree>
+      <p:nvGrpSpPr>
+        <p:cNvPr id="1" name=""/>
+        <p:cNvGrpSpPr/>
+        <p:nvPr/>
+      </p:nvGrpSpPr>
+      <p:grpSpPr>
+        <a:xfrm>
+          <a:off x="0" y="0"/>
+          <a:ext cx="0" cy="0"/>
+          <a:chOff x="0" y="0"/>
+          <a:chExt cx="0" cy="0"/>
+        </a:xfrm>
+      </p:grpSpPr>
+      <p:pic>
+        <p:nvPicPr>
+          <p:cNvPr id="3" name="Picture 3">
+            <a:extLst>
+              <a:ext uri="{FF2B5EF4-FFF2-40B4-BE49-F238E27FC236}">
+                <a16:creationId xmlns:a16="http://schemas.microsoft.com/office/drawing/2014/main" id="{CAA91386-B6C4-C0E7-494F-852F4E941914}"/>
+              </a:ext>
+            </a:extLst>
+          </p:cNvPr>
+          <p:cNvPicPr>
+            <a:picLocks noChangeAspect="1"/>
+          </p:cNvPicPr>
+          <p:nvPr/>
+        </p:nvPicPr>
+        <p:blipFill rotWithShape="1">
+          <a:blip r:embed="rId2">
+            <a:alphaModFix amt="50000"/>
+          </a:blip>
+          <a:srcRect t="25000"/>
+          <a:stretch/>
+        </p:blipFill>
+        <p:spPr>
+          <a:xfrm>
+            <a:off x="20" y="0"/>
+            <a:ext cx="12191980" cy="6857990"/>
+          </a:xfrm>
+          <a:prstGeom prst="rect">
+            <a:avLst/>
+          </a:prstGeom>
+          <a:noFill/>
+        </p:spPr>
+      </p:pic>
+      <p:pic>
+        <p:nvPicPr>
+          <p:cNvPr id="2" name="Imagen 1" descr="Interfaz de usuario gráfica, Texto, Aplicación, Correo electrónico&#10;&#10;Descripción generada automáticamente">
+            <a:extLst>
+              <a:ext uri="{FF2B5EF4-FFF2-40B4-BE49-F238E27FC236}">
+                <a16:creationId xmlns:a16="http://schemas.microsoft.com/office/drawing/2014/main" id="{3972704A-4768-F47E-2D52-6164E26173CE}"/>
+              </a:ext>
+            </a:extLst>
+          </p:cNvPr>
+          <p:cNvPicPr>
+            <a:picLocks noChangeAspect="1"/>
+          </p:cNvPicPr>
+          <p:nvPr/>
+        </p:nvPicPr>
+        <p:blipFill>
+          <a:blip r:embed="rId3"/>
+          <a:stretch>
+            <a:fillRect/>
+          </a:stretch>
+        </p:blipFill>
+        <p:spPr>
+          <a:xfrm>
+            <a:off x="4263" y="567791"/>
+            <a:ext cx="12187737" cy="5722418"/>
+          </a:xfrm>
+          <a:prstGeom prst="rect">
+            <a:avLst/>
+          </a:prstGeom>
+        </p:spPr>
+      </p:pic>
+    </p:spTree>
+    <p:extLst>
+      <p:ext uri="{BB962C8B-B14F-4D97-AF65-F5344CB8AC3E}">
+        <p14:creationId xmlns:p14="http://schemas.microsoft.com/office/powerpoint/2010/main" val="3999069044"/>
+      </p:ext>
+    </p:extLst>
+  </p:cSld>
+  <p:clrMapOvr>
+    <a:masterClrMapping/>
+  </p:clrMapOvr>
+</p:sld>
+</file>
+
+<file path=ppt/slides/slide18.xml><?xml version="1.0" encoding="utf-8"?>
 <p:sld xmlns:a="http://schemas.openxmlformats.org/drawingml/2006/main" xmlns:r="http://schemas.openxmlformats.org/officeDocument/2006/relationships" xmlns:p="http://schemas.openxmlformats.org/presentationml/2006/main">
   <p:cSld>
     <p:spTree>
@@ -4728,7 +9244,7 @@
 </p:sld>
 </file>
 
-<file path=ppt/slides/slide11.xml><?xml version="1.0" encoding="utf-8"?>
+<file path=ppt/slides/slide19.xml><?xml version="1.0" encoding="utf-8"?>
 <p:sld xmlns:a="http://schemas.openxmlformats.org/drawingml/2006/main" xmlns:r="http://schemas.openxmlformats.org/officeDocument/2006/relationships" xmlns:p="http://schemas.openxmlformats.org/presentationml/2006/main">
   <p:cSld>
     <p:spTree>
@@ -4820,970 +9336,6 @@
 </p:sld>
 </file>
 
-<file path=ppt/slides/slide12.xml><?xml version="1.0" encoding="utf-8"?>
-<p:sld xmlns:a="http://schemas.openxmlformats.org/drawingml/2006/main" xmlns:r="http://schemas.openxmlformats.org/officeDocument/2006/relationships" xmlns:p="http://schemas.openxmlformats.org/presentationml/2006/main">
-  <p:cSld>
-    <p:spTree>
-      <p:nvGrpSpPr>
-        <p:cNvPr id="1" name=""/>
-        <p:cNvGrpSpPr/>
-        <p:nvPr/>
-      </p:nvGrpSpPr>
-      <p:grpSpPr>
-        <a:xfrm>
-          <a:off x="0" y="0"/>
-          <a:ext cx="0" cy="0"/>
-          <a:chOff x="0" y="0"/>
-          <a:chExt cx="0" cy="0"/>
-        </a:xfrm>
-      </p:grpSpPr>
-      <p:pic>
-        <p:nvPicPr>
-          <p:cNvPr id="3" name="Picture 3">
-            <a:extLst>
-              <a:ext uri="{FF2B5EF4-FFF2-40B4-BE49-F238E27FC236}">
-                <a16:creationId xmlns:a16="http://schemas.microsoft.com/office/drawing/2014/main" id="{2415D3B8-5530-2AE8-CADA-91C464C2278F}"/>
-              </a:ext>
-            </a:extLst>
-          </p:cNvPr>
-          <p:cNvPicPr>
-            <a:picLocks noChangeAspect="1"/>
-          </p:cNvPicPr>
-          <p:nvPr/>
-        </p:nvPicPr>
-        <p:blipFill rotWithShape="1">
-          <a:blip r:embed="rId2">
-            <a:alphaModFix amt="50000"/>
-          </a:blip>
-          <a:srcRect t="25000"/>
-          <a:stretch/>
-        </p:blipFill>
-        <p:spPr>
-          <a:xfrm>
-            <a:off x="20" y="0"/>
-            <a:ext cx="12191980" cy="6857990"/>
-          </a:xfrm>
-          <a:prstGeom prst="rect">
-            <a:avLst/>
-          </a:prstGeom>
-          <a:noFill/>
-        </p:spPr>
-      </p:pic>
-      <p:pic>
-        <p:nvPicPr>
-          <p:cNvPr id="2" name="Imagen 1">
-            <a:extLst>
-              <a:ext uri="{FF2B5EF4-FFF2-40B4-BE49-F238E27FC236}">
-                <a16:creationId xmlns:a16="http://schemas.microsoft.com/office/drawing/2014/main" id="{0DB66CDA-21E0-B75C-56D7-7C55CBCDE3B9}"/>
-              </a:ext>
-            </a:extLst>
-          </p:cNvPr>
-          <p:cNvPicPr>
-            <a:picLocks noChangeAspect="1"/>
-          </p:cNvPicPr>
-          <p:nvPr/>
-        </p:nvPicPr>
-        <p:blipFill>
-          <a:blip r:embed="rId3"/>
-          <a:stretch>
-            <a:fillRect/>
-          </a:stretch>
-        </p:blipFill>
-        <p:spPr>
-          <a:xfrm>
-            <a:off x="0" y="571509"/>
-            <a:ext cx="12191980" cy="5714992"/>
-          </a:xfrm>
-          <a:prstGeom prst="rect">
-            <a:avLst/>
-          </a:prstGeom>
-        </p:spPr>
-      </p:pic>
-    </p:spTree>
-    <p:extLst>
-      <p:ext uri="{BB962C8B-B14F-4D97-AF65-F5344CB8AC3E}">
-        <p14:creationId xmlns:p14="http://schemas.microsoft.com/office/powerpoint/2010/main" val="101900742"/>
-      </p:ext>
-    </p:extLst>
-  </p:cSld>
-  <p:clrMapOvr>
-    <a:masterClrMapping/>
-  </p:clrMapOvr>
-</p:sld>
-</file>
-
-<file path=ppt/slides/slide13.xml><?xml version="1.0" encoding="utf-8"?>
-<p:sld xmlns:a="http://schemas.openxmlformats.org/drawingml/2006/main" xmlns:r="http://schemas.openxmlformats.org/officeDocument/2006/relationships" xmlns:p="http://schemas.openxmlformats.org/presentationml/2006/main">
-  <p:cSld>
-    <p:spTree>
-      <p:nvGrpSpPr>
-        <p:cNvPr id="1" name=""/>
-        <p:cNvGrpSpPr/>
-        <p:nvPr/>
-      </p:nvGrpSpPr>
-      <p:grpSpPr>
-        <a:xfrm>
-          <a:off x="0" y="0"/>
-          <a:ext cx="0" cy="0"/>
-          <a:chOff x="0" y="0"/>
-          <a:chExt cx="0" cy="0"/>
-        </a:xfrm>
-      </p:grpSpPr>
-      <p:pic>
-        <p:nvPicPr>
-          <p:cNvPr id="3" name="Picture 3">
-            <a:extLst>
-              <a:ext uri="{FF2B5EF4-FFF2-40B4-BE49-F238E27FC236}">
-                <a16:creationId xmlns:a16="http://schemas.microsoft.com/office/drawing/2014/main" id="{2706CBE4-1038-FDA1-DC43-65962633CFA7}"/>
-              </a:ext>
-            </a:extLst>
-          </p:cNvPr>
-          <p:cNvPicPr>
-            <a:picLocks noChangeAspect="1"/>
-          </p:cNvPicPr>
-          <p:nvPr/>
-        </p:nvPicPr>
-        <p:blipFill rotWithShape="1">
-          <a:blip r:embed="rId2">
-            <a:alphaModFix amt="50000"/>
-          </a:blip>
-          <a:srcRect t="25000"/>
-          <a:stretch/>
-        </p:blipFill>
-        <p:spPr>
-          <a:xfrm>
-            <a:off x="20" y="0"/>
-            <a:ext cx="12191980" cy="6857990"/>
-          </a:xfrm>
-          <a:prstGeom prst="rect">
-            <a:avLst/>
-          </a:prstGeom>
-          <a:noFill/>
-        </p:spPr>
-      </p:pic>
-      <p:pic>
-        <p:nvPicPr>
-          <p:cNvPr id="2" name="Imagen 1">
-            <a:extLst>
-              <a:ext uri="{FF2B5EF4-FFF2-40B4-BE49-F238E27FC236}">
-                <a16:creationId xmlns:a16="http://schemas.microsoft.com/office/drawing/2014/main" id="{C2E78F48-EE62-E436-DB54-115960BAB45C}"/>
-              </a:ext>
-            </a:extLst>
-          </p:cNvPr>
-          <p:cNvPicPr>
-            <a:picLocks noChangeAspect="1"/>
-          </p:cNvPicPr>
-          <p:nvPr/>
-        </p:nvPicPr>
-        <p:blipFill>
-          <a:blip r:embed="rId3"/>
-          <a:stretch>
-            <a:fillRect/>
-          </a:stretch>
-        </p:blipFill>
-        <p:spPr>
-          <a:xfrm>
-            <a:off x="0" y="567688"/>
-            <a:ext cx="12192000" cy="5722622"/>
-          </a:xfrm>
-          <a:prstGeom prst="rect">
-            <a:avLst/>
-          </a:prstGeom>
-        </p:spPr>
-      </p:pic>
-    </p:spTree>
-    <p:extLst>
-      <p:ext uri="{BB962C8B-B14F-4D97-AF65-F5344CB8AC3E}">
-        <p14:creationId xmlns:p14="http://schemas.microsoft.com/office/powerpoint/2010/main" val="1417128545"/>
-      </p:ext>
-    </p:extLst>
-  </p:cSld>
-  <p:clrMapOvr>
-    <a:masterClrMapping/>
-  </p:clrMapOvr>
-</p:sld>
-</file>
-
-<file path=ppt/slides/slide14.xml><?xml version="1.0" encoding="utf-8"?>
-<p:sld xmlns:a="http://schemas.openxmlformats.org/drawingml/2006/main" xmlns:r="http://schemas.openxmlformats.org/officeDocument/2006/relationships" xmlns:p="http://schemas.openxmlformats.org/presentationml/2006/main">
-  <p:cSld>
-    <p:spTree>
-      <p:nvGrpSpPr>
-        <p:cNvPr id="1" name=""/>
-        <p:cNvGrpSpPr/>
-        <p:nvPr/>
-      </p:nvGrpSpPr>
-      <p:grpSpPr>
-        <a:xfrm>
-          <a:off x="0" y="0"/>
-          <a:ext cx="0" cy="0"/>
-          <a:chOff x="0" y="0"/>
-          <a:chExt cx="0" cy="0"/>
-        </a:xfrm>
-      </p:grpSpPr>
-      <p:pic>
-        <p:nvPicPr>
-          <p:cNvPr id="6" name="Picture 3">
-            <a:extLst>
-              <a:ext uri="{FF2B5EF4-FFF2-40B4-BE49-F238E27FC236}">
-                <a16:creationId xmlns:a16="http://schemas.microsoft.com/office/drawing/2014/main" id="{4122A97E-DB51-A268-5042-7442AC97EF79}"/>
-              </a:ext>
-            </a:extLst>
-          </p:cNvPr>
-          <p:cNvPicPr>
-            <a:picLocks noChangeAspect="1"/>
-          </p:cNvPicPr>
-          <p:nvPr/>
-        </p:nvPicPr>
-        <p:blipFill rotWithShape="1">
-          <a:blip r:embed="rId2">
-            <a:alphaModFix amt="50000"/>
-          </a:blip>
-          <a:srcRect t="25000"/>
-          <a:stretch/>
-        </p:blipFill>
-        <p:spPr>
-          <a:xfrm>
-            <a:off x="20" y="0"/>
-            <a:ext cx="12191980" cy="6857990"/>
-          </a:xfrm>
-          <a:prstGeom prst="rect">
-            <a:avLst/>
-          </a:prstGeom>
-          <a:noFill/>
-        </p:spPr>
-      </p:pic>
-      <p:pic>
-        <p:nvPicPr>
-          <p:cNvPr id="3" name="Imagen 2" descr="Interfaz de usuario gráfica, Texto, Aplicación, Correo electrónico&#10;&#10;Descripción generada automáticamente">
-            <a:extLst>
-              <a:ext uri="{FF2B5EF4-FFF2-40B4-BE49-F238E27FC236}">
-                <a16:creationId xmlns:a16="http://schemas.microsoft.com/office/drawing/2014/main" id="{DC626F57-B6D9-D519-2882-54CBFEA71BBD}"/>
-              </a:ext>
-            </a:extLst>
-          </p:cNvPr>
-          <p:cNvPicPr>
-            <a:picLocks noChangeAspect="1"/>
-          </p:cNvPicPr>
-          <p:nvPr/>
-        </p:nvPicPr>
-        <p:blipFill>
-          <a:blip r:embed="rId3"/>
-          <a:stretch>
-            <a:fillRect/>
-          </a:stretch>
-        </p:blipFill>
-        <p:spPr>
-          <a:xfrm>
-            <a:off x="0" y="132588"/>
-            <a:ext cx="11815312" cy="5545002"/>
-          </a:xfrm>
-          <a:prstGeom prst="rect">
-            <a:avLst/>
-          </a:prstGeom>
-        </p:spPr>
-      </p:pic>
-      <p:sp>
-        <p:nvSpPr>
-          <p:cNvPr id="5" name="CuadroTexto 4">
-            <a:extLst>
-              <a:ext uri="{FF2B5EF4-FFF2-40B4-BE49-F238E27FC236}">
-                <a16:creationId xmlns:a16="http://schemas.microsoft.com/office/drawing/2014/main" id="{57E668E5-23F4-8374-1067-32EFBC67F4A7}"/>
-              </a:ext>
-            </a:extLst>
-          </p:cNvPr>
-          <p:cNvSpPr txBox="1"/>
-          <p:nvPr/>
-        </p:nvSpPr>
-        <p:spPr>
-          <a:xfrm>
-            <a:off x="7213600" y="4332850"/>
-            <a:ext cx="4601712" cy="1477328"/>
-          </a:xfrm>
-          <a:prstGeom prst="rect">
-            <a:avLst/>
-          </a:prstGeom>
-          <a:noFill/>
-        </p:spPr>
-        <p:txBody>
-          <a:bodyPr wrap="square">
-            <a:spAutoFit/>
-          </a:bodyPr>
-          <a:lstStyle/>
-          <a:p>
-            <a:r>
-              <a:rPr lang="es-ES" dirty="0">
-                <a:hlinkClick r:id="rId4"/>
-              </a:rPr>
-              <a:t>https://wikidata.org/prop/direct/P31</a:t>
-            </a:r>
-            <a:endParaRPr lang="es-ES" dirty="0"/>
-          </a:p>
-          <a:p>
-            <a:r>
-              <a:rPr lang="es-ES" dirty="0">
-                <a:hlinkClick r:id="rId5"/>
-              </a:rPr>
-              <a:t>https://wikidata.org/prop/direct/P131</a:t>
-            </a:r>
-            <a:endParaRPr lang="es-ES" dirty="0"/>
-          </a:p>
-          <a:p>
-            <a:r>
-              <a:rPr lang="es-ES" dirty="0">
-                <a:hlinkClick r:id="rId6"/>
-              </a:rPr>
-              <a:t>https://wikidata.org/prop/direct/P17</a:t>
-            </a:r>
-            <a:endParaRPr lang="es-ES" dirty="0"/>
-          </a:p>
-          <a:p>
-            <a:r>
-              <a:rPr lang="es-ES" dirty="0">
-                <a:hlinkClick r:id="rId7"/>
-              </a:rPr>
-              <a:t>https://wikidata.org/prop/direct/P1343</a:t>
-            </a:r>
-            <a:endParaRPr lang="es-ES" dirty="0"/>
-          </a:p>
-          <a:p>
-            <a:endParaRPr lang="es-ES" dirty="0"/>
-          </a:p>
-        </p:txBody>
-      </p:sp>
-    </p:spTree>
-    <p:extLst>
-      <p:ext uri="{BB962C8B-B14F-4D97-AF65-F5344CB8AC3E}">
-        <p14:creationId xmlns:p14="http://schemas.microsoft.com/office/powerpoint/2010/main" val="3386082475"/>
-      </p:ext>
-    </p:extLst>
-  </p:cSld>
-  <p:clrMapOvr>
-    <a:masterClrMapping/>
-  </p:clrMapOvr>
-</p:sld>
-</file>
-
-<file path=ppt/slides/slide15.xml><?xml version="1.0" encoding="utf-8"?>
-<p:sld xmlns:a="http://schemas.openxmlformats.org/drawingml/2006/main" xmlns:r="http://schemas.openxmlformats.org/officeDocument/2006/relationships" xmlns:p="http://schemas.openxmlformats.org/presentationml/2006/main">
-  <p:cSld>
-    <p:spTree>
-      <p:nvGrpSpPr>
-        <p:cNvPr id="1" name=""/>
-        <p:cNvGrpSpPr/>
-        <p:nvPr/>
-      </p:nvGrpSpPr>
-      <p:grpSpPr>
-        <a:xfrm>
-          <a:off x="0" y="0"/>
-          <a:ext cx="0" cy="0"/>
-          <a:chOff x="0" y="0"/>
-          <a:chExt cx="0" cy="0"/>
-        </a:xfrm>
-      </p:grpSpPr>
-      <p:pic>
-        <p:nvPicPr>
-          <p:cNvPr id="6" name="Picture 3">
-            <a:extLst>
-              <a:ext uri="{FF2B5EF4-FFF2-40B4-BE49-F238E27FC236}">
-                <a16:creationId xmlns:a16="http://schemas.microsoft.com/office/drawing/2014/main" id="{4122A97E-DB51-A268-5042-7442AC97EF79}"/>
-              </a:ext>
-            </a:extLst>
-          </p:cNvPr>
-          <p:cNvPicPr>
-            <a:picLocks noChangeAspect="1"/>
-          </p:cNvPicPr>
-          <p:nvPr/>
-        </p:nvPicPr>
-        <p:blipFill rotWithShape="1">
-          <a:blip r:embed="rId2">
-            <a:alphaModFix amt="50000"/>
-          </a:blip>
-          <a:srcRect t="25000"/>
-          <a:stretch/>
-        </p:blipFill>
-        <p:spPr>
-          <a:xfrm>
-            <a:off x="20" y="0"/>
-            <a:ext cx="12191980" cy="6857990"/>
-          </a:xfrm>
-          <a:prstGeom prst="rect">
-            <a:avLst/>
-          </a:prstGeom>
-          <a:noFill/>
-        </p:spPr>
-      </p:pic>
-      <p:sp>
-        <p:nvSpPr>
-          <p:cNvPr id="5" name="CuadroTexto 4">
-            <a:extLst>
-              <a:ext uri="{FF2B5EF4-FFF2-40B4-BE49-F238E27FC236}">
-                <a16:creationId xmlns:a16="http://schemas.microsoft.com/office/drawing/2014/main" id="{57E668E5-23F4-8374-1067-32EFBC67F4A7}"/>
-              </a:ext>
-            </a:extLst>
-          </p:cNvPr>
-          <p:cNvSpPr txBox="1"/>
-          <p:nvPr/>
-        </p:nvSpPr>
-        <p:spPr>
-          <a:xfrm>
-            <a:off x="88070" y="3130788"/>
-            <a:ext cx="4601712" cy="369332"/>
-          </a:xfrm>
-          <a:prstGeom prst="rect">
-            <a:avLst/>
-          </a:prstGeom>
-          <a:solidFill>
-            <a:schemeClr val="bg1"/>
-          </a:solidFill>
-        </p:spPr>
-        <p:txBody>
-          <a:bodyPr wrap="square">
-            <a:spAutoFit/>
-          </a:bodyPr>
-          <a:lstStyle/>
-          <a:p>
-            <a:r>
-              <a:rPr lang="es-ES" dirty="0">
-                <a:hlinkClick r:id="rId3"/>
-              </a:rPr>
-              <a:t>https://wikidata.org/prop/direct/P31</a:t>
-            </a:r>
-            <a:endParaRPr lang="es-ES" dirty="0"/>
-          </a:p>
-        </p:txBody>
-      </p:sp>
-      <p:pic>
-        <p:nvPicPr>
-          <p:cNvPr id="4" name="Imagen 3">
-            <a:extLst>
-              <a:ext uri="{FF2B5EF4-FFF2-40B4-BE49-F238E27FC236}">
-                <a16:creationId xmlns:a16="http://schemas.microsoft.com/office/drawing/2014/main" id="{9B8AF7DE-D2AD-2ED0-9797-A9F70A018B06}"/>
-              </a:ext>
-            </a:extLst>
-          </p:cNvPr>
-          <p:cNvPicPr>
-            <a:picLocks noChangeAspect="1"/>
-          </p:cNvPicPr>
-          <p:nvPr/>
-        </p:nvPicPr>
-        <p:blipFill>
-          <a:blip r:embed="rId4"/>
-          <a:stretch>
-            <a:fillRect/>
-          </a:stretch>
-        </p:blipFill>
-        <p:spPr>
-          <a:xfrm>
-            <a:off x="4418782" y="696451"/>
-            <a:ext cx="7360028" cy="5607338"/>
-          </a:xfrm>
-          <a:prstGeom prst="rect">
-            <a:avLst/>
-          </a:prstGeom>
-        </p:spPr>
-      </p:pic>
-    </p:spTree>
-    <p:extLst>
-      <p:ext uri="{BB962C8B-B14F-4D97-AF65-F5344CB8AC3E}">
-        <p14:creationId xmlns:p14="http://schemas.microsoft.com/office/powerpoint/2010/main" val="2003724065"/>
-      </p:ext>
-    </p:extLst>
-  </p:cSld>
-  <p:clrMapOvr>
-    <a:masterClrMapping/>
-  </p:clrMapOvr>
-</p:sld>
-</file>
-
-<file path=ppt/slides/slide16.xml><?xml version="1.0" encoding="utf-8"?>
-<p:sld xmlns:a="http://schemas.openxmlformats.org/drawingml/2006/main" xmlns:r="http://schemas.openxmlformats.org/officeDocument/2006/relationships" xmlns:p="http://schemas.openxmlformats.org/presentationml/2006/main">
-  <p:cSld>
-    <p:spTree>
-      <p:nvGrpSpPr>
-        <p:cNvPr id="1" name=""/>
-        <p:cNvGrpSpPr/>
-        <p:nvPr/>
-      </p:nvGrpSpPr>
-      <p:grpSpPr>
-        <a:xfrm>
-          <a:off x="0" y="0"/>
-          <a:ext cx="0" cy="0"/>
-          <a:chOff x="0" y="0"/>
-          <a:chExt cx="0" cy="0"/>
-        </a:xfrm>
-      </p:grpSpPr>
-      <p:pic>
-        <p:nvPicPr>
-          <p:cNvPr id="6" name="Picture 3">
-            <a:extLst>
-              <a:ext uri="{FF2B5EF4-FFF2-40B4-BE49-F238E27FC236}">
-                <a16:creationId xmlns:a16="http://schemas.microsoft.com/office/drawing/2014/main" id="{4122A97E-DB51-A268-5042-7442AC97EF79}"/>
-              </a:ext>
-            </a:extLst>
-          </p:cNvPr>
-          <p:cNvPicPr>
-            <a:picLocks noChangeAspect="1"/>
-          </p:cNvPicPr>
-          <p:nvPr/>
-        </p:nvPicPr>
-        <p:blipFill rotWithShape="1">
-          <a:blip r:embed="rId2">
-            <a:alphaModFix amt="50000"/>
-          </a:blip>
-          <a:srcRect t="25000"/>
-          <a:stretch/>
-        </p:blipFill>
-        <p:spPr>
-          <a:xfrm>
-            <a:off x="20" y="0"/>
-            <a:ext cx="12191980" cy="6857990"/>
-          </a:xfrm>
-          <a:prstGeom prst="rect">
-            <a:avLst/>
-          </a:prstGeom>
-          <a:noFill/>
-        </p:spPr>
-      </p:pic>
-      <p:sp>
-        <p:nvSpPr>
-          <p:cNvPr id="5" name="CuadroTexto 4">
-            <a:extLst>
-              <a:ext uri="{FF2B5EF4-FFF2-40B4-BE49-F238E27FC236}">
-                <a16:creationId xmlns:a16="http://schemas.microsoft.com/office/drawing/2014/main" id="{57E668E5-23F4-8374-1067-32EFBC67F4A7}"/>
-              </a:ext>
-            </a:extLst>
-          </p:cNvPr>
-          <p:cNvSpPr txBox="1"/>
-          <p:nvPr/>
-        </p:nvSpPr>
-        <p:spPr>
-          <a:xfrm>
-            <a:off x="88070" y="3130788"/>
-            <a:ext cx="4601712" cy="369332"/>
-          </a:xfrm>
-          <a:prstGeom prst="rect">
-            <a:avLst/>
-          </a:prstGeom>
-          <a:solidFill>
-            <a:schemeClr val="bg1"/>
-          </a:solidFill>
-        </p:spPr>
-        <p:txBody>
-          <a:bodyPr wrap="square">
-            <a:spAutoFit/>
-          </a:bodyPr>
-          <a:lstStyle/>
-          <a:p>
-            <a:r>
-              <a:rPr lang="es-ES" dirty="0">
-                <a:hlinkClick r:id="rId3"/>
-              </a:rPr>
-              <a:t>https://wikidata.org/prop/direct/P131</a:t>
-            </a:r>
-            <a:endParaRPr lang="es-ES" dirty="0"/>
-          </a:p>
-        </p:txBody>
-      </p:sp>
-      <p:pic>
-        <p:nvPicPr>
-          <p:cNvPr id="3" name="Imagen 2">
-            <a:extLst>
-              <a:ext uri="{FF2B5EF4-FFF2-40B4-BE49-F238E27FC236}">
-                <a16:creationId xmlns:a16="http://schemas.microsoft.com/office/drawing/2014/main" id="{1B7C0C6E-48A2-A827-50D2-EB904F39A79C}"/>
-              </a:ext>
-            </a:extLst>
-          </p:cNvPr>
-          <p:cNvPicPr>
-            <a:picLocks noChangeAspect="1"/>
-          </p:cNvPicPr>
-          <p:nvPr/>
-        </p:nvPicPr>
-        <p:blipFill>
-          <a:blip r:embed="rId4"/>
-          <a:stretch>
-            <a:fillRect/>
-          </a:stretch>
-        </p:blipFill>
-        <p:spPr>
-          <a:xfrm>
-            <a:off x="4274623" y="639298"/>
-            <a:ext cx="7645793" cy="5721644"/>
-          </a:xfrm>
-          <a:prstGeom prst="rect">
-            <a:avLst/>
-          </a:prstGeom>
-        </p:spPr>
-      </p:pic>
-    </p:spTree>
-    <p:extLst>
-      <p:ext uri="{BB962C8B-B14F-4D97-AF65-F5344CB8AC3E}">
-        <p14:creationId xmlns:p14="http://schemas.microsoft.com/office/powerpoint/2010/main" val="127913125"/>
-      </p:ext>
-    </p:extLst>
-  </p:cSld>
-  <p:clrMapOvr>
-    <a:masterClrMapping/>
-  </p:clrMapOvr>
-</p:sld>
-</file>
-
-<file path=ppt/slides/slide17.xml><?xml version="1.0" encoding="utf-8"?>
-<p:sld xmlns:a="http://schemas.openxmlformats.org/drawingml/2006/main" xmlns:r="http://schemas.openxmlformats.org/officeDocument/2006/relationships" xmlns:p="http://schemas.openxmlformats.org/presentationml/2006/main">
-  <p:cSld>
-    <p:spTree>
-      <p:nvGrpSpPr>
-        <p:cNvPr id="1" name=""/>
-        <p:cNvGrpSpPr/>
-        <p:nvPr/>
-      </p:nvGrpSpPr>
-      <p:grpSpPr>
-        <a:xfrm>
-          <a:off x="0" y="0"/>
-          <a:ext cx="0" cy="0"/>
-          <a:chOff x="0" y="0"/>
-          <a:chExt cx="0" cy="0"/>
-        </a:xfrm>
-      </p:grpSpPr>
-      <p:pic>
-        <p:nvPicPr>
-          <p:cNvPr id="6" name="Picture 3">
-            <a:extLst>
-              <a:ext uri="{FF2B5EF4-FFF2-40B4-BE49-F238E27FC236}">
-                <a16:creationId xmlns:a16="http://schemas.microsoft.com/office/drawing/2014/main" id="{4122A97E-DB51-A268-5042-7442AC97EF79}"/>
-              </a:ext>
-            </a:extLst>
-          </p:cNvPr>
-          <p:cNvPicPr>
-            <a:picLocks noChangeAspect="1"/>
-          </p:cNvPicPr>
-          <p:nvPr/>
-        </p:nvPicPr>
-        <p:blipFill rotWithShape="1">
-          <a:blip r:embed="rId2">
-            <a:alphaModFix amt="50000"/>
-          </a:blip>
-          <a:srcRect t="25000"/>
-          <a:stretch/>
-        </p:blipFill>
-        <p:spPr>
-          <a:xfrm>
-            <a:off x="20" y="0"/>
-            <a:ext cx="12191980" cy="6857990"/>
-          </a:xfrm>
-          <a:prstGeom prst="rect">
-            <a:avLst/>
-          </a:prstGeom>
-          <a:noFill/>
-        </p:spPr>
-      </p:pic>
-      <p:sp>
-        <p:nvSpPr>
-          <p:cNvPr id="5" name="CuadroTexto 4">
-            <a:extLst>
-              <a:ext uri="{FF2B5EF4-FFF2-40B4-BE49-F238E27FC236}">
-                <a16:creationId xmlns:a16="http://schemas.microsoft.com/office/drawing/2014/main" id="{57E668E5-23F4-8374-1067-32EFBC67F4A7}"/>
-              </a:ext>
-            </a:extLst>
-          </p:cNvPr>
-          <p:cNvSpPr txBox="1"/>
-          <p:nvPr/>
-        </p:nvSpPr>
-        <p:spPr>
-          <a:xfrm>
-            <a:off x="77910" y="3130788"/>
-            <a:ext cx="4601712" cy="369332"/>
-          </a:xfrm>
-          <a:prstGeom prst="rect">
-            <a:avLst/>
-          </a:prstGeom>
-          <a:solidFill>
-            <a:schemeClr val="bg1"/>
-          </a:solidFill>
-        </p:spPr>
-        <p:txBody>
-          <a:bodyPr wrap="square">
-            <a:spAutoFit/>
-          </a:bodyPr>
-          <a:lstStyle/>
-          <a:p>
-            <a:r>
-              <a:rPr lang="es-ES" dirty="0">
-                <a:hlinkClick r:id="rId3"/>
-              </a:rPr>
-              <a:t>https://wikidata.org/prop/direct/P17</a:t>
-            </a:r>
-            <a:endParaRPr lang="es-ES" dirty="0"/>
-          </a:p>
-        </p:txBody>
-      </p:sp>
-      <p:pic>
-        <p:nvPicPr>
-          <p:cNvPr id="3" name="Imagen 2">
-            <a:extLst>
-              <a:ext uri="{FF2B5EF4-FFF2-40B4-BE49-F238E27FC236}">
-                <a16:creationId xmlns:a16="http://schemas.microsoft.com/office/drawing/2014/main" id="{040F17E9-418D-8E42-6377-3AC0573CC141}"/>
-              </a:ext>
-            </a:extLst>
-          </p:cNvPr>
-          <p:cNvPicPr>
-            <a:picLocks noChangeAspect="1"/>
-          </p:cNvPicPr>
-          <p:nvPr/>
-        </p:nvPicPr>
-        <p:blipFill>
-          <a:blip r:embed="rId4"/>
-          <a:stretch>
-            <a:fillRect/>
-          </a:stretch>
-        </p:blipFill>
-        <p:spPr>
-          <a:xfrm>
-            <a:off x="4114365" y="552297"/>
-            <a:ext cx="8077615" cy="5753396"/>
-          </a:xfrm>
-          <a:prstGeom prst="rect">
-            <a:avLst/>
-          </a:prstGeom>
-        </p:spPr>
-      </p:pic>
-    </p:spTree>
-    <p:extLst>
-      <p:ext uri="{BB962C8B-B14F-4D97-AF65-F5344CB8AC3E}">
-        <p14:creationId xmlns:p14="http://schemas.microsoft.com/office/powerpoint/2010/main" val="2706610840"/>
-      </p:ext>
-    </p:extLst>
-  </p:cSld>
-  <p:clrMapOvr>
-    <a:masterClrMapping/>
-  </p:clrMapOvr>
-</p:sld>
-</file>
-
-<file path=ppt/slides/slide18.xml><?xml version="1.0" encoding="utf-8"?>
-<p:sld xmlns:a="http://schemas.openxmlformats.org/drawingml/2006/main" xmlns:r="http://schemas.openxmlformats.org/officeDocument/2006/relationships" xmlns:p="http://schemas.openxmlformats.org/presentationml/2006/main">
-  <p:cSld>
-    <p:spTree>
-      <p:nvGrpSpPr>
-        <p:cNvPr id="1" name=""/>
-        <p:cNvGrpSpPr/>
-        <p:nvPr/>
-      </p:nvGrpSpPr>
-      <p:grpSpPr>
-        <a:xfrm>
-          <a:off x="0" y="0"/>
-          <a:ext cx="0" cy="0"/>
-          <a:chOff x="0" y="0"/>
-          <a:chExt cx="0" cy="0"/>
-        </a:xfrm>
-      </p:grpSpPr>
-      <p:pic>
-        <p:nvPicPr>
-          <p:cNvPr id="6" name="Picture 3">
-            <a:extLst>
-              <a:ext uri="{FF2B5EF4-FFF2-40B4-BE49-F238E27FC236}">
-                <a16:creationId xmlns:a16="http://schemas.microsoft.com/office/drawing/2014/main" id="{4122A97E-DB51-A268-5042-7442AC97EF79}"/>
-              </a:ext>
-            </a:extLst>
-          </p:cNvPr>
-          <p:cNvPicPr>
-            <a:picLocks noChangeAspect="1"/>
-          </p:cNvPicPr>
-          <p:nvPr/>
-        </p:nvPicPr>
-        <p:blipFill rotWithShape="1">
-          <a:blip r:embed="rId2">
-            <a:alphaModFix amt="50000"/>
-          </a:blip>
-          <a:srcRect t="25000"/>
-          <a:stretch/>
-        </p:blipFill>
-        <p:spPr>
-          <a:xfrm>
-            <a:off x="20" y="0"/>
-            <a:ext cx="12191980" cy="6857990"/>
-          </a:xfrm>
-          <a:prstGeom prst="rect">
-            <a:avLst/>
-          </a:prstGeom>
-          <a:noFill/>
-        </p:spPr>
-      </p:pic>
-      <p:sp>
-        <p:nvSpPr>
-          <p:cNvPr id="5" name="CuadroTexto 4">
-            <a:extLst>
-              <a:ext uri="{FF2B5EF4-FFF2-40B4-BE49-F238E27FC236}">
-                <a16:creationId xmlns:a16="http://schemas.microsoft.com/office/drawing/2014/main" id="{57E668E5-23F4-8374-1067-32EFBC67F4A7}"/>
-              </a:ext>
-            </a:extLst>
-          </p:cNvPr>
-          <p:cNvSpPr txBox="1"/>
-          <p:nvPr/>
-        </p:nvSpPr>
-        <p:spPr>
-          <a:xfrm>
-            <a:off x="88070" y="3130788"/>
-            <a:ext cx="4601712" cy="369332"/>
-          </a:xfrm>
-          <a:prstGeom prst="rect">
-            <a:avLst/>
-          </a:prstGeom>
-          <a:solidFill>
-            <a:schemeClr val="bg1"/>
-          </a:solidFill>
-        </p:spPr>
-        <p:txBody>
-          <a:bodyPr wrap="square">
-            <a:spAutoFit/>
-          </a:bodyPr>
-          <a:lstStyle/>
-          <a:p>
-            <a:r>
-              <a:rPr lang="es-ES" dirty="0">
-                <a:hlinkClick r:id="rId3"/>
-              </a:rPr>
-              <a:t>https://wikidata.org/prop/direct/P1343</a:t>
-            </a:r>
-            <a:endParaRPr lang="es-ES" dirty="0"/>
-          </a:p>
-        </p:txBody>
-      </p:sp>
-      <p:pic>
-        <p:nvPicPr>
-          <p:cNvPr id="3" name="Imagen 2">
-            <a:extLst>
-              <a:ext uri="{FF2B5EF4-FFF2-40B4-BE49-F238E27FC236}">
-                <a16:creationId xmlns:a16="http://schemas.microsoft.com/office/drawing/2014/main" id="{961662CC-1D46-15B6-8916-04C64585F117}"/>
-              </a:ext>
-            </a:extLst>
-          </p:cNvPr>
-          <p:cNvPicPr>
-            <a:picLocks noChangeAspect="1"/>
-          </p:cNvPicPr>
-          <p:nvPr/>
-        </p:nvPicPr>
-        <p:blipFill>
-          <a:blip r:embed="rId4"/>
-          <a:stretch>
-            <a:fillRect/>
-          </a:stretch>
-        </p:blipFill>
-        <p:spPr>
-          <a:xfrm>
-            <a:off x="4463856" y="609450"/>
-            <a:ext cx="7531487" cy="5639090"/>
-          </a:xfrm>
-          <a:prstGeom prst="rect">
-            <a:avLst/>
-          </a:prstGeom>
-        </p:spPr>
-      </p:pic>
-    </p:spTree>
-    <p:extLst>
-      <p:ext uri="{BB962C8B-B14F-4D97-AF65-F5344CB8AC3E}">
-        <p14:creationId xmlns:p14="http://schemas.microsoft.com/office/powerpoint/2010/main" val="3046631225"/>
-      </p:ext>
-    </p:extLst>
-  </p:cSld>
-  <p:clrMapOvr>
-    <a:masterClrMapping/>
-  </p:clrMapOvr>
-</p:sld>
-</file>
-
-<file path=ppt/slides/slide19.xml><?xml version="1.0" encoding="utf-8"?>
-<p:sld xmlns:a="http://schemas.openxmlformats.org/drawingml/2006/main" xmlns:r="http://schemas.openxmlformats.org/officeDocument/2006/relationships" xmlns:p="http://schemas.openxmlformats.org/presentationml/2006/main">
-  <p:cSld>
-    <p:spTree>
-      <p:nvGrpSpPr>
-        <p:cNvPr id="1" name=""/>
-        <p:cNvGrpSpPr/>
-        <p:nvPr/>
-      </p:nvGrpSpPr>
-      <p:grpSpPr>
-        <a:xfrm>
-          <a:off x="0" y="0"/>
-          <a:ext cx="0" cy="0"/>
-          <a:chOff x="0" y="0"/>
-          <a:chExt cx="0" cy="0"/>
-        </a:xfrm>
-      </p:grpSpPr>
-      <p:pic>
-        <p:nvPicPr>
-          <p:cNvPr id="3" name="Picture 3">
-            <a:extLst>
-              <a:ext uri="{FF2B5EF4-FFF2-40B4-BE49-F238E27FC236}">
-                <a16:creationId xmlns:a16="http://schemas.microsoft.com/office/drawing/2014/main" id="{7626C21C-41FC-DD86-3564-21605378321C}"/>
-              </a:ext>
-            </a:extLst>
-          </p:cNvPr>
-          <p:cNvPicPr>
-            <a:picLocks noChangeAspect="1"/>
-          </p:cNvPicPr>
-          <p:nvPr/>
-        </p:nvPicPr>
-        <p:blipFill rotWithShape="1">
-          <a:blip r:embed="rId2">
-            <a:alphaModFix amt="50000"/>
-          </a:blip>
-          <a:srcRect t="25000"/>
-          <a:stretch/>
-        </p:blipFill>
-        <p:spPr>
-          <a:xfrm>
-            <a:off x="20" y="0"/>
-            <a:ext cx="12191980" cy="6857990"/>
-          </a:xfrm>
-          <a:prstGeom prst="rect">
-            <a:avLst/>
-          </a:prstGeom>
-          <a:noFill/>
-        </p:spPr>
-      </p:pic>
-      <p:pic>
-        <p:nvPicPr>
-          <p:cNvPr id="2" name="Imagen 1" descr="Interfaz de usuario gráfica, Texto, Aplicación, Correo electrónico&#10;&#10;Descripción generada automáticamente">
-            <a:extLst>
-              <a:ext uri="{FF2B5EF4-FFF2-40B4-BE49-F238E27FC236}">
-                <a16:creationId xmlns:a16="http://schemas.microsoft.com/office/drawing/2014/main" id="{0DB10173-5EF5-8C29-CEB4-4672EF96157B}"/>
-              </a:ext>
-            </a:extLst>
-          </p:cNvPr>
-          <p:cNvPicPr>
-            <a:picLocks noChangeAspect="1"/>
-          </p:cNvPicPr>
-          <p:nvPr/>
-        </p:nvPicPr>
-        <p:blipFill>
-          <a:blip r:embed="rId3"/>
-          <a:stretch>
-            <a:fillRect/>
-          </a:stretch>
-        </p:blipFill>
-        <p:spPr>
-          <a:xfrm>
-            <a:off x="0" y="573459"/>
-            <a:ext cx="12276377" cy="5756221"/>
-          </a:xfrm>
-          <a:prstGeom prst="rect">
-            <a:avLst/>
-          </a:prstGeom>
-        </p:spPr>
-      </p:pic>
-    </p:spTree>
-    <p:extLst>
-      <p:ext uri="{BB962C8B-B14F-4D97-AF65-F5344CB8AC3E}">
-        <p14:creationId xmlns:p14="http://schemas.microsoft.com/office/powerpoint/2010/main" val="3683001120"/>
-      </p:ext>
-    </p:extLst>
-  </p:cSld>
-  <p:clrMapOvr>
-    <a:masterClrMapping/>
-  </p:clrMapOvr>
-</p:sld>
-</file>
-
 <file path=ppt/slides/slide2.xml><?xml version="1.0" encoding="utf-8"?>
 <p:sld xmlns:a="http://schemas.openxmlformats.org/drawingml/2006/main" xmlns:r="http://schemas.openxmlformats.org/officeDocument/2006/relationships" xmlns:p="http://schemas.openxmlformats.org/presentationml/2006/main">
   <p:cSld>
@@ -5862,7 +9414,7 @@
           <a:lstStyle/>
           <a:p>
             <a:r>
-              <a:rPr lang="en-US" dirty="0">
+              <a:rPr lang="en-US">
                 <a:solidFill>
                   <a:srgbClr val="000000"/>
                 </a:solidFill>
@@ -5922,7 +9474,7 @@
                   <a:srgbClr val="000000"/>
                 </a:solidFill>
               </a:rPr>
-              <a:t> 	    210397</a:t>
+              <a:t>         210397</a:t>
             </a:r>
           </a:p>
           <a:p>
@@ -5964,7 +9516,7 @@
                   <a:srgbClr val="000000"/>
                 </a:solidFill>
               </a:rPr>
-              <a:t>          200265</a:t>
+              <a:t>          200265</a:t>
             </a:r>
           </a:p>
           <a:p>
@@ -5974,7 +9526,7 @@
                   <a:srgbClr val="000000"/>
                 </a:solidFill>
               </a:rPr>
-              <a:t>RUBEN CHALA MEDIERO            200120</a:t>
+              <a:t>RUBEN CHALA MEDIERO            200120</a:t>
             </a:r>
           </a:p>
           <a:p>
@@ -5984,8 +9536,23 @@
                   <a:srgbClr val="000000"/>
                 </a:solidFill>
               </a:rPr>
-              <a:t>CARLOS HERNÁNDEZ HERRERO    200095</a:t>
+              <a:t>CARLOS HERNÁNDEZ HERRERO    200095</a:t>
             </a:r>
+          </a:p>
+          <a:p>
+            <a:r>
+              <a:rPr lang="en-US" sz="1400" dirty="0">
+                <a:latin typeface="Avenir Next LT Pro"/>
+              </a:rPr>
+              <a:t>Miguel Gutiérrez de la Cruz</a:t>
+            </a:r>
+          </a:p>
+          <a:p>
+            <a:endParaRPr lang="en-US" sz="1400" dirty="0">
+              <a:solidFill>
+                <a:srgbClr val="000000"/>
+              </a:solidFill>
+            </a:endParaRPr>
           </a:p>
         </p:txBody>
       </p:sp>
@@ -6042,7 +9609,7 @@
               </a:pPr>
               <a:t>11/12/2023</a:t>
             </a:fld>
-            <a:endParaRPr lang="en-US" dirty="0">
+            <a:endParaRPr lang="en-US">
               <a:solidFill>
                 <a:srgbClr val="FFFFFF"/>
               </a:solidFill>
@@ -6211,6 +9778,970 @@
           <p:cNvPr id="3" name="Picture 3">
             <a:extLst>
               <a:ext uri="{FF2B5EF4-FFF2-40B4-BE49-F238E27FC236}">
+                <a16:creationId xmlns:a16="http://schemas.microsoft.com/office/drawing/2014/main" id="{2415D3B8-5530-2AE8-CADA-91C464C2278F}"/>
+              </a:ext>
+            </a:extLst>
+          </p:cNvPr>
+          <p:cNvPicPr>
+            <a:picLocks noChangeAspect="1"/>
+          </p:cNvPicPr>
+          <p:nvPr/>
+        </p:nvPicPr>
+        <p:blipFill rotWithShape="1">
+          <a:blip r:embed="rId2">
+            <a:alphaModFix amt="50000"/>
+          </a:blip>
+          <a:srcRect t="25000"/>
+          <a:stretch/>
+        </p:blipFill>
+        <p:spPr>
+          <a:xfrm>
+            <a:off x="20" y="0"/>
+            <a:ext cx="12191980" cy="6857990"/>
+          </a:xfrm>
+          <a:prstGeom prst="rect">
+            <a:avLst/>
+          </a:prstGeom>
+          <a:noFill/>
+        </p:spPr>
+      </p:pic>
+      <p:pic>
+        <p:nvPicPr>
+          <p:cNvPr id="2" name="Imagen 1">
+            <a:extLst>
+              <a:ext uri="{FF2B5EF4-FFF2-40B4-BE49-F238E27FC236}">
+                <a16:creationId xmlns:a16="http://schemas.microsoft.com/office/drawing/2014/main" id="{0DB66CDA-21E0-B75C-56D7-7C55CBCDE3B9}"/>
+              </a:ext>
+            </a:extLst>
+          </p:cNvPr>
+          <p:cNvPicPr>
+            <a:picLocks noChangeAspect="1"/>
+          </p:cNvPicPr>
+          <p:nvPr/>
+        </p:nvPicPr>
+        <p:blipFill>
+          <a:blip r:embed="rId3"/>
+          <a:stretch>
+            <a:fillRect/>
+          </a:stretch>
+        </p:blipFill>
+        <p:spPr>
+          <a:xfrm>
+            <a:off x="0" y="571509"/>
+            <a:ext cx="12191980" cy="5714992"/>
+          </a:xfrm>
+          <a:prstGeom prst="rect">
+            <a:avLst/>
+          </a:prstGeom>
+        </p:spPr>
+      </p:pic>
+    </p:spTree>
+    <p:extLst>
+      <p:ext uri="{BB962C8B-B14F-4D97-AF65-F5344CB8AC3E}">
+        <p14:creationId xmlns:p14="http://schemas.microsoft.com/office/powerpoint/2010/main" val="101900742"/>
+      </p:ext>
+    </p:extLst>
+  </p:cSld>
+  <p:clrMapOvr>
+    <a:masterClrMapping/>
+  </p:clrMapOvr>
+</p:sld>
+</file>
+
+<file path=ppt/slides/slide21.xml><?xml version="1.0" encoding="utf-8"?>
+<p:sld xmlns:a="http://schemas.openxmlformats.org/drawingml/2006/main" xmlns:r="http://schemas.openxmlformats.org/officeDocument/2006/relationships" xmlns:p="http://schemas.openxmlformats.org/presentationml/2006/main">
+  <p:cSld>
+    <p:spTree>
+      <p:nvGrpSpPr>
+        <p:cNvPr id="1" name=""/>
+        <p:cNvGrpSpPr/>
+        <p:nvPr/>
+      </p:nvGrpSpPr>
+      <p:grpSpPr>
+        <a:xfrm>
+          <a:off x="0" y="0"/>
+          <a:ext cx="0" cy="0"/>
+          <a:chOff x="0" y="0"/>
+          <a:chExt cx="0" cy="0"/>
+        </a:xfrm>
+      </p:grpSpPr>
+      <p:pic>
+        <p:nvPicPr>
+          <p:cNvPr id="3" name="Picture 3">
+            <a:extLst>
+              <a:ext uri="{FF2B5EF4-FFF2-40B4-BE49-F238E27FC236}">
+                <a16:creationId xmlns:a16="http://schemas.microsoft.com/office/drawing/2014/main" id="{2706CBE4-1038-FDA1-DC43-65962633CFA7}"/>
+              </a:ext>
+            </a:extLst>
+          </p:cNvPr>
+          <p:cNvPicPr>
+            <a:picLocks noChangeAspect="1"/>
+          </p:cNvPicPr>
+          <p:nvPr/>
+        </p:nvPicPr>
+        <p:blipFill rotWithShape="1">
+          <a:blip r:embed="rId2">
+            <a:alphaModFix amt="50000"/>
+          </a:blip>
+          <a:srcRect t="25000"/>
+          <a:stretch/>
+        </p:blipFill>
+        <p:spPr>
+          <a:xfrm>
+            <a:off x="20" y="0"/>
+            <a:ext cx="12191980" cy="6857990"/>
+          </a:xfrm>
+          <a:prstGeom prst="rect">
+            <a:avLst/>
+          </a:prstGeom>
+          <a:noFill/>
+        </p:spPr>
+      </p:pic>
+      <p:pic>
+        <p:nvPicPr>
+          <p:cNvPr id="2" name="Imagen 1">
+            <a:extLst>
+              <a:ext uri="{FF2B5EF4-FFF2-40B4-BE49-F238E27FC236}">
+                <a16:creationId xmlns:a16="http://schemas.microsoft.com/office/drawing/2014/main" id="{C2E78F48-EE62-E436-DB54-115960BAB45C}"/>
+              </a:ext>
+            </a:extLst>
+          </p:cNvPr>
+          <p:cNvPicPr>
+            <a:picLocks noChangeAspect="1"/>
+          </p:cNvPicPr>
+          <p:nvPr/>
+        </p:nvPicPr>
+        <p:blipFill>
+          <a:blip r:embed="rId3"/>
+          <a:stretch>
+            <a:fillRect/>
+          </a:stretch>
+        </p:blipFill>
+        <p:spPr>
+          <a:xfrm>
+            <a:off x="0" y="567688"/>
+            <a:ext cx="12192000" cy="5722622"/>
+          </a:xfrm>
+          <a:prstGeom prst="rect">
+            <a:avLst/>
+          </a:prstGeom>
+        </p:spPr>
+      </p:pic>
+    </p:spTree>
+    <p:extLst>
+      <p:ext uri="{BB962C8B-B14F-4D97-AF65-F5344CB8AC3E}">
+        <p14:creationId xmlns:p14="http://schemas.microsoft.com/office/powerpoint/2010/main" val="1417128545"/>
+      </p:ext>
+    </p:extLst>
+  </p:cSld>
+  <p:clrMapOvr>
+    <a:masterClrMapping/>
+  </p:clrMapOvr>
+</p:sld>
+</file>
+
+<file path=ppt/slides/slide22.xml><?xml version="1.0" encoding="utf-8"?>
+<p:sld xmlns:a="http://schemas.openxmlformats.org/drawingml/2006/main" xmlns:r="http://schemas.openxmlformats.org/officeDocument/2006/relationships" xmlns:p="http://schemas.openxmlformats.org/presentationml/2006/main">
+  <p:cSld>
+    <p:spTree>
+      <p:nvGrpSpPr>
+        <p:cNvPr id="1" name=""/>
+        <p:cNvGrpSpPr/>
+        <p:nvPr/>
+      </p:nvGrpSpPr>
+      <p:grpSpPr>
+        <a:xfrm>
+          <a:off x="0" y="0"/>
+          <a:ext cx="0" cy="0"/>
+          <a:chOff x="0" y="0"/>
+          <a:chExt cx="0" cy="0"/>
+        </a:xfrm>
+      </p:grpSpPr>
+      <p:pic>
+        <p:nvPicPr>
+          <p:cNvPr id="6" name="Picture 3">
+            <a:extLst>
+              <a:ext uri="{FF2B5EF4-FFF2-40B4-BE49-F238E27FC236}">
+                <a16:creationId xmlns:a16="http://schemas.microsoft.com/office/drawing/2014/main" id="{4122A97E-DB51-A268-5042-7442AC97EF79}"/>
+              </a:ext>
+            </a:extLst>
+          </p:cNvPr>
+          <p:cNvPicPr>
+            <a:picLocks noChangeAspect="1"/>
+          </p:cNvPicPr>
+          <p:nvPr/>
+        </p:nvPicPr>
+        <p:blipFill rotWithShape="1">
+          <a:blip r:embed="rId2">
+            <a:alphaModFix amt="50000"/>
+          </a:blip>
+          <a:srcRect t="25000"/>
+          <a:stretch/>
+        </p:blipFill>
+        <p:spPr>
+          <a:xfrm>
+            <a:off x="20" y="0"/>
+            <a:ext cx="12191980" cy="6857990"/>
+          </a:xfrm>
+          <a:prstGeom prst="rect">
+            <a:avLst/>
+          </a:prstGeom>
+          <a:noFill/>
+        </p:spPr>
+      </p:pic>
+      <p:pic>
+        <p:nvPicPr>
+          <p:cNvPr id="3" name="Imagen 2" descr="Interfaz de usuario gráfica, Texto, Aplicación, Correo electrónico&#10;&#10;Descripción generada automáticamente">
+            <a:extLst>
+              <a:ext uri="{FF2B5EF4-FFF2-40B4-BE49-F238E27FC236}">
+                <a16:creationId xmlns:a16="http://schemas.microsoft.com/office/drawing/2014/main" id="{DC626F57-B6D9-D519-2882-54CBFEA71BBD}"/>
+              </a:ext>
+            </a:extLst>
+          </p:cNvPr>
+          <p:cNvPicPr>
+            <a:picLocks noChangeAspect="1"/>
+          </p:cNvPicPr>
+          <p:nvPr/>
+        </p:nvPicPr>
+        <p:blipFill>
+          <a:blip r:embed="rId3"/>
+          <a:stretch>
+            <a:fillRect/>
+          </a:stretch>
+        </p:blipFill>
+        <p:spPr>
+          <a:xfrm>
+            <a:off x="0" y="132588"/>
+            <a:ext cx="11815312" cy="5545002"/>
+          </a:xfrm>
+          <a:prstGeom prst="rect">
+            <a:avLst/>
+          </a:prstGeom>
+        </p:spPr>
+      </p:pic>
+      <p:sp>
+        <p:nvSpPr>
+          <p:cNvPr id="5" name="CuadroTexto 4">
+            <a:extLst>
+              <a:ext uri="{FF2B5EF4-FFF2-40B4-BE49-F238E27FC236}">
+                <a16:creationId xmlns:a16="http://schemas.microsoft.com/office/drawing/2014/main" id="{57E668E5-23F4-8374-1067-32EFBC67F4A7}"/>
+              </a:ext>
+            </a:extLst>
+          </p:cNvPr>
+          <p:cNvSpPr txBox="1"/>
+          <p:nvPr/>
+        </p:nvSpPr>
+        <p:spPr>
+          <a:xfrm>
+            <a:off x="7213600" y="4332850"/>
+            <a:ext cx="4601712" cy="1477328"/>
+          </a:xfrm>
+          <a:prstGeom prst="rect">
+            <a:avLst/>
+          </a:prstGeom>
+          <a:noFill/>
+        </p:spPr>
+        <p:txBody>
+          <a:bodyPr wrap="square">
+            <a:spAutoFit/>
+          </a:bodyPr>
+          <a:lstStyle/>
+          <a:p>
+            <a:r>
+              <a:rPr lang="es-ES">
+                <a:hlinkClick r:id="rId4"/>
+              </a:rPr>
+              <a:t>https://wikidata.org/prop/direct/P31</a:t>
+            </a:r>
+            <a:endParaRPr lang="es-ES"/>
+          </a:p>
+          <a:p>
+            <a:r>
+              <a:rPr lang="es-ES">
+                <a:hlinkClick r:id="rId5"/>
+              </a:rPr>
+              <a:t>https://wikidata.org/prop/direct/P131</a:t>
+            </a:r>
+            <a:endParaRPr lang="es-ES"/>
+          </a:p>
+          <a:p>
+            <a:r>
+              <a:rPr lang="es-ES">
+                <a:hlinkClick r:id="rId6"/>
+              </a:rPr>
+              <a:t>https://wikidata.org/prop/direct/P17</a:t>
+            </a:r>
+            <a:endParaRPr lang="es-ES"/>
+          </a:p>
+          <a:p>
+            <a:r>
+              <a:rPr lang="es-ES">
+                <a:hlinkClick r:id="rId7"/>
+              </a:rPr>
+              <a:t>https://wikidata.org/prop/direct/P1343</a:t>
+            </a:r>
+            <a:endParaRPr lang="es-ES"/>
+          </a:p>
+          <a:p>
+            <a:endParaRPr lang="es-ES"/>
+          </a:p>
+        </p:txBody>
+      </p:sp>
+    </p:spTree>
+    <p:extLst>
+      <p:ext uri="{BB962C8B-B14F-4D97-AF65-F5344CB8AC3E}">
+        <p14:creationId xmlns:p14="http://schemas.microsoft.com/office/powerpoint/2010/main" val="3386082475"/>
+      </p:ext>
+    </p:extLst>
+  </p:cSld>
+  <p:clrMapOvr>
+    <a:masterClrMapping/>
+  </p:clrMapOvr>
+</p:sld>
+</file>
+
+<file path=ppt/slides/slide23.xml><?xml version="1.0" encoding="utf-8"?>
+<p:sld xmlns:a="http://schemas.openxmlformats.org/drawingml/2006/main" xmlns:r="http://schemas.openxmlformats.org/officeDocument/2006/relationships" xmlns:p="http://schemas.openxmlformats.org/presentationml/2006/main">
+  <p:cSld>
+    <p:spTree>
+      <p:nvGrpSpPr>
+        <p:cNvPr id="1" name=""/>
+        <p:cNvGrpSpPr/>
+        <p:nvPr/>
+      </p:nvGrpSpPr>
+      <p:grpSpPr>
+        <a:xfrm>
+          <a:off x="0" y="0"/>
+          <a:ext cx="0" cy="0"/>
+          <a:chOff x="0" y="0"/>
+          <a:chExt cx="0" cy="0"/>
+        </a:xfrm>
+      </p:grpSpPr>
+      <p:pic>
+        <p:nvPicPr>
+          <p:cNvPr id="6" name="Picture 3">
+            <a:extLst>
+              <a:ext uri="{FF2B5EF4-FFF2-40B4-BE49-F238E27FC236}">
+                <a16:creationId xmlns:a16="http://schemas.microsoft.com/office/drawing/2014/main" id="{4122A97E-DB51-A268-5042-7442AC97EF79}"/>
+              </a:ext>
+            </a:extLst>
+          </p:cNvPr>
+          <p:cNvPicPr>
+            <a:picLocks noChangeAspect="1"/>
+          </p:cNvPicPr>
+          <p:nvPr/>
+        </p:nvPicPr>
+        <p:blipFill rotWithShape="1">
+          <a:blip r:embed="rId2">
+            <a:alphaModFix amt="50000"/>
+          </a:blip>
+          <a:srcRect t="25000"/>
+          <a:stretch/>
+        </p:blipFill>
+        <p:spPr>
+          <a:xfrm>
+            <a:off x="20" y="0"/>
+            <a:ext cx="12191980" cy="6857990"/>
+          </a:xfrm>
+          <a:prstGeom prst="rect">
+            <a:avLst/>
+          </a:prstGeom>
+          <a:noFill/>
+        </p:spPr>
+      </p:pic>
+      <p:sp>
+        <p:nvSpPr>
+          <p:cNvPr id="5" name="CuadroTexto 4">
+            <a:extLst>
+              <a:ext uri="{FF2B5EF4-FFF2-40B4-BE49-F238E27FC236}">
+                <a16:creationId xmlns:a16="http://schemas.microsoft.com/office/drawing/2014/main" id="{57E668E5-23F4-8374-1067-32EFBC67F4A7}"/>
+              </a:ext>
+            </a:extLst>
+          </p:cNvPr>
+          <p:cNvSpPr txBox="1"/>
+          <p:nvPr/>
+        </p:nvSpPr>
+        <p:spPr>
+          <a:xfrm>
+            <a:off x="88070" y="3130788"/>
+            <a:ext cx="4601712" cy="369332"/>
+          </a:xfrm>
+          <a:prstGeom prst="rect">
+            <a:avLst/>
+          </a:prstGeom>
+          <a:solidFill>
+            <a:schemeClr val="bg1"/>
+          </a:solidFill>
+        </p:spPr>
+        <p:txBody>
+          <a:bodyPr wrap="square">
+            <a:spAutoFit/>
+          </a:bodyPr>
+          <a:lstStyle/>
+          <a:p>
+            <a:r>
+              <a:rPr lang="es-ES">
+                <a:hlinkClick r:id="rId3"/>
+              </a:rPr>
+              <a:t>https://wikidata.org/prop/direct/P31</a:t>
+            </a:r>
+            <a:endParaRPr lang="es-ES"/>
+          </a:p>
+        </p:txBody>
+      </p:sp>
+      <p:pic>
+        <p:nvPicPr>
+          <p:cNvPr id="4" name="Imagen 3">
+            <a:extLst>
+              <a:ext uri="{FF2B5EF4-FFF2-40B4-BE49-F238E27FC236}">
+                <a16:creationId xmlns:a16="http://schemas.microsoft.com/office/drawing/2014/main" id="{9B8AF7DE-D2AD-2ED0-9797-A9F70A018B06}"/>
+              </a:ext>
+            </a:extLst>
+          </p:cNvPr>
+          <p:cNvPicPr>
+            <a:picLocks noChangeAspect="1"/>
+          </p:cNvPicPr>
+          <p:nvPr/>
+        </p:nvPicPr>
+        <p:blipFill>
+          <a:blip r:embed="rId4"/>
+          <a:stretch>
+            <a:fillRect/>
+          </a:stretch>
+        </p:blipFill>
+        <p:spPr>
+          <a:xfrm>
+            <a:off x="4418782" y="696451"/>
+            <a:ext cx="7360028" cy="5607338"/>
+          </a:xfrm>
+          <a:prstGeom prst="rect">
+            <a:avLst/>
+          </a:prstGeom>
+        </p:spPr>
+      </p:pic>
+    </p:spTree>
+    <p:extLst>
+      <p:ext uri="{BB962C8B-B14F-4D97-AF65-F5344CB8AC3E}">
+        <p14:creationId xmlns:p14="http://schemas.microsoft.com/office/powerpoint/2010/main" val="2003724065"/>
+      </p:ext>
+    </p:extLst>
+  </p:cSld>
+  <p:clrMapOvr>
+    <a:masterClrMapping/>
+  </p:clrMapOvr>
+</p:sld>
+</file>
+
+<file path=ppt/slides/slide24.xml><?xml version="1.0" encoding="utf-8"?>
+<p:sld xmlns:a="http://schemas.openxmlformats.org/drawingml/2006/main" xmlns:r="http://schemas.openxmlformats.org/officeDocument/2006/relationships" xmlns:p="http://schemas.openxmlformats.org/presentationml/2006/main">
+  <p:cSld>
+    <p:spTree>
+      <p:nvGrpSpPr>
+        <p:cNvPr id="1" name=""/>
+        <p:cNvGrpSpPr/>
+        <p:nvPr/>
+      </p:nvGrpSpPr>
+      <p:grpSpPr>
+        <a:xfrm>
+          <a:off x="0" y="0"/>
+          <a:ext cx="0" cy="0"/>
+          <a:chOff x="0" y="0"/>
+          <a:chExt cx="0" cy="0"/>
+        </a:xfrm>
+      </p:grpSpPr>
+      <p:pic>
+        <p:nvPicPr>
+          <p:cNvPr id="6" name="Picture 3">
+            <a:extLst>
+              <a:ext uri="{FF2B5EF4-FFF2-40B4-BE49-F238E27FC236}">
+                <a16:creationId xmlns:a16="http://schemas.microsoft.com/office/drawing/2014/main" id="{4122A97E-DB51-A268-5042-7442AC97EF79}"/>
+              </a:ext>
+            </a:extLst>
+          </p:cNvPr>
+          <p:cNvPicPr>
+            <a:picLocks noChangeAspect="1"/>
+          </p:cNvPicPr>
+          <p:nvPr/>
+        </p:nvPicPr>
+        <p:blipFill rotWithShape="1">
+          <a:blip r:embed="rId2">
+            <a:alphaModFix amt="50000"/>
+          </a:blip>
+          <a:srcRect t="25000"/>
+          <a:stretch/>
+        </p:blipFill>
+        <p:spPr>
+          <a:xfrm>
+            <a:off x="20" y="0"/>
+            <a:ext cx="12191980" cy="6857990"/>
+          </a:xfrm>
+          <a:prstGeom prst="rect">
+            <a:avLst/>
+          </a:prstGeom>
+          <a:noFill/>
+        </p:spPr>
+      </p:pic>
+      <p:sp>
+        <p:nvSpPr>
+          <p:cNvPr id="5" name="CuadroTexto 4">
+            <a:extLst>
+              <a:ext uri="{FF2B5EF4-FFF2-40B4-BE49-F238E27FC236}">
+                <a16:creationId xmlns:a16="http://schemas.microsoft.com/office/drawing/2014/main" id="{57E668E5-23F4-8374-1067-32EFBC67F4A7}"/>
+              </a:ext>
+            </a:extLst>
+          </p:cNvPr>
+          <p:cNvSpPr txBox="1"/>
+          <p:nvPr/>
+        </p:nvSpPr>
+        <p:spPr>
+          <a:xfrm>
+            <a:off x="88070" y="3130788"/>
+            <a:ext cx="4601712" cy="369332"/>
+          </a:xfrm>
+          <a:prstGeom prst="rect">
+            <a:avLst/>
+          </a:prstGeom>
+          <a:solidFill>
+            <a:schemeClr val="bg1"/>
+          </a:solidFill>
+        </p:spPr>
+        <p:txBody>
+          <a:bodyPr wrap="square">
+            <a:spAutoFit/>
+          </a:bodyPr>
+          <a:lstStyle/>
+          <a:p>
+            <a:r>
+              <a:rPr lang="es-ES">
+                <a:hlinkClick r:id="rId3"/>
+              </a:rPr>
+              <a:t>https://wikidata.org/prop/direct/P131</a:t>
+            </a:r>
+            <a:endParaRPr lang="es-ES"/>
+          </a:p>
+        </p:txBody>
+      </p:sp>
+      <p:pic>
+        <p:nvPicPr>
+          <p:cNvPr id="3" name="Imagen 2">
+            <a:extLst>
+              <a:ext uri="{FF2B5EF4-FFF2-40B4-BE49-F238E27FC236}">
+                <a16:creationId xmlns:a16="http://schemas.microsoft.com/office/drawing/2014/main" id="{1B7C0C6E-48A2-A827-50D2-EB904F39A79C}"/>
+              </a:ext>
+            </a:extLst>
+          </p:cNvPr>
+          <p:cNvPicPr>
+            <a:picLocks noChangeAspect="1"/>
+          </p:cNvPicPr>
+          <p:nvPr/>
+        </p:nvPicPr>
+        <p:blipFill>
+          <a:blip r:embed="rId4"/>
+          <a:stretch>
+            <a:fillRect/>
+          </a:stretch>
+        </p:blipFill>
+        <p:spPr>
+          <a:xfrm>
+            <a:off x="4274623" y="639298"/>
+            <a:ext cx="7645793" cy="5721644"/>
+          </a:xfrm>
+          <a:prstGeom prst="rect">
+            <a:avLst/>
+          </a:prstGeom>
+        </p:spPr>
+      </p:pic>
+    </p:spTree>
+    <p:extLst>
+      <p:ext uri="{BB962C8B-B14F-4D97-AF65-F5344CB8AC3E}">
+        <p14:creationId xmlns:p14="http://schemas.microsoft.com/office/powerpoint/2010/main" val="127913125"/>
+      </p:ext>
+    </p:extLst>
+  </p:cSld>
+  <p:clrMapOvr>
+    <a:masterClrMapping/>
+  </p:clrMapOvr>
+</p:sld>
+</file>
+
+<file path=ppt/slides/slide25.xml><?xml version="1.0" encoding="utf-8"?>
+<p:sld xmlns:a="http://schemas.openxmlformats.org/drawingml/2006/main" xmlns:r="http://schemas.openxmlformats.org/officeDocument/2006/relationships" xmlns:p="http://schemas.openxmlformats.org/presentationml/2006/main">
+  <p:cSld>
+    <p:spTree>
+      <p:nvGrpSpPr>
+        <p:cNvPr id="1" name=""/>
+        <p:cNvGrpSpPr/>
+        <p:nvPr/>
+      </p:nvGrpSpPr>
+      <p:grpSpPr>
+        <a:xfrm>
+          <a:off x="0" y="0"/>
+          <a:ext cx="0" cy="0"/>
+          <a:chOff x="0" y="0"/>
+          <a:chExt cx="0" cy="0"/>
+        </a:xfrm>
+      </p:grpSpPr>
+      <p:pic>
+        <p:nvPicPr>
+          <p:cNvPr id="6" name="Picture 3">
+            <a:extLst>
+              <a:ext uri="{FF2B5EF4-FFF2-40B4-BE49-F238E27FC236}">
+                <a16:creationId xmlns:a16="http://schemas.microsoft.com/office/drawing/2014/main" id="{4122A97E-DB51-A268-5042-7442AC97EF79}"/>
+              </a:ext>
+            </a:extLst>
+          </p:cNvPr>
+          <p:cNvPicPr>
+            <a:picLocks noChangeAspect="1"/>
+          </p:cNvPicPr>
+          <p:nvPr/>
+        </p:nvPicPr>
+        <p:blipFill rotWithShape="1">
+          <a:blip r:embed="rId2">
+            <a:alphaModFix amt="50000"/>
+          </a:blip>
+          <a:srcRect t="25000"/>
+          <a:stretch/>
+        </p:blipFill>
+        <p:spPr>
+          <a:xfrm>
+            <a:off x="20" y="0"/>
+            <a:ext cx="12191980" cy="6857990"/>
+          </a:xfrm>
+          <a:prstGeom prst="rect">
+            <a:avLst/>
+          </a:prstGeom>
+          <a:noFill/>
+        </p:spPr>
+      </p:pic>
+      <p:sp>
+        <p:nvSpPr>
+          <p:cNvPr id="5" name="CuadroTexto 4">
+            <a:extLst>
+              <a:ext uri="{FF2B5EF4-FFF2-40B4-BE49-F238E27FC236}">
+                <a16:creationId xmlns:a16="http://schemas.microsoft.com/office/drawing/2014/main" id="{57E668E5-23F4-8374-1067-32EFBC67F4A7}"/>
+              </a:ext>
+            </a:extLst>
+          </p:cNvPr>
+          <p:cNvSpPr txBox="1"/>
+          <p:nvPr/>
+        </p:nvSpPr>
+        <p:spPr>
+          <a:xfrm>
+            <a:off x="77910" y="3130788"/>
+            <a:ext cx="4601712" cy="369332"/>
+          </a:xfrm>
+          <a:prstGeom prst="rect">
+            <a:avLst/>
+          </a:prstGeom>
+          <a:solidFill>
+            <a:schemeClr val="bg1"/>
+          </a:solidFill>
+        </p:spPr>
+        <p:txBody>
+          <a:bodyPr wrap="square">
+            <a:spAutoFit/>
+          </a:bodyPr>
+          <a:lstStyle/>
+          <a:p>
+            <a:r>
+              <a:rPr lang="es-ES">
+                <a:hlinkClick r:id="rId3"/>
+              </a:rPr>
+              <a:t>https://wikidata.org/prop/direct/P17</a:t>
+            </a:r>
+            <a:endParaRPr lang="es-ES"/>
+          </a:p>
+        </p:txBody>
+      </p:sp>
+      <p:pic>
+        <p:nvPicPr>
+          <p:cNvPr id="3" name="Imagen 2">
+            <a:extLst>
+              <a:ext uri="{FF2B5EF4-FFF2-40B4-BE49-F238E27FC236}">
+                <a16:creationId xmlns:a16="http://schemas.microsoft.com/office/drawing/2014/main" id="{040F17E9-418D-8E42-6377-3AC0573CC141}"/>
+              </a:ext>
+            </a:extLst>
+          </p:cNvPr>
+          <p:cNvPicPr>
+            <a:picLocks noChangeAspect="1"/>
+          </p:cNvPicPr>
+          <p:nvPr/>
+        </p:nvPicPr>
+        <p:blipFill>
+          <a:blip r:embed="rId4"/>
+          <a:stretch>
+            <a:fillRect/>
+          </a:stretch>
+        </p:blipFill>
+        <p:spPr>
+          <a:xfrm>
+            <a:off x="4114365" y="552297"/>
+            <a:ext cx="8077615" cy="5753396"/>
+          </a:xfrm>
+          <a:prstGeom prst="rect">
+            <a:avLst/>
+          </a:prstGeom>
+        </p:spPr>
+      </p:pic>
+    </p:spTree>
+    <p:extLst>
+      <p:ext uri="{BB962C8B-B14F-4D97-AF65-F5344CB8AC3E}">
+        <p14:creationId xmlns:p14="http://schemas.microsoft.com/office/powerpoint/2010/main" val="2706610840"/>
+      </p:ext>
+    </p:extLst>
+  </p:cSld>
+  <p:clrMapOvr>
+    <a:masterClrMapping/>
+  </p:clrMapOvr>
+</p:sld>
+</file>
+
+<file path=ppt/slides/slide26.xml><?xml version="1.0" encoding="utf-8"?>
+<p:sld xmlns:a="http://schemas.openxmlformats.org/drawingml/2006/main" xmlns:r="http://schemas.openxmlformats.org/officeDocument/2006/relationships" xmlns:p="http://schemas.openxmlformats.org/presentationml/2006/main">
+  <p:cSld>
+    <p:spTree>
+      <p:nvGrpSpPr>
+        <p:cNvPr id="1" name=""/>
+        <p:cNvGrpSpPr/>
+        <p:nvPr/>
+      </p:nvGrpSpPr>
+      <p:grpSpPr>
+        <a:xfrm>
+          <a:off x="0" y="0"/>
+          <a:ext cx="0" cy="0"/>
+          <a:chOff x="0" y="0"/>
+          <a:chExt cx="0" cy="0"/>
+        </a:xfrm>
+      </p:grpSpPr>
+      <p:pic>
+        <p:nvPicPr>
+          <p:cNvPr id="6" name="Picture 3">
+            <a:extLst>
+              <a:ext uri="{FF2B5EF4-FFF2-40B4-BE49-F238E27FC236}">
+                <a16:creationId xmlns:a16="http://schemas.microsoft.com/office/drawing/2014/main" id="{4122A97E-DB51-A268-5042-7442AC97EF79}"/>
+              </a:ext>
+            </a:extLst>
+          </p:cNvPr>
+          <p:cNvPicPr>
+            <a:picLocks noChangeAspect="1"/>
+          </p:cNvPicPr>
+          <p:nvPr/>
+        </p:nvPicPr>
+        <p:blipFill rotWithShape="1">
+          <a:blip r:embed="rId2">
+            <a:alphaModFix amt="50000"/>
+          </a:blip>
+          <a:srcRect t="25000"/>
+          <a:stretch/>
+        </p:blipFill>
+        <p:spPr>
+          <a:xfrm>
+            <a:off x="20" y="0"/>
+            <a:ext cx="12191980" cy="6857990"/>
+          </a:xfrm>
+          <a:prstGeom prst="rect">
+            <a:avLst/>
+          </a:prstGeom>
+          <a:noFill/>
+        </p:spPr>
+      </p:pic>
+      <p:sp>
+        <p:nvSpPr>
+          <p:cNvPr id="5" name="CuadroTexto 4">
+            <a:extLst>
+              <a:ext uri="{FF2B5EF4-FFF2-40B4-BE49-F238E27FC236}">
+                <a16:creationId xmlns:a16="http://schemas.microsoft.com/office/drawing/2014/main" id="{57E668E5-23F4-8374-1067-32EFBC67F4A7}"/>
+              </a:ext>
+            </a:extLst>
+          </p:cNvPr>
+          <p:cNvSpPr txBox="1"/>
+          <p:nvPr/>
+        </p:nvSpPr>
+        <p:spPr>
+          <a:xfrm>
+            <a:off x="88070" y="3130788"/>
+            <a:ext cx="4601712" cy="369332"/>
+          </a:xfrm>
+          <a:prstGeom prst="rect">
+            <a:avLst/>
+          </a:prstGeom>
+          <a:solidFill>
+            <a:schemeClr val="bg1"/>
+          </a:solidFill>
+        </p:spPr>
+        <p:txBody>
+          <a:bodyPr wrap="square">
+            <a:spAutoFit/>
+          </a:bodyPr>
+          <a:lstStyle/>
+          <a:p>
+            <a:r>
+              <a:rPr lang="es-ES">
+                <a:hlinkClick r:id="rId3"/>
+              </a:rPr>
+              <a:t>https://wikidata.org/prop/direct/P1343</a:t>
+            </a:r>
+            <a:endParaRPr lang="es-ES"/>
+          </a:p>
+        </p:txBody>
+      </p:sp>
+      <p:pic>
+        <p:nvPicPr>
+          <p:cNvPr id="3" name="Imagen 2">
+            <a:extLst>
+              <a:ext uri="{FF2B5EF4-FFF2-40B4-BE49-F238E27FC236}">
+                <a16:creationId xmlns:a16="http://schemas.microsoft.com/office/drawing/2014/main" id="{961662CC-1D46-15B6-8916-04C64585F117}"/>
+              </a:ext>
+            </a:extLst>
+          </p:cNvPr>
+          <p:cNvPicPr>
+            <a:picLocks noChangeAspect="1"/>
+          </p:cNvPicPr>
+          <p:nvPr/>
+        </p:nvPicPr>
+        <p:blipFill>
+          <a:blip r:embed="rId4"/>
+          <a:stretch>
+            <a:fillRect/>
+          </a:stretch>
+        </p:blipFill>
+        <p:spPr>
+          <a:xfrm>
+            <a:off x="4463856" y="609450"/>
+            <a:ext cx="7531487" cy="5639090"/>
+          </a:xfrm>
+          <a:prstGeom prst="rect">
+            <a:avLst/>
+          </a:prstGeom>
+        </p:spPr>
+      </p:pic>
+    </p:spTree>
+    <p:extLst>
+      <p:ext uri="{BB962C8B-B14F-4D97-AF65-F5344CB8AC3E}">
+        <p14:creationId xmlns:p14="http://schemas.microsoft.com/office/powerpoint/2010/main" val="3046631225"/>
+      </p:ext>
+    </p:extLst>
+  </p:cSld>
+  <p:clrMapOvr>
+    <a:masterClrMapping/>
+  </p:clrMapOvr>
+</p:sld>
+</file>
+
+<file path=ppt/slides/slide27.xml><?xml version="1.0" encoding="utf-8"?>
+<p:sld xmlns:a="http://schemas.openxmlformats.org/drawingml/2006/main" xmlns:r="http://schemas.openxmlformats.org/officeDocument/2006/relationships" xmlns:p="http://schemas.openxmlformats.org/presentationml/2006/main">
+  <p:cSld>
+    <p:spTree>
+      <p:nvGrpSpPr>
+        <p:cNvPr id="1" name=""/>
+        <p:cNvGrpSpPr/>
+        <p:nvPr/>
+      </p:nvGrpSpPr>
+      <p:grpSpPr>
+        <a:xfrm>
+          <a:off x="0" y="0"/>
+          <a:ext cx="0" cy="0"/>
+          <a:chOff x="0" y="0"/>
+          <a:chExt cx="0" cy="0"/>
+        </a:xfrm>
+      </p:grpSpPr>
+      <p:pic>
+        <p:nvPicPr>
+          <p:cNvPr id="3" name="Picture 3">
+            <a:extLst>
+              <a:ext uri="{FF2B5EF4-FFF2-40B4-BE49-F238E27FC236}">
+                <a16:creationId xmlns:a16="http://schemas.microsoft.com/office/drawing/2014/main" id="{7626C21C-41FC-DD86-3564-21605378321C}"/>
+              </a:ext>
+            </a:extLst>
+          </p:cNvPr>
+          <p:cNvPicPr>
+            <a:picLocks noChangeAspect="1"/>
+          </p:cNvPicPr>
+          <p:nvPr/>
+        </p:nvPicPr>
+        <p:blipFill rotWithShape="1">
+          <a:blip r:embed="rId2">
+            <a:alphaModFix amt="50000"/>
+          </a:blip>
+          <a:srcRect t="25000"/>
+          <a:stretch/>
+        </p:blipFill>
+        <p:spPr>
+          <a:xfrm>
+            <a:off x="20" y="0"/>
+            <a:ext cx="12191980" cy="6857990"/>
+          </a:xfrm>
+          <a:prstGeom prst="rect">
+            <a:avLst/>
+          </a:prstGeom>
+          <a:noFill/>
+        </p:spPr>
+      </p:pic>
+      <p:pic>
+        <p:nvPicPr>
+          <p:cNvPr id="2" name="Imagen 1" descr="Interfaz de usuario gráfica, Texto, Aplicación, Correo electrónico&#10;&#10;Descripción generada automáticamente">
+            <a:extLst>
+              <a:ext uri="{FF2B5EF4-FFF2-40B4-BE49-F238E27FC236}">
+                <a16:creationId xmlns:a16="http://schemas.microsoft.com/office/drawing/2014/main" id="{0DB10173-5EF5-8C29-CEB4-4672EF96157B}"/>
+              </a:ext>
+            </a:extLst>
+          </p:cNvPr>
+          <p:cNvPicPr>
+            <a:picLocks noChangeAspect="1"/>
+          </p:cNvPicPr>
+          <p:nvPr/>
+        </p:nvPicPr>
+        <p:blipFill>
+          <a:blip r:embed="rId3"/>
+          <a:stretch>
+            <a:fillRect/>
+          </a:stretch>
+        </p:blipFill>
+        <p:spPr>
+          <a:xfrm>
+            <a:off x="0" y="573459"/>
+            <a:ext cx="12276377" cy="5756221"/>
+          </a:xfrm>
+          <a:prstGeom prst="rect">
+            <a:avLst/>
+          </a:prstGeom>
+        </p:spPr>
+      </p:pic>
+    </p:spTree>
+    <p:extLst>
+      <p:ext uri="{BB962C8B-B14F-4D97-AF65-F5344CB8AC3E}">
+        <p14:creationId xmlns:p14="http://schemas.microsoft.com/office/powerpoint/2010/main" val="3683001120"/>
+      </p:ext>
+    </p:extLst>
+  </p:cSld>
+  <p:clrMapOvr>
+    <a:masterClrMapping/>
+  </p:clrMapOvr>
+</p:sld>
+</file>
+
+<file path=ppt/slides/slide28.xml><?xml version="1.0" encoding="utf-8"?>
+<p:sld xmlns:a="http://schemas.openxmlformats.org/drawingml/2006/main" xmlns:r="http://schemas.openxmlformats.org/officeDocument/2006/relationships" xmlns:p="http://schemas.openxmlformats.org/presentationml/2006/main">
+  <p:cSld>
+    <p:spTree>
+      <p:nvGrpSpPr>
+        <p:cNvPr id="1" name=""/>
+        <p:cNvGrpSpPr/>
+        <p:nvPr/>
+      </p:nvGrpSpPr>
+      <p:grpSpPr>
+        <a:xfrm>
+          <a:off x="0" y="0"/>
+          <a:ext cx="0" cy="0"/>
+          <a:chOff x="0" y="0"/>
+          <a:chExt cx="0" cy="0"/>
+        </a:xfrm>
+      </p:grpSpPr>
+      <p:pic>
+        <p:nvPicPr>
+          <p:cNvPr id="3" name="Picture 3">
+            <a:extLst>
+              <a:ext uri="{FF2B5EF4-FFF2-40B4-BE49-F238E27FC236}">
                 <a16:creationId xmlns:a16="http://schemas.microsoft.com/office/drawing/2014/main" id="{C44A1DC0-0E5B-133D-7B24-11D52755543C}"/>
               </a:ext>
             </a:extLst>
@@ -6281,7 +10812,7 @@
 </p:sld>
 </file>
 
-<file path=ppt/slides/slide21.xml><?xml version="1.0" encoding="utf-8"?>
+<file path=ppt/slides/slide29.xml><?xml version="1.0" encoding="utf-8"?>
 <p:sld xmlns:a="http://schemas.openxmlformats.org/drawingml/2006/main" xmlns:r="http://schemas.openxmlformats.org/officeDocument/2006/relationships" xmlns:p="http://schemas.openxmlformats.org/presentationml/2006/main">
   <p:cSld>
     <p:spTree>
@@ -6373,7 +10904,318 @@
 </p:sld>
 </file>
 
-<file path=ppt/slides/slide22.xml><?xml version="1.0" encoding="utf-8"?>
+<file path=ppt/slides/slide3.xml><?xml version="1.0" encoding="utf-8"?>
+<p:sld xmlns:a="http://schemas.openxmlformats.org/drawingml/2006/main" xmlns:r="http://schemas.openxmlformats.org/officeDocument/2006/relationships" xmlns:p="http://schemas.openxmlformats.org/presentationml/2006/main">
+  <p:cSld>
+    <p:bg>
+      <p:bgPr>
+        <a:solidFill>
+          <a:schemeClr val="bg1"/>
+        </a:solidFill>
+        <a:effectLst/>
+      </p:bgPr>
+    </p:bg>
+    <p:spTree>
+      <p:nvGrpSpPr>
+        <p:cNvPr id="1" name=""/>
+        <p:cNvGrpSpPr/>
+        <p:nvPr/>
+      </p:nvGrpSpPr>
+      <p:grpSpPr>
+        <a:xfrm>
+          <a:off x="0" y="0"/>
+          <a:ext cx="0" cy="0"/>
+          <a:chOff x="0" y="0"/>
+          <a:chExt cx="0" cy="0"/>
+        </a:xfrm>
+      </p:grpSpPr>
+      <p:sp useBgFill="1">
+        <p:nvSpPr>
+          <p:cNvPr id="17" name="Rectangle 8">
+            <a:extLst>
+              <a:ext uri="{FF2B5EF4-FFF2-40B4-BE49-F238E27FC236}">
+                <a16:creationId xmlns:a16="http://schemas.microsoft.com/office/drawing/2014/main" id="{FF28492A-DDDF-4C12-AE60-3EA02D8D20CD}"/>
+              </a:ext>
+              <a:ext uri="{C183D7F6-B498-43B3-948B-1728B52AA6E4}">
+                <adec:decorative xmlns:adec="http://schemas.microsoft.com/office/drawing/2017/decorative" val="1"/>
+              </a:ext>
+            </a:extLst>
+          </p:cNvPr>
+          <p:cNvSpPr>
+            <a:spLocks noGrp="1" noRot="1" noChangeAspect="1" noMove="1" noResize="1" noEditPoints="1" noAdjustHandles="1" noChangeArrowheads="1" noChangeShapeType="1" noTextEdit="1"/>
+          </p:cNvSpPr>
+          <p:nvPr>
+            <p:extLst>
+              <p:ext uri="{386F3935-93C4-4BCD-93E2-E3B085C9AB24}">
+                <p16:designElem xmlns:p16="http://schemas.microsoft.com/office/powerpoint/2015/main" val="1"/>
+              </p:ext>
+            </p:extLst>
+          </p:nvPr>
+        </p:nvSpPr>
+        <p:spPr>
+          <a:xfrm>
+            <a:off x="0" y="0"/>
+            <a:ext cx="12192000" cy="6858000"/>
+          </a:xfrm>
+          <a:prstGeom prst="rect">
+            <a:avLst/>
+          </a:prstGeom>
+          <a:ln w="12700" cap="flat" cmpd="sng" algn="ctr">
+            <a:noFill/>
+            <a:prstDash val="solid"/>
+            <a:miter lim="800000"/>
+          </a:ln>
+          <a:effectLst/>
+          <a:extLst>
+            <a:ext uri="{91240B29-F687-4F45-9708-019B960494DF}">
+              <a14:hiddenLine xmlns:a14="http://schemas.microsoft.com/office/drawing/2010/main" w="12700" cap="flat" cmpd="sng" algn="ctr">
+                <a:solidFill>
+                  <a:schemeClr val="accent1">
+                    <a:shade val="50000"/>
+                  </a:schemeClr>
+                </a:solidFill>
+                <a:prstDash val="solid"/>
+                <a:miter lim="800000"/>
+              </a14:hiddenLine>
+            </a:ext>
+          </a:extLst>
+        </p:spPr>
+        <p:style>
+          <a:lnRef idx="2">
+            <a:schemeClr val="accent1">
+              <a:shade val="50000"/>
+            </a:schemeClr>
+          </a:lnRef>
+          <a:fillRef idx="1">
+            <a:schemeClr val="accent1"/>
+          </a:fillRef>
+          <a:effectRef idx="0">
+            <a:schemeClr val="accent1"/>
+          </a:effectRef>
+          <a:fontRef idx="minor">
+            <a:schemeClr val="lt1"/>
+          </a:fontRef>
+        </p:style>
+        <p:txBody>
+          <a:bodyPr rtlCol="0" anchor="ctr"/>
+          <a:lstStyle/>
+          <a:p>
+            <a:pPr algn="ctr"/>
+            <a:endParaRPr lang="en-US"/>
+          </a:p>
+        </p:txBody>
+      </p:sp>
+      <p:sp>
+        <p:nvSpPr>
+          <p:cNvPr id="18" name="Freeform: Shape 10">
+            <a:extLst>
+              <a:ext uri="{FF2B5EF4-FFF2-40B4-BE49-F238E27FC236}">
+                <a16:creationId xmlns:a16="http://schemas.microsoft.com/office/drawing/2014/main" id="{E063DF58-06E6-4ED6-947D-1490C2F718F8}"/>
+              </a:ext>
+              <a:ext uri="{C183D7F6-B498-43B3-948B-1728B52AA6E4}">
+                <adec:decorative xmlns:adec="http://schemas.microsoft.com/office/drawing/2017/decorative" val="1"/>
+              </a:ext>
+            </a:extLst>
+          </p:cNvPr>
+          <p:cNvSpPr>
+            <a:spLocks noGrp="1" noRot="1" noChangeAspect="1" noMove="1" noResize="1" noEditPoints="1" noAdjustHandles="1" noChangeArrowheads="1" noChangeShapeType="1" noTextEdit="1"/>
+          </p:cNvSpPr>
+          <p:nvPr>
+            <p:extLst>
+              <p:ext uri="{386F3935-93C4-4BCD-93E2-E3B085C9AB24}">
+                <p16:designElem xmlns:p16="http://schemas.microsoft.com/office/powerpoint/2015/main" val="1"/>
+              </p:ext>
+            </p:extLst>
+          </p:nvPr>
+        </p:nvSpPr>
+        <p:spPr>
+          <a:xfrm rot="5400000" flipV="1">
+            <a:off x="5404030" y="-5378272"/>
+            <a:ext cx="1409700" cy="12192003"/>
+          </a:xfrm>
+          <a:custGeom>
+            <a:avLst/>
+            <a:gdLst>
+              <a:gd name="connsiteX0" fmla="*/ 757287 w 757287"/>
+              <a:gd name="connsiteY0" fmla="*/ 3694096 h 3694096"/>
+              <a:gd name="connsiteX1" fmla="*/ 757287 w 757287"/>
+              <a:gd name="connsiteY1" fmla="*/ 0 h 3694096"/>
+              <a:gd name="connsiteX2" fmla="*/ 0 w 757287"/>
+              <a:gd name="connsiteY2" fmla="*/ 0 h 3694096"/>
+              <a:gd name="connsiteX3" fmla="*/ 0 w 757287"/>
+              <a:gd name="connsiteY3" fmla="*/ 3686094 h 3694096"/>
+            </a:gdLst>
+            <a:ahLst/>
+            <a:cxnLst>
+              <a:cxn ang="0">
+                <a:pos x="connsiteX0" y="connsiteY0"/>
+              </a:cxn>
+              <a:cxn ang="0">
+                <a:pos x="connsiteX1" y="connsiteY1"/>
+              </a:cxn>
+              <a:cxn ang="0">
+                <a:pos x="connsiteX2" y="connsiteY2"/>
+              </a:cxn>
+              <a:cxn ang="0">
+                <a:pos x="connsiteX3" y="connsiteY3"/>
+              </a:cxn>
+            </a:cxnLst>
+            <a:rect l="l" t="t" r="r" b="b"/>
+            <a:pathLst>
+              <a:path w="757287" h="3694096">
+                <a:moveTo>
+                  <a:pt x="757287" y="3694096"/>
+                </a:moveTo>
+                <a:lnTo>
+                  <a:pt x="757287" y="0"/>
+                </a:lnTo>
+                <a:lnTo>
+                  <a:pt x="0" y="0"/>
+                </a:lnTo>
+                <a:lnTo>
+                  <a:pt x="0" y="3686094"/>
+                </a:lnTo>
+                <a:close/>
+              </a:path>
+            </a:pathLst>
+          </a:custGeom>
+          <a:blipFill dpi="0" rotWithShape="1">
+            <a:blip r:embed="rId2">
+              <a:extLst>
+                <a:ext uri="{96DAC541-7B7A-43D3-8B79-37D633B846F1}">
+                  <asvg:svgBlip xmlns:asvg="http://schemas.microsoft.com/office/drawing/2016/SVG/main" r:embed="rId3"/>
+                </a:ext>
+              </a:extLst>
+            </a:blip>
+            <a:srcRect/>
+            <a:tile tx="0" ty="0" sx="6000" sy="6000" flip="none" algn="tl"/>
+          </a:blipFill>
+          <a:ln>
+            <a:noFill/>
+          </a:ln>
+        </p:spPr>
+        <p:style>
+          <a:lnRef idx="2">
+            <a:schemeClr val="accent1">
+              <a:shade val="50000"/>
+            </a:schemeClr>
+          </a:lnRef>
+          <a:fillRef idx="1">
+            <a:schemeClr val="accent1"/>
+          </a:fillRef>
+          <a:effectRef idx="0">
+            <a:schemeClr val="accent1"/>
+          </a:effectRef>
+          <a:fontRef idx="minor">
+            <a:schemeClr val="lt1"/>
+          </a:fontRef>
+        </p:style>
+        <p:txBody>
+          <a:bodyPr wrap="square" rtlCol="0" anchor="ctr">
+            <a:noAutofit/>
+          </a:bodyPr>
+          <a:lstStyle/>
+          <a:p>
+            <a:pPr algn="ctr"/>
+            <a:endParaRPr lang="en-US"/>
+          </a:p>
+        </p:txBody>
+      </p:sp>
+      <p:sp>
+        <p:nvSpPr>
+          <p:cNvPr id="2" name="Título 1">
+            <a:extLst>
+              <a:ext uri="{FF2B5EF4-FFF2-40B4-BE49-F238E27FC236}">
+                <a16:creationId xmlns:a16="http://schemas.microsoft.com/office/drawing/2014/main" id="{75163C86-7AB9-3497-B673-80EA4B401162}"/>
+              </a:ext>
+            </a:extLst>
+          </p:cNvPr>
+          <p:cNvSpPr>
+            <a:spLocks noGrp="1"/>
+          </p:cNvSpPr>
+          <p:nvPr>
+            <p:ph type="title"/>
+          </p:nvPr>
+        </p:nvSpPr>
+        <p:spPr>
+          <a:xfrm>
+            <a:off x="965750" y="517186"/>
+            <a:ext cx="10282725" cy="1281181"/>
+          </a:xfrm>
+          <a:solidFill>
+            <a:schemeClr val="accent1">
+              <a:lumMod val="20000"/>
+              <a:lumOff val="80000"/>
+            </a:schemeClr>
+          </a:solidFill>
+          <a:effectLst>
+            <a:outerShdw dist="190500" dir="2700000" algn="tr" rotWithShape="0">
+              <a:schemeClr val="tx1"/>
+            </a:outerShdw>
+          </a:effectLst>
+        </p:spPr>
+        <p:txBody>
+          <a:bodyPr anchor="ctr">
+            <a:normAutofit/>
+          </a:bodyPr>
+          <a:lstStyle/>
+          <a:p>
+            <a:r>
+              <a:rPr lang="es-ES">
+                <a:solidFill>
+                  <a:srgbClr val="000000"/>
+                </a:solidFill>
+              </a:rPr>
+              <a:t>INDICE</a:t>
+            </a:r>
+          </a:p>
+        </p:txBody>
+      </p:sp>
+      <p:graphicFrame>
+        <p:nvGraphicFramePr>
+          <p:cNvPr id="19" name="Marcador de contenido 2">
+            <a:extLst>
+              <a:ext uri="{FF2B5EF4-FFF2-40B4-BE49-F238E27FC236}">
+                <a16:creationId xmlns:a16="http://schemas.microsoft.com/office/drawing/2014/main" id="{64974291-3417-24F7-5E6F-C283AFC10AC6}"/>
+              </a:ext>
+            </a:extLst>
+          </p:cNvPr>
+          <p:cNvGraphicFramePr>
+            <a:graphicFrameLocks noGrp="1"/>
+          </p:cNvGraphicFramePr>
+          <p:nvPr>
+            <p:ph idx="1"/>
+            <p:extLst>
+              <p:ext uri="{D42A27DB-BD31-4B8C-83A1-F6EECF244321}">
+                <p14:modId xmlns:p14="http://schemas.microsoft.com/office/powerpoint/2010/main" val="2773302707"/>
+              </p:ext>
+            </p:extLst>
+          </p:nvPr>
+        </p:nvGraphicFramePr>
+        <p:xfrm>
+          <a:off x="808038" y="2369713"/>
+          <a:ext cx="10598150" cy="3971101"/>
+        </p:xfrm>
+        <a:graphic>
+          <a:graphicData uri="http://schemas.openxmlformats.org/drawingml/2006/diagram">
+            <dgm:relIds xmlns:dgm="http://schemas.openxmlformats.org/drawingml/2006/diagram" xmlns:r="http://schemas.openxmlformats.org/officeDocument/2006/relationships" r:dm="rId4" r:lo="rId5" r:qs="rId6" r:cs="rId7"/>
+          </a:graphicData>
+        </a:graphic>
+      </p:graphicFrame>
+    </p:spTree>
+    <p:extLst>
+      <p:ext uri="{BB962C8B-B14F-4D97-AF65-F5344CB8AC3E}">
+        <p14:creationId xmlns:p14="http://schemas.microsoft.com/office/powerpoint/2010/main" val="512188591"/>
+      </p:ext>
+    </p:extLst>
+  </p:cSld>
+  <p:clrMapOvr>
+    <a:masterClrMapping/>
+  </p:clrMapOvr>
+</p:sld>
+</file>
+
+<file path=ppt/slides/slide30.xml><?xml version="1.0" encoding="utf-8"?>
 <p:sld xmlns:a="http://schemas.openxmlformats.org/drawingml/2006/main" xmlns:r="http://schemas.openxmlformats.org/officeDocument/2006/relationships" xmlns:p="http://schemas.openxmlformats.org/presentationml/2006/main">
   <p:cSld>
     <p:spTree>
@@ -6465,7 +11307,7 @@
 </p:sld>
 </file>
 
-<file path=ppt/slides/slide23.xml><?xml version="1.0" encoding="utf-8"?>
+<file path=ppt/slides/slide31.xml><?xml version="1.0" encoding="utf-8"?>
 <p:sld xmlns:a="http://schemas.openxmlformats.org/drawingml/2006/main" xmlns:r="http://schemas.openxmlformats.org/officeDocument/2006/relationships" xmlns:p="http://schemas.openxmlformats.org/presentationml/2006/main">
   <p:cSld>
     <p:spTree>
@@ -6545,12 +11387,12 @@
           <a:lstStyle/>
           <a:p>
             <a:r>
-              <a:rPr lang="es-ES" dirty="0">
+              <a:rPr lang="es-ES">
                 <a:hlinkClick r:id="rId3"/>
               </a:rPr>
               <a:t>https://wikidata.org/prop/direct/P31</a:t>
             </a:r>
-            <a:endParaRPr lang="es-ES" dirty="0"/>
+            <a:endParaRPr lang="es-ES"/>
           </a:p>
         </p:txBody>
       </p:sp>
@@ -6597,7 +11439,7 @@
 </p:sld>
 </file>
 
-<file path=ppt/slides/slide24.xml><?xml version="1.0" encoding="utf-8"?>
+<file path=ppt/slides/slide32.xml><?xml version="1.0" encoding="utf-8"?>
 <p:sld xmlns:a="http://schemas.openxmlformats.org/drawingml/2006/main" xmlns:r="http://schemas.openxmlformats.org/officeDocument/2006/relationships" xmlns:p="http://schemas.openxmlformats.org/presentationml/2006/main">
   <p:cSld>
     <p:spTree>
@@ -6677,12 +11519,12 @@
           <a:lstStyle/>
           <a:p>
             <a:r>
-              <a:rPr lang="es-ES" dirty="0">
+              <a:rPr lang="es-ES">
                 <a:hlinkClick r:id="rId3"/>
               </a:rPr>
               <a:t>https://wikidata.org/prop/direct/P131</a:t>
             </a:r>
-            <a:endParaRPr lang="es-ES" dirty="0"/>
+            <a:endParaRPr lang="es-ES"/>
           </a:p>
         </p:txBody>
       </p:sp>
@@ -6729,7 +11571,7 @@
 </p:sld>
 </file>
 
-<file path=ppt/slides/slide25.xml><?xml version="1.0" encoding="utf-8"?>
+<file path=ppt/slides/slide33.xml><?xml version="1.0" encoding="utf-8"?>
 <p:sld xmlns:a="http://schemas.openxmlformats.org/drawingml/2006/main" xmlns:r="http://schemas.openxmlformats.org/officeDocument/2006/relationships" xmlns:p="http://schemas.openxmlformats.org/presentationml/2006/main">
   <p:cSld>
     <p:spTree>
@@ -6809,12 +11651,12 @@
           <a:lstStyle/>
           <a:p>
             <a:r>
-              <a:rPr lang="es-ES" dirty="0">
+              <a:rPr lang="es-ES">
                 <a:hlinkClick r:id="rId3"/>
               </a:rPr>
               <a:t>https://wikidata.org/prop/direct/P17</a:t>
             </a:r>
-            <a:endParaRPr lang="es-ES" dirty="0"/>
+            <a:endParaRPr lang="es-ES"/>
           </a:p>
         </p:txBody>
       </p:sp>
@@ -6861,7 +11703,7 @@
 </p:sld>
 </file>
 
-<file path=ppt/slides/slide26.xml><?xml version="1.0" encoding="utf-8"?>
+<file path=ppt/slides/slide34.xml><?xml version="1.0" encoding="utf-8"?>
 <p:sld xmlns:a="http://schemas.openxmlformats.org/drawingml/2006/main" xmlns:r="http://schemas.openxmlformats.org/officeDocument/2006/relationships" xmlns:p="http://schemas.openxmlformats.org/presentationml/2006/main">
   <p:cSld>
     <p:spTree>
@@ -6941,12 +11783,12 @@
           <a:lstStyle/>
           <a:p>
             <a:r>
-              <a:rPr lang="es-ES" dirty="0">
+              <a:rPr lang="es-ES">
                 <a:hlinkClick r:id="rId3"/>
               </a:rPr>
               <a:t>https://wikidata.org/prop/direct/P47</a:t>
             </a:r>
-            <a:endParaRPr lang="es-ES" dirty="0"/>
+            <a:endParaRPr lang="es-ES"/>
           </a:p>
         </p:txBody>
       </p:sp>
@@ -6993,7 +11835,1139 @@
 </p:sld>
 </file>
 
-<file path=ppt/slides/slide3.xml><?xml version="1.0" encoding="utf-8"?>
+<file path=ppt/slides/slide4.xml><?xml version="1.0" encoding="utf-8"?>
+<p:sld xmlns:a="http://schemas.openxmlformats.org/drawingml/2006/main" xmlns:r="http://schemas.openxmlformats.org/officeDocument/2006/relationships" xmlns:p="http://schemas.openxmlformats.org/presentationml/2006/main">
+  <p:cSld>
+    <p:bg>
+      <p:bgPr>
+        <a:solidFill>
+          <a:schemeClr val="bg1"/>
+        </a:solidFill>
+        <a:effectLst/>
+      </p:bgPr>
+    </p:bg>
+    <p:spTree>
+      <p:nvGrpSpPr>
+        <p:cNvPr id="1" name=""/>
+        <p:cNvGrpSpPr/>
+        <p:nvPr/>
+      </p:nvGrpSpPr>
+      <p:grpSpPr>
+        <a:xfrm>
+          <a:off x="0" y="0"/>
+          <a:ext cx="0" cy="0"/>
+          <a:chOff x="0" y="0"/>
+          <a:chExt cx="0" cy="0"/>
+        </a:xfrm>
+      </p:grpSpPr>
+      <p:grpSp>
+        <p:nvGrpSpPr>
+          <p:cNvPr id="31" name="Group 30">
+            <a:extLst>
+              <a:ext uri="{FF2B5EF4-FFF2-40B4-BE49-F238E27FC236}">
+                <a16:creationId xmlns:a16="http://schemas.microsoft.com/office/drawing/2014/main" id="{F0C817C9-850F-4FB6-B93B-CF3076C4A5C1}"/>
+              </a:ext>
+              <a:ext uri="{C183D7F6-B498-43B3-948B-1728B52AA6E4}">
+                <adec:decorative xmlns:adec="http://schemas.microsoft.com/office/drawing/2017/decorative" val="1"/>
+              </a:ext>
+            </a:extLst>
+          </p:cNvPr>
+          <p:cNvGrpSpPr>
+            <a:grpSpLocks noGrp="1" noUngrp="1" noRot="1" noChangeAspect="1" noMove="1" noResize="1"/>
+          </p:cNvGrpSpPr>
+          <p:nvPr>
+            <p:extLst>
+              <p:ext uri="{386F3935-93C4-4BCD-93E2-E3B085C9AB24}">
+                <p16:designElem xmlns:p16="http://schemas.microsoft.com/office/powerpoint/2015/main" val="1"/>
+              </p:ext>
+            </p:extLst>
+          </p:nvPr>
+        </p:nvGrpSpPr>
+        <p:grpSpPr>
+          <a:xfrm flipH="1">
+            <a:off x="0" y="0"/>
+            <a:ext cx="567782" cy="3306479"/>
+            <a:chOff x="11619770" y="-2005"/>
+            <a:chExt cx="567782" cy="3306479"/>
+          </a:xfrm>
+        </p:grpSpPr>
+        <p:sp>
+          <p:nvSpPr>
+            <p:cNvPr id="32" name="Freeform: Shape 31">
+              <a:extLst>
+                <a:ext uri="{FF2B5EF4-FFF2-40B4-BE49-F238E27FC236}">
+                  <a16:creationId xmlns:a16="http://schemas.microsoft.com/office/drawing/2014/main" id="{159433A8-B67D-4675-AFDE-131069A709FC}"/>
+                </a:ext>
+                <a:ext uri="{C183D7F6-B498-43B3-948B-1728B52AA6E4}">
+                  <adec:decorative xmlns:adec="http://schemas.microsoft.com/office/drawing/2017/decorative" val="1"/>
+                </a:ext>
+              </a:extLst>
+            </p:cNvPr>
+            <p:cNvSpPr/>
+            <p:nvPr>
+              <p:extLst>
+                <p:ext uri="{386F3935-93C4-4BCD-93E2-E3B085C9AB24}">
+                  <p16:designElem xmlns:p16="http://schemas.microsoft.com/office/powerpoint/2015/main" val="1"/>
+                </p:ext>
+              </p:extLst>
+            </p:nvPr>
+          </p:nvSpPr>
+          <p:spPr>
+            <a:xfrm flipV="1">
+              <a:off x="11619770" y="373807"/>
+              <a:ext cx="526228" cy="2930667"/>
+            </a:xfrm>
+            <a:custGeom>
+              <a:avLst/>
+              <a:gdLst>
+                <a:gd name="connsiteX0" fmla="*/ 757287 w 757287"/>
+                <a:gd name="connsiteY0" fmla="*/ 3694096 h 3694096"/>
+                <a:gd name="connsiteX1" fmla="*/ 757287 w 757287"/>
+                <a:gd name="connsiteY1" fmla="*/ 0 h 3694096"/>
+                <a:gd name="connsiteX2" fmla="*/ 0 w 757287"/>
+                <a:gd name="connsiteY2" fmla="*/ 0 h 3694096"/>
+                <a:gd name="connsiteX3" fmla="*/ 0 w 757287"/>
+                <a:gd name="connsiteY3" fmla="*/ 3686094 h 3694096"/>
+              </a:gdLst>
+              <a:ahLst/>
+              <a:cxnLst>
+                <a:cxn ang="0">
+                  <a:pos x="connsiteX0" y="connsiteY0"/>
+                </a:cxn>
+                <a:cxn ang="0">
+                  <a:pos x="connsiteX1" y="connsiteY1"/>
+                </a:cxn>
+                <a:cxn ang="0">
+                  <a:pos x="connsiteX2" y="connsiteY2"/>
+                </a:cxn>
+                <a:cxn ang="0">
+                  <a:pos x="connsiteX3" y="connsiteY3"/>
+                </a:cxn>
+              </a:cxnLst>
+              <a:rect l="l" t="t" r="r" b="b"/>
+              <a:pathLst>
+                <a:path w="757287" h="3694096">
+                  <a:moveTo>
+                    <a:pt x="757287" y="3694096"/>
+                  </a:moveTo>
+                  <a:lnTo>
+                    <a:pt x="757287" y="0"/>
+                  </a:lnTo>
+                  <a:lnTo>
+                    <a:pt x="0" y="0"/>
+                  </a:lnTo>
+                  <a:lnTo>
+                    <a:pt x="0" y="3686094"/>
+                  </a:lnTo>
+                  <a:close/>
+                </a:path>
+              </a:pathLst>
+            </a:custGeom>
+            <a:blipFill dpi="0" rotWithShape="1">
+              <a:blip r:embed="rId2">
+                <a:extLst>
+                  <a:ext uri="{96DAC541-7B7A-43D3-8B79-37D633B846F1}">
+                    <asvg:svgBlip xmlns:asvg="http://schemas.microsoft.com/office/drawing/2016/SVG/main" r:embed="rId3"/>
+                  </a:ext>
+                </a:extLst>
+              </a:blip>
+              <a:srcRect/>
+              <a:tile tx="0" ty="0" sx="6000" sy="6000" flip="none" algn="tl"/>
+            </a:blipFill>
+            <a:ln>
+              <a:noFill/>
+            </a:ln>
+          </p:spPr>
+          <p:style>
+            <a:lnRef idx="2">
+              <a:schemeClr val="accent1">
+                <a:shade val="50000"/>
+              </a:schemeClr>
+            </a:lnRef>
+            <a:fillRef idx="1">
+              <a:schemeClr val="accent1"/>
+            </a:fillRef>
+            <a:effectRef idx="0">
+              <a:schemeClr val="accent1"/>
+            </a:effectRef>
+            <a:fontRef idx="minor">
+              <a:schemeClr val="lt1"/>
+            </a:fontRef>
+          </p:style>
+          <p:txBody>
+            <a:bodyPr wrap="square" rtlCol="0" anchor="ctr">
+              <a:noAutofit/>
+            </a:bodyPr>
+            <a:lstStyle/>
+            <a:p>
+              <a:pPr algn="ctr"/>
+              <a:endParaRPr lang="en-US"/>
+            </a:p>
+          </p:txBody>
+        </p:sp>
+        <p:sp>
+          <p:nvSpPr>
+            <p:cNvPr id="33" name="Rectangle 32">
+              <a:extLst>
+                <a:ext uri="{FF2B5EF4-FFF2-40B4-BE49-F238E27FC236}">
+                  <a16:creationId xmlns:a16="http://schemas.microsoft.com/office/drawing/2014/main" id="{E1CD1C45-6A4D-4237-B39C-2D58F401A8C5}"/>
+                </a:ext>
+                <a:ext uri="{C183D7F6-B498-43B3-948B-1728B52AA6E4}">
+                  <adec:decorative xmlns:adec="http://schemas.microsoft.com/office/drawing/2017/decorative" val="1"/>
+                </a:ext>
+              </a:extLst>
+            </p:cNvPr>
+            <p:cNvSpPr/>
+            <p:nvPr>
+              <p:extLst>
+                <p:ext uri="{386F3935-93C4-4BCD-93E2-E3B085C9AB24}">
+                  <p16:designElem xmlns:p16="http://schemas.microsoft.com/office/powerpoint/2015/main" val="1"/>
+                </p:ext>
+              </p:extLst>
+            </p:nvPr>
+          </p:nvSpPr>
+          <p:spPr>
+            <a:xfrm flipH="1" flipV="1">
+              <a:off x="11980943" y="-2005"/>
+              <a:ext cx="206609" cy="2021305"/>
+            </a:xfrm>
+            <a:prstGeom prst="rect">
+              <a:avLst/>
+            </a:prstGeom>
+            <a:solidFill>
+              <a:schemeClr val="accent2"/>
+            </a:solidFill>
+            <a:ln>
+              <a:noFill/>
+            </a:ln>
+          </p:spPr>
+          <p:style>
+            <a:lnRef idx="2">
+              <a:schemeClr val="accent1">
+                <a:shade val="50000"/>
+              </a:schemeClr>
+            </a:lnRef>
+            <a:fillRef idx="1">
+              <a:schemeClr val="accent1"/>
+            </a:fillRef>
+            <a:effectRef idx="0">
+              <a:schemeClr val="accent1"/>
+            </a:effectRef>
+            <a:fontRef idx="minor">
+              <a:schemeClr val="lt1"/>
+            </a:fontRef>
+          </p:style>
+          <p:txBody>
+            <a:bodyPr rtlCol="0" anchor="ctr"/>
+            <a:lstStyle/>
+            <a:p>
+              <a:pPr algn="ctr"/>
+              <a:endParaRPr lang="en-US"/>
+            </a:p>
+          </p:txBody>
+        </p:sp>
+      </p:grpSp>
+      <p:sp useBgFill="1">
+        <p:nvSpPr>
+          <p:cNvPr id="35" name="Rectangle 34">
+            <a:extLst>
+              <a:ext uri="{FF2B5EF4-FFF2-40B4-BE49-F238E27FC236}">
+                <a16:creationId xmlns:a16="http://schemas.microsoft.com/office/drawing/2014/main" id="{FFC321AD-2C92-446F-AF58-8CAA634BFD36}"/>
+              </a:ext>
+              <a:ext uri="{C183D7F6-B498-43B3-948B-1728B52AA6E4}">
+                <adec:decorative xmlns:adec="http://schemas.microsoft.com/office/drawing/2017/decorative" val="1"/>
+              </a:ext>
+            </a:extLst>
+          </p:cNvPr>
+          <p:cNvSpPr>
+            <a:spLocks noGrp="1" noRot="1" noChangeAspect="1" noMove="1" noResize="1" noEditPoints="1" noAdjustHandles="1" noChangeArrowheads="1" noChangeShapeType="1" noTextEdit="1"/>
+          </p:cNvSpPr>
+          <p:nvPr>
+            <p:extLst>
+              <p:ext uri="{386F3935-93C4-4BCD-93E2-E3B085C9AB24}">
+                <p16:designElem xmlns:p16="http://schemas.microsoft.com/office/powerpoint/2015/main" val="1"/>
+              </p:ext>
+            </p:extLst>
+          </p:nvPr>
+        </p:nvSpPr>
+        <p:spPr>
+          <a:xfrm>
+            <a:off x="0" y="0"/>
+            <a:ext cx="12192000" cy="6858000"/>
+          </a:xfrm>
+          <a:prstGeom prst="rect">
+            <a:avLst/>
+          </a:prstGeom>
+          <a:ln w="12700" cap="flat" cmpd="sng" algn="ctr">
+            <a:noFill/>
+            <a:prstDash val="solid"/>
+            <a:miter lim="800000"/>
+          </a:ln>
+          <a:effectLst/>
+          <a:extLst>
+            <a:ext uri="{91240B29-F687-4F45-9708-019B960494DF}">
+              <a14:hiddenLine xmlns:a14="http://schemas.microsoft.com/office/drawing/2010/main" w="12700" cap="flat" cmpd="sng" algn="ctr">
+                <a:solidFill>
+                  <a:schemeClr val="accent1">
+                    <a:shade val="50000"/>
+                  </a:schemeClr>
+                </a:solidFill>
+                <a:prstDash val="solid"/>
+                <a:miter lim="800000"/>
+              </a14:hiddenLine>
+            </a:ext>
+          </a:extLst>
+        </p:spPr>
+        <p:style>
+          <a:lnRef idx="2">
+            <a:schemeClr val="accent1">
+              <a:shade val="50000"/>
+            </a:schemeClr>
+          </a:lnRef>
+          <a:fillRef idx="1">
+            <a:schemeClr val="accent1"/>
+          </a:fillRef>
+          <a:effectRef idx="0">
+            <a:schemeClr val="accent1"/>
+          </a:effectRef>
+          <a:fontRef idx="minor">
+            <a:schemeClr val="lt1"/>
+          </a:fontRef>
+        </p:style>
+        <p:txBody>
+          <a:bodyPr rtlCol="0" anchor="ctr"/>
+          <a:lstStyle/>
+          <a:p>
+            <a:pPr algn="ctr"/>
+            <a:endParaRPr lang="en-US"/>
+          </a:p>
+        </p:txBody>
+      </p:sp>
+      <p:sp>
+        <p:nvSpPr>
+          <p:cNvPr id="37" name="Rectangle 36">
+            <a:extLst>
+              <a:ext uri="{FF2B5EF4-FFF2-40B4-BE49-F238E27FC236}">
+                <a16:creationId xmlns:a16="http://schemas.microsoft.com/office/drawing/2014/main" id="{3EA855B9-EE27-4441-846C-35DF1C6483BF}"/>
+              </a:ext>
+              <a:ext uri="{C183D7F6-B498-43B3-948B-1728B52AA6E4}">
+                <adec:decorative xmlns:adec="http://schemas.microsoft.com/office/drawing/2017/decorative" val="1"/>
+              </a:ext>
+            </a:extLst>
+          </p:cNvPr>
+          <p:cNvSpPr>
+            <a:spLocks noGrp="1" noRot="1" noChangeAspect="1" noMove="1" noResize="1" noEditPoints="1" noAdjustHandles="1" noChangeArrowheads="1" noChangeShapeType="1" noTextEdit="1"/>
+          </p:cNvSpPr>
+          <p:nvPr>
+            <p:extLst>
+              <p:ext uri="{386F3935-93C4-4BCD-93E2-E3B085C9AB24}">
+                <p16:designElem xmlns:p16="http://schemas.microsoft.com/office/powerpoint/2015/main" val="1"/>
+              </p:ext>
+            </p:extLst>
+          </p:nvPr>
+        </p:nvSpPr>
+        <p:spPr>
+          <a:xfrm>
+            <a:off x="0" y="0"/>
+            <a:ext cx="12192000" cy="6858000"/>
+          </a:xfrm>
+          <a:prstGeom prst="rect">
+            <a:avLst/>
+          </a:prstGeom>
+          <a:solidFill>
+            <a:srgbClr val="000000"/>
+          </a:solidFill>
+          <a:ln w="12700" cap="flat" cmpd="sng" algn="ctr">
+            <a:noFill/>
+            <a:prstDash val="solid"/>
+            <a:miter lim="800000"/>
+          </a:ln>
+          <a:effectLst/>
+        </p:spPr>
+        <p:style>
+          <a:lnRef idx="2">
+            <a:schemeClr val="accent1">
+              <a:shade val="50000"/>
+            </a:schemeClr>
+          </a:lnRef>
+          <a:fillRef idx="1">
+            <a:schemeClr val="accent1"/>
+          </a:fillRef>
+          <a:effectRef idx="0">
+            <a:schemeClr val="accent1"/>
+          </a:effectRef>
+          <a:fontRef idx="minor">
+            <a:schemeClr val="lt1"/>
+          </a:fontRef>
+        </p:style>
+        <p:txBody>
+          <a:bodyPr rtlCol="0" anchor="ctr"/>
+          <a:lstStyle/>
+          <a:p>
+            <a:pPr algn="ctr"/>
+            <a:endParaRPr lang="en-US"/>
+          </a:p>
+        </p:txBody>
+      </p:sp>
+      <p:pic>
+        <p:nvPicPr>
+          <p:cNvPr id="4" name="Imagen 3" descr="Diagrama&#10;&#10;Descripción generada automáticamente">
+            <a:extLst>
+              <a:ext uri="{FF2B5EF4-FFF2-40B4-BE49-F238E27FC236}">
+                <a16:creationId xmlns:a16="http://schemas.microsoft.com/office/drawing/2014/main" id="{4AFFE780-2973-04A3-EA02-800A69B1130B}"/>
+              </a:ext>
+            </a:extLst>
+          </p:cNvPr>
+          <p:cNvPicPr>
+            <a:picLocks noChangeAspect="1"/>
+          </p:cNvPicPr>
+          <p:nvPr/>
+        </p:nvPicPr>
+        <p:blipFill rotWithShape="1">
+          <a:blip r:embed="rId4">
+            <a:alphaModFix amt="50000"/>
+          </a:blip>
+          <a:srcRect l="2392" r="13165" b="1"/>
+          <a:stretch/>
+        </p:blipFill>
+        <p:spPr>
+          <a:xfrm>
+            <a:off x="-162373" y="10"/>
+            <a:ext cx="12191979" cy="6857989"/>
+          </a:xfrm>
+          <a:prstGeom prst="rect">
+            <a:avLst/>
+          </a:prstGeom>
+        </p:spPr>
+      </p:pic>
+      <p:sp>
+        <p:nvSpPr>
+          <p:cNvPr id="2" name="Título 1">
+            <a:extLst>
+              <a:ext uri="{FF2B5EF4-FFF2-40B4-BE49-F238E27FC236}">
+                <a16:creationId xmlns:a16="http://schemas.microsoft.com/office/drawing/2014/main" id="{969FF5E9-FF81-5181-7435-8571C3388603}"/>
+              </a:ext>
+            </a:extLst>
+          </p:cNvPr>
+          <p:cNvSpPr>
+            <a:spLocks noGrp="1"/>
+          </p:cNvSpPr>
+          <p:nvPr>
+            <p:ph type="title"/>
+          </p:nvPr>
+        </p:nvSpPr>
+        <p:spPr>
+          <a:xfrm>
+            <a:off x="938134" y="162593"/>
+            <a:ext cx="5580542" cy="1491322"/>
+          </a:xfrm>
+        </p:spPr>
+        <p:txBody>
+          <a:bodyPr vert="horz" lIns="91440" tIns="45720" rIns="91440" bIns="45720" rtlCol="0" anchor="b">
+            <a:normAutofit/>
+          </a:bodyPr>
+          <a:lstStyle/>
+          <a:p>
+            <a:pPr>
+              <a:lnSpc>
+                <a:spcPct val="130000"/>
+              </a:lnSpc>
+            </a:pPr>
+            <a:r>
+              <a:rPr lang="en-US" sz="3600" spc="1300" dirty="0" err="1">
+                <a:solidFill>
+                  <a:srgbClr val="FFFFFF"/>
+                </a:solidFill>
+              </a:rPr>
+              <a:t>Metodologiaseguida</a:t>
+            </a:r>
+          </a:p>
+        </p:txBody>
+      </p:sp>
+      <p:sp>
+        <p:nvSpPr>
+          <p:cNvPr id="39" name="Rectangle 38">
+            <a:extLst>
+              <a:ext uri="{FF2B5EF4-FFF2-40B4-BE49-F238E27FC236}">
+                <a16:creationId xmlns:a16="http://schemas.microsoft.com/office/drawing/2014/main" id="{2BF5D4DB-368A-4B23-81E4-E0454BAD8672}"/>
+              </a:ext>
+              <a:ext uri="{C183D7F6-B498-43B3-948B-1728B52AA6E4}">
+                <adec:decorative xmlns:adec="http://schemas.microsoft.com/office/drawing/2017/decorative" val="1"/>
+              </a:ext>
+            </a:extLst>
+          </p:cNvPr>
+          <p:cNvSpPr>
+            <a:spLocks noGrp="1" noRot="1" noChangeAspect="1" noMove="1" noResize="1" noEditPoints="1" noAdjustHandles="1" noChangeArrowheads="1" noChangeShapeType="1" noTextEdit="1"/>
+          </p:cNvSpPr>
+          <p:nvPr>
+            <p:extLst>
+              <p:ext uri="{386F3935-93C4-4BCD-93E2-E3B085C9AB24}">
+                <p16:designElem xmlns:p16="http://schemas.microsoft.com/office/powerpoint/2015/main" val="1"/>
+              </p:ext>
+            </p:extLst>
+          </p:nvPr>
+        </p:nvSpPr>
+        <p:spPr>
+          <a:xfrm>
+            <a:off x="-13253" y="322803"/>
+            <a:ext cx="642729" cy="2930667"/>
+          </a:xfrm>
+          <a:prstGeom prst="rect">
+            <a:avLst/>
+          </a:prstGeom>
+          <a:blipFill dpi="0" rotWithShape="1">
+            <a:blip r:embed="rId5">
+              <a:alphaModFix amt="99000"/>
+              <a:extLst>
+                <a:ext uri="{96DAC541-7B7A-43D3-8B79-37D633B846F1}">
+                  <asvg:svgBlip xmlns:asvg="http://schemas.microsoft.com/office/drawing/2016/SVG/main" r:embed="rId6"/>
+                </a:ext>
+              </a:extLst>
+            </a:blip>
+            <a:srcRect/>
+            <a:tile tx="0" ty="0" sx="6000" sy="6000" flip="none" algn="ctr"/>
+          </a:blipFill>
+          <a:ln>
+            <a:noFill/>
+          </a:ln>
+        </p:spPr>
+        <p:style>
+          <a:lnRef idx="2">
+            <a:schemeClr val="accent1">
+              <a:shade val="50000"/>
+            </a:schemeClr>
+          </a:lnRef>
+          <a:fillRef idx="1">
+            <a:schemeClr val="accent1"/>
+          </a:fillRef>
+          <a:effectRef idx="0">
+            <a:schemeClr val="accent1"/>
+          </a:effectRef>
+          <a:fontRef idx="minor">
+            <a:schemeClr val="lt1"/>
+          </a:fontRef>
+        </p:style>
+        <p:txBody>
+          <a:bodyPr rtlCol="0" anchor="ctr"/>
+          <a:lstStyle/>
+          <a:p>
+            <a:pPr algn="ctr"/>
+            <a:endParaRPr lang="en-US"/>
+          </a:p>
+        </p:txBody>
+      </p:sp>
+      <p:sp>
+        <p:nvSpPr>
+          <p:cNvPr id="41" name="Rectangle 40">
+            <a:extLst>
+              <a:ext uri="{FF2B5EF4-FFF2-40B4-BE49-F238E27FC236}">
+                <a16:creationId xmlns:a16="http://schemas.microsoft.com/office/drawing/2014/main" id="{F372D7B9-36D5-4C1F-B7C9-36717C28F150}"/>
+              </a:ext>
+              <a:ext uri="{C183D7F6-B498-43B3-948B-1728B52AA6E4}">
+                <adec:decorative xmlns:adec="http://schemas.microsoft.com/office/drawing/2017/decorative" val="1"/>
+              </a:ext>
+            </a:extLst>
+          </p:cNvPr>
+          <p:cNvSpPr>
+            <a:spLocks noGrp="1" noRot="1" noChangeAspect="1" noMove="1" noResize="1" noEditPoints="1" noAdjustHandles="1" noChangeArrowheads="1" noChangeShapeType="1" noTextEdit="1"/>
+          </p:cNvSpPr>
+          <p:nvPr>
+            <p:extLst>
+              <p:ext uri="{386F3935-93C4-4BCD-93E2-E3B085C9AB24}">
+                <p16:designElem xmlns:p16="http://schemas.microsoft.com/office/powerpoint/2015/main" val="1"/>
+              </p:ext>
+            </p:extLst>
+          </p:nvPr>
+        </p:nvSpPr>
+        <p:spPr>
+          <a:xfrm flipV="1">
+            <a:off x="0" y="0"/>
+            <a:ext cx="206609" cy="2021305"/>
+          </a:xfrm>
+          <a:prstGeom prst="rect">
+            <a:avLst/>
+          </a:prstGeom>
+          <a:solidFill>
+            <a:schemeClr val="accent2"/>
+          </a:solidFill>
+          <a:ln>
+            <a:noFill/>
+          </a:ln>
+        </p:spPr>
+        <p:style>
+          <a:lnRef idx="2">
+            <a:schemeClr val="accent1">
+              <a:shade val="50000"/>
+            </a:schemeClr>
+          </a:lnRef>
+          <a:fillRef idx="1">
+            <a:schemeClr val="accent1"/>
+          </a:fillRef>
+          <a:effectRef idx="0">
+            <a:schemeClr val="accent1"/>
+          </a:effectRef>
+          <a:fontRef idx="minor">
+            <a:schemeClr val="lt1"/>
+          </a:fontRef>
+        </p:style>
+        <p:txBody>
+          <a:bodyPr rtlCol="0" anchor="ctr"/>
+          <a:lstStyle/>
+          <a:p>
+            <a:pPr algn="ctr"/>
+            <a:endParaRPr lang="en-US"/>
+          </a:p>
+        </p:txBody>
+      </p:sp>
+    </p:spTree>
+    <p:extLst>
+      <p:ext uri="{BB962C8B-B14F-4D97-AF65-F5344CB8AC3E}">
+        <p14:creationId xmlns:p14="http://schemas.microsoft.com/office/powerpoint/2010/main" val="2355197234"/>
+      </p:ext>
+    </p:extLst>
+  </p:cSld>
+  <p:clrMapOvr>
+    <a:masterClrMapping/>
+  </p:clrMapOvr>
+  <p:timing>
+    <p:tnLst>
+      <p:par>
+        <p:cTn id="1" dur="indefinite" restart="never" nodeType="tmRoot">
+          <p:childTnLst>
+            <p:seq concurrent="1" nextAc="seek">
+              <p:cTn id="2" dur="indefinite" nodeType="mainSeq">
+                <p:childTnLst>
+                  <p:par>
+                    <p:cTn id="3" fill="hold">
+                      <p:stCondLst>
+                        <p:cond delay="indefinite"/>
+                        <p:cond evt="onBegin" delay="0">
+                          <p:tn val="2"/>
+                        </p:cond>
+                      </p:stCondLst>
+                      <p:childTnLst>
+                        <p:par>
+                          <p:cTn id="4" fill="hold">
+                            <p:stCondLst>
+                              <p:cond delay="0"/>
+                            </p:stCondLst>
+                            <p:childTnLst>
+                              <p:par>
+                                <p:cTn id="5" presetID="10" presetClass="entr" presetSubtype="0" fill="hold" grpId="0" nodeType="withEffect">
+                                  <p:stCondLst>
+                                    <p:cond delay="1000"/>
+                                  </p:stCondLst>
+                                  <p:iterate>
+                                    <p:tmPct val="10000"/>
+                                  </p:iterate>
+                                  <p:childTnLst>
+                                    <p:set>
+                                      <p:cBhvr>
+                                        <p:cTn id="6" dur="1" fill="hold">
+                                          <p:stCondLst>
+                                            <p:cond delay="0"/>
+                                          </p:stCondLst>
+                                        </p:cTn>
+                                        <p:tgtEl>
+                                          <p:spTgt spid="2"/>
+                                        </p:tgtEl>
+                                        <p:attrNameLst>
+                                          <p:attrName>style.visibility</p:attrName>
+                                        </p:attrNameLst>
+                                      </p:cBhvr>
+                                      <p:to>
+                                        <p:strVal val="visible"/>
+                                      </p:to>
+                                    </p:set>
+                                    <p:animEffect transition="in" filter="fade">
+                                      <p:cBhvr>
+                                        <p:cTn id="7" dur="700"/>
+                                        <p:tgtEl>
+                                          <p:spTgt spid="2"/>
+                                        </p:tgtEl>
+                                      </p:cBhvr>
+                                    </p:animEffect>
+                                  </p:childTnLst>
+                                </p:cTn>
+                              </p:par>
+                            </p:childTnLst>
+                          </p:cTn>
+                        </p:par>
+                      </p:childTnLst>
+                    </p:cTn>
+                  </p:par>
+                </p:childTnLst>
+              </p:cTn>
+              <p:prevCondLst>
+                <p:cond evt="onPrev" delay="0">
+                  <p:tgtEl>
+                    <p:sldTgt/>
+                  </p:tgtEl>
+                </p:cond>
+              </p:prevCondLst>
+              <p:nextCondLst>
+                <p:cond evt="onNext" delay="0">
+                  <p:tgtEl>
+                    <p:sldTgt/>
+                  </p:tgtEl>
+                </p:cond>
+              </p:nextCondLst>
+            </p:seq>
+          </p:childTnLst>
+        </p:cTn>
+      </p:par>
+    </p:tnLst>
+    <p:bldLst>
+      <p:bldP spid="2" grpId="0"/>
+    </p:bldLst>
+  </p:timing>
+</p:sld>
+</file>
+
+<file path=ppt/slides/slide5.xml><?xml version="1.0" encoding="utf-8"?>
+<p:sld xmlns:a="http://schemas.openxmlformats.org/drawingml/2006/main" xmlns:r="http://schemas.openxmlformats.org/officeDocument/2006/relationships" xmlns:p="http://schemas.openxmlformats.org/presentationml/2006/main">
+  <p:cSld>
+    <p:bg>
+      <p:bgPr>
+        <a:blipFill>
+          <a:blip r:embed="rId2"/>
+          <a:stretch>
+            <a:fillRect t="-9000" b="-9000"/>
+          </a:stretch>
+        </a:blipFill>
+        <a:effectLst/>
+      </p:bgPr>
+    </p:bg>
+    <p:spTree>
+      <p:nvGrpSpPr>
+        <p:cNvPr id="1" name=""/>
+        <p:cNvGrpSpPr/>
+        <p:nvPr/>
+      </p:nvGrpSpPr>
+      <p:grpSpPr>
+        <a:xfrm>
+          <a:off x="0" y="0"/>
+          <a:ext cx="0" cy="0"/>
+          <a:chOff x="0" y="0"/>
+          <a:chExt cx="0" cy="0"/>
+        </a:xfrm>
+      </p:grpSpPr>
+      <p:sp>
+        <p:nvSpPr>
+          <p:cNvPr id="2" name="Título 1">
+            <a:extLst>
+              <a:ext uri="{FF2B5EF4-FFF2-40B4-BE49-F238E27FC236}">
+                <a16:creationId xmlns:a16="http://schemas.microsoft.com/office/drawing/2014/main" id="{5CF93258-6713-92D7-F246-8F2C75E0BA72}"/>
+              </a:ext>
+            </a:extLst>
+          </p:cNvPr>
+          <p:cNvSpPr>
+            <a:spLocks noGrp="1"/>
+          </p:cNvSpPr>
+          <p:nvPr>
+            <p:ph type="title"/>
+          </p:nvPr>
+        </p:nvSpPr>
+        <p:spPr>
+          <a:xfrm>
+            <a:off x="471382" y="2863"/>
+            <a:ext cx="4673896" cy="1438450"/>
+          </a:xfrm>
+        </p:spPr>
+        <p:txBody>
+          <a:bodyPr/>
+          <a:lstStyle/>
+          <a:p>
+            <a:r>
+              <a:rPr lang="es-ES" b="1" dirty="0" err="1">
+                <a:solidFill>
+                  <a:schemeClr val="bg1"/>
+                </a:solidFill>
+              </a:rPr>
+              <a:t>Csv</a:t>
+            </a:r>
+            <a:r>
+              <a:rPr lang="es-ES" b="1" dirty="0">
+                <a:solidFill>
+                  <a:schemeClr val="bg1"/>
+                </a:solidFill>
+              </a:rPr>
+              <a:t> ORIGINAL</a:t>
+            </a:r>
+          </a:p>
+        </p:txBody>
+      </p:sp>
+      <p:pic>
+        <p:nvPicPr>
+          <p:cNvPr id="4" name="Imagen 3" descr="Interfaz de usuario gráfica, Tabla&#10;&#10;Descripción generada automáticamente">
+            <a:extLst>
+              <a:ext uri="{FF2B5EF4-FFF2-40B4-BE49-F238E27FC236}">
+                <a16:creationId xmlns:a16="http://schemas.microsoft.com/office/drawing/2014/main" id="{27D7B003-CCCA-36E2-77FE-CA97AC7DCBBD}"/>
+              </a:ext>
+            </a:extLst>
+          </p:cNvPr>
+          <p:cNvPicPr>
+            <a:picLocks noChangeAspect="1"/>
+          </p:cNvPicPr>
+          <p:nvPr/>
+        </p:nvPicPr>
+        <p:blipFill>
+          <a:blip r:embed="rId3"/>
+          <a:stretch>
+            <a:fillRect/>
+          </a:stretch>
+        </p:blipFill>
+        <p:spPr>
+          <a:xfrm>
+            <a:off x="2498" y="1804423"/>
+            <a:ext cx="12187002" cy="3261645"/>
+          </a:xfrm>
+          <a:prstGeom prst="rect">
+            <a:avLst/>
+          </a:prstGeom>
+        </p:spPr>
+      </p:pic>
+      <p:sp>
+        <p:nvSpPr>
+          <p:cNvPr id="7" name="Título 1">
+            <a:extLst>
+              <a:ext uri="{FF2B5EF4-FFF2-40B4-BE49-F238E27FC236}">
+                <a16:creationId xmlns:a16="http://schemas.microsoft.com/office/drawing/2014/main" id="{D3135D84-9CA6-6A21-A9E4-5FEB55762B5C}"/>
+              </a:ext>
+            </a:extLst>
+          </p:cNvPr>
+          <p:cNvSpPr txBox="1">
+            <a:spLocks/>
+          </p:cNvSpPr>
+          <p:nvPr/>
+        </p:nvSpPr>
+        <p:spPr>
+          <a:xfrm>
+            <a:off x="3859160" y="5264410"/>
+            <a:ext cx="4923732" cy="688942"/>
+          </a:xfrm>
+          <a:prstGeom prst="rect">
+            <a:avLst/>
+          </a:prstGeom>
+        </p:spPr>
+        <p:txBody>
+          <a:bodyPr vert="horz" lIns="91440" tIns="45720" rIns="91440" bIns="45720" rtlCol="0" anchor="b">
+            <a:normAutofit/>
+          </a:bodyPr>
+          <a:lstStyle>
+            <a:lvl1pPr algn="l" defTabSz="914400" rtl="0" eaLnBrk="1" latinLnBrk="0" hangingPunct="1">
+              <a:lnSpc>
+                <a:spcPct val="120000"/>
+              </a:lnSpc>
+              <a:spcBef>
+                <a:spcPct val="0"/>
+              </a:spcBef>
+              <a:buNone/>
+              <a:defRPr sz="3200" kern="1200" cap="all" spc="700" baseline="0">
+                <a:solidFill>
+                  <a:schemeClr val="tx1"/>
+                </a:solidFill>
+                <a:latin typeface="+mj-lt"/>
+                <a:ea typeface="+mj-ea"/>
+                <a:cs typeface="+mj-cs"/>
+              </a:defRPr>
+            </a:lvl1pPr>
+          </a:lstStyle>
+          <a:p>
+            <a:r>
+              <a:rPr lang="es-ES" b="1" dirty="0">
+                <a:solidFill>
+                  <a:schemeClr val="bg1"/>
+                </a:solidFill>
+                <a:highlight>
+                  <a:srgbClr val="FF0000"/>
+                </a:highlight>
+              </a:rPr>
+              <a:t>CON 269 FILAS</a:t>
+            </a:r>
+          </a:p>
+        </p:txBody>
+      </p:sp>
+      <p:pic>
+        <p:nvPicPr>
+          <p:cNvPr id="8" name="Imagen 7">
+            <a:extLst>
+              <a:ext uri="{FF2B5EF4-FFF2-40B4-BE49-F238E27FC236}">
+                <a16:creationId xmlns:a16="http://schemas.microsoft.com/office/drawing/2014/main" id="{4E788896-5296-8A51-2C0D-C87ECAD8B5A7}"/>
+              </a:ext>
+            </a:extLst>
+          </p:cNvPr>
+          <p:cNvPicPr>
+            <a:picLocks noChangeAspect="1"/>
+          </p:cNvPicPr>
+          <p:nvPr/>
+        </p:nvPicPr>
+        <p:blipFill>
+          <a:blip r:embed="rId4"/>
+          <a:stretch>
+            <a:fillRect/>
+          </a:stretch>
+        </p:blipFill>
+        <p:spPr>
+          <a:xfrm>
+            <a:off x="7385154" y="380892"/>
+            <a:ext cx="3805003" cy="849659"/>
+          </a:xfrm>
+          <a:prstGeom prst="rect">
+            <a:avLst/>
+          </a:prstGeom>
+        </p:spPr>
+      </p:pic>
+    </p:spTree>
+    <p:extLst>
+      <p:ext uri="{BB962C8B-B14F-4D97-AF65-F5344CB8AC3E}">
+        <p14:creationId xmlns:p14="http://schemas.microsoft.com/office/powerpoint/2010/main" val="2143988561"/>
+      </p:ext>
+    </p:extLst>
+  </p:cSld>
+  <p:clrMapOvr>
+    <a:masterClrMapping/>
+  </p:clrMapOvr>
+</p:sld>
+</file>
+
+<file path=ppt/slides/slide6.xml><?xml version="1.0" encoding="utf-8"?>
+<p:sld xmlns:a="http://schemas.openxmlformats.org/drawingml/2006/main" xmlns:r="http://schemas.openxmlformats.org/officeDocument/2006/relationships" xmlns:p="http://schemas.openxmlformats.org/presentationml/2006/main">
+  <p:cSld>
+    <p:bg>
+      <p:bgPr>
+        <a:blipFill>
+          <a:blip r:embed="rId2"/>
+          <a:stretch>
+            <a:fillRect t="-9000" b="-9000"/>
+          </a:stretch>
+        </a:blipFill>
+        <a:effectLst/>
+      </p:bgPr>
+    </p:bg>
+    <p:spTree>
+      <p:nvGrpSpPr>
+        <p:cNvPr id="1" name=""/>
+        <p:cNvGrpSpPr/>
+        <p:nvPr/>
+      </p:nvGrpSpPr>
+      <p:grpSpPr>
+        <a:xfrm>
+          <a:off x="0" y="0"/>
+          <a:ext cx="0" cy="0"/>
+          <a:chOff x="0" y="0"/>
+          <a:chExt cx="0" cy="0"/>
+        </a:xfrm>
+      </p:grpSpPr>
+      <p:sp>
+        <p:nvSpPr>
+          <p:cNvPr id="2" name="Título 1">
+            <a:extLst>
+              <a:ext uri="{FF2B5EF4-FFF2-40B4-BE49-F238E27FC236}">
+                <a16:creationId xmlns:a16="http://schemas.microsoft.com/office/drawing/2014/main" id="{8895C448-D922-8C10-0B55-57D091CFD813}"/>
+              </a:ext>
+            </a:extLst>
+          </p:cNvPr>
+          <p:cNvSpPr>
+            <a:spLocks noGrp="1"/>
+          </p:cNvSpPr>
+          <p:nvPr>
+            <p:ph type="title"/>
+          </p:nvPr>
+        </p:nvSpPr>
+        <p:spPr>
+          <a:xfrm>
+            <a:off x="896104" y="689912"/>
+            <a:ext cx="4511503" cy="888811"/>
+          </a:xfrm>
+        </p:spPr>
+        <p:txBody>
+          <a:bodyPr/>
+          <a:lstStyle/>
+          <a:p>
+            <a:r>
+              <a:rPr lang="es-ES" b="1" dirty="0" err="1">
+                <a:solidFill>
+                  <a:schemeClr val="bg1"/>
+                </a:solidFill>
+              </a:rPr>
+              <a:t>Csv</a:t>
+            </a:r>
+            <a:r>
+              <a:rPr lang="es-ES" b="1" dirty="0">
+                <a:solidFill>
+                  <a:schemeClr val="bg1"/>
+                </a:solidFill>
+              </a:rPr>
+              <a:t> final</a:t>
+            </a:r>
+          </a:p>
+        </p:txBody>
+      </p:sp>
+      <p:pic>
+        <p:nvPicPr>
+          <p:cNvPr id="11" name="Marcador de contenido 10">
+            <a:extLst>
+              <a:ext uri="{FF2B5EF4-FFF2-40B4-BE49-F238E27FC236}">
+                <a16:creationId xmlns:a16="http://schemas.microsoft.com/office/drawing/2014/main" id="{3A235687-203E-0DE8-A485-70DD937A4209}"/>
+              </a:ext>
+            </a:extLst>
+          </p:cNvPr>
+          <p:cNvPicPr>
+            <a:picLocks noGrp="1" noChangeAspect="1"/>
+          </p:cNvPicPr>
+          <p:nvPr>
+            <p:ph idx="1"/>
+          </p:nvPr>
+        </p:nvPicPr>
+        <p:blipFill>
+          <a:blip r:embed="rId3"/>
+          <a:stretch>
+            <a:fillRect/>
+          </a:stretch>
+        </p:blipFill>
+        <p:spPr>
+          <a:xfrm>
+            <a:off x="-3305" y="2020195"/>
+            <a:ext cx="12156485" cy="1015042"/>
+          </a:xfrm>
+        </p:spPr>
+      </p:pic>
+      <p:pic>
+        <p:nvPicPr>
+          <p:cNvPr id="12" name="Imagen 11" descr="Interfaz de usuario gráfica, Tabla&#10;&#10;Descripción generada automáticamente">
+            <a:extLst>
+              <a:ext uri="{FF2B5EF4-FFF2-40B4-BE49-F238E27FC236}">
+                <a16:creationId xmlns:a16="http://schemas.microsoft.com/office/drawing/2014/main" id="{325B34D1-2DD9-AD70-9585-9CE810B6EC4F}"/>
+              </a:ext>
+            </a:extLst>
+          </p:cNvPr>
+          <p:cNvPicPr>
+            <a:picLocks noChangeAspect="1"/>
+          </p:cNvPicPr>
+          <p:nvPr/>
+        </p:nvPicPr>
+        <p:blipFill>
+          <a:blip r:embed="rId4"/>
+          <a:stretch>
+            <a:fillRect/>
+          </a:stretch>
+        </p:blipFill>
+        <p:spPr>
+          <a:xfrm>
+            <a:off x="-47469" y="3300818"/>
+            <a:ext cx="12236970" cy="1830332"/>
+          </a:xfrm>
+          <a:prstGeom prst="rect">
+            <a:avLst/>
+          </a:prstGeom>
+        </p:spPr>
+      </p:pic>
+      <p:sp>
+        <p:nvSpPr>
+          <p:cNvPr id="14" name="Título 1">
+            <a:extLst>
+              <a:ext uri="{FF2B5EF4-FFF2-40B4-BE49-F238E27FC236}">
+                <a16:creationId xmlns:a16="http://schemas.microsoft.com/office/drawing/2014/main" id="{EA960D95-1667-3A4F-2986-7ED880ADB047}"/>
+              </a:ext>
+            </a:extLst>
+          </p:cNvPr>
+          <p:cNvSpPr txBox="1">
+            <a:spLocks/>
+          </p:cNvSpPr>
+          <p:nvPr/>
+        </p:nvSpPr>
+        <p:spPr>
+          <a:xfrm>
+            <a:off x="3584340" y="5189460"/>
+            <a:ext cx="4511503" cy="888811"/>
+          </a:xfrm>
+          <a:prstGeom prst="rect">
+            <a:avLst/>
+          </a:prstGeom>
+        </p:spPr>
+        <p:txBody>
+          <a:bodyPr vert="horz" lIns="91440" tIns="45720" rIns="91440" bIns="45720" rtlCol="0" anchor="b">
+            <a:normAutofit/>
+          </a:bodyPr>
+          <a:lstStyle>
+            <a:lvl1pPr algn="l" defTabSz="914400" rtl="0" eaLnBrk="1" latinLnBrk="0" hangingPunct="1">
+              <a:lnSpc>
+                <a:spcPct val="120000"/>
+              </a:lnSpc>
+              <a:spcBef>
+                <a:spcPct val="0"/>
+              </a:spcBef>
+              <a:buNone/>
+              <a:defRPr sz="3200" kern="1200" cap="all" spc="700" baseline="0">
+                <a:solidFill>
+                  <a:schemeClr val="tx1"/>
+                </a:solidFill>
+                <a:latin typeface="+mj-lt"/>
+                <a:ea typeface="+mj-ea"/>
+                <a:cs typeface="+mj-cs"/>
+              </a:defRPr>
+            </a:lvl1pPr>
+          </a:lstStyle>
+          <a:p>
+            <a:r>
+              <a:rPr lang="es-ES" b="1" dirty="0">
+                <a:solidFill>
+                  <a:schemeClr val="bg1"/>
+                </a:solidFill>
+                <a:highlight>
+                  <a:srgbClr val="FF0000"/>
+                </a:highlight>
+              </a:rPr>
+              <a:t>Con 242 filas</a:t>
+            </a:r>
+          </a:p>
+        </p:txBody>
+      </p:sp>
+      <p:pic>
+        <p:nvPicPr>
+          <p:cNvPr id="16" name="Imagen 15">
+            <a:extLst>
+              <a:ext uri="{FF2B5EF4-FFF2-40B4-BE49-F238E27FC236}">
+                <a16:creationId xmlns:a16="http://schemas.microsoft.com/office/drawing/2014/main" id="{960339AA-6870-2CF2-EE0C-55337CFD4C21}"/>
+              </a:ext>
+            </a:extLst>
+          </p:cNvPr>
+          <p:cNvPicPr>
+            <a:picLocks noChangeAspect="1"/>
+          </p:cNvPicPr>
+          <p:nvPr/>
+        </p:nvPicPr>
+        <p:blipFill>
+          <a:blip r:embed="rId5"/>
+          <a:stretch>
+            <a:fillRect/>
+          </a:stretch>
+        </p:blipFill>
+        <p:spPr>
+          <a:xfrm>
+            <a:off x="7147810" y="405876"/>
+            <a:ext cx="4142281" cy="924609"/>
+          </a:xfrm>
+          <a:prstGeom prst="rect">
+            <a:avLst/>
+          </a:prstGeom>
+        </p:spPr>
+      </p:pic>
+    </p:spTree>
+    <p:extLst>
+      <p:ext uri="{BB962C8B-B14F-4D97-AF65-F5344CB8AC3E}">
+        <p14:creationId xmlns:p14="http://schemas.microsoft.com/office/powerpoint/2010/main" val="723187596"/>
+      </p:ext>
+    </p:extLst>
+  </p:cSld>
+  <p:clrMapOvr>
+    <a:masterClrMapping/>
+  </p:clrMapOvr>
+</p:sld>
+</file>
+
+<file path=ppt/slides/slide7.xml><?xml version="1.0" encoding="utf-8"?>
 <p:sld xmlns:a="http://schemas.openxmlformats.org/drawingml/2006/main" xmlns:r="http://schemas.openxmlformats.org/officeDocument/2006/relationships" xmlns:p="http://schemas.openxmlformats.org/presentationml/2006/main">
   <p:cSld>
     <p:bg>
@@ -7594,8 +13568,8 @@
         </p:blipFill>
         <p:spPr>
           <a:xfrm>
-            <a:off x="800101" y="1165853"/>
-            <a:ext cx="7236327" cy="4962566"/>
+            <a:off x="1512134" y="1015951"/>
+            <a:ext cx="8173212" cy="5612139"/>
           </a:xfrm>
           <a:prstGeom prst="rect">
             <a:avLst/>
@@ -7678,425 +13652,6 @@
 </p:sld>
 </file>
 
-<file path=ppt/slides/slide4.xml><?xml version="1.0" encoding="utf-8"?>
-<p:sld xmlns:a="http://schemas.openxmlformats.org/drawingml/2006/main" xmlns:r="http://schemas.openxmlformats.org/officeDocument/2006/relationships" xmlns:p="http://schemas.openxmlformats.org/presentationml/2006/main">
-  <p:cSld>
-    <p:bg>
-      <p:bgPr>
-        <a:solidFill>
-          <a:schemeClr val="bg1"/>
-        </a:solidFill>
-        <a:effectLst/>
-      </p:bgPr>
-    </p:bg>
-    <p:spTree>
-      <p:nvGrpSpPr>
-        <p:cNvPr id="1" name=""/>
-        <p:cNvGrpSpPr/>
-        <p:nvPr/>
-      </p:nvGrpSpPr>
-      <p:grpSpPr>
-        <a:xfrm>
-          <a:off x="0" y="0"/>
-          <a:ext cx="0" cy="0"/>
-          <a:chOff x="0" y="0"/>
-          <a:chExt cx="0" cy="0"/>
-        </a:xfrm>
-      </p:grpSpPr>
-      <p:sp useBgFill="1">
-        <p:nvSpPr>
-          <p:cNvPr id="7" name="Rectangle 6">
-            <a:extLst>
-              <a:ext uri="{FF2B5EF4-FFF2-40B4-BE49-F238E27FC236}">
-                <a16:creationId xmlns:a16="http://schemas.microsoft.com/office/drawing/2014/main" id="{ECC11440-8FCC-46C6-A3E0-D0649600F55F}"/>
-              </a:ext>
-              <a:ext uri="{C183D7F6-B498-43B3-948B-1728B52AA6E4}">
-                <adec:decorative xmlns:adec="http://schemas.microsoft.com/office/drawing/2017/decorative" val="1"/>
-              </a:ext>
-            </a:extLst>
-          </p:cNvPr>
-          <p:cNvSpPr>
-            <a:spLocks noGrp="1" noRot="1" noChangeAspect="1" noMove="1" noResize="1" noEditPoints="1" noAdjustHandles="1" noChangeArrowheads="1" noChangeShapeType="1" noTextEdit="1"/>
-          </p:cNvSpPr>
-          <p:nvPr>
-            <p:extLst>
-              <p:ext uri="{386F3935-93C4-4BCD-93E2-E3B085C9AB24}">
-                <p16:designElem xmlns:p16="http://schemas.microsoft.com/office/powerpoint/2015/main" val="1"/>
-              </p:ext>
-            </p:extLst>
-          </p:nvPr>
-        </p:nvSpPr>
-        <p:spPr>
-          <a:xfrm>
-            <a:off x="0" y="0"/>
-            <a:ext cx="12192000" cy="6858000"/>
-          </a:xfrm>
-          <a:prstGeom prst="rect">
-            <a:avLst/>
-          </a:prstGeom>
-          <a:ln w="12700" cap="flat" cmpd="sng" algn="ctr">
-            <a:noFill/>
-            <a:prstDash val="solid"/>
-            <a:miter lim="800000"/>
-          </a:ln>
-          <a:effectLst/>
-          <a:extLst>
-            <a:ext uri="{91240B29-F687-4F45-9708-019B960494DF}">
-              <a14:hiddenLine xmlns:a14="http://schemas.microsoft.com/office/drawing/2010/main" w="12700" cap="flat" cmpd="sng" algn="ctr">
-                <a:solidFill>
-                  <a:schemeClr val="accent1">
-                    <a:shade val="50000"/>
-                  </a:schemeClr>
-                </a:solidFill>
-                <a:prstDash val="solid"/>
-                <a:miter lim="800000"/>
-              </a14:hiddenLine>
-            </a:ext>
-          </a:extLst>
-        </p:spPr>
-        <p:style>
-          <a:lnRef idx="2">
-            <a:schemeClr val="accent1">
-              <a:shade val="50000"/>
-            </a:schemeClr>
-          </a:lnRef>
-          <a:fillRef idx="1">
-            <a:schemeClr val="accent1"/>
-          </a:fillRef>
-          <a:effectRef idx="0">
-            <a:schemeClr val="accent1"/>
-          </a:effectRef>
-          <a:fontRef idx="minor">
-            <a:schemeClr val="lt1"/>
-          </a:fontRef>
-        </p:style>
-        <p:txBody>
-          <a:bodyPr rtlCol="0" anchor="ctr"/>
-          <a:lstStyle/>
-          <a:p>
-            <a:pPr algn="ctr"/>
-            <a:endParaRPr lang="en-US"/>
-          </a:p>
-        </p:txBody>
-      </p:sp>
-      <p:pic>
-        <p:nvPicPr>
-          <p:cNvPr id="2" name="Imagen 1" descr="Interfaz de usuario gráfica, Texto, Aplicación, Correo electrónico&#10;&#10;Descripción generada automáticamente">
-            <a:extLst>
-              <a:ext uri="{FF2B5EF4-FFF2-40B4-BE49-F238E27FC236}">
-                <a16:creationId xmlns:a16="http://schemas.microsoft.com/office/drawing/2014/main" id="{F0646DE3-1FB0-4CC6-BAEB-1D6C158C3DC0}"/>
-              </a:ext>
-            </a:extLst>
-          </p:cNvPr>
-          <p:cNvPicPr>
-            <a:picLocks noChangeAspect="1"/>
-          </p:cNvPicPr>
-          <p:nvPr/>
-        </p:nvPicPr>
-        <p:blipFill rotWithShape="1">
-          <a:blip r:embed="rId2"/>
-          <a:srcRect r="19111" b="-1"/>
-          <a:stretch/>
-        </p:blipFill>
-        <p:spPr>
-          <a:xfrm>
-            <a:off x="20" y="10"/>
-            <a:ext cx="12191980" cy="6857990"/>
-          </a:xfrm>
-          <a:prstGeom prst="rect">
-            <a:avLst/>
-          </a:prstGeom>
-        </p:spPr>
-      </p:pic>
-    </p:spTree>
-    <p:extLst>
-      <p:ext uri="{BB962C8B-B14F-4D97-AF65-F5344CB8AC3E}">
-        <p14:creationId xmlns:p14="http://schemas.microsoft.com/office/powerpoint/2010/main" val="2922464807"/>
-      </p:ext>
-    </p:extLst>
-  </p:cSld>
-  <p:clrMapOvr>
-    <a:masterClrMapping/>
-  </p:clrMapOvr>
-</p:sld>
-</file>
-
-<file path=ppt/slides/slide5.xml><?xml version="1.0" encoding="utf-8"?>
-<p:sld xmlns:a="http://schemas.openxmlformats.org/drawingml/2006/main" xmlns:r="http://schemas.openxmlformats.org/officeDocument/2006/relationships" xmlns:p="http://schemas.openxmlformats.org/presentationml/2006/main">
-  <p:cSld>
-    <p:spTree>
-      <p:nvGrpSpPr>
-        <p:cNvPr id="1" name=""/>
-        <p:cNvGrpSpPr/>
-        <p:nvPr/>
-      </p:nvGrpSpPr>
-      <p:grpSpPr>
-        <a:xfrm>
-          <a:off x="0" y="0"/>
-          <a:ext cx="0" cy="0"/>
-          <a:chOff x="0" y="0"/>
-          <a:chExt cx="0" cy="0"/>
-        </a:xfrm>
-      </p:grpSpPr>
-      <p:pic>
-        <p:nvPicPr>
-          <p:cNvPr id="4" name="Picture 3">
-            <a:extLst>
-              <a:ext uri="{FF2B5EF4-FFF2-40B4-BE49-F238E27FC236}">
-                <a16:creationId xmlns:a16="http://schemas.microsoft.com/office/drawing/2014/main" id="{877CB36C-9EE4-ABDA-6FE5-F4A883023766}"/>
-              </a:ext>
-            </a:extLst>
-          </p:cNvPr>
-          <p:cNvPicPr>
-            <a:picLocks noChangeAspect="1"/>
-          </p:cNvPicPr>
-          <p:nvPr/>
-        </p:nvPicPr>
-        <p:blipFill rotWithShape="1">
-          <a:blip r:embed="rId2">
-            <a:alphaModFix amt="50000"/>
-          </a:blip>
-          <a:srcRect t="25000"/>
-          <a:stretch/>
-        </p:blipFill>
-        <p:spPr>
-          <a:xfrm>
-            <a:off x="20" y="0"/>
-            <a:ext cx="12191980" cy="6857990"/>
-          </a:xfrm>
-          <a:prstGeom prst="rect">
-            <a:avLst/>
-          </a:prstGeom>
-          <a:noFill/>
-        </p:spPr>
-      </p:pic>
-      <p:pic>
-        <p:nvPicPr>
-          <p:cNvPr id="2" name="Imagen 1" descr="Interfaz de usuario gráfica, Texto, Aplicación, Correo electrónico&#10;&#10;Descripción generada automáticamente">
-            <a:extLst>
-              <a:ext uri="{FF2B5EF4-FFF2-40B4-BE49-F238E27FC236}">
-                <a16:creationId xmlns:a16="http://schemas.microsoft.com/office/drawing/2014/main" id="{91F5EA1D-1EE5-152A-6326-76E0AB4B1BE7}"/>
-              </a:ext>
-            </a:extLst>
-          </p:cNvPr>
-          <p:cNvPicPr>
-            <a:picLocks noChangeAspect="1"/>
-          </p:cNvPicPr>
-          <p:nvPr/>
-        </p:nvPicPr>
-        <p:blipFill>
-          <a:blip r:embed="rId3"/>
-          <a:stretch>
-            <a:fillRect/>
-          </a:stretch>
-        </p:blipFill>
-        <p:spPr>
-          <a:xfrm>
-            <a:off x="0" y="228467"/>
-            <a:ext cx="12192000" cy="6375528"/>
-          </a:xfrm>
-          <a:prstGeom prst="rect">
-            <a:avLst/>
-          </a:prstGeom>
-        </p:spPr>
-      </p:pic>
-    </p:spTree>
-    <p:extLst>
-      <p:ext uri="{BB962C8B-B14F-4D97-AF65-F5344CB8AC3E}">
-        <p14:creationId xmlns:p14="http://schemas.microsoft.com/office/powerpoint/2010/main" val="1269338804"/>
-      </p:ext>
-    </p:extLst>
-  </p:cSld>
-  <p:clrMapOvr>
-    <a:masterClrMapping/>
-  </p:clrMapOvr>
-</p:sld>
-</file>
-
-<file path=ppt/slides/slide6.xml><?xml version="1.0" encoding="utf-8"?>
-<p:sld xmlns:a="http://schemas.openxmlformats.org/drawingml/2006/main" xmlns:r="http://schemas.openxmlformats.org/officeDocument/2006/relationships" xmlns:p="http://schemas.openxmlformats.org/presentationml/2006/main">
-  <p:cSld>
-    <p:spTree>
-      <p:nvGrpSpPr>
-        <p:cNvPr id="1" name=""/>
-        <p:cNvGrpSpPr/>
-        <p:nvPr/>
-      </p:nvGrpSpPr>
-      <p:grpSpPr>
-        <a:xfrm>
-          <a:off x="0" y="0"/>
-          <a:ext cx="0" cy="0"/>
-          <a:chOff x="0" y="0"/>
-          <a:chExt cx="0" cy="0"/>
-        </a:xfrm>
-      </p:grpSpPr>
-      <p:pic>
-        <p:nvPicPr>
-          <p:cNvPr id="3" name="Picture 3">
-            <a:extLst>
-              <a:ext uri="{FF2B5EF4-FFF2-40B4-BE49-F238E27FC236}">
-                <a16:creationId xmlns:a16="http://schemas.microsoft.com/office/drawing/2014/main" id="{1976907E-D0BB-C305-C372-E069B490DA1D}"/>
-              </a:ext>
-            </a:extLst>
-          </p:cNvPr>
-          <p:cNvPicPr>
-            <a:picLocks noChangeAspect="1"/>
-          </p:cNvPicPr>
-          <p:nvPr/>
-        </p:nvPicPr>
-        <p:blipFill rotWithShape="1">
-          <a:blip r:embed="rId2">
-            <a:alphaModFix amt="50000"/>
-          </a:blip>
-          <a:srcRect t="25000"/>
-          <a:stretch/>
-        </p:blipFill>
-        <p:spPr>
-          <a:xfrm>
-            <a:off x="20" y="0"/>
-            <a:ext cx="12191980" cy="6857990"/>
-          </a:xfrm>
-          <a:prstGeom prst="rect">
-            <a:avLst/>
-          </a:prstGeom>
-          <a:noFill/>
-        </p:spPr>
-      </p:pic>
-      <p:pic>
-        <p:nvPicPr>
-          <p:cNvPr id="2" name="Imagen 1" descr="Interfaz de usuario gráfica, Texto, Aplicación, Correo electrónico&#10;&#10;Descripción generada automáticamente">
-            <a:extLst>
-              <a:ext uri="{FF2B5EF4-FFF2-40B4-BE49-F238E27FC236}">
-                <a16:creationId xmlns:a16="http://schemas.microsoft.com/office/drawing/2014/main" id="{EA65E996-150E-9E1D-2EDC-5E6C6EFE5A3F}"/>
-              </a:ext>
-            </a:extLst>
-          </p:cNvPr>
-          <p:cNvPicPr>
-            <a:picLocks noChangeAspect="1"/>
-          </p:cNvPicPr>
-          <p:nvPr/>
-        </p:nvPicPr>
-        <p:blipFill>
-          <a:blip r:embed="rId3"/>
-          <a:stretch>
-            <a:fillRect/>
-          </a:stretch>
-        </p:blipFill>
-        <p:spPr>
-          <a:xfrm>
-            <a:off x="0" y="635010"/>
-            <a:ext cx="12191980" cy="5745470"/>
-          </a:xfrm>
-          <a:prstGeom prst="rect">
-            <a:avLst/>
-          </a:prstGeom>
-        </p:spPr>
-      </p:pic>
-    </p:spTree>
-    <p:extLst>
-      <p:ext uri="{BB962C8B-B14F-4D97-AF65-F5344CB8AC3E}">
-        <p14:creationId xmlns:p14="http://schemas.microsoft.com/office/powerpoint/2010/main" val="4175403590"/>
-      </p:ext>
-    </p:extLst>
-  </p:cSld>
-  <p:clrMapOvr>
-    <a:masterClrMapping/>
-  </p:clrMapOvr>
-</p:sld>
-</file>
-
-<file path=ppt/slides/slide7.xml><?xml version="1.0" encoding="utf-8"?>
-<p:sld xmlns:a="http://schemas.openxmlformats.org/drawingml/2006/main" xmlns:r="http://schemas.openxmlformats.org/officeDocument/2006/relationships" xmlns:p="http://schemas.openxmlformats.org/presentationml/2006/main">
-  <p:cSld>
-    <p:spTree>
-      <p:nvGrpSpPr>
-        <p:cNvPr id="1" name=""/>
-        <p:cNvGrpSpPr/>
-        <p:nvPr/>
-      </p:nvGrpSpPr>
-      <p:grpSpPr>
-        <a:xfrm>
-          <a:off x="0" y="0"/>
-          <a:ext cx="0" cy="0"/>
-          <a:chOff x="0" y="0"/>
-          <a:chExt cx="0" cy="0"/>
-        </a:xfrm>
-      </p:grpSpPr>
-      <p:pic>
-        <p:nvPicPr>
-          <p:cNvPr id="3" name="Picture 3">
-            <a:extLst>
-              <a:ext uri="{FF2B5EF4-FFF2-40B4-BE49-F238E27FC236}">
-                <a16:creationId xmlns:a16="http://schemas.microsoft.com/office/drawing/2014/main" id="{B9F59CFD-179C-8566-4AE9-097254EBC0F8}"/>
-              </a:ext>
-            </a:extLst>
-          </p:cNvPr>
-          <p:cNvPicPr>
-            <a:picLocks noChangeAspect="1"/>
-          </p:cNvPicPr>
-          <p:nvPr/>
-        </p:nvPicPr>
-        <p:blipFill rotWithShape="1">
-          <a:blip r:embed="rId2">
-            <a:alphaModFix amt="50000"/>
-          </a:blip>
-          <a:srcRect t="25000"/>
-          <a:stretch/>
-        </p:blipFill>
-        <p:spPr>
-          <a:xfrm>
-            <a:off x="20" y="0"/>
-            <a:ext cx="12191980" cy="6857990"/>
-          </a:xfrm>
-          <a:prstGeom prst="rect">
-            <a:avLst/>
-          </a:prstGeom>
-          <a:noFill/>
-        </p:spPr>
-      </p:pic>
-      <p:pic>
-        <p:nvPicPr>
-          <p:cNvPr id="4" name="Imagen 3">
-            <a:extLst>
-              <a:ext uri="{FF2B5EF4-FFF2-40B4-BE49-F238E27FC236}">
-                <a16:creationId xmlns:a16="http://schemas.microsoft.com/office/drawing/2014/main" id="{149CA177-BA71-F75F-5504-DBBEB94A093E}"/>
-              </a:ext>
-            </a:extLst>
-          </p:cNvPr>
-          <p:cNvPicPr>
-            <a:picLocks noChangeAspect="1"/>
-          </p:cNvPicPr>
-          <p:nvPr/>
-        </p:nvPicPr>
-        <p:blipFill>
-          <a:blip r:embed="rId3"/>
-          <a:stretch>
-            <a:fillRect/>
-          </a:stretch>
-        </p:blipFill>
-        <p:spPr>
-          <a:xfrm>
-            <a:off x="0" y="563884"/>
-            <a:ext cx="12191980" cy="5730231"/>
-          </a:xfrm>
-          <a:prstGeom prst="rect">
-            <a:avLst/>
-          </a:prstGeom>
-        </p:spPr>
-      </p:pic>
-    </p:spTree>
-    <p:extLst>
-      <p:ext uri="{BB962C8B-B14F-4D97-AF65-F5344CB8AC3E}">
-        <p14:creationId xmlns:p14="http://schemas.microsoft.com/office/powerpoint/2010/main" val="1668333144"/>
-      </p:ext>
-    </p:extLst>
-  </p:cSld>
-  <p:clrMapOvr>
-    <a:masterClrMapping/>
-  </p:clrMapOvr>
-</p:sld>
-</file>
-
 <file path=ppt/slides/slide8.xml><?xml version="1.0" encoding="utf-8"?>
 <p:sld xmlns:a="http://schemas.openxmlformats.org/drawingml/2006/main" xmlns:r="http://schemas.openxmlformats.org/officeDocument/2006/relationships" xmlns:p="http://schemas.openxmlformats.org/presentationml/2006/main">
   <p:cSld>
@@ -8114,44 +13669,83 @@
           <a:chExt cx="0" cy="0"/>
         </a:xfrm>
       </p:grpSpPr>
+      <p:sp>
+        <p:nvSpPr>
+          <p:cNvPr id="2" name="Título 1">
+            <a:extLst>
+              <a:ext uri="{FF2B5EF4-FFF2-40B4-BE49-F238E27FC236}">
+                <a16:creationId xmlns:a16="http://schemas.microsoft.com/office/drawing/2014/main" id="{3B1E0936-7C1E-9CFB-1EDA-570CB0D94551}"/>
+              </a:ext>
+            </a:extLst>
+          </p:cNvPr>
+          <p:cNvSpPr>
+            <a:spLocks noGrp="1"/>
+          </p:cNvSpPr>
+          <p:nvPr>
+            <p:ph type="title"/>
+          </p:nvPr>
+        </p:nvSpPr>
+        <p:spPr>
+          <a:xfrm>
+            <a:off x="458891" y="190240"/>
+            <a:ext cx="5485863" cy="813860"/>
+          </a:xfrm>
+        </p:spPr>
+        <p:txBody>
+          <a:bodyPr/>
+          <a:lstStyle/>
+          <a:p>
+            <a:r>
+              <a:rPr lang="es-ES" b="1" err="1"/>
+              <a:t>Rml</a:t>
+            </a:r>
+            <a:r>
+              <a:rPr lang="es-ES" b="1" dirty="0"/>
+              <a:t> y </a:t>
+            </a:r>
+            <a:r>
+              <a:rPr lang="es-ES" b="1" err="1"/>
+              <a:t>mapping</a:t>
+            </a:r>
+            <a:endParaRPr lang="es-ES" b="1"/>
+          </a:p>
+        </p:txBody>
+      </p:sp>
       <p:pic>
         <p:nvPicPr>
-          <p:cNvPr id="3" name="Picture 3">
-            <a:extLst>
-              <a:ext uri="{FF2B5EF4-FFF2-40B4-BE49-F238E27FC236}">
-                <a16:creationId xmlns:a16="http://schemas.microsoft.com/office/drawing/2014/main" id="{7A4BABB4-12D4-4914-E9E0-E3AD5166D1CA}"/>
+          <p:cNvPr id="4" name="Marcador de contenido 3" descr="Imagen que contiene Icono&#10;&#10;Descripción generada automáticamente">
+            <a:extLst>
+              <a:ext uri="{FF2B5EF4-FFF2-40B4-BE49-F238E27FC236}">
+                <a16:creationId xmlns:a16="http://schemas.microsoft.com/office/drawing/2014/main" id="{4D668555-687A-76E8-153A-99961B08DD56}"/>
               </a:ext>
             </a:extLst>
           </p:cNvPr>
           <p:cNvPicPr>
-            <a:picLocks noChangeAspect="1"/>
+            <a:picLocks noGrp="1" noChangeAspect="1"/>
           </p:cNvPicPr>
-          <p:nvPr/>
+          <p:nvPr>
+            <p:ph idx="1"/>
+          </p:nvPr>
         </p:nvPicPr>
-        <p:blipFill rotWithShape="1">
-          <a:blip r:embed="rId2">
-            <a:alphaModFix amt="50000"/>
-          </a:blip>
-          <a:srcRect t="25000"/>
-          <a:stretch/>
+        <p:blipFill>
+          <a:blip r:embed="rId2"/>
+          <a:stretch>
+            <a:fillRect/>
+          </a:stretch>
         </p:blipFill>
         <p:spPr>
           <a:xfrm>
-            <a:off x="20" y="0"/>
-            <a:ext cx="12191980" cy="6857990"/>
+            <a:off x="10002672" y="109146"/>
+            <a:ext cx="1038694" cy="964681"/>
           </a:xfrm>
-          <a:prstGeom prst="rect">
-            <a:avLst/>
-          </a:prstGeom>
-          <a:noFill/>
         </p:spPr>
       </p:pic>
       <p:pic>
         <p:nvPicPr>
-          <p:cNvPr id="4" name="Imagen 3">
-            <a:extLst>
-              <a:ext uri="{FF2B5EF4-FFF2-40B4-BE49-F238E27FC236}">
-                <a16:creationId xmlns:a16="http://schemas.microsoft.com/office/drawing/2014/main" id="{C2AD4D1C-9876-0854-C838-73A390214FFC}"/>
+          <p:cNvPr id="5" name="Imagen 4" descr="Icono&#10;&#10;Descripción generada automáticamente">
+            <a:extLst>
+              <a:ext uri="{FF2B5EF4-FFF2-40B4-BE49-F238E27FC236}">
+                <a16:creationId xmlns:a16="http://schemas.microsoft.com/office/drawing/2014/main" id="{75DAB243-BBEE-C015-F1E1-AF7D85C7298D}"/>
               </a:ext>
             </a:extLst>
           </p:cNvPr>
@@ -8168,8 +13762,38 @@
         </p:blipFill>
         <p:spPr>
           <a:xfrm>
-            <a:off x="0" y="558062"/>
-            <a:ext cx="12191980" cy="5741883"/>
+            <a:off x="6851129" y="74873"/>
+            <a:ext cx="2362200" cy="962025"/>
+          </a:xfrm>
+          <a:prstGeom prst="rect">
+            <a:avLst/>
+          </a:prstGeom>
+        </p:spPr>
+      </p:pic>
+      <p:pic>
+        <p:nvPicPr>
+          <p:cNvPr id="6" name="Imagen 5" descr="Texto&#10;&#10;Descripción generada automáticamente">
+            <a:extLst>
+              <a:ext uri="{FF2B5EF4-FFF2-40B4-BE49-F238E27FC236}">
+                <a16:creationId xmlns:a16="http://schemas.microsoft.com/office/drawing/2014/main" id="{5A9D55C1-DEC9-87FD-3DAE-9371FE938D06}"/>
+              </a:ext>
+            </a:extLst>
+          </p:cNvPr>
+          <p:cNvPicPr>
+            <a:picLocks noChangeAspect="1"/>
+          </p:cNvPicPr>
+          <p:nvPr/>
+        </p:nvPicPr>
+        <p:blipFill>
+          <a:blip r:embed="rId4"/>
+          <a:stretch>
+            <a:fillRect/>
+          </a:stretch>
+        </p:blipFill>
+        <p:spPr>
+          <a:xfrm>
+            <a:off x="264826" y="1129349"/>
+            <a:ext cx="11200150" cy="5348811"/>
           </a:xfrm>
           <a:prstGeom prst="rect">
             <a:avLst/>
@@ -8179,7 +13803,7 @@
     </p:spTree>
     <p:extLst>
       <p:ext uri="{BB962C8B-B14F-4D97-AF65-F5344CB8AC3E}">
-        <p14:creationId xmlns:p14="http://schemas.microsoft.com/office/powerpoint/2010/main" val="3844755233"/>
+        <p14:creationId xmlns:p14="http://schemas.microsoft.com/office/powerpoint/2010/main" val="2516707007"/>
       </p:ext>
     </p:extLst>
   </p:cSld>
@@ -8206,12 +13830,49 @@
           <a:chExt cx="0" cy="0"/>
         </a:xfrm>
       </p:grpSpPr>
+      <p:sp>
+        <p:nvSpPr>
+          <p:cNvPr id="2" name="Título 1">
+            <a:extLst>
+              <a:ext uri="{FF2B5EF4-FFF2-40B4-BE49-F238E27FC236}">
+                <a16:creationId xmlns:a16="http://schemas.microsoft.com/office/drawing/2014/main" id="{905649BA-C516-3562-97B1-7F4F1C98FCC0}"/>
+              </a:ext>
+            </a:extLst>
+          </p:cNvPr>
+          <p:cNvSpPr>
+            <a:spLocks noGrp="1"/>
+          </p:cNvSpPr>
+          <p:nvPr>
+            <p:ph type="title"/>
+          </p:nvPr>
+        </p:nvSpPr>
+        <p:spPr>
+          <a:xfrm>
+            <a:off x="808661" y="365125"/>
+            <a:ext cx="4823798" cy="826352"/>
+          </a:xfrm>
+        </p:spPr>
+        <p:txBody>
+          <a:bodyPr/>
+          <a:lstStyle/>
+          <a:p>
+            <a:r>
+              <a:rPr lang="es-ES" b="1" dirty="0">
+                <a:ea typeface="+mj-lt"/>
+                <a:cs typeface="+mj-lt"/>
+              </a:rPr>
+              <a:t>RML Y MAPPING</a:t>
+            </a:r>
+            <a:endParaRPr lang="es-ES" dirty="0"/>
+          </a:p>
+        </p:txBody>
+      </p:sp>
       <p:pic>
         <p:nvPicPr>
-          <p:cNvPr id="3" name="Picture 3">
-            <a:extLst>
-              <a:ext uri="{FF2B5EF4-FFF2-40B4-BE49-F238E27FC236}">
-                <a16:creationId xmlns:a16="http://schemas.microsoft.com/office/drawing/2014/main" id="{CAA91386-B6C4-C0E7-494F-852F4E941914}"/>
+          <p:cNvPr id="5" name="Imagen 4" descr="Icono&#10;&#10;Descripción generada automáticamente">
+            <a:extLst>
+              <a:ext uri="{FF2B5EF4-FFF2-40B4-BE49-F238E27FC236}">
+                <a16:creationId xmlns:a16="http://schemas.microsoft.com/office/drawing/2014/main" id="{74777AEC-CB5F-2EEC-9630-ED15AECA155E}"/>
               </a:ext>
             </a:extLst>
           </p:cNvPr>
@@ -8220,30 +13881,28 @@
           </p:cNvPicPr>
           <p:nvPr/>
         </p:nvPicPr>
-        <p:blipFill rotWithShape="1">
-          <a:blip r:embed="rId2">
-            <a:alphaModFix amt="50000"/>
-          </a:blip>
-          <a:srcRect t="25000"/>
-          <a:stretch/>
+        <p:blipFill>
+          <a:blip r:embed="rId2"/>
+          <a:stretch>
+            <a:fillRect/>
+          </a:stretch>
         </p:blipFill>
         <p:spPr>
           <a:xfrm>
-            <a:off x="20" y="0"/>
-            <a:ext cx="12191980" cy="6857990"/>
+            <a:off x="6888604" y="224775"/>
+            <a:ext cx="2362200" cy="962025"/>
           </a:xfrm>
           <a:prstGeom prst="rect">
             <a:avLst/>
           </a:prstGeom>
-          <a:noFill/>
         </p:spPr>
       </p:pic>
       <p:pic>
         <p:nvPicPr>
-          <p:cNvPr id="2" name="Imagen 1" descr="Interfaz de usuario gráfica, Texto, Aplicación, Correo electrónico&#10;&#10;Descripción generada automáticamente">
-            <a:extLst>
-              <a:ext uri="{FF2B5EF4-FFF2-40B4-BE49-F238E27FC236}">
-                <a16:creationId xmlns:a16="http://schemas.microsoft.com/office/drawing/2014/main" id="{3972704A-4768-F47E-2D52-6164E26173CE}"/>
+          <p:cNvPr id="7" name="Marcador de contenido 3" descr="Imagen que contiene Icono&#10;&#10;Descripción generada automáticamente">
+            <a:extLst>
+              <a:ext uri="{FF2B5EF4-FFF2-40B4-BE49-F238E27FC236}">
+                <a16:creationId xmlns:a16="http://schemas.microsoft.com/office/drawing/2014/main" id="{6A5BE350-866D-7596-4E11-EC992DC57235}"/>
               </a:ext>
             </a:extLst>
           </p:cNvPr>
@@ -8260,8 +13919,128 @@
         </p:blipFill>
         <p:spPr>
           <a:xfrm>
-            <a:off x="4263" y="567791"/>
-            <a:ext cx="12187737" cy="5722418"/>
+            <a:off x="10040147" y="221572"/>
+            <a:ext cx="1038694" cy="964681"/>
+          </a:xfrm>
+          <a:prstGeom prst="rect">
+            <a:avLst/>
+          </a:prstGeom>
+        </p:spPr>
+      </p:pic>
+      <p:pic>
+        <p:nvPicPr>
+          <p:cNvPr id="8" name="Imagen 7" descr="Texto&#10;&#10;Descripción generada automáticamente">
+            <a:extLst>
+              <a:ext uri="{FF2B5EF4-FFF2-40B4-BE49-F238E27FC236}">
+                <a16:creationId xmlns:a16="http://schemas.microsoft.com/office/drawing/2014/main" id="{38A8699B-F0B3-1E18-A155-4991706E11D0}"/>
+              </a:ext>
+            </a:extLst>
+          </p:cNvPr>
+          <p:cNvPicPr>
+            <a:picLocks noChangeAspect="1"/>
+          </p:cNvPicPr>
+          <p:nvPr/>
+        </p:nvPicPr>
+        <p:blipFill>
+          <a:blip r:embed="rId4"/>
+          <a:stretch>
+            <a:fillRect/>
+          </a:stretch>
+        </p:blipFill>
+        <p:spPr>
+          <a:xfrm>
+            <a:off x="152401" y="1614398"/>
+            <a:ext cx="6578183" cy="1842876"/>
+          </a:xfrm>
+          <a:prstGeom prst="rect">
+            <a:avLst/>
+          </a:prstGeom>
+        </p:spPr>
+      </p:pic>
+      <p:pic>
+        <p:nvPicPr>
+          <p:cNvPr id="9" name="Imagen 8" descr="Texto&#10;&#10;Descripción generada automáticamente">
+            <a:extLst>
+              <a:ext uri="{FF2B5EF4-FFF2-40B4-BE49-F238E27FC236}">
+                <a16:creationId xmlns:a16="http://schemas.microsoft.com/office/drawing/2014/main" id="{3FEBE7C9-8BA0-F5E3-C757-55D0484FF65B}"/>
+              </a:ext>
+            </a:extLst>
+          </p:cNvPr>
+          <p:cNvPicPr>
+            <a:picLocks noChangeAspect="1"/>
+          </p:cNvPicPr>
+          <p:nvPr/>
+        </p:nvPicPr>
+        <p:blipFill>
+          <a:blip r:embed="rId5"/>
+          <a:stretch>
+            <a:fillRect/>
+          </a:stretch>
+        </p:blipFill>
+        <p:spPr>
+          <a:xfrm>
+            <a:off x="7831892" y="1618236"/>
+            <a:ext cx="3011461" cy="1822710"/>
+          </a:xfrm>
+          <a:prstGeom prst="rect">
+            <a:avLst/>
+          </a:prstGeom>
+        </p:spPr>
+      </p:pic>
+      <p:pic>
+        <p:nvPicPr>
+          <p:cNvPr id="10" name="Imagen 9" descr="Texto&#10;&#10;Descripción generada automáticamente">
+            <a:extLst>
+              <a:ext uri="{FF2B5EF4-FFF2-40B4-BE49-F238E27FC236}">
+                <a16:creationId xmlns:a16="http://schemas.microsoft.com/office/drawing/2014/main" id="{3097ADB5-394C-5BEF-1022-81BD032AF755}"/>
+              </a:ext>
+            </a:extLst>
+          </p:cNvPr>
+          <p:cNvPicPr>
+            <a:picLocks noChangeAspect="1"/>
+          </p:cNvPicPr>
+          <p:nvPr/>
+        </p:nvPicPr>
+        <p:blipFill>
+          <a:blip r:embed="rId6"/>
+          <a:stretch>
+            <a:fillRect/>
+          </a:stretch>
+        </p:blipFill>
+        <p:spPr>
+          <a:xfrm>
+            <a:off x="7360171" y="4068223"/>
+            <a:ext cx="4329659" cy="1682111"/>
+          </a:xfrm>
+          <a:prstGeom prst="rect">
+            <a:avLst/>
+          </a:prstGeom>
+        </p:spPr>
+      </p:pic>
+      <p:pic>
+        <p:nvPicPr>
+          <p:cNvPr id="11" name="Imagen 10" descr="Texto&#10;&#10;Descripción generada automáticamente">
+            <a:extLst>
+              <a:ext uri="{FF2B5EF4-FFF2-40B4-BE49-F238E27FC236}">
+                <a16:creationId xmlns:a16="http://schemas.microsoft.com/office/drawing/2014/main" id="{747CE06B-8928-9D2D-5434-264FFC7B272A}"/>
+              </a:ext>
+            </a:extLst>
+          </p:cNvPr>
+          <p:cNvPicPr>
+            <a:picLocks noChangeAspect="1"/>
+          </p:cNvPicPr>
+          <p:nvPr/>
+        </p:nvPicPr>
+        <p:blipFill>
+          <a:blip r:embed="rId7"/>
+          <a:stretch>
+            <a:fillRect/>
+          </a:stretch>
+        </p:blipFill>
+        <p:spPr>
+          <a:xfrm>
+            <a:off x="152400" y="3823227"/>
+            <a:ext cx="6578183" cy="2159613"/>
           </a:xfrm>
           <a:prstGeom prst="rect">
             <a:avLst/>
@@ -8271,7 +14050,7 @@
     </p:spTree>
     <p:extLst>
       <p:ext uri="{BB962C8B-B14F-4D97-AF65-F5344CB8AC3E}">
-        <p14:creationId xmlns:p14="http://schemas.microsoft.com/office/powerpoint/2010/main" val="3999069044"/>
+        <p14:creationId xmlns:p14="http://schemas.microsoft.com/office/powerpoint/2010/main" val="1626490027"/>
       </p:ext>
     </p:extLst>
   </p:cSld>
@@ -8483,12 +14262,11 @@
 </file>
 
 <file path=customXml/item1.xml><?xml version="1.0" encoding="utf-8"?>
-<?mso-contentType ?>
-<FormTemplates xmlns="http://schemas.microsoft.com/sharepoint/v3/contenttype/forms">
-  <Display>DocumentLibraryForm</Display>
-  <Edit>DocumentLibraryForm</Edit>
-  <New>DocumentLibraryForm</New>
-</FormTemplates>
+<p:properties xmlns:p="http://schemas.microsoft.com/office/2006/metadata/properties" xmlns:xsi="http://www.w3.org/2001/XMLSchema-instance" xmlns:pc="http://schemas.microsoft.com/office/infopath/2007/PartnerControls">
+  <documentManagement>
+    <_activity xmlns="9e2e7c3a-bd47-4b86-9926-d9416c083917" xsi:nil="true"/>
+  </documentManagement>
+</p:properties>
 </file>
 
 <file path=customXml/item2.xml><?xml version="1.0" encoding="utf-8"?>
@@ -8701,17 +14479,27 @@
 </file>
 
 <file path=customXml/item3.xml><?xml version="1.0" encoding="utf-8"?>
-<p:properties xmlns:p="http://schemas.microsoft.com/office/2006/metadata/properties" xmlns:xsi="http://www.w3.org/2001/XMLSchema-instance" xmlns:pc="http://schemas.microsoft.com/office/infopath/2007/PartnerControls">
-  <documentManagement>
-    <_activity xmlns="9e2e7c3a-bd47-4b86-9926-d9416c083917" xsi:nil="true"/>
-  </documentManagement>
-</p:properties>
+<?mso-contentType ?>
+<FormTemplates xmlns="http://schemas.microsoft.com/sharepoint/v3/contenttype/forms">
+  <Display>DocumentLibraryForm</Display>
+  <Edit>DocumentLibraryForm</Edit>
+  <New>DocumentLibraryForm</New>
+</FormTemplates>
 </file>
 
 <file path=customXml/itemProps1.xml><?xml version="1.0" encoding="utf-8"?>
-<ds:datastoreItem xmlns:ds="http://schemas.openxmlformats.org/officeDocument/2006/customXml" ds:itemID="{D89724E6-D98E-45BD-B821-9DBE0B537CA0}">
+<ds:datastoreItem xmlns:ds="http://schemas.openxmlformats.org/officeDocument/2006/customXml" ds:itemID="{3E262A5D-132E-4309-A0E0-919651FE1976}">
   <ds:schemaRefs>
-    <ds:schemaRef ds:uri="http://schemas.microsoft.com/sharepoint/v3/contenttype/forms"/>
+    <ds:schemaRef ds:uri="15dbeb40-bd18-4193-9e81-9d4ce3160d4f"/>
+    <ds:schemaRef ds:uri="9e2e7c3a-bd47-4b86-9926-d9416c083917"/>
+    <ds:schemaRef ds:uri="http://purl.org/dc/dcmitype/"/>
+    <ds:schemaRef ds:uri="http://purl.org/dc/elements/1.1/"/>
+    <ds:schemaRef ds:uri="http://purl.org/dc/terms/"/>
+    <ds:schemaRef ds:uri="http://schemas.microsoft.com/office/2006/documentManagement/types"/>
+    <ds:schemaRef ds:uri="http://schemas.microsoft.com/office/2006/metadata/properties"/>
+    <ds:schemaRef ds:uri="http://schemas.microsoft.com/office/infopath/2007/PartnerControls"/>
+    <ds:schemaRef ds:uri="http://schemas.openxmlformats.org/package/2006/metadata/core-properties"/>
+    <ds:schemaRef ds:uri="http://www.w3.org/XML/1998/namespace"/>
   </ds:schemaRefs>
 </ds:datastoreItem>
 </file>
@@ -8736,18 +14524,9 @@
 </file>
 
 <file path=customXml/itemProps3.xml><?xml version="1.0" encoding="utf-8"?>
-<ds:datastoreItem xmlns:ds="http://schemas.openxmlformats.org/officeDocument/2006/customXml" ds:itemID="{3E262A5D-132E-4309-A0E0-919651FE1976}">
+<ds:datastoreItem xmlns:ds="http://schemas.openxmlformats.org/officeDocument/2006/customXml" ds:itemID="{D89724E6-D98E-45BD-B821-9DBE0B537CA0}">
   <ds:schemaRefs>
-    <ds:schemaRef ds:uri="http://purl.org/dc/terms/"/>
-    <ds:schemaRef ds:uri="http://schemas.microsoft.com/office/infopath/2007/PartnerControls"/>
-    <ds:schemaRef ds:uri="http://purl.org/dc/dcmitype/"/>
-    <ds:schemaRef ds:uri="http://schemas.microsoft.com/office/2006/metadata/properties"/>
-    <ds:schemaRef ds:uri="9e2e7c3a-bd47-4b86-9926-d9416c083917"/>
-    <ds:schemaRef ds:uri="http://schemas.microsoft.com/office/2006/documentManagement/types"/>
-    <ds:schemaRef ds:uri="http://schemas.openxmlformats.org/package/2006/metadata/core-properties"/>
-    <ds:schemaRef ds:uri="15dbeb40-bd18-4193-9e81-9d4ce3160d4f"/>
-    <ds:schemaRef ds:uri="http://www.w3.org/XML/1998/namespace"/>
-    <ds:schemaRef ds:uri="http://purl.org/dc/elements/1.1/"/>
+    <ds:schemaRef ds:uri="http://schemas.microsoft.com/sharepoint/v3/contenttype/forms"/>
   </ds:schemaRefs>
 </ds:datastoreItem>
 </file>